--- a/reference_content/Slides/tensorflow_optimization.pptx
+++ b/reference_content/Slides/tensorflow_optimization.pptx
@@ -6,30 +6,44 @@
   </p:sldMasterIdLst>
   <p:sldIdLst>
     <p:sldId id="280" r:id="rId2"/>
-    <p:sldId id="278" r:id="rId3"/>
-    <p:sldId id="277" r:id="rId4"/>
-    <p:sldId id="256" r:id="rId5"/>
-    <p:sldId id="257" r:id="rId6"/>
-    <p:sldId id="258" r:id="rId7"/>
-    <p:sldId id="259" r:id="rId8"/>
-    <p:sldId id="264" r:id="rId9"/>
-    <p:sldId id="265" r:id="rId10"/>
+    <p:sldId id="292" r:id="rId3"/>
+    <p:sldId id="278" r:id="rId4"/>
+    <p:sldId id="277" r:id="rId5"/>
+    <p:sldId id="256" r:id="rId6"/>
+    <p:sldId id="257" r:id="rId7"/>
+    <p:sldId id="287" r:id="rId8"/>
+    <p:sldId id="258" r:id="rId9"/>
+    <p:sldId id="259" r:id="rId10"/>
     <p:sldId id="266" r:id="rId11"/>
-    <p:sldId id="279" r:id="rId12"/>
-    <p:sldId id="260" r:id="rId13"/>
-    <p:sldId id="261" r:id="rId14"/>
-    <p:sldId id="262" r:id="rId15"/>
-    <p:sldId id="263" r:id="rId16"/>
-    <p:sldId id="274" r:id="rId17"/>
-    <p:sldId id="271" r:id="rId18"/>
-    <p:sldId id="272" r:id="rId19"/>
-    <p:sldId id="267" r:id="rId20"/>
-    <p:sldId id="273" r:id="rId21"/>
-    <p:sldId id="275" r:id="rId22"/>
-    <p:sldId id="268" r:id="rId23"/>
-    <p:sldId id="276" r:id="rId24"/>
-    <p:sldId id="269" r:id="rId25"/>
-    <p:sldId id="270" r:id="rId26"/>
+    <p:sldId id="264" r:id="rId12"/>
+    <p:sldId id="265" r:id="rId13"/>
+    <p:sldId id="279" r:id="rId14"/>
+    <p:sldId id="281" r:id="rId15"/>
+    <p:sldId id="293" r:id="rId16"/>
+    <p:sldId id="260" r:id="rId17"/>
+    <p:sldId id="289" r:id="rId18"/>
+    <p:sldId id="261" r:id="rId19"/>
+    <p:sldId id="262" r:id="rId20"/>
+    <p:sldId id="282" r:id="rId21"/>
+    <p:sldId id="263" r:id="rId22"/>
+    <p:sldId id="271" r:id="rId23"/>
+    <p:sldId id="274" r:id="rId24"/>
+    <p:sldId id="272" r:id="rId25"/>
+    <p:sldId id="267" r:id="rId26"/>
+    <p:sldId id="273" r:id="rId27"/>
+    <p:sldId id="275" r:id="rId28"/>
+    <p:sldId id="268" r:id="rId29"/>
+    <p:sldId id="295" r:id="rId30"/>
+    <p:sldId id="294" r:id="rId31"/>
+    <p:sldId id="276" r:id="rId32"/>
+    <p:sldId id="283" r:id="rId33"/>
+    <p:sldId id="284" r:id="rId34"/>
+    <p:sldId id="286" r:id="rId35"/>
+    <p:sldId id="285" r:id="rId36"/>
+    <p:sldId id="288" r:id="rId37"/>
+    <p:sldId id="296" r:id="rId38"/>
+    <p:sldId id="269" r:id="rId39"/>
+    <p:sldId id="270" r:id="rId40"/>
   </p:sldIdLst>
   <p:sldSz cx="12192000" cy="6858000"/>
   <p:notesSz cx="6858000" cy="9144000"/>
@@ -335,7 +349,7 @@
           <a:p>
             <a:fld id="{04AB04D2-159E-4A89-9D41-8FD3B2B47560}" type="datetimeFigureOut">
               <a:rPr lang="LID4096" smtClean="0"/>
-              <a:t>3/31/24</a:t>
+              <a:t>3/19/25</a:t>
             </a:fld>
             <a:endParaRPr lang="LID4096"/>
           </a:p>
@@ -546,7 +560,7 @@
           <a:p>
             <a:fld id="{04AB04D2-159E-4A89-9D41-8FD3B2B47560}" type="datetimeFigureOut">
               <a:rPr lang="LID4096" smtClean="0"/>
-              <a:t>3/31/24</a:t>
+              <a:t>3/19/25</a:t>
             </a:fld>
             <a:endParaRPr lang="LID4096"/>
           </a:p>
@@ -761,7 +775,7 @@
           <a:p>
             <a:fld id="{04AB04D2-159E-4A89-9D41-8FD3B2B47560}" type="datetimeFigureOut">
               <a:rPr lang="LID4096" smtClean="0"/>
-              <a:t>3/31/24</a:t>
+              <a:t>3/19/25</a:t>
             </a:fld>
             <a:endParaRPr lang="LID4096"/>
           </a:p>
@@ -962,7 +976,7 @@
           <a:p>
             <a:fld id="{04AB04D2-159E-4A89-9D41-8FD3B2B47560}" type="datetimeFigureOut">
               <a:rPr lang="LID4096" smtClean="0"/>
-              <a:t>3/31/24</a:t>
+              <a:t>3/19/25</a:t>
             </a:fld>
             <a:endParaRPr lang="LID4096"/>
           </a:p>
@@ -1241,7 +1255,7 @@
           <a:p>
             <a:fld id="{04AB04D2-159E-4A89-9D41-8FD3B2B47560}" type="datetimeFigureOut">
               <a:rPr lang="LID4096" smtClean="0"/>
-              <a:t>3/31/24</a:t>
+              <a:t>3/19/25</a:t>
             </a:fld>
             <a:endParaRPr lang="LID4096"/>
           </a:p>
@@ -1509,7 +1523,7 @@
           <a:p>
             <a:fld id="{04AB04D2-159E-4A89-9D41-8FD3B2B47560}" type="datetimeFigureOut">
               <a:rPr lang="LID4096" smtClean="0"/>
-              <a:t>3/31/24</a:t>
+              <a:t>3/19/25</a:t>
             </a:fld>
             <a:endParaRPr lang="LID4096"/>
           </a:p>
@@ -1925,7 +1939,7 @@
           <a:p>
             <a:fld id="{04AB04D2-159E-4A89-9D41-8FD3B2B47560}" type="datetimeFigureOut">
               <a:rPr lang="LID4096" smtClean="0"/>
-              <a:t>3/31/24</a:t>
+              <a:t>3/19/25</a:t>
             </a:fld>
             <a:endParaRPr lang="LID4096"/>
           </a:p>
@@ -2074,7 +2088,7 @@
           <a:p>
             <a:fld id="{04AB04D2-159E-4A89-9D41-8FD3B2B47560}" type="datetimeFigureOut">
               <a:rPr lang="LID4096" smtClean="0"/>
-              <a:t>3/31/24</a:t>
+              <a:t>3/19/25</a:t>
             </a:fld>
             <a:endParaRPr lang="LID4096"/>
           </a:p>
@@ -2200,7 +2214,7 @@
           <a:p>
             <a:fld id="{04AB04D2-159E-4A89-9D41-8FD3B2B47560}" type="datetimeFigureOut">
               <a:rPr lang="LID4096" smtClean="0"/>
-              <a:t>3/31/24</a:t>
+              <a:t>3/19/25</a:t>
             </a:fld>
             <a:endParaRPr lang="LID4096"/>
           </a:p>
@@ -2451,7 +2465,7 @@
           <a:p>
             <a:fld id="{04AB04D2-159E-4A89-9D41-8FD3B2B47560}" type="datetimeFigureOut">
               <a:rPr lang="LID4096" smtClean="0"/>
-              <a:t>3/31/24</a:t>
+              <a:t>3/19/25</a:t>
             </a:fld>
             <a:endParaRPr lang="LID4096"/>
           </a:p>
@@ -2896,7 +2910,7 @@
           <a:p>
             <a:fld id="{04AB04D2-159E-4A89-9D41-8FD3B2B47560}" type="datetimeFigureOut">
               <a:rPr lang="LID4096" smtClean="0"/>
-              <a:t>3/31/24</a:t>
+              <a:t>3/19/25</a:t>
             </a:fld>
             <a:endParaRPr lang="LID4096"/>
           </a:p>
@@ -3223,7 +3237,7 @@
           <a:p>
             <a:fld id="{04AB04D2-159E-4A89-9D41-8FD3B2B47560}" type="datetimeFigureOut">
               <a:rPr lang="LID4096" smtClean="0"/>
-              <a:t>3/31/24</a:t>
+              <a:t>3/19/25</a:t>
             </a:fld>
             <a:endParaRPr lang="LID4096"/>
           </a:p>
@@ -3778,6 +3792,14 @@
             </a:r>
             <a:r>
               <a:rPr lang="en-US" dirty="0"/>
+              <a:t> and </a:t>
+            </a:r>
+            <a:r>
+              <a:rPr lang="en-US" dirty="0" err="1"/>
+              <a:t>keras</a:t>
+            </a:r>
+            <a:r>
+              <a:rPr lang="en-US" dirty="0"/>
               <a:t> part 2. </a:t>
             </a:r>
           </a:p>
@@ -3792,7 +3814,36 @@
             <a:pPr lvl="1"/>
             <a:r>
               <a:rPr lang="en-US" dirty="0"/>
-              <a:t>Assignment on neural network regression should be doable after this – it isn’t too complex. </a:t>
+              <a:t>Some things that we can change in tuning a model. </a:t>
+            </a:r>
+          </a:p>
+          <a:p>
+            <a:pPr lvl="1"/>
+            <a:r>
+              <a:rPr lang="en-US" dirty="0"/>
+              <a:t>Using a loss plot to tune the model. </a:t>
+            </a:r>
+          </a:p>
+          <a:p>
+            <a:pPr lvl="1"/>
+            <a:r>
+              <a:rPr lang="en-US" dirty="0"/>
+              <a:t>Assignment on neural network regression should be doable after this – it isn’t too complex.</a:t>
+            </a:r>
+          </a:p>
+          <a:p>
+            <a:pPr lvl="1"/>
+            <a:r>
+              <a:rPr lang="en-US" dirty="0"/>
+              <a:t>Please read </a:t>
+            </a:r>
+            <a:r>
+              <a:rPr lang="en-US" dirty="0" err="1"/>
+              <a:t>recipe_tuning_neural_networks.pdf</a:t>
+            </a:r>
+            <a:r>
+              <a:rPr lang="en-US" dirty="0"/>
+              <a:t> in docs folder, it’s a version of this.  </a:t>
             </a:r>
           </a:p>
           <a:p>
@@ -3805,21 +3856,19 @@
             <a:pPr lvl="1"/>
             <a:r>
               <a:rPr lang="en-US" dirty="0"/>
-              <a:t>Images in neural networks – CNNs. </a:t>
-            </a:r>
-          </a:p>
-          <a:p>
-            <a:pPr lvl="1"/>
-            <a:r>
-              <a:rPr lang="en-US" dirty="0"/>
-              <a:t>Processing image data in a smart way. </a:t>
-            </a:r>
-          </a:p>
-          <a:p>
-            <a:r>
-              <a:rPr lang="en-US" dirty="0"/>
-              <a:t>Overall – we’ll do some image stuff next, which is important. There are a few workbooks on NN-time series (RNN/LSTM/Transformers) that deal with sequences/NLP/text generation. Those are useful things, but we won’t get all the way through them. </a:t>
-            </a:r>
+              <a:t>Images in 2+ dimensions in neural networks – CNNs. </a:t>
+            </a:r>
+          </a:p>
+          <a:p>
+            <a:pPr lvl="1"/>
+            <a:r>
+              <a:rPr lang="en-US" dirty="0"/>
+              <a:t>Processing image data in a smart way – managing out of memory data and smarter datasets. </a:t>
+            </a:r>
+          </a:p>
+          <a:p>
+            <a:pPr lvl="1"/>
+            <a:endParaRPr lang="en-US" dirty="0"/>
           </a:p>
         </p:txBody>
       </p:sp>
@@ -4063,7 +4112,7 @@
           <p:cNvPr id="2" name="Title 1">
             <a:extLst>
               <a:ext uri="{FF2B5EF4-FFF2-40B4-BE49-F238E27FC236}">
-                <a16:creationId xmlns:a16="http://schemas.microsoft.com/office/drawing/2014/main" id="{B5ECD803-CC62-F82C-DCCB-D4B18E994727}"/>
+                <a16:creationId xmlns:a16="http://schemas.microsoft.com/office/drawing/2014/main" id="{96401725-9E0C-C94C-A904-0AD2C6AAE9D9}"/>
               </a:ext>
             </a:extLst>
           </p:cNvPr>
@@ -4079,7 +4128,10 @@
           <a:bodyPr/>
           <a:lstStyle/>
           <a:p>
-            <a:endParaRPr lang="en-US"/>
+            <a:r>
+              <a:rPr lang="en-US" dirty="0"/>
+              <a:t>Example: ImageNet</a:t>
+            </a:r>
           </a:p>
         </p:txBody>
       </p:sp>
@@ -4088,7 +4140,7 @@
           <p:cNvPr id="3" name="Content Placeholder 2">
             <a:extLst>
               <a:ext uri="{FF2B5EF4-FFF2-40B4-BE49-F238E27FC236}">
-                <a16:creationId xmlns:a16="http://schemas.microsoft.com/office/drawing/2014/main" id="{762A8CDE-3AA4-5187-A9F0-6AC5AF8B6E34}"/>
+                <a16:creationId xmlns:a16="http://schemas.microsoft.com/office/drawing/2014/main" id="{4F6E703D-820A-C645-952F-C87CDE2DFF51}"/>
               </a:ext>
             </a:extLst>
           </p:cNvPr>
@@ -4099,66 +4151,93 @@
             <p:ph idx="1"/>
           </p:nvPr>
         </p:nvSpPr>
-        <p:spPr/>
-        <p:txBody>
-          <a:bodyPr/>
-          <a:lstStyle/>
-          <a:p>
-            <a:endParaRPr lang="en-US"/>
-          </a:p>
-        </p:txBody>
-      </p:sp>
-      <p:pic>
-        <p:nvPicPr>
-          <p:cNvPr id="5122" name="Picture 2" descr="The world through the eyes of CNN. | by Shiv Vignesh | Analytics Vidhya |  Medium">
-            <a:extLst>
-              <a:ext uri="{FF2B5EF4-FFF2-40B4-BE49-F238E27FC236}">
-                <a16:creationId xmlns:a16="http://schemas.microsoft.com/office/drawing/2014/main" id="{6F305339-947B-9C75-0668-34D955E97280}"/>
-              </a:ext>
-            </a:extLst>
-          </p:cNvPr>
-          <p:cNvPicPr>
-            <a:picLocks noChangeAspect="1" noChangeArrowheads="1"/>
-          </p:cNvPicPr>
-          <p:nvPr/>
-        </p:nvPicPr>
-        <p:blipFill>
-          <a:blip r:embed="rId2">
-            <a:extLst>
-              <a:ext uri="{28A0092B-C50C-407E-A947-70E740481C1C}">
-                <a14:useLocalDpi xmlns:a14="http://schemas.microsoft.com/office/drawing/2010/main" val="0"/>
-              </a:ext>
-            </a:extLst>
-          </a:blip>
-          <a:srcRect/>
-          <a:stretch>
-            <a:fillRect/>
-          </a:stretch>
-        </p:blipFill>
-        <p:spPr bwMode="auto">
-          <a:xfrm>
-            <a:off x="984250" y="869950"/>
-            <a:ext cx="10223500" cy="5118100"/>
-          </a:xfrm>
-          <a:prstGeom prst="rect">
-            <a:avLst/>
-          </a:prstGeom>
-          <a:noFill/>
-          <a:extLst>
-            <a:ext uri="{909E8E84-426E-40DD-AFC4-6F175D3DCCD1}">
-              <a14:hiddenFill xmlns:a14="http://schemas.microsoft.com/office/drawing/2010/main">
-                <a:solidFill>
-                  <a:srgbClr val="FFFFFF"/>
-                </a:solidFill>
-              </a14:hiddenFill>
-            </a:ext>
-          </a:extLst>
-        </p:spPr>
-      </p:pic>
+        <p:spPr>
+          <a:xfrm>
+            <a:off x="1451579" y="1853754"/>
+            <a:ext cx="9603275" cy="4199727"/>
+          </a:xfrm>
+        </p:spPr>
+        <p:txBody>
+          <a:bodyPr>
+            <a:normAutofit lnSpcReduction="10000"/>
+          </a:bodyPr>
+          <a:lstStyle/>
+          <a:p>
+            <a:r>
+              <a:rPr lang="en-US" dirty="0" err="1"/>
+              <a:t>Imagenet</a:t>
+            </a:r>
+            <a:r>
+              <a:rPr lang="en-US" dirty="0"/>
+              <a:t> is a dataset developed in the late 2000s to help computer vision. </a:t>
+            </a:r>
+          </a:p>
+          <a:p>
+            <a:pPr lvl="1"/>
+            <a:r>
+              <a:rPr lang="en-US" dirty="0"/>
+              <a:t>Thought – better dataset leads to better models. </a:t>
+            </a:r>
+          </a:p>
+          <a:p>
+            <a:r>
+              <a:rPr lang="en-US" dirty="0"/>
+              <a:t>Nested set of 3.2 million (initially) to over 13 million (now) images with labels. </a:t>
+            </a:r>
+          </a:p>
+          <a:p>
+            <a:pPr lvl="1"/>
+            <a:r>
+              <a:rPr lang="en-US" dirty="0"/>
+              <a:t>Labeled largely through Mechanical Turk service. </a:t>
+            </a:r>
+          </a:p>
+          <a:p>
+            <a:pPr lvl="1"/>
+            <a:r>
+              <a:rPr lang="en-US" dirty="0"/>
+              <a:t>Hierarchical labels – e.g. a chair is a type of furniture, a dog is an animal. </a:t>
+            </a:r>
+          </a:p>
+          <a:p>
+            <a:r>
+              <a:rPr lang="en-US" dirty="0"/>
+              <a:t>Became benchmark of image recognition accuracy.</a:t>
+            </a:r>
+          </a:p>
+          <a:p>
+            <a:r>
+              <a:rPr lang="en-US" dirty="0"/>
+              <a:t>From ~2012-2013 to ~2015-2016 networks got deeper and losses fell. </a:t>
+            </a:r>
+          </a:p>
+          <a:p>
+            <a:pPr lvl="1"/>
+            <a:r>
+              <a:rPr lang="en-US" dirty="0"/>
+              <a:t>In addition to use of CNN architecture – next time. </a:t>
+            </a:r>
+          </a:p>
+          <a:p>
+            <a:pPr lvl="1"/>
+            <a:r>
+              <a:rPr lang="en-US" dirty="0"/>
+              <a:t>Improved GPU speed and utilization drove success. </a:t>
+            </a:r>
+          </a:p>
+          <a:p>
+            <a:pPr lvl="1"/>
+            <a:r>
+              <a:rPr lang="en-US" dirty="0"/>
+              <a:t>Why GPU? The multidimensional tensor operations are similar calculations to 3D space. </a:t>
+            </a:r>
+          </a:p>
+        </p:txBody>
+      </p:sp>
     </p:spTree>
     <p:extLst>
       <p:ext uri="{BB962C8B-B14F-4D97-AF65-F5344CB8AC3E}">
-        <p14:creationId xmlns:p14="http://schemas.microsoft.com/office/powerpoint/2010/main" val="39371472"/>
+        <p14:creationId xmlns:p14="http://schemas.microsoft.com/office/powerpoint/2010/main" val="3015852836"/>
       </p:ext>
     </p:extLst>
   </p:cSld>
@@ -4190,7 +4269,7 @@
           <p:cNvPr id="2" name="Title 1">
             <a:extLst>
               <a:ext uri="{FF2B5EF4-FFF2-40B4-BE49-F238E27FC236}">
-                <a16:creationId xmlns:a16="http://schemas.microsoft.com/office/drawing/2014/main" id="{3C3F4E92-B91C-4411-9AE6-F65251C2E68F}"/>
+                <a16:creationId xmlns:a16="http://schemas.microsoft.com/office/drawing/2014/main" id="{9E87A118-4046-1549-A491-E41BAA57FD48}"/>
               </a:ext>
             </a:extLst>
           </p:cNvPr>
@@ -4206,11 +4285,7 @@
           <a:bodyPr/>
           <a:lstStyle/>
           <a:p>
-            <a:r>
-              <a:rPr lang="en-CA" dirty="0"/>
-              <a:t>So how big do I make it?</a:t>
-            </a:r>
-            <a:endParaRPr lang="LID4096" dirty="0"/>
+            <a:endParaRPr lang="en-US"/>
           </a:p>
         </p:txBody>
       </p:sp>
@@ -4219,7 +4294,7 @@
           <p:cNvPr id="3" name="Content Placeholder 2">
             <a:extLst>
               <a:ext uri="{FF2B5EF4-FFF2-40B4-BE49-F238E27FC236}">
-                <a16:creationId xmlns:a16="http://schemas.microsoft.com/office/drawing/2014/main" id="{69AF324C-0304-4D50-9E1F-5D00ACFC962D}"/>
+                <a16:creationId xmlns:a16="http://schemas.microsoft.com/office/drawing/2014/main" id="{F0F98167-5640-AE4B-85EC-F441A191ADB1}"/>
               </a:ext>
             </a:extLst>
           </p:cNvPr>
@@ -4230,67 +4305,66 @@
             <p:ph idx="1"/>
           </p:nvPr>
         </p:nvSpPr>
-        <p:spPr>
-          <a:xfrm>
-            <a:off x="1451579" y="2015732"/>
-            <a:ext cx="9603275" cy="4037749"/>
-          </a:xfrm>
-        </p:spPr>
+        <p:spPr/>
         <p:txBody>
           <a:bodyPr/>
           <a:lstStyle/>
           <a:p>
-            <a:r>
-              <a:rPr lang="en-CA" dirty="0"/>
-              <a:t>See more specific guidelines in workbook. </a:t>
-            </a:r>
-          </a:p>
-          <a:p>
-            <a:r>
-              <a:rPr lang="en-CA" dirty="0"/>
-              <a:t>Start with 1 to 3 layers the same size as the input (or ~512-768 if input is huge). </a:t>
-            </a:r>
-          </a:p>
-          <a:p>
-            <a:r>
-              <a:rPr lang="en-CA" dirty="0"/>
-              <a:t>Add layers to overfit. </a:t>
-            </a:r>
-          </a:p>
-          <a:p>
-            <a:r>
-              <a:rPr lang="en-CA" dirty="0"/>
-              <a:t>Add regularization to cut overfitting. </a:t>
-            </a:r>
-          </a:p>
-          <a:p>
-            <a:r>
-              <a:rPr lang="en-CA" dirty="0"/>
-              <a:t>Try with layer size “funneled” down layer by layer. </a:t>
-            </a:r>
-          </a:p>
-          <a:p>
-            <a:r>
-              <a:rPr lang="en-CA" dirty="0"/>
-              <a:t>Prune network. </a:t>
-            </a:r>
-          </a:p>
-          <a:p>
-            <a:endParaRPr lang="en-CA" dirty="0"/>
-          </a:p>
-          <a:p>
-            <a:r>
-              <a:rPr lang="en-CA" dirty="0"/>
-              <a:t>A real answer is grid search, this should get us close enough to start with. </a:t>
-            </a:r>
-            <a:endParaRPr lang="LID4096" dirty="0"/>
-          </a:p>
-        </p:txBody>
-      </p:sp>
+            <a:endParaRPr lang="en-US"/>
+          </a:p>
+        </p:txBody>
+      </p:sp>
+      <p:pic>
+        <p:nvPicPr>
+          <p:cNvPr id="1026" name="Picture 2" descr="Recent ConvNets proposed in ILSVRC. | Download Scientific Diagram">
+            <a:extLst>
+              <a:ext uri="{FF2B5EF4-FFF2-40B4-BE49-F238E27FC236}">
+                <a16:creationId xmlns:a16="http://schemas.microsoft.com/office/drawing/2014/main" id="{7539817F-65DB-2342-AE57-926325560A6F}"/>
+              </a:ext>
+            </a:extLst>
+          </p:cNvPr>
+          <p:cNvPicPr>
+            <a:picLocks noChangeAspect="1" noChangeArrowheads="1"/>
+          </p:cNvPicPr>
+          <p:nvPr/>
+        </p:nvPicPr>
+        <p:blipFill>
+          <a:blip r:embed="rId2">
+            <a:extLst>
+              <a:ext uri="{28A0092B-C50C-407E-A947-70E740481C1C}">
+                <a14:useLocalDpi xmlns:a14="http://schemas.microsoft.com/office/drawing/2010/main" val="0"/>
+              </a:ext>
+            </a:extLst>
+          </a:blip>
+          <a:srcRect/>
+          <a:stretch>
+            <a:fillRect/>
+          </a:stretch>
+        </p:blipFill>
+        <p:spPr bwMode="auto">
+          <a:xfrm>
+            <a:off x="0" y="1020417"/>
+            <a:ext cx="12179576" cy="4585252"/>
+          </a:xfrm>
+          <a:prstGeom prst="rect">
+            <a:avLst/>
+          </a:prstGeom>
+          <a:noFill/>
+          <a:extLst>
+            <a:ext uri="{909E8E84-426E-40DD-AFC4-6F175D3DCCD1}">
+              <a14:hiddenFill xmlns:a14="http://schemas.microsoft.com/office/drawing/2010/main">
+                <a:solidFill>
+                  <a:srgbClr val="FFFFFF"/>
+                </a:solidFill>
+              </a14:hiddenFill>
+            </a:ext>
+          </a:extLst>
+        </p:spPr>
+      </p:pic>
     </p:spTree>
     <p:extLst>
       <p:ext uri="{BB962C8B-B14F-4D97-AF65-F5344CB8AC3E}">
-        <p14:creationId xmlns:p14="http://schemas.microsoft.com/office/powerpoint/2010/main" val="2955667924"/>
+        <p14:creationId xmlns:p14="http://schemas.microsoft.com/office/powerpoint/2010/main" val="2745808106"/>
       </p:ext>
     </p:extLst>
   </p:cSld>
@@ -4322,7 +4396,7 @@
           <p:cNvPr id="2" name="Title 1">
             <a:extLst>
               <a:ext uri="{FF2B5EF4-FFF2-40B4-BE49-F238E27FC236}">
-                <a16:creationId xmlns:a16="http://schemas.microsoft.com/office/drawing/2014/main" id="{9DF6D07A-F89C-4648-8C5C-62C367F69E6C}"/>
+                <a16:creationId xmlns:a16="http://schemas.microsoft.com/office/drawing/2014/main" id="{B5ECD803-CC62-F82C-DCCB-D4B18E994727}"/>
               </a:ext>
             </a:extLst>
           </p:cNvPr>
@@ -4338,11 +4412,7 @@
           <a:bodyPr/>
           <a:lstStyle/>
           <a:p>
-            <a:r>
-              <a:rPr lang="en-CA" dirty="0"/>
-              <a:t>Epochs and Batches</a:t>
-            </a:r>
-            <a:endParaRPr lang="LID4096" dirty="0"/>
+            <a:endParaRPr lang="en-US"/>
           </a:p>
         </p:txBody>
       </p:sp>
@@ -4351,7 +4421,7 @@
           <p:cNvPr id="3" name="Content Placeholder 2">
             <a:extLst>
               <a:ext uri="{FF2B5EF4-FFF2-40B4-BE49-F238E27FC236}">
-                <a16:creationId xmlns:a16="http://schemas.microsoft.com/office/drawing/2014/main" id="{90B4D315-C411-40F9-A088-3BE0DD9996F7}"/>
+                <a16:creationId xmlns:a16="http://schemas.microsoft.com/office/drawing/2014/main" id="{762A8CDE-3AA4-5187-A9F0-6AC5AF8B6E34}"/>
               </a:ext>
             </a:extLst>
           </p:cNvPr>
@@ -4362,121 +4432,66 @@
             <p:ph idx="1"/>
           </p:nvPr>
         </p:nvSpPr>
-        <p:spPr>
-          <a:xfrm>
-            <a:off x="1183907" y="1853754"/>
-            <a:ext cx="10222030" cy="4114784"/>
-          </a:xfrm>
-        </p:spPr>
-        <p:txBody>
-          <a:bodyPr>
-            <a:normAutofit fontScale="92500" lnSpcReduction="10000"/>
-          </a:bodyPr>
-          <a:lstStyle/>
-          <a:p>
-            <a:r>
-              <a:rPr lang="en-CA" dirty="0"/>
-              <a:t>Epochs and batches are both things that are new to us with neural networks. </a:t>
-            </a:r>
-          </a:p>
-          <a:p>
-            <a:r>
-              <a:rPr lang="en-CA" dirty="0"/>
-              <a:t>Each epoch is an execution of one </a:t>
-            </a:r>
-            <a:r>
-              <a:rPr lang="en-CA" dirty="0" err="1"/>
-              <a:t>fp</a:t>
-            </a:r>
-            <a:r>
-              <a:rPr lang="en-CA" dirty="0"/>
-              <a:t>/bp through all of the data. </a:t>
-            </a:r>
-          </a:p>
-          <a:p>
-            <a:pPr lvl="1"/>
-            <a:r>
-              <a:rPr lang="en-CA" dirty="0"/>
-              <a:t>Easiest method is to set early stopping and let the computer figure it out. </a:t>
-            </a:r>
-          </a:p>
-          <a:p>
-            <a:pPr lvl="1"/>
-            <a:r>
-              <a:rPr lang="en-CA" dirty="0"/>
-              <a:t>Really big models might only have one epoch through the data total. </a:t>
-            </a:r>
-          </a:p>
-          <a:p>
-            <a:r>
-              <a:rPr lang="en-CA" dirty="0"/>
-              <a:t>Batches are how many records to process before updating weights. </a:t>
-            </a:r>
-          </a:p>
-          <a:p>
-            <a:pPr lvl="1"/>
-            <a:r>
-              <a:rPr lang="en-CA" dirty="0"/>
-              <a:t>Just like regular gradient descent – higher is more stable, smaller more erratic. </a:t>
-            </a:r>
-          </a:p>
-          <a:p>
-            <a:pPr lvl="1"/>
-            <a:r>
-              <a:rPr lang="en-CA" dirty="0"/>
-              <a:t>Limited at the top end by memory capacity. </a:t>
-            </a:r>
-          </a:p>
-          <a:p>
-            <a:pPr lvl="1"/>
-            <a:r>
-              <a:rPr lang="en-CA" dirty="0"/>
-              <a:t>Large vs small is still a matter of debate and varies by data. </a:t>
-            </a:r>
-          </a:p>
-          <a:p>
-            <a:pPr lvl="1"/>
-            <a:r>
-              <a:rPr lang="en-CA" dirty="0"/>
-              <a:t>Generally, smaller batches (as small as 2 -32) seems to offer better generalizable models. </a:t>
-            </a:r>
-          </a:p>
-          <a:p>
-            <a:pPr lvl="1"/>
-            <a:r>
-              <a:rPr lang="en-CA" dirty="0"/>
-              <a:t>Big batches may process far faster – better HW utilization and fewer weight updates. </a:t>
-            </a:r>
-          </a:p>
-          <a:p>
-            <a:pPr lvl="2"/>
-            <a:r>
-              <a:rPr lang="en-CA" dirty="0"/>
-              <a:t>Think – weight matrix per layer is </a:t>
-            </a:r>
-            <a:r>
-              <a:rPr lang="en-CA" dirty="0" err="1"/>
-              <a:t>input_size</a:t>
-            </a:r>
-            <a:r>
-              <a:rPr lang="en-CA" dirty="0"/>
-              <a:t> * </a:t>
-            </a:r>
-            <a:r>
-              <a:rPr lang="en-CA" dirty="0" err="1"/>
-              <a:t>output_size</a:t>
-            </a:r>
-            <a:r>
-              <a:rPr lang="en-CA" dirty="0"/>
-              <a:t>. 512 * 512 = ~250k updates</a:t>
-            </a:r>
-          </a:p>
-        </p:txBody>
-      </p:sp>
+        <p:spPr/>
+        <p:txBody>
+          <a:bodyPr/>
+          <a:lstStyle/>
+          <a:p>
+            <a:endParaRPr lang="en-US"/>
+          </a:p>
+        </p:txBody>
+      </p:sp>
+      <p:pic>
+        <p:nvPicPr>
+          <p:cNvPr id="5122" name="Picture 2" descr="The world through the eyes of CNN. | by Shiv Vignesh | Analytics Vidhya |  Medium">
+            <a:extLst>
+              <a:ext uri="{FF2B5EF4-FFF2-40B4-BE49-F238E27FC236}">
+                <a16:creationId xmlns:a16="http://schemas.microsoft.com/office/drawing/2014/main" id="{6F305339-947B-9C75-0668-34D955E97280}"/>
+              </a:ext>
+            </a:extLst>
+          </p:cNvPr>
+          <p:cNvPicPr>
+            <a:picLocks noChangeAspect="1" noChangeArrowheads="1"/>
+          </p:cNvPicPr>
+          <p:nvPr/>
+        </p:nvPicPr>
+        <p:blipFill>
+          <a:blip r:embed="rId2">
+            <a:extLst>
+              <a:ext uri="{28A0092B-C50C-407E-A947-70E740481C1C}">
+                <a14:useLocalDpi xmlns:a14="http://schemas.microsoft.com/office/drawing/2010/main" val="0"/>
+              </a:ext>
+            </a:extLst>
+          </a:blip>
+          <a:srcRect/>
+          <a:stretch>
+            <a:fillRect/>
+          </a:stretch>
+        </p:blipFill>
+        <p:spPr bwMode="auto">
+          <a:xfrm>
+            <a:off x="984250" y="869950"/>
+            <a:ext cx="10223500" cy="5118100"/>
+          </a:xfrm>
+          <a:prstGeom prst="rect">
+            <a:avLst/>
+          </a:prstGeom>
+          <a:noFill/>
+          <a:extLst>
+            <a:ext uri="{909E8E84-426E-40DD-AFC4-6F175D3DCCD1}">
+              <a14:hiddenFill xmlns:a14="http://schemas.microsoft.com/office/drawing/2010/main">
+                <a:solidFill>
+                  <a:srgbClr val="FFFFFF"/>
+                </a:solidFill>
+              </a14:hiddenFill>
+            </a:ext>
+          </a:extLst>
+        </p:spPr>
+      </p:pic>
     </p:spTree>
     <p:extLst>
       <p:ext uri="{BB962C8B-B14F-4D97-AF65-F5344CB8AC3E}">
-        <p14:creationId xmlns:p14="http://schemas.microsoft.com/office/powerpoint/2010/main" val="1589937291"/>
+        <p14:creationId xmlns:p14="http://schemas.microsoft.com/office/powerpoint/2010/main" val="39371472"/>
       </p:ext>
     </p:extLst>
   </p:cSld>
@@ -4508,6 +4523,886 @@
           <p:cNvPr id="2" name="Title 1">
             <a:extLst>
               <a:ext uri="{FF2B5EF4-FFF2-40B4-BE49-F238E27FC236}">
+                <a16:creationId xmlns:a16="http://schemas.microsoft.com/office/drawing/2014/main" id="{6D2E3FC1-569B-3833-FD06-2BEFF8062DB7}"/>
+              </a:ext>
+            </a:extLst>
+          </p:cNvPr>
+          <p:cNvSpPr>
+            <a:spLocks noGrp="1"/>
+          </p:cNvSpPr>
+          <p:nvPr>
+            <p:ph type="title"/>
+          </p:nvPr>
+        </p:nvSpPr>
+        <p:spPr>
+          <a:xfrm>
+            <a:off x="729205" y="804519"/>
+            <a:ext cx="11462794" cy="1049235"/>
+          </a:xfrm>
+        </p:spPr>
+        <p:txBody>
+          <a:bodyPr/>
+          <a:lstStyle/>
+          <a:p>
+            <a:r>
+              <a:rPr lang="en-US" dirty="0"/>
+              <a:t>Neural Nets as Feature Constructors (extractors)</a:t>
+            </a:r>
+          </a:p>
+        </p:txBody>
+      </p:sp>
+      <p:sp>
+        <p:nvSpPr>
+          <p:cNvPr id="3" name="Content Placeholder 2">
+            <a:extLst>
+              <a:ext uri="{FF2B5EF4-FFF2-40B4-BE49-F238E27FC236}">
+                <a16:creationId xmlns:a16="http://schemas.microsoft.com/office/drawing/2014/main" id="{25D8D692-56D5-5C55-3B26-019B75730840}"/>
+              </a:ext>
+            </a:extLst>
+          </p:cNvPr>
+          <p:cNvSpPr>
+            <a:spLocks noGrp="1"/>
+          </p:cNvSpPr>
+          <p:nvPr>
+            <p:ph idx="1"/>
+          </p:nvPr>
+        </p:nvSpPr>
+        <p:spPr>
+          <a:xfrm>
+            <a:off x="1451579" y="1853755"/>
+            <a:ext cx="9603275" cy="1887284"/>
+          </a:xfrm>
+        </p:spPr>
+        <p:txBody>
+          <a:bodyPr/>
+          <a:lstStyle/>
+          <a:p>
+            <a:r>
+              <a:rPr lang="en-US" dirty="0"/>
+              <a:t>We can also think of a deep neural network split into two pieces:</a:t>
+            </a:r>
+          </a:p>
+          <a:p>
+            <a:pPr lvl="1"/>
+            <a:r>
+              <a:rPr lang="en-US" dirty="0"/>
+              <a:t>The final layer to do the classification (or regression), normally called the ‘classifier’. </a:t>
+            </a:r>
+          </a:p>
+          <a:p>
+            <a:pPr lvl="1"/>
+            <a:r>
+              <a:rPr lang="en-US" dirty="0"/>
+              <a:t>The initial layers to construct the best features that allow the classifier to be accurate. </a:t>
+            </a:r>
+          </a:p>
+          <a:p>
+            <a:r>
+              <a:rPr lang="en-US" dirty="0"/>
+              <a:t>Final layer is a logistic regression, other layers are a smart feature constructor. </a:t>
+            </a:r>
+          </a:p>
+        </p:txBody>
+      </p:sp>
+      <p:pic>
+        <p:nvPicPr>
+          <p:cNvPr id="1026" name="Picture 2" descr="Deep Transfer Learning With Self-Attention for Industry Sensor Fusion Tasks  - IEEE Sensors Alert">
+            <a:extLst>
+              <a:ext uri="{FF2B5EF4-FFF2-40B4-BE49-F238E27FC236}">
+                <a16:creationId xmlns:a16="http://schemas.microsoft.com/office/drawing/2014/main" id="{E3E98562-D6B3-9FBA-FBE7-866E717C954B}"/>
+              </a:ext>
+            </a:extLst>
+          </p:cNvPr>
+          <p:cNvPicPr>
+            <a:picLocks noChangeAspect="1" noChangeArrowheads="1"/>
+          </p:cNvPicPr>
+          <p:nvPr/>
+        </p:nvPicPr>
+        <p:blipFill>
+          <a:blip r:embed="rId2">
+            <a:extLst>
+              <a:ext uri="{28A0092B-C50C-407E-A947-70E740481C1C}">
+                <a14:useLocalDpi xmlns:a14="http://schemas.microsoft.com/office/drawing/2010/main" val="0"/>
+              </a:ext>
+            </a:extLst>
+          </a:blip>
+          <a:srcRect/>
+          <a:stretch>
+            <a:fillRect/>
+          </a:stretch>
+        </p:blipFill>
+        <p:spPr bwMode="auto">
+          <a:xfrm>
+            <a:off x="1647031" y="3741038"/>
+            <a:ext cx="8897937" cy="2943088"/>
+          </a:xfrm>
+          <a:prstGeom prst="rect">
+            <a:avLst/>
+          </a:prstGeom>
+          <a:noFill/>
+          <a:extLst>
+            <a:ext uri="{909E8E84-426E-40DD-AFC4-6F175D3DCCD1}">
+              <a14:hiddenFill xmlns:a14="http://schemas.microsoft.com/office/drawing/2010/main">
+                <a:solidFill>
+                  <a:srgbClr val="FFFFFF"/>
+                </a:solidFill>
+              </a14:hiddenFill>
+            </a:ext>
+          </a:extLst>
+        </p:spPr>
+      </p:pic>
+    </p:spTree>
+    <p:extLst>
+      <p:ext uri="{BB962C8B-B14F-4D97-AF65-F5344CB8AC3E}">
+        <p14:creationId xmlns:p14="http://schemas.microsoft.com/office/powerpoint/2010/main" val="963805827"/>
+      </p:ext>
+    </p:extLst>
+  </p:cSld>
+  <p:clrMapOvr>
+    <a:masterClrMapping/>
+  </p:clrMapOvr>
+</p:sld>
+</file>
+
+<file path=ppt/slides/slide15.xml><?xml version="1.0" encoding="utf-8"?>
+<p:sld xmlns:a="http://schemas.openxmlformats.org/drawingml/2006/main" xmlns:r="http://schemas.openxmlformats.org/officeDocument/2006/relationships" xmlns:p="http://schemas.openxmlformats.org/presentationml/2006/main">
+  <p:cSld>
+    <p:spTree>
+      <p:nvGrpSpPr>
+        <p:cNvPr id="1" name=""/>
+        <p:cNvGrpSpPr/>
+        <p:nvPr/>
+      </p:nvGrpSpPr>
+      <p:grpSpPr>
+        <a:xfrm>
+          <a:off x="0" y="0"/>
+          <a:ext cx="0" cy="0"/>
+          <a:chOff x="0" y="0"/>
+          <a:chExt cx="0" cy="0"/>
+        </a:xfrm>
+      </p:grpSpPr>
+      <p:sp>
+        <p:nvSpPr>
+          <p:cNvPr id="2" name="Title 1">
+            <a:extLst>
+              <a:ext uri="{FF2B5EF4-FFF2-40B4-BE49-F238E27FC236}">
+                <a16:creationId xmlns:a16="http://schemas.microsoft.com/office/drawing/2014/main" id="{A4CB583C-8EA5-39BD-D4B2-19B2A8DEB7D0}"/>
+              </a:ext>
+            </a:extLst>
+          </p:cNvPr>
+          <p:cNvSpPr>
+            <a:spLocks noGrp="1"/>
+          </p:cNvSpPr>
+          <p:nvPr>
+            <p:ph type="title"/>
+          </p:nvPr>
+        </p:nvSpPr>
+        <p:spPr>
+          <a:xfrm>
+            <a:off x="1451579" y="497712"/>
+            <a:ext cx="9603275" cy="833378"/>
+          </a:xfrm>
+        </p:spPr>
+        <p:txBody>
+          <a:bodyPr>
+            <a:normAutofit/>
+          </a:bodyPr>
+          <a:lstStyle/>
+          <a:p>
+            <a:r>
+              <a:rPr lang="en-US" dirty="0"/>
+              <a:t>NN Feature Construction Vs </a:t>
+            </a:r>
+            <a:r>
+              <a:rPr lang="en-US" dirty="0" err="1"/>
+              <a:t>Pca</a:t>
+            </a:r>
+            <a:endParaRPr lang="en-US" dirty="0"/>
+          </a:p>
+        </p:txBody>
+      </p:sp>
+      <p:sp>
+        <p:nvSpPr>
+          <p:cNvPr id="3" name="Content Placeholder 2">
+            <a:extLst>
+              <a:ext uri="{FF2B5EF4-FFF2-40B4-BE49-F238E27FC236}">
+                <a16:creationId xmlns:a16="http://schemas.microsoft.com/office/drawing/2014/main" id="{F5523B30-C183-0BB9-85C8-6CFE946AA9FB}"/>
+              </a:ext>
+            </a:extLst>
+          </p:cNvPr>
+          <p:cNvSpPr>
+            <a:spLocks noGrp="1"/>
+          </p:cNvSpPr>
+          <p:nvPr>
+            <p:ph idx="1"/>
+          </p:nvPr>
+        </p:nvSpPr>
+        <p:spPr>
+          <a:xfrm>
+            <a:off x="6769100" y="1853754"/>
+            <a:ext cx="5422900" cy="4199727"/>
+          </a:xfrm>
+        </p:spPr>
+        <p:txBody>
+          <a:bodyPr>
+            <a:normAutofit/>
+          </a:bodyPr>
+          <a:lstStyle/>
+          <a:p>
+            <a:r>
+              <a:rPr lang="en-US" dirty="0"/>
+              <a:t>We can also picture this compared to PCA. </a:t>
+            </a:r>
+          </a:p>
+          <a:p>
+            <a:r>
+              <a:rPr lang="en-US" dirty="0"/>
+              <a:t>PCA does a simple linear transformation on features to generate new features that are better predictors. </a:t>
+            </a:r>
+          </a:p>
+          <a:p>
+            <a:pPr lvl="1"/>
+            <a:r>
+              <a:rPr lang="en-US" dirty="0"/>
+              <a:t>PCA is a specific calc – it does what it does. </a:t>
+            </a:r>
+          </a:p>
+          <a:p>
+            <a:r>
+              <a:rPr lang="en-US" dirty="0"/>
+              <a:t>NN layers do a non-linear transformation on features to get new features that are better predictors. </a:t>
+            </a:r>
+          </a:p>
+          <a:p>
+            <a:pPr lvl="1"/>
+            <a:r>
+              <a:rPr lang="en-US" dirty="0"/>
+              <a:t>NN training is smart, it’ll adapt each batch based on the results – the potential is far higher. </a:t>
+            </a:r>
+          </a:p>
+        </p:txBody>
+      </p:sp>
+      <p:pic>
+        <p:nvPicPr>
+          <p:cNvPr id="10242" name="Picture 2" descr="PCA - Principal Component Analysis">
+            <a:extLst>
+              <a:ext uri="{FF2B5EF4-FFF2-40B4-BE49-F238E27FC236}">
+                <a16:creationId xmlns:a16="http://schemas.microsoft.com/office/drawing/2014/main" id="{A2185C94-7D7E-383B-66D5-A3A8A249C310}"/>
+              </a:ext>
+            </a:extLst>
+          </p:cNvPr>
+          <p:cNvPicPr>
+            <a:picLocks noChangeAspect="1" noChangeArrowheads="1"/>
+          </p:cNvPicPr>
+          <p:nvPr/>
+        </p:nvPicPr>
+        <p:blipFill>
+          <a:blip r:embed="rId2">
+            <a:extLst>
+              <a:ext uri="{28A0092B-C50C-407E-A947-70E740481C1C}">
+                <a14:useLocalDpi xmlns:a14="http://schemas.microsoft.com/office/drawing/2010/main" val="0"/>
+              </a:ext>
+            </a:extLst>
+          </a:blip>
+          <a:srcRect/>
+          <a:stretch>
+            <a:fillRect/>
+          </a:stretch>
+        </p:blipFill>
+        <p:spPr bwMode="auto">
+          <a:xfrm>
+            <a:off x="0" y="1376661"/>
+            <a:ext cx="6350000" cy="2514600"/>
+          </a:xfrm>
+          <a:prstGeom prst="rect">
+            <a:avLst/>
+          </a:prstGeom>
+          <a:noFill/>
+          <a:extLst>
+            <a:ext uri="{909E8E84-426E-40DD-AFC4-6F175D3DCCD1}">
+              <a14:hiddenFill xmlns:a14="http://schemas.microsoft.com/office/drawing/2010/main">
+                <a:solidFill>
+                  <a:srgbClr val="FFFFFF"/>
+                </a:solidFill>
+              </a14:hiddenFill>
+            </a:ext>
+          </a:extLst>
+        </p:spPr>
+      </p:pic>
+      <p:pic>
+        <p:nvPicPr>
+          <p:cNvPr id="10244" name="Picture 4" descr="Feature Extraction Network - an overview | ScienceDirect Topics">
+            <a:extLst>
+              <a:ext uri="{FF2B5EF4-FFF2-40B4-BE49-F238E27FC236}">
+                <a16:creationId xmlns:a16="http://schemas.microsoft.com/office/drawing/2014/main" id="{5AE38923-E19A-AAE6-49F4-B2481DAD631E}"/>
+              </a:ext>
+            </a:extLst>
+          </p:cNvPr>
+          <p:cNvPicPr>
+            <a:picLocks noChangeAspect="1" noChangeArrowheads="1"/>
+          </p:cNvPicPr>
+          <p:nvPr/>
+        </p:nvPicPr>
+        <p:blipFill>
+          <a:blip r:embed="rId3">
+            <a:extLst>
+              <a:ext uri="{28A0092B-C50C-407E-A947-70E740481C1C}">
+                <a14:useLocalDpi xmlns:a14="http://schemas.microsoft.com/office/drawing/2010/main" val="0"/>
+              </a:ext>
+            </a:extLst>
+          </a:blip>
+          <a:srcRect/>
+          <a:stretch>
+            <a:fillRect/>
+          </a:stretch>
+        </p:blipFill>
+        <p:spPr bwMode="auto">
+          <a:xfrm>
+            <a:off x="0" y="3972285"/>
+            <a:ext cx="6769100" cy="2882900"/>
+          </a:xfrm>
+          <a:prstGeom prst="rect">
+            <a:avLst/>
+          </a:prstGeom>
+          <a:noFill/>
+          <a:extLst>
+            <a:ext uri="{909E8E84-426E-40DD-AFC4-6F175D3DCCD1}">
+              <a14:hiddenFill xmlns:a14="http://schemas.microsoft.com/office/drawing/2010/main">
+                <a:solidFill>
+                  <a:srgbClr val="FFFFFF"/>
+                </a:solidFill>
+              </a14:hiddenFill>
+            </a:ext>
+          </a:extLst>
+        </p:spPr>
+      </p:pic>
+    </p:spTree>
+    <p:extLst>
+      <p:ext uri="{BB962C8B-B14F-4D97-AF65-F5344CB8AC3E}">
+        <p14:creationId xmlns:p14="http://schemas.microsoft.com/office/powerpoint/2010/main" val="1840516913"/>
+      </p:ext>
+    </p:extLst>
+  </p:cSld>
+  <p:clrMapOvr>
+    <a:masterClrMapping/>
+  </p:clrMapOvr>
+</p:sld>
+</file>
+
+<file path=ppt/slides/slide16.xml><?xml version="1.0" encoding="utf-8"?>
+<p:sld xmlns:a="http://schemas.openxmlformats.org/drawingml/2006/main" xmlns:r="http://schemas.openxmlformats.org/officeDocument/2006/relationships" xmlns:p="http://schemas.openxmlformats.org/presentationml/2006/main">
+  <p:cSld>
+    <p:spTree>
+      <p:nvGrpSpPr>
+        <p:cNvPr id="1" name=""/>
+        <p:cNvGrpSpPr/>
+        <p:nvPr/>
+      </p:nvGrpSpPr>
+      <p:grpSpPr>
+        <a:xfrm>
+          <a:off x="0" y="0"/>
+          <a:ext cx="0" cy="0"/>
+          <a:chOff x="0" y="0"/>
+          <a:chExt cx="0" cy="0"/>
+        </a:xfrm>
+      </p:grpSpPr>
+      <p:sp>
+        <p:nvSpPr>
+          <p:cNvPr id="2" name="Title 1">
+            <a:extLst>
+              <a:ext uri="{FF2B5EF4-FFF2-40B4-BE49-F238E27FC236}">
+                <a16:creationId xmlns:a16="http://schemas.microsoft.com/office/drawing/2014/main" id="{3C3F4E92-B91C-4411-9AE6-F65251C2E68F}"/>
+              </a:ext>
+            </a:extLst>
+          </p:cNvPr>
+          <p:cNvSpPr>
+            <a:spLocks noGrp="1"/>
+          </p:cNvSpPr>
+          <p:nvPr>
+            <p:ph type="title"/>
+          </p:nvPr>
+        </p:nvSpPr>
+        <p:spPr/>
+        <p:txBody>
+          <a:bodyPr/>
+          <a:lstStyle/>
+          <a:p>
+            <a:r>
+              <a:rPr lang="en-CA" dirty="0"/>
+              <a:t>So how big do I make it?</a:t>
+            </a:r>
+            <a:endParaRPr lang="LID4096" dirty="0"/>
+          </a:p>
+        </p:txBody>
+      </p:sp>
+      <p:sp>
+        <p:nvSpPr>
+          <p:cNvPr id="3" name="Content Placeholder 2">
+            <a:extLst>
+              <a:ext uri="{FF2B5EF4-FFF2-40B4-BE49-F238E27FC236}">
+                <a16:creationId xmlns:a16="http://schemas.microsoft.com/office/drawing/2014/main" id="{69AF324C-0304-4D50-9E1F-5D00ACFC962D}"/>
+              </a:ext>
+            </a:extLst>
+          </p:cNvPr>
+          <p:cNvSpPr>
+            <a:spLocks noGrp="1"/>
+          </p:cNvSpPr>
+          <p:nvPr>
+            <p:ph idx="1"/>
+          </p:nvPr>
+        </p:nvSpPr>
+        <p:spPr>
+          <a:xfrm>
+            <a:off x="1451579" y="1853754"/>
+            <a:ext cx="9603275" cy="4199727"/>
+          </a:xfrm>
+        </p:spPr>
+        <p:txBody>
+          <a:bodyPr>
+            <a:normAutofit/>
+          </a:bodyPr>
+          <a:lstStyle/>
+          <a:p>
+            <a:r>
+              <a:rPr lang="en-CA" dirty="0"/>
+              <a:t>Big enough to be capable of overfitting – don’t obsess too much on details unless bored.</a:t>
+            </a:r>
+          </a:p>
+          <a:p>
+            <a:r>
+              <a:rPr lang="en-CA" dirty="0"/>
+              <a:t>See more specific guidelines in workbook. </a:t>
+            </a:r>
+          </a:p>
+          <a:p>
+            <a:pPr lvl="1"/>
+            <a:r>
+              <a:rPr lang="en-CA" dirty="0"/>
+              <a:t>Start with 1 to 3 layers the same size as the input (or ~512-768 if input is big). </a:t>
+            </a:r>
+          </a:p>
+          <a:p>
+            <a:pPr lvl="1"/>
+            <a:r>
+              <a:rPr lang="en-CA" dirty="0"/>
+              <a:t>Add layers to overfit that are about the same size. </a:t>
+            </a:r>
+          </a:p>
+          <a:p>
+            <a:pPr lvl="1"/>
+            <a:r>
+              <a:rPr lang="en-CA" dirty="0"/>
+              <a:t>Try with layer size “funneled” down layer by layer. </a:t>
+            </a:r>
+          </a:p>
+          <a:p>
+            <a:pPr lvl="1"/>
+            <a:r>
+              <a:rPr lang="en-CA" dirty="0"/>
+              <a:t>Add regularization and normalization to cut overfitting. </a:t>
+            </a:r>
+          </a:p>
+          <a:p>
+            <a:pPr lvl="1"/>
+            <a:r>
+              <a:rPr lang="en-CA" dirty="0"/>
+              <a:t>Prune network back in size, if still overfitting. </a:t>
+            </a:r>
+          </a:p>
+          <a:p>
+            <a:r>
+              <a:rPr lang="en-CA" dirty="0"/>
+              <a:t>A real answer is grid search, this should get us close enough to start with. </a:t>
+            </a:r>
+          </a:p>
+          <a:p>
+            <a:r>
+              <a:rPr lang="en-CA" dirty="0"/>
+              <a:t>If doing something big, base it off something that works and adjust as best you can. </a:t>
+            </a:r>
+            <a:endParaRPr lang="LID4096" dirty="0"/>
+          </a:p>
+        </p:txBody>
+      </p:sp>
+    </p:spTree>
+    <p:extLst>
+      <p:ext uri="{BB962C8B-B14F-4D97-AF65-F5344CB8AC3E}">
+        <p14:creationId xmlns:p14="http://schemas.microsoft.com/office/powerpoint/2010/main" val="2955667924"/>
+      </p:ext>
+    </p:extLst>
+  </p:cSld>
+  <p:clrMapOvr>
+    <a:masterClrMapping/>
+  </p:clrMapOvr>
+</p:sld>
+</file>
+
+<file path=ppt/slides/slide17.xml><?xml version="1.0" encoding="utf-8"?>
+<p:sld xmlns:a="http://schemas.openxmlformats.org/drawingml/2006/main" xmlns:r="http://schemas.openxmlformats.org/officeDocument/2006/relationships" xmlns:p="http://schemas.openxmlformats.org/presentationml/2006/main">
+  <p:cSld>
+    <p:spTree>
+      <p:nvGrpSpPr>
+        <p:cNvPr id="1" name=""/>
+        <p:cNvGrpSpPr/>
+        <p:nvPr/>
+      </p:nvGrpSpPr>
+      <p:grpSpPr>
+        <a:xfrm>
+          <a:off x="0" y="0"/>
+          <a:ext cx="0" cy="0"/>
+          <a:chOff x="0" y="0"/>
+          <a:chExt cx="0" cy="0"/>
+        </a:xfrm>
+      </p:grpSpPr>
+      <p:sp>
+        <p:nvSpPr>
+          <p:cNvPr id="2" name="Title 1">
+            <a:extLst>
+              <a:ext uri="{FF2B5EF4-FFF2-40B4-BE49-F238E27FC236}">
+                <a16:creationId xmlns:a16="http://schemas.microsoft.com/office/drawing/2014/main" id="{CD43B760-7189-15BB-AB43-4B1816F400D9}"/>
+              </a:ext>
+            </a:extLst>
+          </p:cNvPr>
+          <p:cNvSpPr>
+            <a:spLocks noGrp="1"/>
+          </p:cNvSpPr>
+          <p:nvPr>
+            <p:ph type="title"/>
+          </p:nvPr>
+        </p:nvSpPr>
+        <p:spPr/>
+        <p:txBody>
+          <a:bodyPr/>
+          <a:lstStyle/>
+          <a:p>
+            <a:r>
+              <a:rPr lang="en-US" dirty="0"/>
+              <a:t>Data</a:t>
+            </a:r>
+          </a:p>
+        </p:txBody>
+      </p:sp>
+      <p:sp>
+        <p:nvSpPr>
+          <p:cNvPr id="3" name="Content Placeholder 2">
+            <a:extLst>
+              <a:ext uri="{FF2B5EF4-FFF2-40B4-BE49-F238E27FC236}">
+                <a16:creationId xmlns:a16="http://schemas.microsoft.com/office/drawing/2014/main" id="{AADF3FBF-3046-3E73-935C-A21DD147D2C6}"/>
+              </a:ext>
+            </a:extLst>
+          </p:cNvPr>
+          <p:cNvSpPr>
+            <a:spLocks noGrp="1"/>
+          </p:cNvSpPr>
+          <p:nvPr>
+            <p:ph idx="1"/>
+          </p:nvPr>
+        </p:nvSpPr>
+        <p:spPr>
+          <a:xfrm>
+            <a:off x="1451579" y="1853754"/>
+            <a:ext cx="9603275" cy="4199727"/>
+          </a:xfrm>
+        </p:spPr>
+        <p:txBody>
+          <a:bodyPr/>
+          <a:lstStyle/>
+          <a:p>
+            <a:r>
+              <a:rPr lang="en-US" dirty="0"/>
+              <a:t>Improving and increasing the data size is the best possible optimization. </a:t>
+            </a:r>
+          </a:p>
+          <a:p>
+            <a:r>
+              <a:rPr lang="en-US" dirty="0"/>
+              <a:t>Scaling can often have large impacts:</a:t>
+            </a:r>
+          </a:p>
+          <a:p>
+            <a:pPr lvl="1"/>
+            <a:r>
+              <a:rPr lang="en-US" dirty="0"/>
+              <a:t>Ensure outliers are handled and data is scaled. </a:t>
+            </a:r>
+          </a:p>
+          <a:p>
+            <a:r>
+              <a:rPr lang="en-US" dirty="0"/>
+              <a:t>If practical, increase data size – real or by augmentation (later). </a:t>
+            </a:r>
+          </a:p>
+          <a:p>
+            <a:r>
+              <a:rPr lang="en-US" dirty="0"/>
+              <a:t>If we have high dimension categories, that can lead to very sparse data:</a:t>
+            </a:r>
+          </a:p>
+          <a:p>
+            <a:pPr lvl="1"/>
+            <a:r>
+              <a:rPr lang="en-US" dirty="0"/>
+              <a:t>Many high dimension categories will add lots of features to the data once encoded. </a:t>
+            </a:r>
+          </a:p>
+          <a:p>
+            <a:pPr lvl="1"/>
+            <a:r>
+              <a:rPr lang="en-US" dirty="0"/>
+              <a:t>This will make lots of sparse data – many features with nearly zero information. </a:t>
+            </a:r>
+          </a:p>
+          <a:p>
+            <a:pPr lvl="1"/>
+            <a:r>
+              <a:rPr lang="en-US" dirty="0"/>
+              <a:t>This isn’t </a:t>
+            </a:r>
+            <a:r>
+              <a:rPr lang="en-US" i="1" dirty="0"/>
+              <a:t>wrong</a:t>
+            </a:r>
+            <a:r>
+              <a:rPr lang="en-US" dirty="0"/>
+              <a:t> but may lead to poor and slow results, especially without many records. </a:t>
+            </a:r>
+          </a:p>
+          <a:p>
+            <a:pPr lvl="1"/>
+            <a:r>
+              <a:rPr lang="en-US" dirty="0"/>
+              <a:t>Consider feature engineering (‘other’ group, consolidation, selection) these first. </a:t>
+            </a:r>
+          </a:p>
+          <a:p>
+            <a:pPr lvl="1"/>
+            <a:endParaRPr lang="en-US" dirty="0"/>
+          </a:p>
+        </p:txBody>
+      </p:sp>
+    </p:spTree>
+    <p:extLst>
+      <p:ext uri="{BB962C8B-B14F-4D97-AF65-F5344CB8AC3E}">
+        <p14:creationId xmlns:p14="http://schemas.microsoft.com/office/powerpoint/2010/main" val="23450497"/>
+      </p:ext>
+    </p:extLst>
+  </p:cSld>
+  <p:clrMapOvr>
+    <a:masterClrMapping/>
+  </p:clrMapOvr>
+</p:sld>
+</file>
+
+<file path=ppt/slides/slide18.xml><?xml version="1.0" encoding="utf-8"?>
+<p:sld xmlns:a="http://schemas.openxmlformats.org/drawingml/2006/main" xmlns:r="http://schemas.openxmlformats.org/officeDocument/2006/relationships" xmlns:p="http://schemas.openxmlformats.org/presentationml/2006/main">
+  <p:cSld>
+    <p:spTree>
+      <p:nvGrpSpPr>
+        <p:cNvPr id="1" name=""/>
+        <p:cNvGrpSpPr/>
+        <p:nvPr/>
+      </p:nvGrpSpPr>
+      <p:grpSpPr>
+        <a:xfrm>
+          <a:off x="0" y="0"/>
+          <a:ext cx="0" cy="0"/>
+          <a:chOff x="0" y="0"/>
+          <a:chExt cx="0" cy="0"/>
+        </a:xfrm>
+      </p:grpSpPr>
+      <p:sp>
+        <p:nvSpPr>
+          <p:cNvPr id="2" name="Title 1">
+            <a:extLst>
+              <a:ext uri="{FF2B5EF4-FFF2-40B4-BE49-F238E27FC236}">
+                <a16:creationId xmlns:a16="http://schemas.microsoft.com/office/drawing/2014/main" id="{9DF6D07A-F89C-4648-8C5C-62C367F69E6C}"/>
+              </a:ext>
+            </a:extLst>
+          </p:cNvPr>
+          <p:cNvSpPr>
+            <a:spLocks noGrp="1"/>
+          </p:cNvSpPr>
+          <p:nvPr>
+            <p:ph type="title"/>
+          </p:nvPr>
+        </p:nvSpPr>
+        <p:spPr/>
+        <p:txBody>
+          <a:bodyPr/>
+          <a:lstStyle/>
+          <a:p>
+            <a:r>
+              <a:rPr lang="en-CA" dirty="0"/>
+              <a:t>Epochs and Batches</a:t>
+            </a:r>
+            <a:endParaRPr lang="LID4096" dirty="0"/>
+          </a:p>
+        </p:txBody>
+      </p:sp>
+      <p:sp>
+        <p:nvSpPr>
+          <p:cNvPr id="3" name="Content Placeholder 2">
+            <a:extLst>
+              <a:ext uri="{FF2B5EF4-FFF2-40B4-BE49-F238E27FC236}">
+                <a16:creationId xmlns:a16="http://schemas.microsoft.com/office/drawing/2014/main" id="{90B4D315-C411-40F9-A088-3BE0DD9996F7}"/>
+              </a:ext>
+            </a:extLst>
+          </p:cNvPr>
+          <p:cNvSpPr>
+            <a:spLocks noGrp="1"/>
+          </p:cNvSpPr>
+          <p:nvPr>
+            <p:ph idx="1"/>
+          </p:nvPr>
+        </p:nvSpPr>
+        <p:spPr>
+          <a:xfrm>
+            <a:off x="1183907" y="1853753"/>
+            <a:ext cx="10222030" cy="4199727"/>
+          </a:xfrm>
+        </p:spPr>
+        <p:txBody>
+          <a:bodyPr>
+            <a:normAutofit/>
+          </a:bodyPr>
+          <a:lstStyle/>
+          <a:p>
+            <a:r>
+              <a:rPr lang="en-CA" dirty="0"/>
+              <a:t>Each epoch is an execution of one </a:t>
+            </a:r>
+            <a:r>
+              <a:rPr lang="en-CA" dirty="0" err="1"/>
+              <a:t>fp</a:t>
+            </a:r>
+            <a:r>
+              <a:rPr lang="en-CA" dirty="0"/>
+              <a:t>/bp through all of the data. </a:t>
+            </a:r>
+          </a:p>
+          <a:p>
+            <a:pPr lvl="1"/>
+            <a:r>
+              <a:rPr lang="en-CA" dirty="0"/>
+              <a:t>Easiest method is to set early stopping and let the computer figure it out. </a:t>
+            </a:r>
+          </a:p>
+          <a:p>
+            <a:pPr lvl="1"/>
+            <a:r>
+              <a:rPr lang="en-CA" dirty="0"/>
+              <a:t>Really big models might only have one epoch through the data total. </a:t>
+            </a:r>
+          </a:p>
+          <a:p>
+            <a:r>
+              <a:rPr lang="en-CA" dirty="0"/>
+              <a:t>Batches are how many records to process before updating weights. </a:t>
+            </a:r>
+          </a:p>
+          <a:p>
+            <a:pPr lvl="1"/>
+            <a:r>
+              <a:rPr lang="en-CA" dirty="0"/>
+              <a:t>Just like regular gradient descent – higher is more stable, smaller more erratic. </a:t>
+            </a:r>
+          </a:p>
+          <a:p>
+            <a:pPr lvl="1"/>
+            <a:r>
+              <a:rPr lang="en-CA" dirty="0"/>
+              <a:t>Limited at the top end by memory capacity. </a:t>
+            </a:r>
+          </a:p>
+          <a:p>
+            <a:pPr lvl="1"/>
+            <a:r>
+              <a:rPr lang="en-CA" dirty="0"/>
+              <a:t>Large vs small is still a matter of debate and varies by data. </a:t>
+            </a:r>
+          </a:p>
+          <a:p>
+            <a:pPr lvl="1"/>
+            <a:r>
+              <a:rPr lang="en-CA" dirty="0"/>
+              <a:t>Recently, smaller batches (as small as 2 -32) seems to offer better generalizable models. </a:t>
+            </a:r>
+          </a:p>
+          <a:p>
+            <a:pPr lvl="1"/>
+            <a:r>
+              <a:rPr lang="en-CA" dirty="0"/>
+              <a:t>Big batches may process </a:t>
+            </a:r>
+            <a:r>
+              <a:rPr lang="en-CA" i="1" dirty="0"/>
+              <a:t>far</a:t>
+            </a:r>
+            <a:r>
+              <a:rPr lang="en-CA" dirty="0"/>
+              <a:t> faster – better HW utilization and fewer weight updates. </a:t>
+            </a:r>
+          </a:p>
+          <a:p>
+            <a:pPr lvl="2"/>
+            <a:r>
+              <a:rPr lang="en-CA" dirty="0"/>
+              <a:t>Think – weight matrix per layer is </a:t>
+            </a:r>
+            <a:r>
+              <a:rPr lang="en-CA" dirty="0" err="1"/>
+              <a:t>input_size</a:t>
+            </a:r>
+            <a:r>
+              <a:rPr lang="en-CA" dirty="0"/>
+              <a:t> * </a:t>
+            </a:r>
+            <a:r>
+              <a:rPr lang="en-CA" dirty="0" err="1"/>
+              <a:t>output_size</a:t>
+            </a:r>
+            <a:r>
+              <a:rPr lang="en-CA" dirty="0"/>
+              <a:t>. 512 * 512 = ~250k updates</a:t>
+            </a:r>
+          </a:p>
+        </p:txBody>
+      </p:sp>
+    </p:spTree>
+    <p:extLst>
+      <p:ext uri="{BB962C8B-B14F-4D97-AF65-F5344CB8AC3E}">
+        <p14:creationId xmlns:p14="http://schemas.microsoft.com/office/powerpoint/2010/main" val="1589937291"/>
+      </p:ext>
+    </p:extLst>
+  </p:cSld>
+  <p:clrMapOvr>
+    <a:masterClrMapping/>
+  </p:clrMapOvr>
+</p:sld>
+</file>
+
+<file path=ppt/slides/slide19.xml><?xml version="1.0" encoding="utf-8"?>
+<p:sld xmlns:a="http://schemas.openxmlformats.org/drawingml/2006/main" xmlns:r="http://schemas.openxmlformats.org/officeDocument/2006/relationships" xmlns:p="http://schemas.openxmlformats.org/presentationml/2006/main">
+  <p:cSld>
+    <p:spTree>
+      <p:nvGrpSpPr>
+        <p:cNvPr id="1" name=""/>
+        <p:cNvGrpSpPr/>
+        <p:nvPr/>
+      </p:nvGrpSpPr>
+      <p:grpSpPr>
+        <a:xfrm>
+          <a:off x="0" y="0"/>
+          <a:ext cx="0" cy="0"/>
+          <a:chOff x="0" y="0"/>
+          <a:chExt cx="0" cy="0"/>
+        </a:xfrm>
+      </p:grpSpPr>
+      <p:sp>
+        <p:nvSpPr>
+          <p:cNvPr id="2" name="Title 1">
+            <a:extLst>
+              <a:ext uri="{FF2B5EF4-FFF2-40B4-BE49-F238E27FC236}">
                 <a16:creationId xmlns:a16="http://schemas.microsoft.com/office/drawing/2014/main" id="{34986ED5-DCBC-44E8-A70B-39E557577940}"/>
               </a:ext>
             </a:extLst>
@@ -4548,9 +5443,16 @@
             <p:ph idx="1"/>
           </p:nvPr>
         </p:nvSpPr>
-        <p:spPr/>
-        <p:txBody>
-          <a:bodyPr/>
+        <p:spPr>
+          <a:xfrm>
+            <a:off x="1064871" y="1853754"/>
+            <a:ext cx="10637134" cy="4199727"/>
+          </a:xfrm>
+        </p:spPr>
+        <p:txBody>
+          <a:bodyPr>
+            <a:normAutofit/>
+          </a:bodyPr>
           <a:lstStyle/>
           <a:p>
             <a:r>
@@ -4561,20 +5463,20 @@
           <a:p>
             <a:r>
               <a:rPr lang="en-CA" dirty="0"/>
-              <a:t>We’ll leave this aside for the most part. </a:t>
+              <a:t>The internal details aren’t super important for us, at least for now. </a:t>
             </a:r>
           </a:p>
           <a:p>
             <a:r>
               <a:rPr lang="en-CA" dirty="0"/>
-              <a:t>Adam is the most common and is a good choice:</a:t>
+              <a:t>Adam is the most common and is a good choice for most scenarios:</a:t>
             </a:r>
           </a:p>
           <a:p>
             <a:pPr lvl="1"/>
             <a:r>
               <a:rPr lang="en-CA" dirty="0"/>
-              <a:t>Converges efficiently. </a:t>
+              <a:t>Converges efficiently – manages different rates for each gradient. </a:t>
             </a:r>
           </a:p>
           <a:p>
@@ -4585,9 +5487,37 @@
             </a:r>
           </a:p>
           <a:p>
+            <a:pPr lvl="1"/>
             <a:r>
               <a:rPr lang="en-CA" dirty="0"/>
-              <a:t>Different algorithms are more critical with very large datasets where the computation differences on the specific data add up to substantial time. </a:t>
+              <a:t>Adapts separate learning rates for each parameter using moving averages of several moments. </a:t>
+            </a:r>
+          </a:p>
+          <a:p>
+            <a:pPr lvl="1"/>
+            <a:r>
+              <a:rPr lang="en-CA" dirty="0"/>
+              <a:t>Tends to not be too negatively impacted by parameters or different data – defaults work well. </a:t>
+            </a:r>
+          </a:p>
+          <a:p>
+            <a:r>
+              <a:rPr lang="en-CA" dirty="0"/>
+              <a:t>The actual best performer depends on model complexity, data, and the shape of the gradient curve. </a:t>
+            </a:r>
+          </a:p>
+          <a:p>
+            <a:r>
+              <a:rPr lang="en-CA" dirty="0"/>
+              <a:t>There’s several variants similar-</a:t>
+            </a:r>
+            <a:r>
+              <a:rPr lang="en-CA" dirty="0" err="1"/>
+              <a:t>ish</a:t>
+            </a:r>
+            <a:r>
+              <a:rPr lang="en-CA" dirty="0"/>
+              <a:t> to Adam, simpler SGD may perform better on ‘simple’ NN. </a:t>
             </a:r>
             <a:endParaRPr lang="LID4096" dirty="0"/>
           </a:p>
@@ -4606,7 +5536,289 @@
 </p:sld>
 </file>
 
-<file path=ppt/slides/slide15.xml><?xml version="1.0" encoding="utf-8"?>
+<file path=ppt/slides/slide2.xml><?xml version="1.0" encoding="utf-8"?>
+<p:sld xmlns:a="http://schemas.openxmlformats.org/drawingml/2006/main" xmlns:r="http://schemas.openxmlformats.org/officeDocument/2006/relationships" xmlns:p="http://schemas.openxmlformats.org/presentationml/2006/main">
+  <p:cSld>
+    <p:spTree>
+      <p:nvGrpSpPr>
+        <p:cNvPr id="1" name=""/>
+        <p:cNvGrpSpPr/>
+        <p:nvPr/>
+      </p:nvGrpSpPr>
+      <p:grpSpPr>
+        <a:xfrm>
+          <a:off x="0" y="0"/>
+          <a:ext cx="0" cy="0"/>
+          <a:chOff x="0" y="0"/>
+          <a:chExt cx="0" cy="0"/>
+        </a:xfrm>
+      </p:grpSpPr>
+      <p:sp>
+        <p:nvSpPr>
+          <p:cNvPr id="2" name="Title 1">
+            <a:extLst>
+              <a:ext uri="{FF2B5EF4-FFF2-40B4-BE49-F238E27FC236}">
+                <a16:creationId xmlns:a16="http://schemas.microsoft.com/office/drawing/2014/main" id="{C714B66D-AFB2-A3EE-5997-4D1F0B95FC89}"/>
+              </a:ext>
+            </a:extLst>
+          </p:cNvPr>
+          <p:cNvSpPr>
+            <a:spLocks noGrp="1"/>
+          </p:cNvSpPr>
+          <p:nvPr>
+            <p:ph type="title"/>
+          </p:nvPr>
+        </p:nvSpPr>
+        <p:spPr/>
+        <p:txBody>
+          <a:bodyPr/>
+          <a:lstStyle/>
+          <a:p>
+            <a:r>
+              <a:rPr lang="en-US" dirty="0"/>
+              <a:t>Project (Other Class) Stuff</a:t>
+            </a:r>
+          </a:p>
+        </p:txBody>
+      </p:sp>
+      <p:sp>
+        <p:nvSpPr>
+          <p:cNvPr id="3" name="Content Placeholder 2">
+            <a:extLst>
+              <a:ext uri="{FF2B5EF4-FFF2-40B4-BE49-F238E27FC236}">
+                <a16:creationId xmlns:a16="http://schemas.microsoft.com/office/drawing/2014/main" id="{20141979-88C3-CEA4-3B52-F2E898F296B1}"/>
+              </a:ext>
+            </a:extLst>
+          </p:cNvPr>
+          <p:cNvSpPr>
+            <a:spLocks noGrp="1"/>
+          </p:cNvSpPr>
+          <p:nvPr>
+            <p:ph idx="1"/>
+          </p:nvPr>
+        </p:nvSpPr>
+        <p:spPr>
+          <a:xfrm>
+            <a:off x="728663" y="1853754"/>
+            <a:ext cx="11058525" cy="4199727"/>
+          </a:xfrm>
+        </p:spPr>
+        <p:txBody>
+          <a:bodyPr>
+            <a:normAutofit/>
+          </a:bodyPr>
+          <a:lstStyle/>
+          <a:p>
+            <a:r>
+              <a:rPr lang="en-US" dirty="0"/>
+              <a:t>If you are still doing real estate, think about large scale feature construction. </a:t>
+            </a:r>
+          </a:p>
+          <a:p>
+            <a:r>
+              <a:rPr lang="en-US" dirty="0"/>
+              <a:t>You can make many features from latitude and longitude that may matter. </a:t>
+            </a:r>
+          </a:p>
+          <a:p>
+            <a:pPr lvl="1"/>
+            <a:r>
+              <a:rPr lang="en-US" dirty="0"/>
+              <a:t>I’d make a lot of them, since you have a lot of data, and let the model sort it out. </a:t>
+            </a:r>
+          </a:p>
+          <a:p>
+            <a:r>
+              <a:rPr lang="en-US" dirty="0"/>
+              <a:t>Directly calculable via spatial joins and spatial files you can find online (Google mapping/spatial/</a:t>
+            </a:r>
+            <a:r>
+              <a:rPr lang="en-US" dirty="0" err="1"/>
+              <a:t>gis</a:t>
+            </a:r>
+            <a:r>
+              <a:rPr lang="en-US" dirty="0"/>
+              <a:t>):</a:t>
+            </a:r>
+          </a:p>
+          <a:p>
+            <a:pPr lvl="1"/>
+            <a:r>
+              <a:rPr lang="en-US" dirty="0"/>
+              <a:t>Distance from almost anything – roads, schools, water, commerce, neighbors, etc.</a:t>
+            </a:r>
+          </a:p>
+          <a:p>
+            <a:pPr lvl="1"/>
+            <a:r>
+              <a:rPr lang="en-US" dirty="0"/>
+              <a:t>Stats – density, comparison to neighbors, trends, crime, construction, census data (wealth, education, etc.)</a:t>
+            </a:r>
+          </a:p>
+          <a:p>
+            <a:r>
+              <a:rPr lang="en-US" dirty="0"/>
+              <a:t>Calculable with potentially free services online – time to get places, real estate stuff, sun. </a:t>
+            </a:r>
+          </a:p>
+          <a:p>
+            <a:r>
+              <a:rPr lang="en-US" dirty="0"/>
+              <a:t>Possible with large scale scraping – real estate data, all kinds of other stuff. </a:t>
+            </a:r>
+          </a:p>
+          <a:p>
+            <a:r>
+              <a:rPr lang="en-US" dirty="0"/>
+              <a:t>I’d try to cast as wide a net as possible and get almost anything I could automate as a start. </a:t>
+            </a:r>
+          </a:p>
+        </p:txBody>
+      </p:sp>
+    </p:spTree>
+    <p:extLst>
+      <p:ext uri="{BB962C8B-B14F-4D97-AF65-F5344CB8AC3E}">
+        <p14:creationId xmlns:p14="http://schemas.microsoft.com/office/powerpoint/2010/main" val="3300512849"/>
+      </p:ext>
+    </p:extLst>
+  </p:cSld>
+  <p:clrMapOvr>
+    <a:masterClrMapping/>
+  </p:clrMapOvr>
+</p:sld>
+</file>
+
+<file path=ppt/slides/slide20.xml><?xml version="1.0" encoding="utf-8"?>
+<p:sld xmlns:a="http://schemas.openxmlformats.org/drawingml/2006/main" xmlns:r="http://schemas.openxmlformats.org/officeDocument/2006/relationships" xmlns:p="http://schemas.openxmlformats.org/presentationml/2006/main">
+  <p:cSld>
+    <p:spTree>
+      <p:nvGrpSpPr>
+        <p:cNvPr id="1" name=""/>
+        <p:cNvGrpSpPr/>
+        <p:nvPr/>
+      </p:nvGrpSpPr>
+      <p:grpSpPr>
+        <a:xfrm>
+          <a:off x="0" y="0"/>
+          <a:ext cx="0" cy="0"/>
+          <a:chOff x="0" y="0"/>
+          <a:chExt cx="0" cy="0"/>
+        </a:xfrm>
+      </p:grpSpPr>
+      <p:sp>
+        <p:nvSpPr>
+          <p:cNvPr id="2" name="Title 1">
+            <a:extLst>
+              <a:ext uri="{FF2B5EF4-FFF2-40B4-BE49-F238E27FC236}">
+                <a16:creationId xmlns:a16="http://schemas.microsoft.com/office/drawing/2014/main" id="{EE09B189-F7E1-5E56-B2FD-E49380FAA071}"/>
+              </a:ext>
+            </a:extLst>
+          </p:cNvPr>
+          <p:cNvSpPr>
+            <a:spLocks noGrp="1"/>
+          </p:cNvSpPr>
+          <p:nvPr>
+            <p:ph type="title"/>
+          </p:nvPr>
+        </p:nvSpPr>
+        <p:spPr/>
+        <p:txBody>
+          <a:bodyPr/>
+          <a:lstStyle/>
+          <a:p>
+            <a:r>
+              <a:rPr lang="en-US" dirty="0"/>
+              <a:t>Activation Functions</a:t>
+            </a:r>
+          </a:p>
+        </p:txBody>
+      </p:sp>
+      <p:sp>
+        <p:nvSpPr>
+          <p:cNvPr id="3" name="Content Placeholder 2">
+            <a:extLst>
+              <a:ext uri="{FF2B5EF4-FFF2-40B4-BE49-F238E27FC236}">
+                <a16:creationId xmlns:a16="http://schemas.microsoft.com/office/drawing/2014/main" id="{FA9F3FC8-DD48-1402-F862-D5BE1775B8D6}"/>
+              </a:ext>
+            </a:extLst>
+          </p:cNvPr>
+          <p:cNvSpPr>
+            <a:spLocks noGrp="1"/>
+          </p:cNvSpPr>
+          <p:nvPr>
+            <p:ph idx="1"/>
+          </p:nvPr>
+        </p:nvSpPr>
+        <p:spPr/>
+        <p:txBody>
+          <a:bodyPr/>
+          <a:lstStyle/>
+          <a:p>
+            <a:endParaRPr lang="en-US"/>
+          </a:p>
+        </p:txBody>
+      </p:sp>
+      <p:pic>
+        <p:nvPicPr>
+          <p:cNvPr id="2050" name="Picture 2" descr="Activation Functions in Neural Networks | by Faseeh Ur Rehman | Medium">
+            <a:extLst>
+              <a:ext uri="{FF2B5EF4-FFF2-40B4-BE49-F238E27FC236}">
+                <a16:creationId xmlns:a16="http://schemas.microsoft.com/office/drawing/2014/main" id="{0E6D0D26-280A-271E-0388-76218952B207}"/>
+              </a:ext>
+            </a:extLst>
+          </p:cNvPr>
+          <p:cNvPicPr>
+            <a:picLocks noChangeAspect="1" noChangeArrowheads="1"/>
+          </p:cNvPicPr>
+          <p:nvPr/>
+        </p:nvPicPr>
+        <p:blipFill>
+          <a:blip r:embed="rId2">
+            <a:extLst>
+              <a:ext uri="{28A0092B-C50C-407E-A947-70E740481C1C}">
+                <a14:useLocalDpi xmlns:a14="http://schemas.microsoft.com/office/drawing/2010/main" val="0"/>
+              </a:ext>
+            </a:extLst>
+          </a:blip>
+          <a:srcRect/>
+          <a:stretch>
+            <a:fillRect/>
+          </a:stretch>
+        </p:blipFill>
+        <p:spPr bwMode="auto">
+          <a:xfrm>
+            <a:off x="2053221" y="1853754"/>
+            <a:ext cx="8399990" cy="4842268"/>
+          </a:xfrm>
+          <a:prstGeom prst="rect">
+            <a:avLst/>
+          </a:prstGeom>
+          <a:noFill/>
+          <a:extLst>
+            <a:ext uri="{909E8E84-426E-40DD-AFC4-6F175D3DCCD1}">
+              <a14:hiddenFill xmlns:a14="http://schemas.microsoft.com/office/drawing/2010/main">
+                <a:solidFill>
+                  <a:srgbClr val="FFFFFF"/>
+                </a:solidFill>
+              </a14:hiddenFill>
+            </a:ext>
+          </a:extLst>
+        </p:spPr>
+      </p:pic>
+    </p:spTree>
+    <p:extLst>
+      <p:ext uri="{BB962C8B-B14F-4D97-AF65-F5344CB8AC3E}">
+        <p14:creationId xmlns:p14="http://schemas.microsoft.com/office/powerpoint/2010/main" val="3200437838"/>
+      </p:ext>
+    </p:extLst>
+  </p:cSld>
+  <p:clrMapOvr>
+    <a:masterClrMapping/>
+  </p:clrMapOvr>
+</p:sld>
+</file>
+
+<file path=ppt/slides/slide21.xml><?xml version="1.0" encoding="utf-8"?>
 <p:sld xmlns:a="http://schemas.openxmlformats.org/drawingml/2006/main" xmlns:r="http://schemas.openxmlformats.org/officeDocument/2006/relationships" xmlns:p="http://schemas.openxmlformats.org/presentationml/2006/main">
   <p:cSld>
     <p:bg>
@@ -4701,13 +5913,13 @@
         </p:nvSpPr>
         <p:spPr>
           <a:xfrm>
-            <a:off x="533400" y="1853754"/>
-            <a:ext cx="7113963" cy="4331146"/>
+            <a:off x="266700" y="1853754"/>
+            <a:ext cx="7380663" cy="4331146"/>
           </a:xfrm>
         </p:spPr>
         <p:txBody>
           <a:bodyPr>
-            <a:normAutofit fontScale="92500" lnSpcReduction="10000"/>
+            <a:normAutofit lnSpcReduction="10000"/>
           </a:bodyPr>
           <a:lstStyle/>
           <a:p>
@@ -4719,7 +5931,27 @@
           <a:p>
             <a:r>
               <a:rPr lang="en-CA" sz="2400" dirty="0"/>
-              <a:t>They provide the non-linearity that neural networks need. </a:t>
+              <a:t>Assign per layer in a a parameter in </a:t>
+            </a:r>
+            <a:r>
+              <a:rPr lang="en-CA" sz="2400" dirty="0" err="1"/>
+              <a:t>keras</a:t>
+            </a:r>
+            <a:r>
+              <a:rPr lang="en-CA" sz="2400" dirty="0"/>
+              <a:t>. </a:t>
+            </a:r>
+          </a:p>
+          <a:p>
+            <a:r>
+              <a:rPr lang="en-CA" sz="2400" dirty="0"/>
+              <a:t>Typically use defaults/variants per layer/model type. </a:t>
+            </a:r>
+          </a:p>
+          <a:p>
+            <a:r>
+              <a:rPr lang="en-CA" sz="2400" dirty="0"/>
+              <a:t>They provide non-linearity that neural networks need. </a:t>
             </a:r>
           </a:p>
           <a:p>
@@ -4743,36 +5975,14 @@
             <a:pPr lvl="1"/>
             <a:r>
               <a:rPr lang="en-CA" sz="2000" dirty="0"/>
-              <a:t>Efficient computations, converges quickly. </a:t>
+              <a:t>Efficient computations, converges quickly in most cases.  </a:t>
             </a:r>
           </a:p>
           <a:p>
             <a:pPr lvl="1"/>
             <a:r>
               <a:rPr lang="en-CA" sz="2000" dirty="0"/>
-              <a:t>Can suffer from “Dying </a:t>
-            </a:r>
-            <a:r>
-              <a:rPr lang="en-CA" sz="2000" dirty="0" err="1"/>
-              <a:t>ReLU</a:t>
-            </a:r>
-            <a:r>
-              <a:rPr lang="en-CA" sz="2000" dirty="0"/>
-              <a:t>” – if inputs are negative functions can get “stuck” at 0. </a:t>
-            </a:r>
-          </a:p>
-          <a:p>
-            <a:pPr lvl="1"/>
-            <a:r>
-              <a:rPr lang="en-CA" sz="2000" dirty="0"/>
-              <a:t>Some neurons may “die”, and never change from returning 0.</a:t>
-            </a:r>
-          </a:p>
-          <a:p>
-            <a:pPr lvl="1"/>
-            <a:r>
-              <a:rPr lang="en-CA" sz="2000" dirty="0"/>
-              <a:t>Results in sparse outputs. </a:t>
+              <a:t>Acts as a trigger – suppresses negative inputs, passes positive.</a:t>
             </a:r>
           </a:p>
           <a:p>
@@ -4809,8 +6019,8 @@
         </p:blipFill>
         <p:spPr bwMode="auto">
           <a:xfrm>
-            <a:off x="8128756" y="2469061"/>
-            <a:ext cx="3796544" cy="3300726"/>
+            <a:off x="8128756" y="2237191"/>
+            <a:ext cx="4063244" cy="3532596"/>
           </a:xfrm>
           <a:prstGeom prst="rect">
             <a:avLst/>
@@ -4840,184 +6050,7 @@
 </p:sld>
 </file>
 
-<file path=ppt/slides/slide16.xml><?xml version="1.0" encoding="utf-8"?>
-<p:sld xmlns:a="http://schemas.openxmlformats.org/drawingml/2006/main" xmlns:r="http://schemas.openxmlformats.org/officeDocument/2006/relationships" xmlns:p="http://schemas.openxmlformats.org/presentationml/2006/main">
-  <p:cSld>
-    <p:spTree>
-      <p:nvGrpSpPr>
-        <p:cNvPr id="1" name=""/>
-        <p:cNvGrpSpPr/>
-        <p:nvPr/>
-      </p:nvGrpSpPr>
-      <p:grpSpPr>
-        <a:xfrm>
-          <a:off x="0" y="0"/>
-          <a:ext cx="0" cy="0"/>
-          <a:chOff x="0" y="0"/>
-          <a:chExt cx="0" cy="0"/>
-        </a:xfrm>
-      </p:grpSpPr>
-      <p:sp>
-        <p:nvSpPr>
-          <p:cNvPr id="2" name="Title 1">
-            <a:extLst>
-              <a:ext uri="{FF2B5EF4-FFF2-40B4-BE49-F238E27FC236}">
-                <a16:creationId xmlns:a16="http://schemas.microsoft.com/office/drawing/2014/main" id="{F717414F-7377-6242-8523-2FD9689DAFAD}"/>
-              </a:ext>
-            </a:extLst>
-          </p:cNvPr>
-          <p:cNvSpPr>
-            <a:spLocks noGrp="1"/>
-          </p:cNvSpPr>
-          <p:nvPr>
-            <p:ph type="title"/>
-          </p:nvPr>
-        </p:nvSpPr>
-        <p:spPr/>
-        <p:txBody>
-          <a:bodyPr/>
-          <a:lstStyle/>
-          <a:p>
-            <a:r>
-              <a:rPr lang="en-US" dirty="0"/>
-              <a:t>Weight Updates</a:t>
-            </a:r>
-          </a:p>
-        </p:txBody>
-      </p:sp>
-      <p:sp>
-        <p:nvSpPr>
-          <p:cNvPr id="3" name="Content Placeholder 2">
-            <a:extLst>
-              <a:ext uri="{FF2B5EF4-FFF2-40B4-BE49-F238E27FC236}">
-                <a16:creationId xmlns:a16="http://schemas.microsoft.com/office/drawing/2014/main" id="{F0477A05-C767-02A8-870B-D9A48494471E}"/>
-              </a:ext>
-            </a:extLst>
-          </p:cNvPr>
-          <p:cNvSpPr>
-            <a:spLocks noGrp="1"/>
-          </p:cNvSpPr>
-          <p:nvPr>
-            <p:ph idx="1"/>
-          </p:nvPr>
-        </p:nvSpPr>
-        <p:spPr/>
-        <p:txBody>
-          <a:bodyPr/>
-          <a:lstStyle/>
-          <a:p>
-            <a:endParaRPr lang="en-US"/>
-          </a:p>
-        </p:txBody>
-      </p:sp>
-      <p:pic>
-        <p:nvPicPr>
-          <p:cNvPr id="3074" name="Picture 2">
-            <a:extLst>
-              <a:ext uri="{FF2B5EF4-FFF2-40B4-BE49-F238E27FC236}">
-                <a16:creationId xmlns:a16="http://schemas.microsoft.com/office/drawing/2014/main" id="{F3247C22-17E7-A36B-5FD9-E45D482B03F3}"/>
-              </a:ext>
-            </a:extLst>
-          </p:cNvPr>
-          <p:cNvPicPr>
-            <a:picLocks noChangeAspect="1" noChangeArrowheads="1"/>
-          </p:cNvPicPr>
-          <p:nvPr/>
-        </p:nvPicPr>
-        <p:blipFill>
-          <a:blip r:embed="rId2">
-            <a:extLst>
-              <a:ext uri="{28A0092B-C50C-407E-A947-70E740481C1C}">
-                <a14:useLocalDpi xmlns:a14="http://schemas.microsoft.com/office/drawing/2010/main" val="0"/>
-              </a:ext>
-            </a:extLst>
-          </a:blip>
-          <a:srcRect/>
-          <a:stretch>
-            <a:fillRect/>
-          </a:stretch>
-        </p:blipFill>
-        <p:spPr bwMode="auto">
-          <a:xfrm>
-            <a:off x="6934200" y="38100"/>
-            <a:ext cx="5257800" cy="3390900"/>
-          </a:xfrm>
-          <a:prstGeom prst="rect">
-            <a:avLst/>
-          </a:prstGeom>
-          <a:noFill/>
-          <a:extLst>
-            <a:ext uri="{909E8E84-426E-40DD-AFC4-6F175D3DCCD1}">
-              <a14:hiddenFill xmlns:a14="http://schemas.microsoft.com/office/drawing/2010/main">
-                <a:solidFill>
-                  <a:srgbClr val="FFFFFF"/>
-                </a:solidFill>
-              </a14:hiddenFill>
-            </a:ext>
-          </a:extLst>
-        </p:spPr>
-      </p:pic>
-      <p:pic>
-        <p:nvPicPr>
-          <p:cNvPr id="3076" name="Picture 4">
-            <a:extLst>
-              <a:ext uri="{FF2B5EF4-FFF2-40B4-BE49-F238E27FC236}">
-                <a16:creationId xmlns:a16="http://schemas.microsoft.com/office/drawing/2014/main" id="{9688CBD8-CE43-9E33-4E6D-BEA253FA3034}"/>
-              </a:ext>
-            </a:extLst>
-          </p:cNvPr>
-          <p:cNvPicPr>
-            <a:picLocks noChangeAspect="1" noChangeArrowheads="1"/>
-          </p:cNvPicPr>
-          <p:nvPr/>
-        </p:nvPicPr>
-        <p:blipFill>
-          <a:blip r:embed="rId3">
-            <a:extLst>
-              <a:ext uri="{28A0092B-C50C-407E-A947-70E740481C1C}">
-                <a14:useLocalDpi xmlns:a14="http://schemas.microsoft.com/office/drawing/2010/main" val="0"/>
-              </a:ext>
-            </a:extLst>
-          </a:blip>
-          <a:srcRect/>
-          <a:stretch>
-            <a:fillRect/>
-          </a:stretch>
-        </p:blipFill>
-        <p:spPr bwMode="auto">
-          <a:xfrm>
-            <a:off x="0" y="1672046"/>
-            <a:ext cx="7053858" cy="5185954"/>
-          </a:xfrm>
-          <a:prstGeom prst="rect">
-            <a:avLst/>
-          </a:prstGeom>
-          <a:noFill/>
-          <a:extLst>
-            <a:ext uri="{909E8E84-426E-40DD-AFC4-6F175D3DCCD1}">
-              <a14:hiddenFill xmlns:a14="http://schemas.microsoft.com/office/drawing/2010/main">
-                <a:solidFill>
-                  <a:srgbClr val="FFFFFF"/>
-                </a:solidFill>
-              </a14:hiddenFill>
-            </a:ext>
-          </a:extLst>
-        </p:spPr>
-      </p:pic>
-    </p:spTree>
-    <p:extLst>
-      <p:ext uri="{BB962C8B-B14F-4D97-AF65-F5344CB8AC3E}">
-        <p14:creationId xmlns:p14="http://schemas.microsoft.com/office/powerpoint/2010/main" val="2324801087"/>
-      </p:ext>
-    </p:extLst>
-  </p:cSld>
-  <p:clrMapOvr>
-    <a:masterClrMapping/>
-  </p:clrMapOvr>
-</p:sld>
-</file>
-
-<file path=ppt/slides/slide17.xml><?xml version="1.0" encoding="utf-8"?>
+<file path=ppt/slides/slide22.xml><?xml version="1.0" encoding="utf-8"?>
 <p:sld xmlns:a="http://schemas.openxmlformats.org/drawingml/2006/main" xmlns:r="http://schemas.openxmlformats.org/officeDocument/2006/relationships" xmlns:p="http://schemas.openxmlformats.org/presentationml/2006/main">
   <p:cSld>
     <p:bg>
@@ -5088,7 +6121,7 @@
           <a:p>
             <a:r>
               <a:rPr lang="en-US" dirty="0"/>
-              <a:t>Vanishing (or Exploding) Gradients</a:t>
+              <a:t>Vanishing Gradients</a:t>
             </a:r>
           </a:p>
         </p:txBody>
@@ -5117,7 +6150,7 @@
         </p:spPr>
         <p:txBody>
           <a:bodyPr>
-            <a:normAutofit/>
+            <a:normAutofit fontScale="92500" lnSpcReduction="10000"/>
           </a:bodyPr>
           <a:lstStyle/>
           <a:p>
@@ -5214,6 +6247,17 @@
             <a:r>
               <a:rPr lang="en-US" dirty="0"/>
               <a:t>This can lead to ‘dead’ models, that can’t keep learning. </a:t>
+            </a:r>
+          </a:p>
+          <a:p>
+            <a:pPr>
+              <a:lnSpc>
+                <a:spcPct val="110000"/>
+              </a:lnSpc>
+            </a:pPr>
+            <a:r>
+              <a:rPr lang="en-US" dirty="0"/>
+              <a:t>Exploding gradient is opposite, more common with tanh and deep networks – things grow multiplicatively. </a:t>
             </a:r>
           </a:p>
         </p:txBody>
@@ -5245,8 +6289,55 @@
         </p:blipFill>
         <p:spPr bwMode="auto">
           <a:xfrm>
-            <a:off x="6792685" y="1853753"/>
-            <a:ext cx="5399315" cy="4448709"/>
+            <a:off x="8704533" y="37570"/>
+            <a:ext cx="3487467" cy="2873462"/>
+          </a:xfrm>
+          <a:prstGeom prst="rect">
+            <a:avLst/>
+          </a:prstGeom>
+          <a:noFill/>
+          <a:extLst>
+            <a:ext uri="{909E8E84-426E-40DD-AFC4-6F175D3DCCD1}">
+              <a14:hiddenFill xmlns:a14="http://schemas.microsoft.com/office/drawing/2010/main">
+                <a:solidFill>
+                  <a:srgbClr val="FFFFFF"/>
+                </a:solidFill>
+              </a14:hiddenFill>
+            </a:ext>
+          </a:extLst>
+        </p:spPr>
+      </p:pic>
+      <p:pic>
+        <p:nvPicPr>
+          <p:cNvPr id="11266" name="Picture 2" descr="Neural Network - Exponent">
+            <a:extLst>
+              <a:ext uri="{FF2B5EF4-FFF2-40B4-BE49-F238E27FC236}">
+                <a16:creationId xmlns:a16="http://schemas.microsoft.com/office/drawing/2014/main" id="{A5279CCD-97AE-28B3-1AAA-70AFF10ABB00}"/>
+              </a:ext>
+            </a:extLst>
+          </p:cNvPr>
+          <p:cNvPicPr>
+            <a:picLocks noChangeAspect="1" noChangeArrowheads="1"/>
+          </p:cNvPicPr>
+          <p:nvPr/>
+        </p:nvPicPr>
+        <p:blipFill>
+          <a:blip r:embed="rId3">
+            <a:extLst>
+              <a:ext uri="{28A0092B-C50C-407E-A947-70E740481C1C}">
+                <a14:useLocalDpi xmlns:a14="http://schemas.microsoft.com/office/drawing/2010/main" val="0"/>
+              </a:ext>
+            </a:extLst>
+          </a:blip>
+          <a:srcRect/>
+          <a:stretch>
+            <a:fillRect/>
+          </a:stretch>
+        </p:blipFill>
+        <p:spPr bwMode="auto">
+          <a:xfrm>
+            <a:off x="6354501" y="2911032"/>
+            <a:ext cx="5837499" cy="3417535"/>
           </a:xfrm>
           <a:prstGeom prst="rect">
             <a:avLst/>
@@ -5276,7 +6367,7 @@
 </p:sld>
 </file>
 
-<file path=ppt/slides/slide18.xml><?xml version="1.0" encoding="utf-8"?>
+<file path=ppt/slides/slide23.xml><?xml version="1.0" encoding="utf-8"?>
 <p:sld xmlns:a="http://schemas.openxmlformats.org/drawingml/2006/main" xmlns:r="http://schemas.openxmlformats.org/officeDocument/2006/relationships" xmlns:p="http://schemas.openxmlformats.org/presentationml/2006/main">
   <p:cSld>
     <p:spTree>
@@ -5298,6 +6389,173 @@
           <p:cNvPr id="2" name="Title 1">
             <a:extLst>
               <a:ext uri="{FF2B5EF4-FFF2-40B4-BE49-F238E27FC236}">
+                <a16:creationId xmlns:a16="http://schemas.microsoft.com/office/drawing/2014/main" id="{F717414F-7377-6242-8523-2FD9689DAFAD}"/>
+              </a:ext>
+            </a:extLst>
+          </p:cNvPr>
+          <p:cNvSpPr>
+            <a:spLocks noGrp="1"/>
+          </p:cNvSpPr>
+          <p:nvPr>
+            <p:ph type="title"/>
+          </p:nvPr>
+        </p:nvSpPr>
+        <p:spPr/>
+        <p:txBody>
+          <a:bodyPr/>
+          <a:lstStyle/>
+          <a:p>
+            <a:r>
+              <a:rPr lang="en-US" dirty="0"/>
+              <a:t>Dying </a:t>
+            </a:r>
+            <a:r>
+              <a:rPr lang="en-US" dirty="0" err="1"/>
+              <a:t>relu</a:t>
+            </a:r>
+            <a:r>
+              <a:rPr lang="en-US" dirty="0"/>
+              <a:t> - Weight Updates</a:t>
+            </a:r>
+          </a:p>
+        </p:txBody>
+      </p:sp>
+      <p:sp>
+        <p:nvSpPr>
+          <p:cNvPr id="3" name="Content Placeholder 2">
+            <a:extLst>
+              <a:ext uri="{FF2B5EF4-FFF2-40B4-BE49-F238E27FC236}">
+                <a16:creationId xmlns:a16="http://schemas.microsoft.com/office/drawing/2014/main" id="{F0477A05-C767-02A8-870B-D9A48494471E}"/>
+              </a:ext>
+            </a:extLst>
+          </p:cNvPr>
+          <p:cNvSpPr>
+            <a:spLocks noGrp="1"/>
+          </p:cNvSpPr>
+          <p:nvPr>
+            <p:ph idx="1"/>
+          </p:nvPr>
+        </p:nvSpPr>
+        <p:spPr>
+          <a:xfrm>
+            <a:off x="7772400" y="2129742"/>
+            <a:ext cx="4419600" cy="3923739"/>
+          </a:xfrm>
+        </p:spPr>
+        <p:txBody>
+          <a:bodyPr>
+            <a:normAutofit/>
+          </a:bodyPr>
+          <a:lstStyle/>
+          <a:p>
+            <a:r>
+              <a:rPr lang="en-US" dirty="0" err="1"/>
+              <a:t>Relu</a:t>
+            </a:r>
+            <a:r>
+              <a:rPr lang="en-US" dirty="0"/>
+              <a:t> can suffer from ‘dying </a:t>
+            </a:r>
+            <a:r>
+              <a:rPr lang="en-US" dirty="0" err="1"/>
+              <a:t>relu</a:t>
+            </a:r>
+            <a:r>
+              <a:rPr lang="en-US" dirty="0"/>
+              <a:t>’. </a:t>
+            </a:r>
+          </a:p>
+          <a:p>
+            <a:r>
+              <a:rPr lang="en-US" dirty="0"/>
+              <a:t>It is less prone to this than others, that’s a strength. </a:t>
+            </a:r>
+          </a:p>
+          <a:p>
+            <a:r>
+              <a:rPr lang="en-US" dirty="0"/>
+              <a:t>Negative inputs yield 0 gradient</a:t>
+            </a:r>
+          </a:p>
+          <a:p>
+            <a:r>
+              <a:rPr lang="en-US" dirty="0"/>
+              <a:t>0 times anything is always 0. </a:t>
+            </a:r>
+          </a:p>
+          <a:p>
+            <a:r>
+              <a:rPr lang="en-US" dirty="0"/>
+              <a:t>If this happens for all inputs, the neuron may ‘die’, or become unable to ever ‘escape’. </a:t>
+            </a:r>
+          </a:p>
+        </p:txBody>
+      </p:sp>
+      <p:pic>
+        <p:nvPicPr>
+          <p:cNvPr id="4" name="Picture 3">
+            <a:extLst>
+              <a:ext uri="{FF2B5EF4-FFF2-40B4-BE49-F238E27FC236}">
+                <a16:creationId xmlns:a16="http://schemas.microsoft.com/office/drawing/2014/main" id="{1B5DD798-256E-60B2-E874-5AF3DAC6E4FC}"/>
+              </a:ext>
+            </a:extLst>
+          </p:cNvPr>
+          <p:cNvPicPr>
+            <a:picLocks noChangeAspect="1"/>
+          </p:cNvPicPr>
+          <p:nvPr/>
+        </p:nvPicPr>
+        <p:blipFill>
+          <a:blip r:embed="rId2"/>
+          <a:stretch>
+            <a:fillRect/>
+          </a:stretch>
+        </p:blipFill>
+        <p:spPr>
+          <a:xfrm>
+            <a:off x="0" y="2345917"/>
+            <a:ext cx="7772400" cy="3215400"/>
+          </a:xfrm>
+          <a:prstGeom prst="rect">
+            <a:avLst/>
+          </a:prstGeom>
+        </p:spPr>
+      </p:pic>
+    </p:spTree>
+    <p:extLst>
+      <p:ext uri="{BB962C8B-B14F-4D97-AF65-F5344CB8AC3E}">
+        <p14:creationId xmlns:p14="http://schemas.microsoft.com/office/powerpoint/2010/main" val="2324801087"/>
+      </p:ext>
+    </p:extLst>
+  </p:cSld>
+  <p:clrMapOvr>
+    <a:masterClrMapping/>
+  </p:clrMapOvr>
+</p:sld>
+</file>
+
+<file path=ppt/slides/slide24.xml><?xml version="1.0" encoding="utf-8"?>
+<p:sld xmlns:a="http://schemas.openxmlformats.org/drawingml/2006/main" xmlns:r="http://schemas.openxmlformats.org/officeDocument/2006/relationships" xmlns:p="http://schemas.openxmlformats.org/presentationml/2006/main">
+  <p:cSld>
+    <p:spTree>
+      <p:nvGrpSpPr>
+        <p:cNvPr id="1" name=""/>
+        <p:cNvGrpSpPr/>
+        <p:nvPr/>
+      </p:nvGrpSpPr>
+      <p:grpSpPr>
+        <a:xfrm>
+          <a:off x="0" y="0"/>
+          <a:ext cx="0" cy="0"/>
+          <a:chOff x="0" y="0"/>
+          <a:chExt cx="0" cy="0"/>
+        </a:xfrm>
+      </p:grpSpPr>
+      <p:sp>
+        <p:nvSpPr>
+          <p:cNvPr id="2" name="Title 1">
+            <a:extLst>
+              <a:ext uri="{FF2B5EF4-FFF2-40B4-BE49-F238E27FC236}">
                 <a16:creationId xmlns:a16="http://schemas.microsoft.com/office/drawing/2014/main" id="{F08B606A-6EBE-34A0-F1C2-6B3112E64BD0}"/>
               </a:ext>
             </a:extLst>
@@ -5344,6 +6602,19 @@
           <a:p>
             <a:r>
               <a:rPr lang="en-US" dirty="0"/>
+              <a:t>These issues would be seen in loss as the model stopping learning. </a:t>
+            </a:r>
+          </a:p>
+          <a:p>
+            <a:pPr lvl="1"/>
+            <a:r>
+              <a:rPr lang="en-US" dirty="0"/>
+              <a:t>This definitely isn’t the only reason!</a:t>
+            </a:r>
+          </a:p>
+          <a:p>
+            <a:r>
+              <a:rPr lang="en-US" dirty="0"/>
               <a:t>There are several things that can combat this problem. </a:t>
             </a:r>
           </a:p>
@@ -5351,14 +6622,22 @@
             <a:pPr lvl="1"/>
             <a:r>
               <a:rPr lang="en-US" dirty="0"/>
-              <a:t>Activation functions – the sigmoid gradients can flatten more than others. </a:t>
-            </a:r>
-          </a:p>
-          <a:p>
-            <a:pPr lvl="1"/>
-            <a:r>
-              <a:rPr lang="en-US" dirty="0"/>
-              <a:t>Normalization. </a:t>
+              <a:t>Activation functions – the sigmoid gradients can flatten more than others, tanh can explode, </a:t>
+            </a:r>
+            <a:r>
+              <a:rPr lang="en-US" dirty="0" err="1"/>
+              <a:t>relu</a:t>
+            </a:r>
+            <a:r>
+              <a:rPr lang="en-US" dirty="0"/>
+              <a:t> can die. </a:t>
+            </a:r>
+          </a:p>
+          <a:p>
+            <a:pPr lvl="1"/>
+            <a:r>
+              <a:rPr lang="en-US" dirty="0"/>
+              <a:t>Batch normalization. </a:t>
             </a:r>
           </a:p>
         </p:txBody>
@@ -5376,7 +6655,7 @@
 </p:sld>
 </file>
 
-<file path=ppt/slides/slide19.xml><?xml version="1.0" encoding="utf-8"?>
+<file path=ppt/slides/slide25.xml><?xml version="1.0" encoding="utf-8"?>
 <p:sld xmlns:a="http://schemas.openxmlformats.org/drawingml/2006/main" xmlns:r="http://schemas.openxmlformats.org/officeDocument/2006/relationships" xmlns:p="http://schemas.openxmlformats.org/presentationml/2006/main">
   <p:cSld>
     <p:bg>
@@ -5524,7 +6803,7 @@
         <p:spPr>
           <a:xfrm>
             <a:off x="4606746" y="1853754"/>
-            <a:ext cx="7585254" cy="4017657"/>
+            <a:ext cx="7585254" cy="4280828"/>
           </a:xfrm>
         </p:spPr>
         <p:txBody>
@@ -5611,6 +6890,12 @@
             <a:r>
               <a:rPr lang="en-US" dirty="0"/>
               <a:t> – reducing LR can also combat the dying issue. </a:t>
+            </a:r>
+          </a:p>
+          <a:p>
+            <a:r>
+              <a:rPr lang="en-US" dirty="0"/>
+              <a:t>Note – this isn’t the most likely thing to be a massive issue, the case specific defaults tend to perform well most of the type. </a:t>
             </a:r>
           </a:p>
         </p:txBody>
@@ -5628,153 +6913,7 @@
 </p:sld>
 </file>
 
-<file path=ppt/slides/slide2.xml><?xml version="1.0" encoding="utf-8"?>
-<p:sld xmlns:a="http://schemas.openxmlformats.org/drawingml/2006/main" xmlns:r="http://schemas.openxmlformats.org/officeDocument/2006/relationships" xmlns:p="http://schemas.openxmlformats.org/presentationml/2006/main">
-  <p:cSld>
-    <p:spTree>
-      <p:nvGrpSpPr>
-        <p:cNvPr id="1" name=""/>
-        <p:cNvGrpSpPr/>
-        <p:nvPr/>
-      </p:nvGrpSpPr>
-      <p:grpSpPr>
-        <a:xfrm>
-          <a:off x="0" y="0"/>
-          <a:ext cx="0" cy="0"/>
-          <a:chOff x="0" y="0"/>
-          <a:chExt cx="0" cy="0"/>
-        </a:xfrm>
-      </p:grpSpPr>
-      <p:sp>
-        <p:nvSpPr>
-          <p:cNvPr id="2" name="Title 1">
-            <a:extLst>
-              <a:ext uri="{FF2B5EF4-FFF2-40B4-BE49-F238E27FC236}">
-                <a16:creationId xmlns:a16="http://schemas.microsoft.com/office/drawing/2014/main" id="{22D1ADD2-D653-17DD-BCB3-0E44EAE7BF2D}"/>
-              </a:ext>
-            </a:extLst>
-          </p:cNvPr>
-          <p:cNvSpPr>
-            <a:spLocks noGrp="1"/>
-          </p:cNvSpPr>
-          <p:nvPr>
-            <p:ph type="title"/>
-          </p:nvPr>
-        </p:nvSpPr>
-        <p:spPr/>
-        <p:txBody>
-          <a:bodyPr/>
-          <a:lstStyle/>
-          <a:p>
-            <a:r>
-              <a:rPr lang="en-US" dirty="0"/>
-              <a:t>Cluster Assignment - Results</a:t>
-            </a:r>
-          </a:p>
-        </p:txBody>
-      </p:sp>
-      <p:sp>
-        <p:nvSpPr>
-          <p:cNvPr id="3" name="Content Placeholder 2">
-            <a:extLst>
-              <a:ext uri="{FF2B5EF4-FFF2-40B4-BE49-F238E27FC236}">
-                <a16:creationId xmlns:a16="http://schemas.microsoft.com/office/drawing/2014/main" id="{1FA8B9B4-BDA8-12EB-F5CF-5A987E111D33}"/>
-              </a:ext>
-            </a:extLst>
-          </p:cNvPr>
-          <p:cNvSpPr>
-            <a:spLocks noGrp="1"/>
-          </p:cNvSpPr>
-          <p:nvPr>
-            <p:ph idx="1"/>
-          </p:nvPr>
-        </p:nvSpPr>
-        <p:spPr>
-          <a:xfrm>
-            <a:off x="1451579" y="1853754"/>
-            <a:ext cx="9603275" cy="4199727"/>
-          </a:xfrm>
-        </p:spPr>
-        <p:txBody>
-          <a:bodyPr/>
-          <a:lstStyle/>
-          <a:p>
-            <a:r>
-              <a:rPr lang="en-US" dirty="0"/>
-              <a:t>The basic steps needed are:</a:t>
-            </a:r>
-          </a:p>
-          <a:p>
-            <a:pPr lvl="1"/>
-            <a:r>
-              <a:rPr lang="en-US" dirty="0"/>
-              <a:t>Cluster the original data to break the numbers into similar groups. (k-means, other…)</a:t>
-            </a:r>
-          </a:p>
-          <a:p>
-            <a:pPr lvl="1"/>
-            <a:r>
-              <a:rPr lang="en-US" dirty="0"/>
-              <a:t>Manually add a label – each group is similar, but we don’t know what it is a group of. </a:t>
-            </a:r>
-          </a:p>
-          <a:p>
-            <a:pPr lvl="1"/>
-            <a:r>
-              <a:rPr lang="en-US" dirty="0"/>
-              <a:t>Now you have labeled groups of digit images. </a:t>
-            </a:r>
-          </a:p>
-          <a:p>
-            <a:pPr lvl="1"/>
-            <a:r>
-              <a:rPr lang="en-US" dirty="0"/>
-              <a:t>Train 10 (or more) GMMs, one that ‘knows’ each number from the data used to train it. </a:t>
-            </a:r>
-          </a:p>
-          <a:p>
-            <a:pPr lvl="1"/>
-            <a:r>
-              <a:rPr lang="en-US" dirty="0"/>
-              <a:t>When asked for a printout, ask the right GMMs for a digit each, assemble. </a:t>
-            </a:r>
-          </a:p>
-          <a:p>
-            <a:r>
-              <a:rPr lang="en-US" dirty="0"/>
-              <a:t>Overall, the images tend to be OK at best, some improvements:</a:t>
-            </a:r>
-          </a:p>
-          <a:p>
-            <a:pPr lvl="1"/>
-            <a:r>
-              <a:rPr lang="en-US" dirty="0"/>
-              <a:t>Number of clusters can be &gt;10, to capture different digit variations. GMMs can as well. </a:t>
-            </a:r>
-          </a:p>
-          <a:p>
-            <a:pPr lvl="1"/>
-            <a:r>
-              <a:rPr lang="en-US" dirty="0"/>
-              <a:t>Some cleaning/processing (PCA, feature selection, etc..) may help, requires much tuning. </a:t>
-            </a:r>
-          </a:p>
-        </p:txBody>
-      </p:sp>
-    </p:spTree>
-    <p:extLst>
-      <p:ext uri="{BB962C8B-B14F-4D97-AF65-F5344CB8AC3E}">
-        <p14:creationId xmlns:p14="http://schemas.microsoft.com/office/powerpoint/2010/main" val="136210750"/>
-      </p:ext>
-    </p:extLst>
-  </p:cSld>
-  <p:clrMapOvr>
-    <a:masterClrMapping/>
-  </p:clrMapOvr>
-</p:sld>
-</file>
-
-<file path=ppt/slides/slide20.xml><?xml version="1.0" encoding="utf-8"?>
+<file path=ppt/slides/slide26.xml><?xml version="1.0" encoding="utf-8"?>
 <p:sld xmlns:a="http://schemas.openxmlformats.org/drawingml/2006/main" xmlns:r="http://schemas.openxmlformats.org/officeDocument/2006/relationships" xmlns:p="http://schemas.openxmlformats.org/presentationml/2006/main">
   <p:cSld>
     <p:bg>
@@ -5877,8 +7016,8 @@
         </p:blipFill>
         <p:spPr bwMode="auto">
           <a:xfrm>
-            <a:off x="0" y="1853754"/>
-            <a:ext cx="6892299" cy="3789318"/>
+            <a:off x="1" y="1853754"/>
+            <a:ext cx="4902678" cy="2695444"/>
           </a:xfrm>
           <a:prstGeom prst="rect">
             <a:avLst/>
@@ -5913,8 +7052,8 @@
         </p:nvSpPr>
         <p:spPr>
           <a:xfrm>
-            <a:off x="6892299" y="1853754"/>
-            <a:ext cx="5299701" cy="4199727"/>
+            <a:off x="5208609" y="1853754"/>
+            <a:ext cx="6983392" cy="4199727"/>
           </a:xfrm>
         </p:spPr>
         <p:txBody>
@@ -5938,7 +7077,22 @@
             <a:pPr lvl="1"/>
             <a:r>
               <a:rPr lang="en-US" dirty="0"/>
-              <a:t>“Flat” gradients may vanish – near 0/1 here. </a:t>
+              <a:t>“Flat” gradients may vanish – near 0/1 with sigmoid. </a:t>
+            </a:r>
+          </a:p>
+          <a:p>
+            <a:pPr lvl="1"/>
+            <a:r>
+              <a:rPr lang="en-US" dirty="0"/>
+              <a:t>In </a:t>
+            </a:r>
+            <a:r>
+              <a:rPr lang="en-US" dirty="0" err="1"/>
+              <a:t>relu</a:t>
+            </a:r>
+            <a:r>
+              <a:rPr lang="en-US" dirty="0"/>
+              <a:t>, may die and go negative where there’s no gradient. </a:t>
             </a:r>
           </a:p>
           <a:p>
@@ -5956,7 +7110,7 @@
           <a:p>
             <a:r>
               <a:rPr lang="en-US" dirty="0"/>
-              <a:t>It isn’t fully understood yet, weirdly. </a:t>
+              <a:t>Note: we should normalize normally still. </a:t>
             </a:r>
           </a:p>
           <a:p>
@@ -5964,6 +7118,36 @@
           </a:p>
         </p:txBody>
       </p:sp>
+      <p:pic>
+        <p:nvPicPr>
+          <p:cNvPr id="4" name="Picture 3">
+            <a:extLst>
+              <a:ext uri="{FF2B5EF4-FFF2-40B4-BE49-F238E27FC236}">
+                <a16:creationId xmlns:a16="http://schemas.microsoft.com/office/drawing/2014/main" id="{365C0691-8F19-F627-1CEB-290C78CF3C16}"/>
+              </a:ext>
+            </a:extLst>
+          </p:cNvPr>
+          <p:cNvPicPr>
+            <a:picLocks noChangeAspect="1"/>
+          </p:cNvPicPr>
+          <p:nvPr/>
+        </p:nvPicPr>
+        <p:blipFill>
+          <a:blip r:embed="rId3"/>
+          <a:stretch>
+            <a:fillRect/>
+          </a:stretch>
+        </p:blipFill>
+        <p:spPr>
+          <a:xfrm>
+            <a:off x="0" y="4549198"/>
+            <a:ext cx="4317357" cy="2308802"/>
+          </a:xfrm>
+          <a:prstGeom prst="rect">
+            <a:avLst/>
+          </a:prstGeom>
+        </p:spPr>
+      </p:pic>
     </p:spTree>
     <p:extLst>
       <p:ext uri="{BB962C8B-B14F-4D97-AF65-F5344CB8AC3E}">
@@ -5977,7 +7161,7 @@
 </p:sld>
 </file>
 
-<file path=ppt/slides/slide21.xml><?xml version="1.0" encoding="utf-8"?>
+<file path=ppt/slides/slide27.xml><?xml version="1.0" encoding="utf-8"?>
 <p:sld xmlns:a="http://schemas.openxmlformats.org/drawingml/2006/main" xmlns:r="http://schemas.openxmlformats.org/officeDocument/2006/relationships" xmlns:p="http://schemas.openxmlformats.org/presentationml/2006/main">
   <p:cSld>
     <p:spTree>
@@ -6104,7 +7288,7 @@
 </p:sld>
 </file>
 
-<file path=ppt/slides/slide22.xml><?xml version="1.0" encoding="utf-8"?>
+<file path=ppt/slides/slide28.xml><?xml version="1.0" encoding="utf-8"?>
 <p:sld xmlns:a="http://schemas.openxmlformats.org/drawingml/2006/main" xmlns:r="http://schemas.openxmlformats.org/officeDocument/2006/relationships" xmlns:p="http://schemas.openxmlformats.org/presentationml/2006/main">
   <p:cSld>
     <p:spTree>
@@ -6167,12 +7351,14 @@
         </p:nvSpPr>
         <p:spPr>
           <a:xfrm>
-            <a:off x="1451579" y="2015732"/>
-            <a:ext cx="9603275" cy="4037749"/>
-          </a:xfrm>
-        </p:spPr>
-        <p:txBody>
-          <a:bodyPr/>
+            <a:off x="1451579" y="1853754"/>
+            <a:ext cx="9603275" cy="4199727"/>
+          </a:xfrm>
+        </p:spPr>
+        <p:txBody>
+          <a:bodyPr>
+            <a:normAutofit lnSpcReduction="10000"/>
+          </a:bodyPr>
           <a:lstStyle/>
           <a:p>
             <a:r>
@@ -6212,7 +7398,13 @@
             <a:pPr lvl="1"/>
             <a:r>
               <a:rPr lang="en-US" dirty="0"/>
-              <a:t>We won’t delve into the details of initialization much – lots of math, not practical. </a:t>
+              <a:t>We can preset the output layer with the log of the expectation (for logit). </a:t>
+            </a:r>
+          </a:p>
+          <a:p>
+            <a:r>
+              <a:rPr lang="en-US" dirty="0"/>
+              <a:t>This can help the model train – both in speed and potential for convergence. </a:t>
             </a:r>
           </a:p>
           <a:p>
@@ -6260,7 +7452,7 @@
 </p:sld>
 </file>
 
-<file path=ppt/slides/slide23.xml><?xml version="1.0" encoding="utf-8"?>
+<file path=ppt/slides/slide29.xml><?xml version="1.0" encoding="utf-8"?>
 <p:sld xmlns:a="http://schemas.openxmlformats.org/drawingml/2006/main" xmlns:r="http://schemas.openxmlformats.org/officeDocument/2006/relationships" xmlns:p="http://schemas.openxmlformats.org/presentationml/2006/main">
   <p:cSld>
     <p:spTree>
@@ -6282,7 +7474,7 @@
           <p:cNvPr id="2" name="Title 1">
             <a:extLst>
               <a:ext uri="{FF2B5EF4-FFF2-40B4-BE49-F238E27FC236}">
-                <a16:creationId xmlns:a16="http://schemas.microsoft.com/office/drawing/2014/main" id="{EAF056FD-E697-5353-97FE-84FF67ABB289}"/>
+                <a16:creationId xmlns:a16="http://schemas.microsoft.com/office/drawing/2014/main" id="{8E701F95-B618-A7AB-FF6B-7AF73C21932E}"/>
               </a:ext>
             </a:extLst>
           </p:cNvPr>
@@ -6300,7 +7492,7 @@
           <a:p>
             <a:r>
               <a:rPr lang="en-US" dirty="0"/>
-              <a:t>Other Tuning - Optimization</a:t>
+              <a:t>Refresher - regularization</a:t>
             </a:r>
           </a:p>
         </p:txBody>
@@ -6310,7 +7502,7 @@
           <p:cNvPr id="3" name="Content Placeholder 2">
             <a:extLst>
               <a:ext uri="{FF2B5EF4-FFF2-40B4-BE49-F238E27FC236}">
-                <a16:creationId xmlns:a16="http://schemas.microsoft.com/office/drawing/2014/main" id="{F044C5EC-E837-8A77-86C7-0C127E9A7BD8}"/>
+                <a16:creationId xmlns:a16="http://schemas.microsoft.com/office/drawing/2014/main" id="{2E156C3E-5CAF-F8A6-E7F0-120D8C6CAFA5}"/>
               </a:ext>
             </a:extLst>
           </p:cNvPr>
@@ -6323,8 +7515,8 @@
         </p:nvSpPr>
         <p:spPr>
           <a:xfrm>
-            <a:off x="1451579" y="1853754"/>
-            <a:ext cx="9603275" cy="4199727"/>
+            <a:off x="1451579" y="1853755"/>
+            <a:ext cx="9603275" cy="2265242"/>
           </a:xfrm>
         </p:spPr>
         <p:txBody>
@@ -6333,61 +7525,91 @@
           <a:p>
             <a:r>
               <a:rPr lang="en-US" dirty="0"/>
-              <a:t>There are a huge number of things that can be changed to tune a neural network model. </a:t>
-            </a:r>
-          </a:p>
-          <a:p>
-            <a:r>
-              <a:rPr lang="en-US" dirty="0"/>
-              <a:t>We are focusing mainly on the ‘structure’ type of things. </a:t>
-            </a:r>
-          </a:p>
-          <a:p>
-            <a:pPr lvl="1"/>
-            <a:r>
-              <a:rPr lang="en-US" dirty="0"/>
-              <a:t>Network size, layers, type, hyperparameters, regularizing (and similar) layers like normalization.</a:t>
-            </a:r>
-          </a:p>
-          <a:p>
-            <a:r>
-              <a:rPr lang="en-US" dirty="0"/>
-              <a:t>We are not really focusing on the optimization part - loss/gradient descent specific things. </a:t>
-            </a:r>
-          </a:p>
-          <a:p>
-            <a:pPr lvl="1"/>
-            <a:r>
-              <a:rPr lang="en-US" dirty="0"/>
-              <a:t>Learning rates, momentum, optimizers. </a:t>
-            </a:r>
-          </a:p>
-          <a:p>
-            <a:pPr lvl="1"/>
-            <a:r>
-              <a:rPr lang="en-US" dirty="0"/>
-              <a:t>This matters, but is more theoretical in theory, and scenario dependent in practice. </a:t>
-            </a:r>
-          </a:p>
-          <a:p>
-            <a:pPr lvl="1"/>
-            <a:r>
-              <a:rPr lang="en-US" dirty="0"/>
-              <a:t>Optimization is critical as problems get larger – converging quickly, or at all, can be hard. </a:t>
-            </a:r>
-          </a:p>
-          <a:p>
-            <a:r>
-              <a:rPr lang="en-US" dirty="0"/>
-              <a:t>For our usage, we can try other optimization options, but we’ll mostly ignore it. </a:t>
-            </a:r>
-          </a:p>
-        </p:txBody>
-      </p:sp>
+              <a:t>We typically use some regularization in our models. </a:t>
+            </a:r>
+          </a:p>
+          <a:p>
+            <a:pPr lvl="1"/>
+            <a:r>
+              <a:rPr lang="en-US" dirty="0"/>
+              <a:t>Semi-standard as neural networks are large and flexible, and this constrains overfit. </a:t>
+            </a:r>
+          </a:p>
+          <a:p>
+            <a:pPr lvl="1"/>
+            <a:r>
+              <a:rPr lang="en-US" dirty="0"/>
+              <a:t>L1/L2 – works just as in regression, can be applied in layer as a hyperparameter. </a:t>
+            </a:r>
+          </a:p>
+          <a:p>
+            <a:pPr lvl="1"/>
+            <a:r>
+              <a:rPr lang="en-US" dirty="0"/>
+              <a:t>Dropout – removes some percentage of neurons randomly each batch of </a:t>
+            </a:r>
+            <a:r>
+              <a:rPr lang="en-US" b="1" dirty="0"/>
+              <a:t>training</a:t>
+            </a:r>
+            <a:r>
+              <a:rPr lang="en-US" dirty="0"/>
+              <a:t>, forcing learning to occur on the remainder. Applied as a layer, typically round 20—40% to start. </a:t>
+            </a:r>
+          </a:p>
+        </p:txBody>
+      </p:sp>
+      <p:pic>
+        <p:nvPicPr>
+          <p:cNvPr id="12290" name="Picture 2" descr="An illustration of the dropout mechanism within a multi-layer neural... |  Download Scientific Diagram">
+            <a:extLst>
+              <a:ext uri="{FF2B5EF4-FFF2-40B4-BE49-F238E27FC236}">
+                <a16:creationId xmlns:a16="http://schemas.microsoft.com/office/drawing/2014/main" id="{2AB7688B-0AD0-F5E0-0253-193C85677D34}"/>
+              </a:ext>
+            </a:extLst>
+          </p:cNvPr>
+          <p:cNvPicPr>
+            <a:picLocks noChangeAspect="1" noChangeArrowheads="1"/>
+          </p:cNvPicPr>
+          <p:nvPr/>
+        </p:nvPicPr>
+        <p:blipFill>
+          <a:blip r:embed="rId2">
+            <a:extLst>
+              <a:ext uri="{28A0092B-C50C-407E-A947-70E740481C1C}">
+                <a14:useLocalDpi xmlns:a14="http://schemas.microsoft.com/office/drawing/2010/main" val="0"/>
+              </a:ext>
+            </a:extLst>
+          </a:blip>
+          <a:srcRect/>
+          <a:stretch>
+            <a:fillRect/>
+          </a:stretch>
+        </p:blipFill>
+        <p:spPr bwMode="auto">
+          <a:xfrm>
+            <a:off x="1621461" y="3838427"/>
+            <a:ext cx="8949078" cy="2905818"/>
+          </a:xfrm>
+          <a:prstGeom prst="rect">
+            <a:avLst/>
+          </a:prstGeom>
+          <a:noFill/>
+          <a:extLst>
+            <a:ext uri="{909E8E84-426E-40DD-AFC4-6F175D3DCCD1}">
+              <a14:hiddenFill xmlns:a14="http://schemas.microsoft.com/office/drawing/2010/main">
+                <a:solidFill>
+                  <a:srgbClr val="FFFFFF"/>
+                </a:solidFill>
+              </a14:hiddenFill>
+            </a:ext>
+          </a:extLst>
+        </p:spPr>
+      </p:pic>
     </p:spTree>
     <p:extLst>
       <p:ext uri="{BB962C8B-B14F-4D97-AF65-F5344CB8AC3E}">
-        <p14:creationId xmlns:p14="http://schemas.microsoft.com/office/powerpoint/2010/main" val="1149088017"/>
+        <p14:creationId xmlns:p14="http://schemas.microsoft.com/office/powerpoint/2010/main" val="3865647208"/>
       </p:ext>
     </p:extLst>
   </p:cSld>
@@ -6397,7 +7619,7 @@
 </p:sld>
 </file>
 
-<file path=ppt/slides/slide24.xml><?xml version="1.0" encoding="utf-8"?>
+<file path=ppt/slides/slide3.xml><?xml version="1.0" encoding="utf-8"?>
 <p:sld xmlns:a="http://schemas.openxmlformats.org/drawingml/2006/main" xmlns:r="http://schemas.openxmlformats.org/officeDocument/2006/relationships" xmlns:p="http://schemas.openxmlformats.org/presentationml/2006/main" show="0">
   <p:cSld>
     <p:spTree>
@@ -6419,7 +7641,7 @@
           <p:cNvPr id="2" name="Title 1">
             <a:extLst>
               <a:ext uri="{FF2B5EF4-FFF2-40B4-BE49-F238E27FC236}">
-                <a16:creationId xmlns:a16="http://schemas.microsoft.com/office/drawing/2014/main" id="{CBCB9964-3340-F14A-ACF7-EC8ED9BC8A5E}"/>
+                <a16:creationId xmlns:a16="http://schemas.microsoft.com/office/drawing/2014/main" id="{22D1ADD2-D653-17DD-BCB3-0E44EAE7BF2D}"/>
               </a:ext>
             </a:extLst>
           </p:cNvPr>
@@ -6437,7 +7659,7 @@
           <a:p>
             <a:r>
               <a:rPr lang="en-US" dirty="0"/>
-              <a:t>Pruning</a:t>
+              <a:t>Cluster Assignment - Results</a:t>
             </a:r>
           </a:p>
         </p:txBody>
@@ -6447,7 +7669,7 @@
           <p:cNvPr id="3" name="Content Placeholder 2">
             <a:extLst>
               <a:ext uri="{FF2B5EF4-FFF2-40B4-BE49-F238E27FC236}">
-                <a16:creationId xmlns:a16="http://schemas.microsoft.com/office/drawing/2014/main" id="{45B0AA7B-21C6-0E42-874B-B074C1D1E3E9}"/>
+                <a16:creationId xmlns:a16="http://schemas.microsoft.com/office/drawing/2014/main" id="{1FA8B9B4-BDA8-12EB-F5CF-5A987E111D33}"/>
               </a:ext>
             </a:extLst>
           </p:cNvPr>
@@ -6460,79 +7682,72 @@
         </p:nvSpPr>
         <p:spPr>
           <a:xfrm>
-            <a:off x="1451579" y="2015732"/>
-            <a:ext cx="9603275" cy="4105935"/>
-          </a:xfrm>
-        </p:spPr>
-        <p:txBody>
-          <a:bodyPr>
-            <a:normAutofit lnSpcReduction="10000"/>
-          </a:bodyPr>
-          <a:lstStyle/>
-          <a:p>
-            <a:r>
-              <a:rPr lang="en-US" dirty="0"/>
-              <a:t>Neural networks can get very large!</a:t>
-            </a:r>
-          </a:p>
-          <a:p>
-            <a:r>
-              <a:rPr lang="en-US" dirty="0"/>
-              <a:t>Like a tree, a trained network may contain parts that aren’t super critical in making predictions. </a:t>
-            </a:r>
-          </a:p>
-          <a:p>
-            <a:pPr lvl="1"/>
-            <a:r>
-              <a:rPr lang="en-US" dirty="0"/>
-              <a:t>As an example, think of “dying </a:t>
-            </a:r>
-            <a:r>
-              <a:rPr lang="en-US" dirty="0" err="1"/>
-              <a:t>relu</a:t>
-            </a:r>
-            <a:r>
-              <a:rPr lang="en-US" dirty="0"/>
-              <a:t>” neurons. </a:t>
-            </a:r>
-          </a:p>
-          <a:p>
-            <a:r>
-              <a:rPr lang="en-US" dirty="0"/>
-              <a:t>Pruning can trim a network back by making it more sparse. </a:t>
-            </a:r>
-          </a:p>
-          <a:p>
-            <a:r>
-              <a:rPr lang="en-US" dirty="0"/>
-              <a:t>Can potentially improve generalization – just as tree pruning does. </a:t>
-            </a:r>
-          </a:p>
-          <a:p>
-            <a:r>
-              <a:rPr lang="en-US" dirty="0"/>
-              <a:t>Allows networks to be used for prediction with fewer computations. </a:t>
-            </a:r>
-          </a:p>
-          <a:p>
-            <a:pPr lvl="1"/>
-            <a:r>
-              <a:rPr lang="en-US" dirty="0"/>
-              <a:t>Predictions on a computer: one forward propagation, relatively simple. </a:t>
-            </a:r>
-          </a:p>
-          <a:p>
-            <a:pPr lvl="1"/>
-            <a:r>
-              <a:rPr lang="en-US" dirty="0"/>
-              <a:t>Predictions on a phone/raspberry pi/Roomba/drone, can be challenging. </a:t>
-            </a:r>
-          </a:p>
-          <a:p>
-            <a:pPr lvl="1"/>
-            <a:r>
-              <a:rPr lang="en-US" dirty="0"/>
-              <a:t>Pruned models require less processing and less memory, can be used on more devices. </a:t>
+            <a:off x="1451579" y="1853754"/>
+            <a:ext cx="9603275" cy="4199727"/>
+          </a:xfrm>
+        </p:spPr>
+        <p:txBody>
+          <a:bodyPr/>
+          <a:lstStyle/>
+          <a:p>
+            <a:r>
+              <a:rPr lang="en-US" dirty="0"/>
+              <a:t>The basic steps needed are:</a:t>
+            </a:r>
+          </a:p>
+          <a:p>
+            <a:pPr lvl="1"/>
+            <a:r>
+              <a:rPr lang="en-US" dirty="0"/>
+              <a:t>Cluster the original data to break the numbers into similar groups. (k-means, other…)</a:t>
+            </a:r>
+          </a:p>
+          <a:p>
+            <a:pPr lvl="1"/>
+            <a:r>
+              <a:rPr lang="en-US" dirty="0"/>
+              <a:t>Manually add a label – each group is similar, but we don’t know what it is a group of. </a:t>
+            </a:r>
+          </a:p>
+          <a:p>
+            <a:pPr lvl="1"/>
+            <a:r>
+              <a:rPr lang="en-US" dirty="0"/>
+              <a:t>Now you have labeled groups of digit images. </a:t>
+            </a:r>
+          </a:p>
+          <a:p>
+            <a:pPr lvl="1"/>
+            <a:r>
+              <a:rPr lang="en-US" dirty="0"/>
+              <a:t>Train 10 (or more) GMMs, one that ‘knows’ each number from the data used to train it. </a:t>
+            </a:r>
+          </a:p>
+          <a:p>
+            <a:pPr lvl="1"/>
+            <a:r>
+              <a:rPr lang="en-US" dirty="0"/>
+              <a:t>When asked for a printout, ask the right GMMs for a digit each, assemble. </a:t>
+            </a:r>
+          </a:p>
+          <a:p>
+            <a:r>
+              <a:rPr lang="en-US" dirty="0"/>
+              <a:t>Overall, the images tend to be OK at best, some improvements:</a:t>
+            </a:r>
+          </a:p>
+          <a:p>
+            <a:pPr lvl="1"/>
+            <a:r>
+              <a:rPr lang="en-US" dirty="0"/>
+              <a:t>Number of clusters can be &gt;10, to capture different digit variations. GMMs can as well. </a:t>
+            </a:r>
+          </a:p>
+          <a:p>
+            <a:pPr lvl="1"/>
+            <a:r>
+              <a:rPr lang="en-US" dirty="0"/>
+              <a:t>Some cleaning/processing (PCA, feature selection, etc..) may help, requires much tuning. </a:t>
             </a:r>
           </a:p>
         </p:txBody>
@@ -6540,7 +7755,7 @@
     </p:spTree>
     <p:extLst>
       <p:ext uri="{BB962C8B-B14F-4D97-AF65-F5344CB8AC3E}">
-        <p14:creationId xmlns:p14="http://schemas.microsoft.com/office/powerpoint/2010/main" val="1773265296"/>
+        <p14:creationId xmlns:p14="http://schemas.microsoft.com/office/powerpoint/2010/main" val="136210750"/>
       </p:ext>
     </p:extLst>
   </p:cSld>
@@ -6550,7 +7765,7 @@
 </p:sld>
 </file>
 
-<file path=ppt/slides/slide25.xml><?xml version="1.0" encoding="utf-8"?>
+<file path=ppt/slides/slide30.xml><?xml version="1.0" encoding="utf-8"?>
 <p:sld xmlns:a="http://schemas.openxmlformats.org/drawingml/2006/main" xmlns:r="http://schemas.openxmlformats.org/officeDocument/2006/relationships" xmlns:p="http://schemas.openxmlformats.org/presentationml/2006/main">
   <p:cSld>
     <p:spTree>
@@ -6572,7 +7787,7 @@
           <p:cNvPr id="2" name="Title 1">
             <a:extLst>
               <a:ext uri="{FF2B5EF4-FFF2-40B4-BE49-F238E27FC236}">
-                <a16:creationId xmlns:a16="http://schemas.microsoft.com/office/drawing/2014/main" id="{00F11902-F058-D543-A654-EBFA8DD915C4}"/>
+                <a16:creationId xmlns:a16="http://schemas.microsoft.com/office/drawing/2014/main" id="{998811FD-FB04-14C3-51B0-20806479A3B8}"/>
               </a:ext>
             </a:extLst>
           </p:cNvPr>
@@ -6590,7 +7805,7 @@
           <a:p>
             <a:r>
               <a:rPr lang="en-US" dirty="0"/>
-              <a:t>Conclusion</a:t>
+              <a:t>Neural Networks are Flexible</a:t>
             </a:r>
           </a:p>
         </p:txBody>
@@ -6600,7 +7815,7 @@
           <p:cNvPr id="3" name="Content Placeholder 2">
             <a:extLst>
               <a:ext uri="{FF2B5EF4-FFF2-40B4-BE49-F238E27FC236}">
-                <a16:creationId xmlns:a16="http://schemas.microsoft.com/office/drawing/2014/main" id="{48CFE9E9-25F7-5040-BB55-69E72FC98883}"/>
+                <a16:creationId xmlns:a16="http://schemas.microsoft.com/office/drawing/2014/main" id="{F27F93CB-38CB-BCDC-EB9C-1D1A84E32F49}"/>
               </a:ext>
             </a:extLst>
           </p:cNvPr>
@@ -6623,63 +7838,45 @@
           <a:p>
             <a:r>
               <a:rPr lang="en-US" dirty="0"/>
-              <a:t>There are many variables in making a good neural network model. </a:t>
-            </a:r>
-          </a:p>
-          <a:p>
-            <a:pPr lvl="1"/>
-            <a:r>
-              <a:rPr lang="en-US" dirty="0"/>
-              <a:t>Size – we need to make the model big enough to learn the data. </a:t>
-            </a:r>
-          </a:p>
-          <a:p>
-            <a:pPr lvl="1"/>
-            <a:r>
-              <a:rPr lang="en-US" dirty="0"/>
-              <a:t>Structure – different model structures may perform better (we’ll see this next, more). </a:t>
-            </a:r>
-          </a:p>
-          <a:p>
-            <a:pPr lvl="1"/>
-            <a:r>
-              <a:rPr lang="en-US" dirty="0"/>
-              <a:t>Regularization – L1/L2, dropout, batch normalization. </a:t>
-            </a:r>
-          </a:p>
-          <a:p>
-            <a:pPr lvl="1"/>
-            <a:r>
-              <a:rPr lang="en-US" dirty="0"/>
-              <a:t>Training Parameters – learning rate, optimizer, </a:t>
-            </a:r>
-            <a:r>
-              <a:rPr lang="en-US" dirty="0" err="1"/>
-              <a:t>etc</a:t>
-            </a:r>
-            <a:r>
-              <a:rPr lang="en-US" dirty="0"/>
-              <a:t>…</a:t>
-            </a:r>
-          </a:p>
-          <a:p>
-            <a:r>
-              <a:rPr lang="en-US" dirty="0"/>
-              <a:t>For us, we can settle on getting close, then letting things train. </a:t>
-            </a:r>
-          </a:p>
-          <a:p>
-            <a:pPr lvl="1"/>
-            <a:r>
-              <a:rPr lang="en-US" dirty="0"/>
-              <a:t>Real model tuning becomes impractical at a larger scale, we don’t need to obsess. </a:t>
-            </a:r>
-          </a:p>
-          <a:p>
-            <a:pPr lvl="1"/>
-            <a:r>
-              <a:rPr lang="en-US" dirty="0"/>
-              <a:t>There’s not one solution for what model will work. </a:t>
+              <a:t>This isn’t near all of the things that we can change in a neural network. </a:t>
+            </a:r>
+          </a:p>
+          <a:p>
+            <a:r>
+              <a:rPr lang="en-US" dirty="0"/>
+              <a:t>The flexibility in their learning as they grow means that a wide range of models that are ‘good enough’ will converge on a good solution. </a:t>
+            </a:r>
+          </a:p>
+          <a:p>
+            <a:pPr lvl="1"/>
+            <a:r>
+              <a:rPr lang="en-US" dirty="0"/>
+              <a:t>E.g. the image competition has models with widely different structures fighting for fractions of a percentage of accuracy in a task. </a:t>
+            </a:r>
+          </a:p>
+          <a:p>
+            <a:r>
+              <a:rPr lang="en-US" dirty="0"/>
+              <a:t>Mirror something that is known to work, unless experimenting (which is good). </a:t>
+            </a:r>
+          </a:p>
+          <a:p>
+            <a:r>
+              <a:rPr lang="en-US" dirty="0"/>
+              <a:t>Make reasonable choices, add some excess, regularization, and early stopping, let train. </a:t>
+            </a:r>
+          </a:p>
+          <a:p>
+            <a:pPr lvl="1"/>
+            <a:r>
+              <a:rPr lang="en-US" dirty="0"/>
+              <a:t>Adjust from here based on what you see. </a:t>
+            </a:r>
+          </a:p>
+          <a:p>
+            <a:r>
+              <a:rPr lang="en-US" dirty="0"/>
+              <a:t>Finding the perfect configuration as we did with a grid becomes time impractical quickly. </a:t>
             </a:r>
           </a:p>
         </p:txBody>
@@ -6687,7 +7884,7 @@
     </p:spTree>
     <p:extLst>
       <p:ext uri="{BB962C8B-B14F-4D97-AF65-F5344CB8AC3E}">
-        <p14:creationId xmlns:p14="http://schemas.microsoft.com/office/powerpoint/2010/main" val="2123746333"/>
+        <p14:creationId xmlns:p14="http://schemas.microsoft.com/office/powerpoint/2010/main" val="2910667997"/>
       </p:ext>
     </p:extLst>
   </p:cSld>
@@ -6697,7 +7894,144 @@
 </p:sld>
 </file>
 
-<file path=ppt/slides/slide3.xml><?xml version="1.0" encoding="utf-8"?>
+<file path=ppt/slides/slide31.xml><?xml version="1.0" encoding="utf-8"?>
+<p:sld xmlns:a="http://schemas.openxmlformats.org/drawingml/2006/main" xmlns:r="http://schemas.openxmlformats.org/officeDocument/2006/relationships" xmlns:p="http://schemas.openxmlformats.org/presentationml/2006/main" show="0">
+  <p:cSld>
+    <p:spTree>
+      <p:nvGrpSpPr>
+        <p:cNvPr id="1" name=""/>
+        <p:cNvGrpSpPr/>
+        <p:nvPr/>
+      </p:nvGrpSpPr>
+      <p:grpSpPr>
+        <a:xfrm>
+          <a:off x="0" y="0"/>
+          <a:ext cx="0" cy="0"/>
+          <a:chOff x="0" y="0"/>
+          <a:chExt cx="0" cy="0"/>
+        </a:xfrm>
+      </p:grpSpPr>
+      <p:sp>
+        <p:nvSpPr>
+          <p:cNvPr id="2" name="Title 1">
+            <a:extLst>
+              <a:ext uri="{FF2B5EF4-FFF2-40B4-BE49-F238E27FC236}">
+                <a16:creationId xmlns:a16="http://schemas.microsoft.com/office/drawing/2014/main" id="{EAF056FD-E697-5353-97FE-84FF67ABB289}"/>
+              </a:ext>
+            </a:extLst>
+          </p:cNvPr>
+          <p:cNvSpPr>
+            <a:spLocks noGrp="1"/>
+          </p:cNvSpPr>
+          <p:nvPr>
+            <p:ph type="title"/>
+          </p:nvPr>
+        </p:nvSpPr>
+        <p:spPr/>
+        <p:txBody>
+          <a:bodyPr/>
+          <a:lstStyle/>
+          <a:p>
+            <a:r>
+              <a:rPr lang="en-US" dirty="0"/>
+              <a:t>Other Tuning - Optimization</a:t>
+            </a:r>
+          </a:p>
+        </p:txBody>
+      </p:sp>
+      <p:sp>
+        <p:nvSpPr>
+          <p:cNvPr id="3" name="Content Placeholder 2">
+            <a:extLst>
+              <a:ext uri="{FF2B5EF4-FFF2-40B4-BE49-F238E27FC236}">
+                <a16:creationId xmlns:a16="http://schemas.microsoft.com/office/drawing/2014/main" id="{F044C5EC-E837-8A77-86C7-0C127E9A7BD8}"/>
+              </a:ext>
+            </a:extLst>
+          </p:cNvPr>
+          <p:cNvSpPr>
+            <a:spLocks noGrp="1"/>
+          </p:cNvSpPr>
+          <p:nvPr>
+            <p:ph idx="1"/>
+          </p:nvPr>
+        </p:nvSpPr>
+        <p:spPr>
+          <a:xfrm>
+            <a:off x="1451579" y="1853754"/>
+            <a:ext cx="9603275" cy="4199727"/>
+          </a:xfrm>
+        </p:spPr>
+        <p:txBody>
+          <a:bodyPr/>
+          <a:lstStyle/>
+          <a:p>
+            <a:r>
+              <a:rPr lang="en-US" dirty="0"/>
+              <a:t>There are a huge number of things that can be changed to tune a neural network model. </a:t>
+            </a:r>
+          </a:p>
+          <a:p>
+            <a:r>
+              <a:rPr lang="en-US" dirty="0"/>
+              <a:t>We are focusing mainly on the ‘structure’ type of things. </a:t>
+            </a:r>
+          </a:p>
+          <a:p>
+            <a:pPr lvl="1"/>
+            <a:r>
+              <a:rPr lang="en-US" dirty="0"/>
+              <a:t>Network size, layers, type, hyperparameters, regularizing (and similar) layers like normalization.</a:t>
+            </a:r>
+          </a:p>
+          <a:p>
+            <a:r>
+              <a:rPr lang="en-US" dirty="0"/>
+              <a:t>We are not really focusing on the optimization part - loss/gradient descent specific things. </a:t>
+            </a:r>
+          </a:p>
+          <a:p>
+            <a:pPr lvl="1"/>
+            <a:r>
+              <a:rPr lang="en-US" dirty="0"/>
+              <a:t>Learning rates, momentum, optimizers. </a:t>
+            </a:r>
+          </a:p>
+          <a:p>
+            <a:pPr lvl="1"/>
+            <a:r>
+              <a:rPr lang="en-US" dirty="0"/>
+              <a:t>This matters, but is more theoretical in theory, and scenario dependent in practice. </a:t>
+            </a:r>
+          </a:p>
+          <a:p>
+            <a:pPr lvl="1"/>
+            <a:r>
+              <a:rPr lang="en-US" dirty="0"/>
+              <a:t>Optimization is critical as problems get larger – converging quickly, or at all, can be hard. </a:t>
+            </a:r>
+          </a:p>
+          <a:p>
+            <a:r>
+              <a:rPr lang="en-US" dirty="0"/>
+              <a:t>For our usage, we can mainly try different learning rates, if needed. </a:t>
+            </a:r>
+          </a:p>
+        </p:txBody>
+      </p:sp>
+    </p:spTree>
+    <p:extLst>
+      <p:ext uri="{BB962C8B-B14F-4D97-AF65-F5344CB8AC3E}">
+        <p14:creationId xmlns:p14="http://schemas.microsoft.com/office/powerpoint/2010/main" val="1149088017"/>
+      </p:ext>
+    </p:extLst>
+  </p:cSld>
+  <p:clrMapOvr>
+    <a:masterClrMapping/>
+  </p:clrMapOvr>
+</p:sld>
+</file>
+
+<file path=ppt/slides/slide32.xml><?xml version="1.0" encoding="utf-8"?>
 <p:sld xmlns:a="http://schemas.openxmlformats.org/drawingml/2006/main" xmlns:r="http://schemas.openxmlformats.org/officeDocument/2006/relationships" xmlns:p="http://schemas.openxmlformats.org/presentationml/2006/main">
   <p:cSld>
     <p:spTree>
@@ -6719,7 +8053,7 @@
           <p:cNvPr id="2" name="Title 1">
             <a:extLst>
               <a:ext uri="{FF2B5EF4-FFF2-40B4-BE49-F238E27FC236}">
-                <a16:creationId xmlns:a16="http://schemas.microsoft.com/office/drawing/2014/main" id="{C23B2C87-4BE3-F68C-4EE7-7009E745ACA7}"/>
+                <a16:creationId xmlns:a16="http://schemas.microsoft.com/office/drawing/2014/main" id="{2D76F3B6-86DB-FFF0-6350-C1AA19E15476}"/>
               </a:ext>
             </a:extLst>
           </p:cNvPr>
@@ -6737,7 +8071,7 @@
           <a:p>
             <a:r>
               <a:rPr lang="en-US" dirty="0"/>
-              <a:t>Cluster Assignment</a:t>
+              <a:t>Tuning From A Loss Plot</a:t>
             </a:r>
           </a:p>
         </p:txBody>
@@ -6747,7 +8081,7 @@
           <p:cNvPr id="3" name="Content Placeholder 2">
             <a:extLst>
               <a:ext uri="{FF2B5EF4-FFF2-40B4-BE49-F238E27FC236}">
-                <a16:creationId xmlns:a16="http://schemas.microsoft.com/office/drawing/2014/main" id="{C027D62E-779C-86FC-A8CB-FC13358BCB50}"/>
+                <a16:creationId xmlns:a16="http://schemas.microsoft.com/office/drawing/2014/main" id="{915E008A-9A08-A25F-5145-ECD1F6B212D2}"/>
               </a:ext>
             </a:extLst>
           </p:cNvPr>
@@ -6770,48 +8104,53 @@
           <a:p>
             <a:r>
               <a:rPr lang="en-US" dirty="0"/>
-              <a:t>Common issues:</a:t>
-            </a:r>
-          </a:p>
-          <a:p>
-            <a:pPr lvl="1"/>
-            <a:r>
-              <a:rPr lang="en-US" dirty="0"/>
-              <a:t>Assorted mix-ups applying labels to clusters. </a:t>
-            </a:r>
-          </a:p>
-          <a:p>
-            <a:pPr lvl="1"/>
-            <a:r>
-              <a:rPr lang="en-US" dirty="0"/>
-              <a:t>Training GMM timing/location. </a:t>
-            </a:r>
-          </a:p>
-          <a:p>
-            <a:r>
-              <a:rPr lang="en-US" dirty="0"/>
-              <a:t>Adding labeling:</a:t>
-            </a:r>
-          </a:p>
-          <a:p>
-            <a:pPr lvl="1"/>
-            <a:r>
-              <a:rPr lang="en-US" dirty="0"/>
-              <a:t>This feels weird to lots of people, but it isn’t really all that rare. (LLMs and gen models). </a:t>
-            </a:r>
-          </a:p>
-          <a:p>
-            <a:pPr lvl="1"/>
-            <a:r>
-              <a:rPr lang="en-US" dirty="0"/>
-              <a:t>The clusters are able to be ‘pure’ on their own, but we need to add the label info ourselves. </a:t>
-            </a:r>
-          </a:p>
-          <a:p>
-            <a:pPr lvl="1"/>
-            <a:r>
-              <a:rPr lang="en-US" dirty="0"/>
-              <a:t>This could be supplemented by other models – e.g. manually label enough, then use classifier.</a:t>
+              <a:t>The loss plot is our main, but not only, tool to help tune a model. </a:t>
+            </a:r>
+          </a:p>
+          <a:p>
+            <a:r>
+              <a:rPr lang="en-US" dirty="0"/>
+              <a:t>None of these things are definitive, but there are things that happen often that we can look at first for a possible solution. </a:t>
+            </a:r>
+          </a:p>
+          <a:p>
+            <a:r>
+              <a:rPr lang="en-US" dirty="0"/>
+              <a:t>In neural networks, we must weigh against computation time – defaults are usually fast.</a:t>
+            </a:r>
+          </a:p>
+          <a:p>
+            <a:r>
+              <a:rPr lang="en-US" dirty="0"/>
+              <a:t>Some general things:</a:t>
+            </a:r>
+          </a:p>
+          <a:p>
+            <a:pPr lvl="1"/>
+            <a:r>
+              <a:rPr lang="en-US" dirty="0"/>
+              <a:t>Make sure that data is scaled. </a:t>
+            </a:r>
+          </a:p>
+          <a:p>
+            <a:pPr lvl="1"/>
+            <a:r>
+              <a:rPr lang="en-US" dirty="0"/>
+              <a:t>More complex relationships perform better with more layers. </a:t>
+            </a:r>
+          </a:p>
+          <a:p>
+            <a:pPr lvl="1"/>
+            <a:r>
+              <a:rPr lang="en-US" dirty="0"/>
+              <a:t>The more data you have, the larger a model you’ll be able to train well. </a:t>
+            </a:r>
+          </a:p>
+          <a:p>
+            <a:pPr lvl="1"/>
+            <a:r>
+              <a:rPr lang="en-US" dirty="0"/>
+              <a:t>Unless there’s a time constraint, let things go for lots of epochs and use early stopping. </a:t>
             </a:r>
           </a:p>
         </p:txBody>
@@ -6819,7 +8158,7 @@
     </p:spTree>
     <p:extLst>
       <p:ext uri="{BB962C8B-B14F-4D97-AF65-F5344CB8AC3E}">
-        <p14:creationId xmlns:p14="http://schemas.microsoft.com/office/powerpoint/2010/main" val="885412947"/>
+        <p14:creationId xmlns:p14="http://schemas.microsoft.com/office/powerpoint/2010/main" val="545948356"/>
       </p:ext>
     </p:extLst>
   </p:cSld>
@@ -6829,7 +8168,304 @@
 </p:sld>
 </file>
 
-<file path=ppt/slides/slide4.xml><?xml version="1.0" encoding="utf-8"?>
+<file path=ppt/slides/slide33.xml><?xml version="1.0" encoding="utf-8"?>
+<p:sld xmlns:a="http://schemas.openxmlformats.org/drawingml/2006/main" xmlns:r="http://schemas.openxmlformats.org/officeDocument/2006/relationships" xmlns:p="http://schemas.openxmlformats.org/presentationml/2006/main">
+  <p:cSld>
+    <p:bg>
+      <p:bgPr>
+        <a:gradFill rotWithShape="1">
+          <a:gsLst>
+            <a:gs pos="0">
+              <a:schemeClr val="bg2">
+                <a:tint val="94000"/>
+                <a:satMod val="80000"/>
+                <a:lumMod val="106000"/>
+              </a:schemeClr>
+            </a:gs>
+            <a:gs pos="100000">
+              <a:schemeClr val="bg2">
+                <a:shade val="80000"/>
+              </a:schemeClr>
+            </a:gs>
+          </a:gsLst>
+          <a:path path="circle">
+            <a:fillToRect l="43000" r="43000" b="100000"/>
+          </a:path>
+        </a:gradFill>
+        <a:effectLst/>
+      </p:bgPr>
+    </p:bg>
+    <p:spTree>
+      <p:nvGrpSpPr>
+        <p:cNvPr id="1" name=""/>
+        <p:cNvGrpSpPr/>
+        <p:nvPr/>
+      </p:nvGrpSpPr>
+      <p:grpSpPr>
+        <a:xfrm>
+          <a:off x="0" y="0"/>
+          <a:ext cx="0" cy="0"/>
+          <a:chOff x="0" y="0"/>
+          <a:chExt cx="0" cy="0"/>
+        </a:xfrm>
+      </p:grpSpPr>
+      <p:sp>
+        <p:nvSpPr>
+          <p:cNvPr id="2" name="Title 1">
+            <a:extLst>
+              <a:ext uri="{FF2B5EF4-FFF2-40B4-BE49-F238E27FC236}">
+                <a16:creationId xmlns:a16="http://schemas.microsoft.com/office/drawing/2014/main" id="{3603C63F-9FB5-15B8-6A4B-1E81EE54DCA1}"/>
+              </a:ext>
+            </a:extLst>
+          </p:cNvPr>
+          <p:cNvSpPr>
+            <a:spLocks noGrp="1"/>
+          </p:cNvSpPr>
+          <p:nvPr>
+            <p:ph type="title"/>
+          </p:nvPr>
+        </p:nvSpPr>
+        <p:spPr>
+          <a:xfrm>
+            <a:off x="171451" y="804519"/>
+            <a:ext cx="7332967" cy="1049235"/>
+          </a:xfrm>
+        </p:spPr>
+        <p:txBody>
+          <a:bodyPr>
+            <a:normAutofit/>
+          </a:bodyPr>
+          <a:lstStyle/>
+          <a:p>
+            <a:r>
+              <a:rPr lang="en-US" dirty="0"/>
+              <a:t>Training and Validation Diverge</a:t>
+            </a:r>
+          </a:p>
+        </p:txBody>
+      </p:sp>
+      <p:sp>
+        <p:nvSpPr>
+          <p:cNvPr id="3" name="Content Placeholder 2">
+            <a:extLst>
+              <a:ext uri="{FF2B5EF4-FFF2-40B4-BE49-F238E27FC236}">
+                <a16:creationId xmlns:a16="http://schemas.microsoft.com/office/drawing/2014/main" id="{E29BAF1F-B81E-7807-4D2B-D1471708A346}"/>
+              </a:ext>
+            </a:extLst>
+          </p:cNvPr>
+          <p:cNvSpPr>
+            <a:spLocks noGrp="1"/>
+          </p:cNvSpPr>
+          <p:nvPr>
+            <p:ph idx="1"/>
+          </p:nvPr>
+        </p:nvSpPr>
+        <p:spPr>
+          <a:xfrm>
+            <a:off x="12618" y="1853754"/>
+            <a:ext cx="7491800" cy="4199727"/>
+          </a:xfrm>
+        </p:spPr>
+        <p:txBody>
+          <a:bodyPr>
+            <a:normAutofit/>
+          </a:bodyPr>
+          <a:lstStyle/>
+          <a:p>
+            <a:r>
+              <a:rPr lang="en-US" dirty="0"/>
+              <a:t>Probably the most common issue is overfitting. </a:t>
+            </a:r>
+          </a:p>
+          <a:p>
+            <a:pPr lvl="1"/>
+            <a:r>
+              <a:rPr lang="en-US" dirty="0"/>
+              <a:t>Training gets really accurate, validation is far behind. </a:t>
+            </a:r>
+          </a:p>
+          <a:p>
+            <a:pPr lvl="1"/>
+            <a:r>
+              <a:rPr lang="en-US" dirty="0"/>
+              <a:t>Validation hits a low point, then gets worse as training improves. </a:t>
+            </a:r>
+          </a:p>
+          <a:p>
+            <a:r>
+              <a:rPr lang="en-US" dirty="0"/>
+              <a:t>Learns everything in training, generalizes poorly. </a:t>
+            </a:r>
+          </a:p>
+          <a:p>
+            <a:pPr lvl="1"/>
+            <a:r>
+              <a:rPr lang="en-US" dirty="0"/>
+              <a:t>Reduce model capacity. </a:t>
+            </a:r>
+          </a:p>
+          <a:p>
+            <a:pPr lvl="1"/>
+            <a:r>
+              <a:rPr lang="en-US" dirty="0"/>
+              <a:t>Add regularization. </a:t>
+            </a:r>
+          </a:p>
+          <a:p>
+            <a:pPr lvl="1"/>
+            <a:r>
+              <a:rPr lang="en-US" dirty="0"/>
+              <a:t>Add dropout layers. </a:t>
+            </a:r>
+          </a:p>
+          <a:p>
+            <a:pPr lvl="1"/>
+            <a:r>
+              <a:rPr lang="en-US" dirty="0"/>
+              <a:t>Early stopping – careful with tolerance settings. </a:t>
+            </a:r>
+          </a:p>
+          <a:p>
+            <a:pPr lvl="1"/>
+            <a:r>
+              <a:rPr lang="en-US" dirty="0"/>
+              <a:t>Learning rate (or </a:t>
+            </a:r>
+            <a:r>
+              <a:rPr lang="en-US" dirty="0" err="1"/>
+              <a:t>lr</a:t>
+            </a:r>
+            <a:r>
+              <a:rPr lang="en-US" dirty="0"/>
+              <a:t> stuff) change – may be stuck in local minima. </a:t>
+            </a:r>
+          </a:p>
+          <a:p>
+            <a:r>
+              <a:rPr lang="en-US" dirty="0"/>
+              <a:t>Pattern’s quite normal – gap </a:t>
+            </a:r>
+            <a:r>
+              <a:rPr lang="en-US" dirty="0" err="1"/>
+              <a:t>btwn</a:t>
+            </a:r>
+            <a:r>
+              <a:rPr lang="en-US" dirty="0"/>
+              <a:t> curves is potential improvement.</a:t>
+            </a:r>
+          </a:p>
+          <a:p>
+            <a:pPr lvl="1"/>
+            <a:endParaRPr lang="en-US" dirty="0"/>
+          </a:p>
+        </p:txBody>
+      </p:sp>
+      <p:pic>
+        <p:nvPicPr>
+          <p:cNvPr id="3078" name="Picture 6" descr="loss_plot2">
+            <a:extLst>
+              <a:ext uri="{FF2B5EF4-FFF2-40B4-BE49-F238E27FC236}">
+                <a16:creationId xmlns:a16="http://schemas.microsoft.com/office/drawing/2014/main" id="{92286DBD-2A5C-7407-71CB-CE4E72635A15}"/>
+              </a:ext>
+            </a:extLst>
+          </p:cNvPr>
+          <p:cNvPicPr>
+            <a:picLocks noChangeAspect="1" noChangeArrowheads="1"/>
+          </p:cNvPicPr>
+          <p:nvPr/>
+        </p:nvPicPr>
+        <p:blipFill>
+          <a:blip r:embed="rId2">
+            <a:extLst>
+              <a:ext uri="{28A0092B-C50C-407E-A947-70E740481C1C}">
+                <a14:useLocalDpi xmlns:a14="http://schemas.microsoft.com/office/drawing/2010/main" val="0"/>
+              </a:ext>
+            </a:extLst>
+          </a:blip>
+          <a:srcRect/>
+          <a:stretch>
+            <a:fillRect/>
+          </a:stretch>
+        </p:blipFill>
+        <p:spPr bwMode="auto">
+          <a:xfrm>
+            <a:off x="7509668" y="-5209"/>
+            <a:ext cx="4669714" cy="3717925"/>
+          </a:xfrm>
+          <a:prstGeom prst="rect">
+            <a:avLst/>
+          </a:prstGeom>
+          <a:noFill/>
+          <a:extLst>
+            <a:ext uri="{909E8E84-426E-40DD-AFC4-6F175D3DCCD1}">
+              <a14:hiddenFill xmlns:a14="http://schemas.microsoft.com/office/drawing/2010/main">
+                <a:solidFill>
+                  <a:srgbClr val="FFFFFF"/>
+                </a:solidFill>
+              </a14:hiddenFill>
+            </a:ext>
+          </a:extLst>
+        </p:spPr>
+      </p:pic>
+      <p:pic>
+        <p:nvPicPr>
+          <p:cNvPr id="3082" name="Picture 10" descr="convolutional neural network - Not smooth validation accuracy vs test  accuracy. When to stop - Cross Validated">
+            <a:extLst>
+              <a:ext uri="{FF2B5EF4-FFF2-40B4-BE49-F238E27FC236}">
+                <a16:creationId xmlns:a16="http://schemas.microsoft.com/office/drawing/2014/main" id="{96EF1CF0-3803-E2D6-331A-7ACD852A6779}"/>
+              </a:ext>
+            </a:extLst>
+          </p:cNvPr>
+          <p:cNvPicPr>
+            <a:picLocks noChangeAspect="1" noChangeArrowheads="1"/>
+          </p:cNvPicPr>
+          <p:nvPr/>
+        </p:nvPicPr>
+        <p:blipFill rotWithShape="1">
+          <a:blip r:embed="rId3">
+            <a:extLst>
+              <a:ext uri="{28A0092B-C50C-407E-A947-70E740481C1C}">
+                <a14:useLocalDpi xmlns:a14="http://schemas.microsoft.com/office/drawing/2010/main" val="0"/>
+              </a:ext>
+            </a:extLst>
+          </a:blip>
+          <a:srcRect t="50000"/>
+          <a:stretch/>
+        </p:blipFill>
+        <p:spPr bwMode="auto">
+          <a:xfrm>
+            <a:off x="7504418" y="3565556"/>
+            <a:ext cx="4674964" cy="3292443"/>
+          </a:xfrm>
+          <a:prstGeom prst="rect">
+            <a:avLst/>
+          </a:prstGeom>
+          <a:noFill/>
+          <a:extLst>
+            <a:ext uri="{909E8E84-426E-40DD-AFC4-6F175D3DCCD1}">
+              <a14:hiddenFill xmlns:a14="http://schemas.microsoft.com/office/drawing/2010/main">
+                <a:solidFill>
+                  <a:srgbClr val="FFFFFF"/>
+                </a:solidFill>
+              </a14:hiddenFill>
+            </a:ext>
+          </a:extLst>
+        </p:spPr>
+      </p:pic>
+    </p:spTree>
+    <p:extLst>
+      <p:ext uri="{BB962C8B-B14F-4D97-AF65-F5344CB8AC3E}">
+        <p14:creationId xmlns:p14="http://schemas.microsoft.com/office/powerpoint/2010/main" val="2586705123"/>
+      </p:ext>
+    </p:extLst>
+  </p:cSld>
+  <p:clrMapOvr>
+    <a:masterClrMapping/>
+  </p:clrMapOvr>
+</p:sld>
+</file>
+
+<file path=ppt/slides/slide34.xml><?xml version="1.0" encoding="utf-8"?>
 <p:sld xmlns:a="http://schemas.openxmlformats.org/drawingml/2006/main" xmlns:r="http://schemas.openxmlformats.org/officeDocument/2006/relationships" xmlns:p="http://schemas.openxmlformats.org/presentationml/2006/main">
   <p:cSld>
     <p:spTree>
@@ -6851,7 +8487,7 @@
           <p:cNvPr id="2" name="Title 1">
             <a:extLst>
               <a:ext uri="{FF2B5EF4-FFF2-40B4-BE49-F238E27FC236}">
-                <a16:creationId xmlns:a16="http://schemas.microsoft.com/office/drawing/2014/main" id="{E68B6258-E5B7-46B2-B0C0-74D17CB32669}"/>
+                <a16:creationId xmlns:a16="http://schemas.microsoft.com/office/drawing/2014/main" id="{44CE85F9-9ED0-4691-4FC2-91DA448CA86F}"/>
               </a:ext>
             </a:extLst>
           </p:cNvPr>
@@ -6859,65 +8495,1296 @@
             <a:spLocks noGrp="1"/>
           </p:cNvSpPr>
           <p:nvPr>
-            <p:ph type="ctrTitle"/>
-          </p:nvPr>
-        </p:nvSpPr>
-        <p:spPr/>
+            <p:ph type="title"/>
+          </p:nvPr>
+        </p:nvSpPr>
+        <p:spPr>
+          <a:xfrm>
+            <a:off x="5072062" y="804519"/>
+            <a:ext cx="5982791" cy="1049235"/>
+          </a:xfrm>
+        </p:spPr>
+        <p:txBody>
+          <a:bodyPr/>
+          <a:lstStyle/>
+          <a:p>
+            <a:r>
+              <a:rPr lang="en-US" dirty="0"/>
+              <a:t>Unstable Plots</a:t>
+            </a:r>
+          </a:p>
+        </p:txBody>
+      </p:sp>
+      <p:sp>
+        <p:nvSpPr>
+          <p:cNvPr id="3" name="Content Placeholder 2">
+            <a:extLst>
+              <a:ext uri="{FF2B5EF4-FFF2-40B4-BE49-F238E27FC236}">
+                <a16:creationId xmlns:a16="http://schemas.microsoft.com/office/drawing/2014/main" id="{EC708040-CDB1-E57F-C6A9-C3F839E244F6}"/>
+              </a:ext>
+            </a:extLst>
+          </p:cNvPr>
+          <p:cNvSpPr>
+            <a:spLocks noGrp="1"/>
+          </p:cNvSpPr>
+          <p:nvPr>
+            <p:ph idx="1"/>
+          </p:nvPr>
+        </p:nvSpPr>
+        <p:spPr>
+          <a:xfrm>
+            <a:off x="4584990" y="1853754"/>
+            <a:ext cx="7607011" cy="4199727"/>
+          </a:xfrm>
+        </p:spPr>
         <p:txBody>
           <a:bodyPr>
-            <a:normAutofit fontScale="90000"/>
+            <a:normAutofit fontScale="92500" lnSpcReduction="10000"/>
           </a:bodyPr>
           <a:lstStyle/>
           <a:p>
             <a:r>
-              <a:rPr lang="en-CA" dirty="0" err="1"/>
-              <a:t>Tensorflow</a:t>
-            </a:r>
-            <a:r>
-              <a:rPr lang="en-CA" dirty="0"/>
-              <a:t> and </a:t>
-            </a:r>
-            <a:r>
-              <a:rPr lang="en-CA" dirty="0" err="1"/>
-              <a:t>Keras</a:t>
-            </a:r>
-            <a:r>
-              <a:rPr lang="en-CA" dirty="0"/>
-              <a:t> Optimizations</a:t>
-            </a:r>
-            <a:endParaRPr lang="LID4096" dirty="0"/>
-          </a:p>
-        </p:txBody>
-      </p:sp>
-      <p:sp>
-        <p:nvSpPr>
-          <p:cNvPr id="3" name="Subtitle 2">
+              <a:rPr lang="en-US" dirty="0"/>
+              <a:t>Unstable results can have several causes. </a:t>
+            </a:r>
+          </a:p>
+          <a:p>
+            <a:r>
+              <a:rPr lang="en-US" dirty="0"/>
+              <a:t>Model’s accuracy swings wildly between tests. </a:t>
+            </a:r>
+          </a:p>
+          <a:p>
+            <a:pPr lvl="1"/>
+            <a:r>
+              <a:rPr lang="en-US" dirty="0"/>
+              <a:t>Data processing – outliers, scaling. </a:t>
+            </a:r>
+          </a:p>
+          <a:p>
+            <a:pPr lvl="1"/>
+            <a:r>
+              <a:rPr lang="en-US" dirty="0"/>
+              <a:t>Data size – overall and validation set size. </a:t>
+            </a:r>
+          </a:p>
+          <a:p>
+            <a:pPr lvl="1"/>
+            <a:r>
+              <a:rPr lang="en-US" dirty="0"/>
+              <a:t>Is the data representative, and are train/test splits balanced*. </a:t>
+            </a:r>
+          </a:p>
+          <a:p>
+            <a:pPr lvl="1"/>
+            <a:r>
+              <a:rPr lang="en-US" dirty="0"/>
+              <a:t>Increase batch size. </a:t>
+            </a:r>
+          </a:p>
+          <a:p>
+            <a:pPr lvl="1"/>
+            <a:r>
+              <a:rPr lang="en-US" dirty="0"/>
+              <a:t>Learning rate things – may be ‘jumping around’ instead of converging. </a:t>
+            </a:r>
+          </a:p>
+          <a:p>
+            <a:pPr lvl="1"/>
+            <a:r>
+              <a:rPr lang="en-US" dirty="0"/>
+              <a:t>Initialization (potentially bottom picture). </a:t>
+            </a:r>
+          </a:p>
+          <a:p>
+            <a:r>
+              <a:rPr lang="en-US" dirty="0"/>
+              <a:t>This can be hard to stop in small data sets – don’t worry too much. </a:t>
+            </a:r>
+          </a:p>
+          <a:p>
+            <a:r>
+              <a:rPr lang="en-US" dirty="0"/>
+              <a:t>Some instability can happen, if it flattens then it’s probably ok. </a:t>
+            </a:r>
+          </a:p>
+          <a:p>
+            <a:pPr lvl="1"/>
+            <a:r>
+              <a:rPr lang="en-US" dirty="0"/>
+              <a:t>Be aware of scale – if loss difference is small, you might just be zoomed. </a:t>
+            </a:r>
+          </a:p>
+        </p:txBody>
+      </p:sp>
+      <p:pic>
+        <p:nvPicPr>
+          <p:cNvPr id="4098" name="Picture 2">
             <a:extLst>
               <a:ext uri="{FF2B5EF4-FFF2-40B4-BE49-F238E27FC236}">
-                <a16:creationId xmlns:a16="http://schemas.microsoft.com/office/drawing/2014/main" id="{ABA17104-0772-4130-BC10-20A91C36DBC3}"/>
+                <a16:creationId xmlns:a16="http://schemas.microsoft.com/office/drawing/2014/main" id="{B44F4A06-1C99-2509-308A-618ADE27519F}"/>
               </a:ext>
             </a:extLst>
           </p:cNvPr>
-          <p:cNvSpPr>
-            <a:spLocks noGrp="1"/>
-          </p:cNvSpPr>
-          <p:nvPr>
-            <p:ph type="subTitle" idx="1"/>
-          </p:nvPr>
-        </p:nvSpPr>
-        <p:spPr/>
-        <p:txBody>
-          <a:bodyPr/>
-          <a:lstStyle/>
-          <a:p>
-            <a:endParaRPr lang="LID4096"/>
-          </a:p>
-        </p:txBody>
-      </p:sp>
+          <p:cNvPicPr>
+            <a:picLocks noChangeAspect="1" noChangeArrowheads="1"/>
+          </p:cNvPicPr>
+          <p:nvPr/>
+        </p:nvPicPr>
+        <p:blipFill>
+          <a:blip r:embed="rId2">
+            <a:extLst>
+              <a:ext uri="{28A0092B-C50C-407E-A947-70E740481C1C}">
+                <a14:useLocalDpi xmlns:a14="http://schemas.microsoft.com/office/drawing/2010/main" val="0"/>
+              </a:ext>
+            </a:extLst>
+          </a:blip>
+          <a:srcRect/>
+          <a:stretch>
+            <a:fillRect/>
+          </a:stretch>
+        </p:blipFill>
+        <p:spPr bwMode="auto">
+          <a:xfrm>
+            <a:off x="0" y="3425858"/>
+            <a:ext cx="4576190" cy="3432142"/>
+          </a:xfrm>
+          <a:prstGeom prst="rect">
+            <a:avLst/>
+          </a:prstGeom>
+          <a:noFill/>
+          <a:extLst>
+            <a:ext uri="{909E8E84-426E-40DD-AFC4-6F175D3DCCD1}">
+              <a14:hiddenFill xmlns:a14="http://schemas.microsoft.com/office/drawing/2010/main">
+                <a:solidFill>
+                  <a:srgbClr val="FFFFFF"/>
+                </a:solidFill>
+              </a14:hiddenFill>
+            </a:ext>
+          </a:extLst>
+        </p:spPr>
+      </p:pic>
+      <p:pic>
+        <p:nvPicPr>
+          <p:cNvPr id="4100" name="Picture 4" descr="Example of Train and Validation Learning Curves Showing a Validation Dataset That May Be too Small Relative to the Training Dataset">
+            <a:extLst>
+              <a:ext uri="{FF2B5EF4-FFF2-40B4-BE49-F238E27FC236}">
+                <a16:creationId xmlns:a16="http://schemas.microsoft.com/office/drawing/2014/main" id="{42542716-1765-F8CE-D0F9-D468DA8489FD}"/>
+              </a:ext>
+            </a:extLst>
+          </p:cNvPr>
+          <p:cNvPicPr>
+            <a:picLocks noChangeAspect="1" noChangeArrowheads="1"/>
+          </p:cNvPicPr>
+          <p:nvPr/>
+        </p:nvPicPr>
+        <p:blipFill>
+          <a:blip r:embed="rId3">
+            <a:extLst>
+              <a:ext uri="{28A0092B-C50C-407E-A947-70E740481C1C}">
+                <a14:useLocalDpi xmlns:a14="http://schemas.microsoft.com/office/drawing/2010/main" val="0"/>
+              </a:ext>
+            </a:extLst>
+          </a:blip>
+          <a:srcRect/>
+          <a:stretch>
+            <a:fillRect/>
+          </a:stretch>
+        </p:blipFill>
+        <p:spPr bwMode="auto">
+          <a:xfrm>
+            <a:off x="8800" y="-3143"/>
+            <a:ext cx="4576190" cy="3432143"/>
+          </a:xfrm>
+          <a:prstGeom prst="rect">
+            <a:avLst/>
+          </a:prstGeom>
+          <a:noFill/>
+          <a:extLst>
+            <a:ext uri="{909E8E84-426E-40DD-AFC4-6F175D3DCCD1}">
+              <a14:hiddenFill xmlns:a14="http://schemas.microsoft.com/office/drawing/2010/main">
+                <a:solidFill>
+                  <a:srgbClr val="FFFFFF"/>
+                </a:solidFill>
+              </a14:hiddenFill>
+            </a:ext>
+          </a:extLst>
+        </p:spPr>
+      </p:pic>
     </p:spTree>
     <p:extLst>
       <p:ext uri="{BB962C8B-B14F-4D97-AF65-F5344CB8AC3E}">
-        <p14:creationId xmlns:p14="http://schemas.microsoft.com/office/powerpoint/2010/main" val="213059865"/>
+        <p14:creationId xmlns:p14="http://schemas.microsoft.com/office/powerpoint/2010/main" val="2947726657"/>
+      </p:ext>
+    </p:extLst>
+  </p:cSld>
+  <p:clrMapOvr>
+    <a:masterClrMapping/>
+  </p:clrMapOvr>
+</p:sld>
+</file>
+
+<file path=ppt/slides/slide35.xml><?xml version="1.0" encoding="utf-8"?>
+<p:sld xmlns:a="http://schemas.openxmlformats.org/drawingml/2006/main" xmlns:r="http://schemas.openxmlformats.org/officeDocument/2006/relationships" xmlns:p="http://schemas.openxmlformats.org/presentationml/2006/main">
+  <p:cSld>
+    <p:spTree>
+      <p:nvGrpSpPr>
+        <p:cNvPr id="1" name=""/>
+        <p:cNvGrpSpPr/>
+        <p:nvPr/>
+      </p:nvGrpSpPr>
+      <p:grpSpPr>
+        <a:xfrm>
+          <a:off x="0" y="0"/>
+          <a:ext cx="0" cy="0"/>
+          <a:chOff x="0" y="0"/>
+          <a:chExt cx="0" cy="0"/>
+        </a:xfrm>
+      </p:grpSpPr>
+      <p:sp>
+        <p:nvSpPr>
+          <p:cNvPr id="2" name="Title 1">
+            <a:extLst>
+              <a:ext uri="{FF2B5EF4-FFF2-40B4-BE49-F238E27FC236}">
+                <a16:creationId xmlns:a16="http://schemas.microsoft.com/office/drawing/2014/main" id="{D7D70620-C2D9-9998-496E-8ED595B5A94B}"/>
+              </a:ext>
+            </a:extLst>
+          </p:cNvPr>
+          <p:cNvSpPr>
+            <a:spLocks noGrp="1"/>
+          </p:cNvSpPr>
+          <p:nvPr>
+            <p:ph type="title"/>
+          </p:nvPr>
+        </p:nvSpPr>
+        <p:spPr>
+          <a:xfrm>
+            <a:off x="1" y="804519"/>
+            <a:ext cx="11054854" cy="1049235"/>
+          </a:xfrm>
+        </p:spPr>
+        <p:txBody>
+          <a:bodyPr/>
+          <a:lstStyle/>
+          <a:p>
+            <a:r>
+              <a:rPr lang="en-US" dirty="0"/>
+              <a:t>Close/Inverted lines or still Falling</a:t>
+            </a:r>
+          </a:p>
+        </p:txBody>
+      </p:sp>
+      <p:sp>
+        <p:nvSpPr>
+          <p:cNvPr id="3" name="Content Placeholder 2">
+            <a:extLst>
+              <a:ext uri="{FF2B5EF4-FFF2-40B4-BE49-F238E27FC236}">
+                <a16:creationId xmlns:a16="http://schemas.microsoft.com/office/drawing/2014/main" id="{F7DA53F0-A930-C013-D6B5-C9331328C835}"/>
+              </a:ext>
+            </a:extLst>
+          </p:cNvPr>
+          <p:cNvSpPr>
+            <a:spLocks noGrp="1"/>
+          </p:cNvSpPr>
+          <p:nvPr>
+            <p:ph idx="1"/>
+          </p:nvPr>
+        </p:nvSpPr>
+        <p:spPr>
+          <a:xfrm>
+            <a:off x="100013" y="1853754"/>
+            <a:ext cx="7689749" cy="4199727"/>
+          </a:xfrm>
+        </p:spPr>
+        <p:txBody>
+          <a:bodyPr>
+            <a:normAutofit/>
+          </a:bodyPr>
+          <a:lstStyle/>
+          <a:p>
+            <a:r>
+              <a:rPr lang="en-US" sz="2400" dirty="0"/>
+              <a:t>Plots still improving are still learning - underfit. </a:t>
+            </a:r>
+          </a:p>
+          <a:p>
+            <a:pPr lvl="1"/>
+            <a:r>
+              <a:rPr lang="en-US" sz="2200" dirty="0"/>
+              <a:t>Train/</a:t>
+            </a:r>
+            <a:r>
+              <a:rPr lang="en-US" sz="2200" dirty="0" err="1"/>
+              <a:t>val</a:t>
+            </a:r>
+            <a:r>
+              <a:rPr lang="en-US" sz="2200" dirty="0"/>
+              <a:t> performance is similar/inverted</a:t>
+            </a:r>
+          </a:p>
+          <a:p>
+            <a:pPr lvl="1"/>
+            <a:r>
+              <a:rPr lang="en-US" sz="2200" dirty="0"/>
+              <a:t>Still improving at the end of training</a:t>
+            </a:r>
+          </a:p>
+          <a:p>
+            <a:r>
+              <a:rPr lang="en-US" sz="2400" dirty="0"/>
+              <a:t>The model could learn more, may be underfit:</a:t>
+            </a:r>
+          </a:p>
+          <a:p>
+            <a:pPr lvl="1"/>
+            <a:r>
+              <a:rPr lang="en-US" sz="2000" dirty="0"/>
+              <a:t>More capacity and more training, higher LR if improvement stays.</a:t>
+            </a:r>
+          </a:p>
+          <a:p>
+            <a:pPr lvl="1"/>
+            <a:r>
+              <a:rPr lang="en-US" sz="2000" dirty="0"/>
+              <a:t>Reduce regularization strength if it is high. </a:t>
+            </a:r>
+          </a:p>
+          <a:p>
+            <a:pPr lvl="1"/>
+            <a:r>
+              <a:rPr lang="en-US" sz="2000" dirty="0"/>
+              <a:t>Easy speed-up (if needed) – bigger batches. </a:t>
+            </a:r>
+          </a:p>
+          <a:p>
+            <a:pPr lvl="1"/>
+            <a:r>
+              <a:rPr lang="en-US" sz="2000" dirty="0"/>
+              <a:t>*The absolute loss in the bottom one is too low to be a great example, picture that shape, with more loss. </a:t>
+            </a:r>
+          </a:p>
+        </p:txBody>
+      </p:sp>
+      <p:pic>
+        <p:nvPicPr>
+          <p:cNvPr id="5122" name="Picture 2" descr="Example of Training Learning Curve Showing an Underfit Model That Does Not Have Sufficient Capacity">
+            <a:extLst>
+              <a:ext uri="{FF2B5EF4-FFF2-40B4-BE49-F238E27FC236}">
+                <a16:creationId xmlns:a16="http://schemas.microsoft.com/office/drawing/2014/main" id="{09369800-036B-26A2-4895-F337E887DDD2}"/>
+              </a:ext>
+            </a:extLst>
+          </p:cNvPr>
+          <p:cNvPicPr>
+            <a:picLocks noChangeAspect="1" noChangeArrowheads="1"/>
+          </p:cNvPicPr>
+          <p:nvPr/>
+        </p:nvPicPr>
+        <p:blipFill rotWithShape="1">
+          <a:blip r:embed="rId2">
+            <a:extLst>
+              <a:ext uri="{28A0092B-C50C-407E-A947-70E740481C1C}">
+                <a14:useLocalDpi xmlns:a14="http://schemas.microsoft.com/office/drawing/2010/main" val="0"/>
+              </a:ext>
+            </a:extLst>
+          </a:blip>
+          <a:srcRect r="6867"/>
+          <a:stretch/>
+        </p:blipFill>
+        <p:spPr bwMode="auto">
+          <a:xfrm>
+            <a:off x="7933954" y="0"/>
+            <a:ext cx="4258045" cy="3429000"/>
+          </a:xfrm>
+          <a:prstGeom prst="rect">
+            <a:avLst/>
+          </a:prstGeom>
+          <a:noFill/>
+          <a:extLst>
+            <a:ext uri="{909E8E84-426E-40DD-AFC4-6F175D3DCCD1}">
+              <a14:hiddenFill xmlns:a14="http://schemas.microsoft.com/office/drawing/2010/main">
+                <a:solidFill>
+                  <a:srgbClr val="FFFFFF"/>
+                </a:solidFill>
+              </a14:hiddenFill>
+            </a:ext>
+          </a:extLst>
+        </p:spPr>
+      </p:pic>
+      <p:pic>
+        <p:nvPicPr>
+          <p:cNvPr id="5126" name="Picture 6">
+            <a:extLst>
+              <a:ext uri="{FF2B5EF4-FFF2-40B4-BE49-F238E27FC236}">
+                <a16:creationId xmlns:a16="http://schemas.microsoft.com/office/drawing/2014/main" id="{986565FD-87F0-6D30-D038-1432E00FD0A1}"/>
+              </a:ext>
+            </a:extLst>
+          </p:cNvPr>
+          <p:cNvPicPr>
+            <a:picLocks noChangeAspect="1" noChangeArrowheads="1"/>
+          </p:cNvPicPr>
+          <p:nvPr/>
+        </p:nvPicPr>
+        <p:blipFill rotWithShape="1">
+          <a:blip r:embed="rId3">
+            <a:extLst>
+              <a:ext uri="{28A0092B-C50C-407E-A947-70E740481C1C}">
+                <a14:useLocalDpi xmlns:a14="http://schemas.microsoft.com/office/drawing/2010/main" val="0"/>
+              </a:ext>
+            </a:extLst>
+          </a:blip>
+          <a:srcRect l="50000"/>
+          <a:stretch/>
+        </p:blipFill>
+        <p:spPr bwMode="auto">
+          <a:xfrm>
+            <a:off x="7933954" y="3617115"/>
+            <a:ext cx="4258046" cy="3240885"/>
+          </a:xfrm>
+          <a:prstGeom prst="rect">
+            <a:avLst/>
+          </a:prstGeom>
+          <a:noFill/>
+          <a:extLst>
+            <a:ext uri="{909E8E84-426E-40DD-AFC4-6F175D3DCCD1}">
+              <a14:hiddenFill xmlns:a14="http://schemas.microsoft.com/office/drawing/2010/main">
+                <a:solidFill>
+                  <a:srgbClr val="FFFFFF"/>
+                </a:solidFill>
+              </a14:hiddenFill>
+            </a:ext>
+          </a:extLst>
+        </p:spPr>
+      </p:pic>
+    </p:spTree>
+    <p:extLst>
+      <p:ext uri="{BB962C8B-B14F-4D97-AF65-F5344CB8AC3E}">
+        <p14:creationId xmlns:p14="http://schemas.microsoft.com/office/powerpoint/2010/main" val="3316525046"/>
+      </p:ext>
+    </p:extLst>
+  </p:cSld>
+  <p:clrMapOvr>
+    <a:masterClrMapping/>
+  </p:clrMapOvr>
+</p:sld>
+</file>
+
+<file path=ppt/slides/slide36.xml><?xml version="1.0" encoding="utf-8"?>
+<p:sld xmlns:a="http://schemas.openxmlformats.org/drawingml/2006/main" xmlns:r="http://schemas.openxmlformats.org/officeDocument/2006/relationships" xmlns:p="http://schemas.openxmlformats.org/presentationml/2006/main">
+  <p:cSld>
+    <p:spTree>
+      <p:nvGrpSpPr>
+        <p:cNvPr id="1" name=""/>
+        <p:cNvGrpSpPr/>
+        <p:nvPr/>
+      </p:nvGrpSpPr>
+      <p:grpSpPr>
+        <a:xfrm>
+          <a:off x="0" y="0"/>
+          <a:ext cx="0" cy="0"/>
+          <a:chOff x="0" y="0"/>
+          <a:chExt cx="0" cy="0"/>
+        </a:xfrm>
+      </p:grpSpPr>
+      <p:sp>
+        <p:nvSpPr>
+          <p:cNvPr id="2" name="Title 1">
+            <a:extLst>
+              <a:ext uri="{FF2B5EF4-FFF2-40B4-BE49-F238E27FC236}">
+                <a16:creationId xmlns:a16="http://schemas.microsoft.com/office/drawing/2014/main" id="{799A2BB7-9D25-881C-AB2D-03DB837BCBE5}"/>
+              </a:ext>
+            </a:extLst>
+          </p:cNvPr>
+          <p:cNvSpPr>
+            <a:spLocks noGrp="1"/>
+          </p:cNvSpPr>
+          <p:nvPr>
+            <p:ph type="title"/>
+          </p:nvPr>
+        </p:nvSpPr>
+        <p:spPr/>
+        <p:txBody>
+          <a:bodyPr/>
+          <a:lstStyle/>
+          <a:p>
+            <a:r>
+              <a:rPr lang="en-US" dirty="0"/>
+              <a:t>Loss Plot Tuning</a:t>
+            </a:r>
+          </a:p>
+        </p:txBody>
+      </p:sp>
+      <p:sp>
+        <p:nvSpPr>
+          <p:cNvPr id="3" name="Content Placeholder 2">
+            <a:extLst>
+              <a:ext uri="{FF2B5EF4-FFF2-40B4-BE49-F238E27FC236}">
+                <a16:creationId xmlns:a16="http://schemas.microsoft.com/office/drawing/2014/main" id="{550B7535-1BA6-A6AB-5A93-A8F89E81AAE3}"/>
+              </a:ext>
+            </a:extLst>
+          </p:cNvPr>
+          <p:cNvSpPr>
+            <a:spLocks noGrp="1"/>
+          </p:cNvSpPr>
+          <p:nvPr>
+            <p:ph idx="1"/>
+          </p:nvPr>
+        </p:nvSpPr>
+        <p:spPr>
+          <a:xfrm>
+            <a:off x="1451579" y="1853755"/>
+            <a:ext cx="9603275" cy="2471738"/>
+          </a:xfrm>
+        </p:spPr>
+        <p:txBody>
+          <a:bodyPr/>
+          <a:lstStyle/>
+          <a:p>
+            <a:r>
+              <a:rPr lang="en-US" dirty="0"/>
+              <a:t>We always generate loss plots and they’re the starting point for tuning. </a:t>
+            </a:r>
+          </a:p>
+          <a:p>
+            <a:r>
+              <a:rPr lang="en-US" dirty="0"/>
+              <a:t>The patterns and suggestions aren’t definitive – things are still highly variable per model. </a:t>
+            </a:r>
+          </a:p>
+          <a:p>
+            <a:r>
+              <a:rPr lang="en-US" dirty="0"/>
+              <a:t>All of these changes will impact each other, so they’re hard to predict. </a:t>
+            </a:r>
+          </a:p>
+          <a:p>
+            <a:r>
+              <a:rPr lang="en-US" dirty="0"/>
+              <a:t>You want to do this on the loss plot – not accuracy plot.</a:t>
+            </a:r>
+          </a:p>
+          <a:p>
+            <a:pPr lvl="1"/>
+            <a:r>
+              <a:rPr lang="en-US" dirty="0"/>
+              <a:t>Remember 51%/49% and 99%/1% confidence have the same accuracy score.</a:t>
+            </a:r>
+          </a:p>
+        </p:txBody>
+      </p:sp>
+      <p:pic>
+        <p:nvPicPr>
+          <p:cNvPr id="7170" name="Picture 2" descr="neural network - Loss &amp; accuracy - Are these reasonable learning curves? -  Stack Overflow">
+            <a:extLst>
+              <a:ext uri="{FF2B5EF4-FFF2-40B4-BE49-F238E27FC236}">
+                <a16:creationId xmlns:a16="http://schemas.microsoft.com/office/drawing/2014/main" id="{95BF78F0-D5D1-2624-C8BD-28D318128795}"/>
+              </a:ext>
+            </a:extLst>
+          </p:cNvPr>
+          <p:cNvPicPr>
+            <a:picLocks noChangeAspect="1" noChangeArrowheads="1"/>
+          </p:cNvPicPr>
+          <p:nvPr/>
+        </p:nvPicPr>
+        <p:blipFill rotWithShape="1">
+          <a:blip r:embed="rId2">
+            <a:extLst>
+              <a:ext uri="{28A0092B-C50C-407E-A947-70E740481C1C}">
+                <a14:useLocalDpi xmlns:a14="http://schemas.microsoft.com/office/drawing/2010/main" val="0"/>
+              </a:ext>
+            </a:extLst>
+          </a:blip>
+          <a:srcRect l="9327" t="7340" r="8125" b="5221"/>
+          <a:stretch/>
+        </p:blipFill>
+        <p:spPr bwMode="auto">
+          <a:xfrm>
+            <a:off x="3498972" y="4213148"/>
+            <a:ext cx="5194055" cy="2644852"/>
+          </a:xfrm>
+          <a:prstGeom prst="rect">
+            <a:avLst/>
+          </a:prstGeom>
+          <a:noFill/>
+          <a:extLst>
+            <a:ext uri="{909E8E84-426E-40DD-AFC4-6F175D3DCCD1}">
+              <a14:hiddenFill xmlns:a14="http://schemas.microsoft.com/office/drawing/2010/main">
+                <a:solidFill>
+                  <a:srgbClr val="FFFFFF"/>
+                </a:solidFill>
+              </a14:hiddenFill>
+            </a:ext>
+          </a:extLst>
+        </p:spPr>
+      </p:pic>
+    </p:spTree>
+    <p:extLst>
+      <p:ext uri="{BB962C8B-B14F-4D97-AF65-F5344CB8AC3E}">
+        <p14:creationId xmlns:p14="http://schemas.microsoft.com/office/powerpoint/2010/main" val="2709073551"/>
+      </p:ext>
+    </p:extLst>
+  </p:cSld>
+  <p:clrMapOvr>
+    <a:masterClrMapping/>
+  </p:clrMapOvr>
+</p:sld>
+</file>
+
+<file path=ppt/slides/slide37.xml><?xml version="1.0" encoding="utf-8"?>
+<p:sld xmlns:a="http://schemas.openxmlformats.org/drawingml/2006/main" xmlns:r="http://schemas.openxmlformats.org/officeDocument/2006/relationships" xmlns:p="http://schemas.openxmlformats.org/presentationml/2006/main">
+  <p:cSld>
+    <p:spTree>
+      <p:nvGrpSpPr>
+        <p:cNvPr id="1" name=""/>
+        <p:cNvGrpSpPr/>
+        <p:nvPr/>
+      </p:nvGrpSpPr>
+      <p:grpSpPr>
+        <a:xfrm>
+          <a:off x="0" y="0"/>
+          <a:ext cx="0" cy="0"/>
+          <a:chOff x="0" y="0"/>
+          <a:chExt cx="0" cy="0"/>
+        </a:xfrm>
+      </p:grpSpPr>
+      <p:sp>
+        <p:nvSpPr>
+          <p:cNvPr id="2" name="Title 1">
+            <a:extLst>
+              <a:ext uri="{FF2B5EF4-FFF2-40B4-BE49-F238E27FC236}">
+                <a16:creationId xmlns:a16="http://schemas.microsoft.com/office/drawing/2014/main" id="{51A821FD-BAD1-3761-0267-ABFECE7EBEB4}"/>
+              </a:ext>
+            </a:extLst>
+          </p:cNvPr>
+          <p:cNvSpPr>
+            <a:spLocks noGrp="1"/>
+          </p:cNvSpPr>
+          <p:nvPr>
+            <p:ph type="title"/>
+          </p:nvPr>
+        </p:nvSpPr>
+        <p:spPr/>
+        <p:txBody>
+          <a:bodyPr/>
+          <a:lstStyle/>
+          <a:p>
+            <a:r>
+              <a:rPr lang="en-US" dirty="0"/>
+              <a:t>Example – Training is Unpredictable</a:t>
+            </a:r>
+          </a:p>
+        </p:txBody>
+      </p:sp>
+      <p:sp>
+        <p:nvSpPr>
+          <p:cNvPr id="3" name="Content Placeholder 2">
+            <a:extLst>
+              <a:ext uri="{FF2B5EF4-FFF2-40B4-BE49-F238E27FC236}">
+                <a16:creationId xmlns:a16="http://schemas.microsoft.com/office/drawing/2014/main" id="{C17EC68A-6E10-A3D4-AB8A-E82B47107635}"/>
+              </a:ext>
+            </a:extLst>
+          </p:cNvPr>
+          <p:cNvSpPr>
+            <a:spLocks noGrp="1"/>
+          </p:cNvSpPr>
+          <p:nvPr>
+            <p:ph idx="1"/>
+          </p:nvPr>
+        </p:nvSpPr>
+        <p:spPr>
+          <a:xfrm>
+            <a:off x="1134319" y="1853754"/>
+            <a:ext cx="5787181" cy="4199727"/>
+          </a:xfrm>
+        </p:spPr>
+        <p:txBody>
+          <a:bodyPr/>
+          <a:lstStyle/>
+          <a:p>
+            <a:r>
+              <a:rPr lang="en-US" dirty="0"/>
+              <a:t>The training of these models can be unpredictable, especially with complex ones. </a:t>
+            </a:r>
+          </a:p>
+          <a:p>
+            <a:r>
+              <a:rPr lang="en-US" dirty="0"/>
+              <a:t>There are many variables. </a:t>
+            </a:r>
+          </a:p>
+          <a:p>
+            <a:r>
+              <a:rPr lang="en-US" dirty="0"/>
+              <a:t>There’s randomness. </a:t>
+            </a:r>
+          </a:p>
+          <a:p>
+            <a:r>
+              <a:rPr lang="en-US" dirty="0"/>
+              <a:t>I got one execution that looked like that. </a:t>
+            </a:r>
+          </a:p>
+          <a:p>
+            <a:pPr lvl="1"/>
+            <a:r>
+              <a:rPr lang="en-US" dirty="0"/>
+              <a:t>Validation accuracy went from 93% to 23% to 93%. </a:t>
+            </a:r>
+          </a:p>
+          <a:p>
+            <a:r>
+              <a:rPr lang="en-US" dirty="0"/>
+              <a:t>The loss curve is not convex and simple. </a:t>
+            </a:r>
+          </a:p>
+          <a:p>
+            <a:pPr lvl="1"/>
+            <a:r>
+              <a:rPr lang="en-US" dirty="0"/>
+              <a:t>Sometimes the results wander quite a lot. </a:t>
+            </a:r>
+          </a:p>
+          <a:p>
+            <a:pPr lvl="1"/>
+            <a:r>
+              <a:rPr lang="en-US" dirty="0"/>
+              <a:t>This is where having the optimizer stuff </a:t>
+            </a:r>
+            <a:r>
+              <a:rPr lang="en-US"/>
+              <a:t>right shows.</a:t>
+            </a:r>
+            <a:endParaRPr lang="en-US" dirty="0"/>
+          </a:p>
+        </p:txBody>
+      </p:sp>
+      <p:pic>
+        <p:nvPicPr>
+          <p:cNvPr id="4" name="Picture 3">
+            <a:extLst>
+              <a:ext uri="{FF2B5EF4-FFF2-40B4-BE49-F238E27FC236}">
+                <a16:creationId xmlns:a16="http://schemas.microsoft.com/office/drawing/2014/main" id="{A9A53C01-06F5-4B31-5423-712113C1A7D3}"/>
+              </a:ext>
+            </a:extLst>
+          </p:cNvPr>
+          <p:cNvPicPr>
+            <a:picLocks noChangeAspect="1"/>
+          </p:cNvPicPr>
+          <p:nvPr/>
+        </p:nvPicPr>
+        <p:blipFill>
+          <a:blip r:embed="rId2"/>
+          <a:stretch>
+            <a:fillRect/>
+          </a:stretch>
+        </p:blipFill>
+        <p:spPr>
+          <a:xfrm>
+            <a:off x="6921500" y="1510702"/>
+            <a:ext cx="5270500" cy="3035300"/>
+          </a:xfrm>
+          <a:prstGeom prst="rect">
+            <a:avLst/>
+          </a:prstGeom>
+        </p:spPr>
+      </p:pic>
+      <p:pic>
+        <p:nvPicPr>
+          <p:cNvPr id="13314" name="Picture 2" descr="Why is my validation loss lower than my training loss? - PyImageSearch">
+            <a:extLst>
+              <a:ext uri="{FF2B5EF4-FFF2-40B4-BE49-F238E27FC236}">
+                <a16:creationId xmlns:a16="http://schemas.microsoft.com/office/drawing/2014/main" id="{FA9E7573-3F3F-1D17-199E-4DC1C9F07D3E}"/>
+              </a:ext>
+            </a:extLst>
+          </p:cNvPr>
+          <p:cNvPicPr>
+            <a:picLocks noChangeAspect="1" noChangeArrowheads="1"/>
+          </p:cNvPicPr>
+          <p:nvPr/>
+        </p:nvPicPr>
+        <p:blipFill>
+          <a:blip r:embed="rId3">
+            <a:extLst>
+              <a:ext uri="{28A0092B-C50C-407E-A947-70E740481C1C}">
+                <a14:useLocalDpi xmlns:a14="http://schemas.microsoft.com/office/drawing/2010/main" val="0"/>
+              </a:ext>
+            </a:extLst>
+          </a:blip>
+          <a:srcRect/>
+          <a:stretch>
+            <a:fillRect/>
+          </a:stretch>
+        </p:blipFill>
+        <p:spPr bwMode="auto">
+          <a:xfrm>
+            <a:off x="8154881" y="4543385"/>
+            <a:ext cx="4037119" cy="2314615"/>
+          </a:xfrm>
+          <a:prstGeom prst="rect">
+            <a:avLst/>
+          </a:prstGeom>
+          <a:noFill/>
+          <a:extLst>
+            <a:ext uri="{909E8E84-426E-40DD-AFC4-6F175D3DCCD1}">
+              <a14:hiddenFill xmlns:a14="http://schemas.microsoft.com/office/drawing/2010/main">
+                <a:solidFill>
+                  <a:srgbClr val="FFFFFF"/>
+                </a:solidFill>
+              </a14:hiddenFill>
+            </a:ext>
+          </a:extLst>
+        </p:spPr>
+      </p:pic>
+    </p:spTree>
+    <p:extLst>
+      <p:ext uri="{BB962C8B-B14F-4D97-AF65-F5344CB8AC3E}">
+        <p14:creationId xmlns:p14="http://schemas.microsoft.com/office/powerpoint/2010/main" val="900808769"/>
+      </p:ext>
+    </p:extLst>
+  </p:cSld>
+  <p:clrMapOvr>
+    <a:masterClrMapping/>
+  </p:clrMapOvr>
+</p:sld>
+</file>
+
+<file path=ppt/slides/slide38.xml><?xml version="1.0" encoding="utf-8"?>
+<p:sld xmlns:a="http://schemas.openxmlformats.org/drawingml/2006/main" xmlns:r="http://schemas.openxmlformats.org/officeDocument/2006/relationships" xmlns:p="http://schemas.openxmlformats.org/presentationml/2006/main" show="0">
+  <p:cSld>
+    <p:spTree>
+      <p:nvGrpSpPr>
+        <p:cNvPr id="1" name=""/>
+        <p:cNvGrpSpPr/>
+        <p:nvPr/>
+      </p:nvGrpSpPr>
+      <p:grpSpPr>
+        <a:xfrm>
+          <a:off x="0" y="0"/>
+          <a:ext cx="0" cy="0"/>
+          <a:chOff x="0" y="0"/>
+          <a:chExt cx="0" cy="0"/>
+        </a:xfrm>
+      </p:grpSpPr>
+      <p:sp>
+        <p:nvSpPr>
+          <p:cNvPr id="2" name="Title 1">
+            <a:extLst>
+              <a:ext uri="{FF2B5EF4-FFF2-40B4-BE49-F238E27FC236}">
+                <a16:creationId xmlns:a16="http://schemas.microsoft.com/office/drawing/2014/main" id="{CBCB9964-3340-F14A-ACF7-EC8ED9BC8A5E}"/>
+              </a:ext>
+            </a:extLst>
+          </p:cNvPr>
+          <p:cNvSpPr>
+            <a:spLocks noGrp="1"/>
+          </p:cNvSpPr>
+          <p:nvPr>
+            <p:ph type="title"/>
+          </p:nvPr>
+        </p:nvSpPr>
+        <p:spPr/>
+        <p:txBody>
+          <a:bodyPr/>
+          <a:lstStyle/>
+          <a:p>
+            <a:r>
+              <a:rPr lang="en-US" dirty="0"/>
+              <a:t>Pruning</a:t>
+            </a:r>
+          </a:p>
+        </p:txBody>
+      </p:sp>
+      <p:sp>
+        <p:nvSpPr>
+          <p:cNvPr id="3" name="Content Placeholder 2">
+            <a:extLst>
+              <a:ext uri="{FF2B5EF4-FFF2-40B4-BE49-F238E27FC236}">
+                <a16:creationId xmlns:a16="http://schemas.microsoft.com/office/drawing/2014/main" id="{45B0AA7B-21C6-0E42-874B-B074C1D1E3E9}"/>
+              </a:ext>
+            </a:extLst>
+          </p:cNvPr>
+          <p:cNvSpPr>
+            <a:spLocks noGrp="1"/>
+          </p:cNvSpPr>
+          <p:nvPr>
+            <p:ph idx="1"/>
+          </p:nvPr>
+        </p:nvSpPr>
+        <p:spPr>
+          <a:xfrm>
+            <a:off x="1451579" y="2015732"/>
+            <a:ext cx="9603275" cy="4105935"/>
+          </a:xfrm>
+        </p:spPr>
+        <p:txBody>
+          <a:bodyPr>
+            <a:normAutofit lnSpcReduction="10000"/>
+          </a:bodyPr>
+          <a:lstStyle/>
+          <a:p>
+            <a:r>
+              <a:rPr lang="en-US" dirty="0"/>
+              <a:t>Neural networks can get very large!</a:t>
+            </a:r>
+          </a:p>
+          <a:p>
+            <a:r>
+              <a:rPr lang="en-US" dirty="0"/>
+              <a:t>Like a tree, a trained network may contain parts that aren’t super critical in making predictions. </a:t>
+            </a:r>
+          </a:p>
+          <a:p>
+            <a:pPr lvl="1"/>
+            <a:r>
+              <a:rPr lang="en-US" dirty="0"/>
+              <a:t>As an example, think of “dying </a:t>
+            </a:r>
+            <a:r>
+              <a:rPr lang="en-US" dirty="0" err="1"/>
+              <a:t>relu</a:t>
+            </a:r>
+            <a:r>
+              <a:rPr lang="en-US" dirty="0"/>
+              <a:t>” neurons. </a:t>
+            </a:r>
+          </a:p>
+          <a:p>
+            <a:r>
+              <a:rPr lang="en-US" dirty="0"/>
+              <a:t>Pruning can trim a network back by making it more sparse. </a:t>
+            </a:r>
+          </a:p>
+          <a:p>
+            <a:r>
+              <a:rPr lang="en-US" dirty="0"/>
+              <a:t>Can potentially improve generalization – just as tree pruning does. </a:t>
+            </a:r>
+          </a:p>
+          <a:p>
+            <a:r>
+              <a:rPr lang="en-US" dirty="0"/>
+              <a:t>Allows networks to be used for prediction with fewer computations. </a:t>
+            </a:r>
+          </a:p>
+          <a:p>
+            <a:pPr lvl="1"/>
+            <a:r>
+              <a:rPr lang="en-US" dirty="0"/>
+              <a:t>Predictions on a computer: one forward propagation, relatively simple. </a:t>
+            </a:r>
+          </a:p>
+          <a:p>
+            <a:pPr lvl="1"/>
+            <a:r>
+              <a:rPr lang="en-US" dirty="0"/>
+              <a:t>Predictions on a phone/raspberry pi/Roomba/drone, can be challenging. </a:t>
+            </a:r>
+          </a:p>
+          <a:p>
+            <a:pPr lvl="1"/>
+            <a:r>
+              <a:rPr lang="en-US" dirty="0"/>
+              <a:t>Pruned models require less processing and less memory, can be used on more devices. </a:t>
+            </a:r>
+          </a:p>
+        </p:txBody>
+      </p:sp>
+    </p:spTree>
+    <p:extLst>
+      <p:ext uri="{BB962C8B-B14F-4D97-AF65-F5344CB8AC3E}">
+        <p14:creationId xmlns:p14="http://schemas.microsoft.com/office/powerpoint/2010/main" val="1773265296"/>
+      </p:ext>
+    </p:extLst>
+  </p:cSld>
+  <p:clrMapOvr>
+    <a:masterClrMapping/>
+  </p:clrMapOvr>
+</p:sld>
+</file>
+
+<file path=ppt/slides/slide39.xml><?xml version="1.0" encoding="utf-8"?>
+<p:sld xmlns:a="http://schemas.openxmlformats.org/drawingml/2006/main" xmlns:r="http://schemas.openxmlformats.org/officeDocument/2006/relationships" xmlns:p="http://schemas.openxmlformats.org/presentationml/2006/main">
+  <p:cSld>
+    <p:spTree>
+      <p:nvGrpSpPr>
+        <p:cNvPr id="1" name=""/>
+        <p:cNvGrpSpPr/>
+        <p:nvPr/>
+      </p:nvGrpSpPr>
+      <p:grpSpPr>
+        <a:xfrm>
+          <a:off x="0" y="0"/>
+          <a:ext cx="0" cy="0"/>
+          <a:chOff x="0" y="0"/>
+          <a:chExt cx="0" cy="0"/>
+        </a:xfrm>
+      </p:grpSpPr>
+      <p:sp>
+        <p:nvSpPr>
+          <p:cNvPr id="2" name="Title 1">
+            <a:extLst>
+              <a:ext uri="{FF2B5EF4-FFF2-40B4-BE49-F238E27FC236}">
+                <a16:creationId xmlns:a16="http://schemas.microsoft.com/office/drawing/2014/main" id="{00F11902-F058-D543-A654-EBFA8DD915C4}"/>
+              </a:ext>
+            </a:extLst>
+          </p:cNvPr>
+          <p:cNvSpPr>
+            <a:spLocks noGrp="1"/>
+          </p:cNvSpPr>
+          <p:nvPr>
+            <p:ph type="title"/>
+          </p:nvPr>
+        </p:nvSpPr>
+        <p:spPr/>
+        <p:txBody>
+          <a:bodyPr/>
+          <a:lstStyle/>
+          <a:p>
+            <a:r>
+              <a:rPr lang="en-US" dirty="0"/>
+              <a:t>Conclusion</a:t>
+            </a:r>
+          </a:p>
+        </p:txBody>
+      </p:sp>
+      <p:sp>
+        <p:nvSpPr>
+          <p:cNvPr id="3" name="Content Placeholder 2">
+            <a:extLst>
+              <a:ext uri="{FF2B5EF4-FFF2-40B4-BE49-F238E27FC236}">
+                <a16:creationId xmlns:a16="http://schemas.microsoft.com/office/drawing/2014/main" id="{48CFE9E9-25F7-5040-BB55-69E72FC98883}"/>
+              </a:ext>
+            </a:extLst>
+          </p:cNvPr>
+          <p:cNvSpPr>
+            <a:spLocks noGrp="1"/>
+          </p:cNvSpPr>
+          <p:nvPr>
+            <p:ph idx="1"/>
+          </p:nvPr>
+        </p:nvSpPr>
+        <p:spPr>
+          <a:xfrm>
+            <a:off x="1451579" y="1853754"/>
+            <a:ext cx="9603275" cy="4199727"/>
+          </a:xfrm>
+        </p:spPr>
+        <p:txBody>
+          <a:bodyPr/>
+          <a:lstStyle/>
+          <a:p>
+            <a:r>
+              <a:rPr lang="en-US" dirty="0"/>
+              <a:t>There are many variables in making a good neural network model. </a:t>
+            </a:r>
+          </a:p>
+          <a:p>
+            <a:pPr lvl="1"/>
+            <a:r>
+              <a:rPr lang="en-US" dirty="0"/>
+              <a:t>Size – we need to make the model big enough to learn the data. </a:t>
+            </a:r>
+          </a:p>
+          <a:p>
+            <a:pPr lvl="1"/>
+            <a:r>
+              <a:rPr lang="en-US" dirty="0"/>
+              <a:t>Structure – different model structures may perform better (we’ll see this next, more). </a:t>
+            </a:r>
+          </a:p>
+          <a:p>
+            <a:pPr lvl="1"/>
+            <a:r>
+              <a:rPr lang="en-US" dirty="0"/>
+              <a:t>Regularization – L1/L2, dropout, batch normalization. </a:t>
+            </a:r>
+          </a:p>
+          <a:p>
+            <a:pPr lvl="1"/>
+            <a:r>
+              <a:rPr lang="en-US" dirty="0"/>
+              <a:t>Training Parameters – learning rate, optimizer, </a:t>
+            </a:r>
+            <a:r>
+              <a:rPr lang="en-US" dirty="0" err="1"/>
+              <a:t>etc</a:t>
+            </a:r>
+            <a:r>
+              <a:rPr lang="en-US" dirty="0"/>
+              <a:t>…</a:t>
+            </a:r>
+          </a:p>
+          <a:p>
+            <a:r>
+              <a:rPr lang="en-US" dirty="0"/>
+              <a:t>For us, we can settle on getting close, then letting things train. </a:t>
+            </a:r>
+          </a:p>
+          <a:p>
+            <a:pPr lvl="1"/>
+            <a:r>
+              <a:rPr lang="en-US" dirty="0"/>
+              <a:t>Real model tuning like this becomes impractical at a larger scale, we don’t need to obsess. </a:t>
+            </a:r>
+          </a:p>
+          <a:p>
+            <a:pPr lvl="1"/>
+            <a:r>
+              <a:rPr lang="en-US" dirty="0"/>
+              <a:t>There’s not one solution for what model will work. </a:t>
+            </a:r>
+          </a:p>
+          <a:p>
+            <a:pPr lvl="1"/>
+            <a:r>
+              <a:rPr lang="en-US" dirty="0"/>
+              <a:t>We’ll later use some other tools to do grid-searches and monitor training with </a:t>
+            </a:r>
+            <a:r>
+              <a:rPr lang="en-US" dirty="0" err="1"/>
+              <a:t>Tensorboard</a:t>
+            </a:r>
+            <a:r>
+              <a:rPr lang="en-US" dirty="0"/>
+              <a:t>. </a:t>
+            </a:r>
+          </a:p>
+        </p:txBody>
+      </p:sp>
+    </p:spTree>
+    <p:extLst>
+      <p:ext uri="{BB962C8B-B14F-4D97-AF65-F5344CB8AC3E}">
+        <p14:creationId xmlns:p14="http://schemas.microsoft.com/office/powerpoint/2010/main" val="2123746333"/>
+      </p:ext>
+    </p:extLst>
+  </p:cSld>
+  <p:clrMapOvr>
+    <a:masterClrMapping/>
+  </p:clrMapOvr>
+</p:sld>
+</file>
+
+<file path=ppt/slides/slide4.xml><?xml version="1.0" encoding="utf-8"?>
+<p:sld xmlns:a="http://schemas.openxmlformats.org/drawingml/2006/main" xmlns:r="http://schemas.openxmlformats.org/officeDocument/2006/relationships" xmlns:p="http://schemas.openxmlformats.org/presentationml/2006/main" show="0">
+  <p:cSld>
+    <p:spTree>
+      <p:nvGrpSpPr>
+        <p:cNvPr id="1" name=""/>
+        <p:cNvGrpSpPr/>
+        <p:nvPr/>
+      </p:nvGrpSpPr>
+      <p:grpSpPr>
+        <a:xfrm>
+          <a:off x="0" y="0"/>
+          <a:ext cx="0" cy="0"/>
+          <a:chOff x="0" y="0"/>
+          <a:chExt cx="0" cy="0"/>
+        </a:xfrm>
+      </p:grpSpPr>
+      <p:sp>
+        <p:nvSpPr>
+          <p:cNvPr id="2" name="Title 1">
+            <a:extLst>
+              <a:ext uri="{FF2B5EF4-FFF2-40B4-BE49-F238E27FC236}">
+                <a16:creationId xmlns:a16="http://schemas.microsoft.com/office/drawing/2014/main" id="{C23B2C87-4BE3-F68C-4EE7-7009E745ACA7}"/>
+              </a:ext>
+            </a:extLst>
+          </p:cNvPr>
+          <p:cNvSpPr>
+            <a:spLocks noGrp="1"/>
+          </p:cNvSpPr>
+          <p:nvPr>
+            <p:ph type="title"/>
+          </p:nvPr>
+        </p:nvSpPr>
+        <p:spPr/>
+        <p:txBody>
+          <a:bodyPr/>
+          <a:lstStyle/>
+          <a:p>
+            <a:r>
+              <a:rPr lang="en-US" dirty="0"/>
+              <a:t>Cluster Assignment</a:t>
+            </a:r>
+          </a:p>
+        </p:txBody>
+      </p:sp>
+      <p:sp>
+        <p:nvSpPr>
+          <p:cNvPr id="3" name="Content Placeholder 2">
+            <a:extLst>
+              <a:ext uri="{FF2B5EF4-FFF2-40B4-BE49-F238E27FC236}">
+                <a16:creationId xmlns:a16="http://schemas.microsoft.com/office/drawing/2014/main" id="{C027D62E-779C-86FC-A8CB-FC13358BCB50}"/>
+              </a:ext>
+            </a:extLst>
+          </p:cNvPr>
+          <p:cNvSpPr>
+            <a:spLocks noGrp="1"/>
+          </p:cNvSpPr>
+          <p:nvPr>
+            <p:ph idx="1"/>
+          </p:nvPr>
+        </p:nvSpPr>
+        <p:spPr>
+          <a:xfrm>
+            <a:off x="1451579" y="1853754"/>
+            <a:ext cx="9603275" cy="4199727"/>
+          </a:xfrm>
+        </p:spPr>
+        <p:txBody>
+          <a:bodyPr/>
+          <a:lstStyle/>
+          <a:p>
+            <a:r>
+              <a:rPr lang="en-US" dirty="0"/>
+              <a:t>Common issues:</a:t>
+            </a:r>
+          </a:p>
+          <a:p>
+            <a:pPr lvl="1"/>
+            <a:r>
+              <a:rPr lang="en-US" dirty="0"/>
+              <a:t>Assorted mix-ups applying labels to clusters. </a:t>
+            </a:r>
+          </a:p>
+          <a:p>
+            <a:pPr lvl="1"/>
+            <a:r>
+              <a:rPr lang="en-US" dirty="0"/>
+              <a:t>Training GMM timing/location. </a:t>
+            </a:r>
+          </a:p>
+          <a:p>
+            <a:r>
+              <a:rPr lang="en-US" dirty="0"/>
+              <a:t>Adding labeling:</a:t>
+            </a:r>
+          </a:p>
+          <a:p>
+            <a:pPr lvl="1"/>
+            <a:r>
+              <a:rPr lang="en-US" dirty="0"/>
+              <a:t>This feels weird to lots of people, but it isn’t really all that rare. (LLMs and gen models). </a:t>
+            </a:r>
+          </a:p>
+          <a:p>
+            <a:pPr lvl="1"/>
+            <a:r>
+              <a:rPr lang="en-US" dirty="0"/>
+              <a:t>The clusters are able to be ‘pure’ on their own, but we need to add the label info ourselves. </a:t>
+            </a:r>
+          </a:p>
+          <a:p>
+            <a:pPr lvl="1"/>
+            <a:r>
+              <a:rPr lang="en-US" dirty="0"/>
+              <a:t>This could be supplemented by other models – e.g. manually label enough, then use classifier.</a:t>
+            </a:r>
+          </a:p>
+        </p:txBody>
+      </p:sp>
+    </p:spTree>
+    <p:extLst>
+      <p:ext uri="{BB962C8B-B14F-4D97-AF65-F5344CB8AC3E}">
+        <p14:creationId xmlns:p14="http://schemas.microsoft.com/office/powerpoint/2010/main" val="885412947"/>
       </p:ext>
     </p:extLst>
   </p:cSld>
@@ -6949,7 +9816,7 @@
           <p:cNvPr id="2" name="Title 1">
             <a:extLst>
               <a:ext uri="{FF2B5EF4-FFF2-40B4-BE49-F238E27FC236}">
-                <a16:creationId xmlns:a16="http://schemas.microsoft.com/office/drawing/2014/main" id="{2A2E4FFC-2F49-449F-85F4-087043D3C485}"/>
+                <a16:creationId xmlns:a16="http://schemas.microsoft.com/office/drawing/2014/main" id="{E68B6258-E5B7-46B2-B0C0-74D17CB32669}"/>
               </a:ext>
             </a:extLst>
           </p:cNvPr>
@@ -6957,101 +9824,65 @@
             <a:spLocks noGrp="1"/>
           </p:cNvSpPr>
           <p:nvPr>
-            <p:ph type="title"/>
+            <p:ph type="ctrTitle"/>
           </p:nvPr>
         </p:nvSpPr>
         <p:spPr/>
         <p:txBody>
+          <a:bodyPr>
+            <a:normAutofit fontScale="90000"/>
+          </a:bodyPr>
+          <a:lstStyle/>
+          <a:p>
+            <a:r>
+              <a:rPr lang="en-CA" dirty="0" err="1"/>
+              <a:t>Tensorflow</a:t>
+            </a:r>
+            <a:r>
+              <a:rPr lang="en-CA" dirty="0"/>
+              <a:t> and </a:t>
+            </a:r>
+            <a:r>
+              <a:rPr lang="en-CA" dirty="0" err="1"/>
+              <a:t>Keras</a:t>
+            </a:r>
+            <a:r>
+              <a:rPr lang="en-CA" dirty="0"/>
+              <a:t> Optimizations</a:t>
+            </a:r>
+            <a:endParaRPr lang="LID4096" dirty="0"/>
+          </a:p>
+        </p:txBody>
+      </p:sp>
+      <p:sp>
+        <p:nvSpPr>
+          <p:cNvPr id="3" name="Subtitle 2">
+            <a:extLst>
+              <a:ext uri="{FF2B5EF4-FFF2-40B4-BE49-F238E27FC236}">
+                <a16:creationId xmlns:a16="http://schemas.microsoft.com/office/drawing/2014/main" id="{ABA17104-0772-4130-BC10-20A91C36DBC3}"/>
+              </a:ext>
+            </a:extLst>
+          </p:cNvPr>
+          <p:cNvSpPr>
+            <a:spLocks noGrp="1"/>
+          </p:cNvSpPr>
+          <p:nvPr>
+            <p:ph type="subTitle" idx="1"/>
+          </p:nvPr>
+        </p:nvSpPr>
+        <p:spPr/>
+        <p:txBody>
           <a:bodyPr/>
           <a:lstStyle/>
           <a:p>
-            <a:r>
-              <a:rPr lang="en-CA" dirty="0"/>
-              <a:t>Neural Network Configuration</a:t>
-            </a:r>
-            <a:endParaRPr lang="LID4096" dirty="0"/>
-          </a:p>
-        </p:txBody>
-      </p:sp>
-      <p:sp>
-        <p:nvSpPr>
-          <p:cNvPr id="3" name="Content Placeholder 2">
-            <a:extLst>
-              <a:ext uri="{FF2B5EF4-FFF2-40B4-BE49-F238E27FC236}">
-                <a16:creationId xmlns:a16="http://schemas.microsoft.com/office/drawing/2014/main" id="{68DB43FE-383C-4ADB-B9D1-04FC825061A2}"/>
-              </a:ext>
-            </a:extLst>
-          </p:cNvPr>
-          <p:cNvSpPr>
-            <a:spLocks noGrp="1"/>
-          </p:cNvSpPr>
-          <p:nvPr>
-            <p:ph idx="1"/>
-          </p:nvPr>
-        </p:nvSpPr>
-        <p:spPr>
-          <a:xfrm>
-            <a:off x="1451579" y="2015732"/>
-            <a:ext cx="9603275" cy="4037749"/>
-          </a:xfrm>
-        </p:spPr>
-        <p:txBody>
-          <a:bodyPr/>
-          <a:lstStyle/>
-          <a:p>
-            <a:r>
-              <a:rPr lang="en-CA" dirty="0"/>
-              <a:t>We’ve seen that neural networks offer a large amount of flexibility in their configuration.</a:t>
-            </a:r>
-          </a:p>
-          <a:p>
-            <a:r>
-              <a:rPr lang="en-CA" dirty="0"/>
-              <a:t>How do we determine the optimal structure?</a:t>
-            </a:r>
-          </a:p>
-          <a:p>
-            <a:r>
-              <a:rPr lang="en-CA" dirty="0"/>
-              <a:t>Generally, the true answer is to grid search it. </a:t>
-            </a:r>
-          </a:p>
-          <a:p>
-            <a:r>
-              <a:rPr lang="en-CA" dirty="0"/>
-              <a:t>We can use some guidelines to get started in a reasonable and smart way. </a:t>
-            </a:r>
-          </a:p>
-          <a:p>
-            <a:endParaRPr lang="en-CA" dirty="0"/>
-          </a:p>
-          <a:p>
-            <a:r>
-              <a:rPr lang="en-CA" dirty="0"/>
-              <a:t>This is largely getting used to </a:t>
-            </a:r>
-            <a:r>
-              <a:rPr lang="en-CA" dirty="0" err="1"/>
-              <a:t>keras</a:t>
-            </a:r>
-            <a:r>
-              <a:rPr lang="en-CA" dirty="0"/>
-              <a:t> and making adjustments there. </a:t>
-            </a:r>
-          </a:p>
-          <a:p>
-            <a:pPr lvl="1"/>
-            <a:r>
-              <a:rPr lang="en-CA" dirty="0"/>
-              <a:t>Play around with some models, get used to syntax, try some different models. </a:t>
-            </a:r>
+            <a:endParaRPr lang="LID4096"/>
           </a:p>
         </p:txBody>
       </p:sp>
     </p:spTree>
     <p:extLst>
       <p:ext uri="{BB962C8B-B14F-4D97-AF65-F5344CB8AC3E}">
-        <p14:creationId xmlns:p14="http://schemas.microsoft.com/office/powerpoint/2010/main" val="2495634073"/>
+        <p14:creationId xmlns:p14="http://schemas.microsoft.com/office/powerpoint/2010/main" val="213059865"/>
       </p:ext>
     </p:extLst>
   </p:cSld>
@@ -7083,7 +9914,7 @@
           <p:cNvPr id="2" name="Title 1">
             <a:extLst>
               <a:ext uri="{FF2B5EF4-FFF2-40B4-BE49-F238E27FC236}">
-                <a16:creationId xmlns:a16="http://schemas.microsoft.com/office/drawing/2014/main" id="{E42CF152-59D1-43C2-9435-C78A5207614E}"/>
+                <a16:creationId xmlns:a16="http://schemas.microsoft.com/office/drawing/2014/main" id="{2A2E4FFC-2F49-449F-85F4-087043D3C485}"/>
               </a:ext>
             </a:extLst>
           </p:cNvPr>
@@ -7101,7 +9932,7 @@
           <a:p>
             <a:r>
               <a:rPr lang="en-CA" dirty="0"/>
-              <a:t>Network Size</a:t>
+              <a:t>Neural Network Configuration</a:t>
             </a:r>
             <a:endParaRPr lang="LID4096" dirty="0"/>
           </a:p>
@@ -7112,7 +9943,7 @@
           <p:cNvPr id="3" name="Content Placeholder 2">
             <a:extLst>
               <a:ext uri="{FF2B5EF4-FFF2-40B4-BE49-F238E27FC236}">
-                <a16:creationId xmlns:a16="http://schemas.microsoft.com/office/drawing/2014/main" id="{22A90C32-B7B4-4D00-AA34-E379414D8F75}"/>
+                <a16:creationId xmlns:a16="http://schemas.microsoft.com/office/drawing/2014/main" id="{68DB43FE-383C-4ADB-B9D1-04FC825061A2}"/>
               </a:ext>
             </a:extLst>
           </p:cNvPr>
@@ -7123,55 +9954,81 @@
             <p:ph idx="1"/>
           </p:nvPr>
         </p:nvSpPr>
-        <p:spPr/>
+        <p:spPr>
+          <a:xfrm>
+            <a:off x="1451579" y="1853754"/>
+            <a:ext cx="9603275" cy="4199727"/>
+          </a:xfrm>
+        </p:spPr>
         <p:txBody>
           <a:bodyPr/>
           <a:lstStyle/>
           <a:p>
             <a:r>
               <a:rPr lang="en-CA" dirty="0"/>
-              <a:t>The first thing to look at is the network size, or capacity.</a:t>
+              <a:t>We’ve seen that neural networks offer a large amount of flexibility in their configuration.</a:t>
             </a:r>
           </a:p>
           <a:p>
             <a:r>
               <a:rPr lang="en-CA" dirty="0"/>
-              <a:t>The more neurons a network had, the higher the capacity. </a:t>
+              <a:t>How do we determine the optimal structure?</a:t>
             </a:r>
           </a:p>
           <a:p>
             <a:r>
               <a:rPr lang="en-CA" dirty="0"/>
-              <a:t>In general, larger networks need larger amounts of data, to find more complex relationships.  </a:t>
+              <a:t>Generally, the true answer is to grid search it. </a:t>
             </a:r>
           </a:p>
           <a:p>
             <a:r>
               <a:rPr lang="en-CA" dirty="0"/>
-              <a:t>We can examine the two metrics of size:</a:t>
+              <a:t>We can use some guidelines to get started in a reasonable and smart way. </a:t>
             </a:r>
           </a:p>
           <a:p>
             <a:pPr lvl="1"/>
             <a:r>
               <a:rPr lang="en-CA" dirty="0"/>
-              <a:t>Neurons per layer (width)</a:t>
-            </a:r>
-          </a:p>
-          <a:p>
-            <a:pPr lvl="1"/>
+              <a:t>Problem types (image class, NLP, </a:t>
+            </a:r>
+            <a:r>
+              <a:rPr lang="en-CA" dirty="0" err="1"/>
+              <a:t>etc</a:t>
+            </a:r>
             <a:r>
               <a:rPr lang="en-CA" dirty="0"/>
-              <a:t>Number of layers (depth)</a:t>
-            </a:r>
-            <a:endParaRPr lang="LID4096" dirty="0"/>
+              <a:t>…) have architectures that work well, and most things (except innovations) are based on what worked before. </a:t>
+            </a:r>
+          </a:p>
+          <a:p>
+            <a:r>
+              <a:rPr lang="en-CA" dirty="0"/>
+              <a:t>This is largely getting used to </a:t>
+            </a:r>
+            <a:r>
+              <a:rPr lang="en-CA" dirty="0" err="1"/>
+              <a:t>keras</a:t>
+            </a:r>
+            <a:r>
+              <a:rPr lang="en-CA" dirty="0"/>
+              <a:t> and making adjustments there. </a:t>
+            </a:r>
+          </a:p>
+          <a:p>
+            <a:pPr lvl="1"/>
+            <a:r>
+              <a:rPr lang="en-CA" dirty="0"/>
+              <a:t>Play around with some models, get used to syntax, try some different models. </a:t>
+            </a:r>
           </a:p>
         </p:txBody>
       </p:sp>
     </p:spTree>
     <p:extLst>
       <p:ext uri="{BB962C8B-B14F-4D97-AF65-F5344CB8AC3E}">
-        <p14:creationId xmlns:p14="http://schemas.microsoft.com/office/powerpoint/2010/main" val="2949275183"/>
+        <p14:creationId xmlns:p14="http://schemas.microsoft.com/office/powerpoint/2010/main" val="2495634073"/>
       </p:ext>
     </p:extLst>
   </p:cSld>
@@ -7203,7 +10060,7 @@
           <p:cNvPr id="2" name="Title 1">
             <a:extLst>
               <a:ext uri="{FF2B5EF4-FFF2-40B4-BE49-F238E27FC236}">
-                <a16:creationId xmlns:a16="http://schemas.microsoft.com/office/drawing/2014/main" id="{B89B01E8-D08A-4763-AF4C-320DC895D201}"/>
+                <a16:creationId xmlns:a16="http://schemas.microsoft.com/office/drawing/2014/main" id="{17C9DA24-AFDB-91EC-071C-BF0F9957F9D3}"/>
               </a:ext>
             </a:extLst>
           </p:cNvPr>
@@ -7214,16 +10071,20 @@
             <p:ph type="title"/>
           </p:nvPr>
         </p:nvSpPr>
-        <p:spPr/>
+        <p:spPr>
+          <a:xfrm>
+            <a:off x="4498428" y="804519"/>
+            <a:ext cx="6556426" cy="1049235"/>
+          </a:xfrm>
+        </p:spPr>
         <p:txBody>
           <a:bodyPr/>
           <a:lstStyle/>
           <a:p>
             <a:r>
-              <a:rPr lang="en-CA" dirty="0"/>
-              <a:t>Width vs Depth</a:t>
-            </a:r>
-            <a:endParaRPr lang="LID4096" dirty="0"/>
+              <a:rPr lang="en-US" dirty="0"/>
+              <a:t>Converging Loss Plots</a:t>
+            </a:r>
           </a:p>
         </p:txBody>
       </p:sp>
@@ -7232,7 +10093,7 @@
           <p:cNvPr id="3" name="Content Placeholder 2">
             <a:extLst>
               <a:ext uri="{FF2B5EF4-FFF2-40B4-BE49-F238E27FC236}">
-                <a16:creationId xmlns:a16="http://schemas.microsoft.com/office/drawing/2014/main" id="{9BCF86B8-C25D-452D-84CF-B6190DEDA681}"/>
+                <a16:creationId xmlns:a16="http://schemas.microsoft.com/office/drawing/2014/main" id="{C623E00D-8DE0-1D03-19D1-D0D541C15FFF}"/>
               </a:ext>
             </a:extLst>
           </p:cNvPr>
@@ -7245,82 +10106,174 @@
         </p:nvSpPr>
         <p:spPr>
           <a:xfrm>
-            <a:off x="1451579" y="2015732"/>
-            <a:ext cx="9603275" cy="4126651"/>
+            <a:off x="4313735" y="1853754"/>
+            <a:ext cx="7666061" cy="4199727"/>
           </a:xfrm>
         </p:spPr>
         <p:txBody>
           <a:bodyPr>
-            <a:normAutofit/>
+            <a:normAutofit lnSpcReduction="10000"/>
           </a:bodyPr>
           <a:lstStyle/>
           <a:p>
             <a:r>
-              <a:rPr lang="en-CA" dirty="0"/>
-              <a:t>When we make a neural network, should we favor width or depth?</a:t>
-            </a:r>
-          </a:p>
-          <a:p>
-            <a:r>
-              <a:rPr lang="en-CA" dirty="0"/>
-              <a:t>In theory one hidden layer can approximate any function. </a:t>
-            </a:r>
-          </a:p>
-          <a:p>
-            <a:pPr lvl="1"/>
-            <a:r>
-              <a:rPr lang="en-CA" dirty="0"/>
-              <a:t>Universal approximation theorem – one layer can in principle learn anything. </a:t>
-            </a:r>
-          </a:p>
-          <a:p>
-            <a:r>
-              <a:rPr lang="en-CA" dirty="0"/>
-              <a:t>In general, depth is preferred more often. Why?</a:t>
-            </a:r>
-          </a:p>
-          <a:p>
-            <a:pPr lvl="1"/>
-            <a:r>
-              <a:rPr lang="en-CA" dirty="0"/>
-              <a:t>Wider networks are more prone to overfitting. </a:t>
-            </a:r>
-          </a:p>
-          <a:p>
-            <a:pPr lvl="1"/>
-            <a:r>
-              <a:rPr lang="en-CA" dirty="0"/>
-              <a:t>Deep networks can find representations of data with each transformation (see in CNNs next)</a:t>
-            </a:r>
-          </a:p>
-          <a:p>
-            <a:pPr lvl="1"/>
-            <a:r>
-              <a:rPr lang="en-CA" dirty="0"/>
-              <a:t>We can apply regularization on or between layers to counter overfitting. </a:t>
-            </a:r>
-          </a:p>
-          <a:p>
-            <a:pPr lvl="1"/>
-            <a:r>
-              <a:rPr lang="en-CA" dirty="0"/>
-              <a:t>Deeper networks can provide a kind of feature selection as less significant features are minimized. </a:t>
-            </a:r>
-          </a:p>
-          <a:p>
-            <a:pPr lvl="1"/>
-            <a:r>
-              <a:rPr lang="en-CA" dirty="0"/>
-              <a:t>Deep networks have shown greater performance recently. </a:t>
-            </a:r>
-            <a:endParaRPr lang="LID4096" dirty="0"/>
-          </a:p>
-        </p:txBody>
-      </p:sp>
+              <a:rPr lang="en-US" dirty="0"/>
+              <a:t>Our main tool for monitoring training is the loss plot. </a:t>
+            </a:r>
+          </a:p>
+          <a:p>
+            <a:r>
+              <a:rPr lang="en-US" dirty="0"/>
+              <a:t>We are looking for, ideally, where the validation loss flattens, or minimizes and starts to increase again. </a:t>
+            </a:r>
+          </a:p>
+          <a:p>
+            <a:pPr lvl="1"/>
+            <a:r>
+              <a:rPr lang="en-US" dirty="0"/>
+              <a:t>The more stable, the more reliable, but it won’t always get this smooth. </a:t>
+            </a:r>
+          </a:p>
+          <a:p>
+            <a:r>
+              <a:rPr lang="en-US" dirty="0"/>
+              <a:t>These show an accurate small and large model – small is more jumpy. </a:t>
+            </a:r>
+          </a:p>
+          <a:p>
+            <a:pPr lvl="1"/>
+            <a:r>
+              <a:rPr lang="en-US" dirty="0"/>
+              <a:t>Error scale on Y are very small on both. </a:t>
+            </a:r>
+          </a:p>
+          <a:p>
+            <a:r>
+              <a:rPr lang="en-US" dirty="0"/>
+              <a:t>Training loss seems to be flattening as well – convergence. </a:t>
+            </a:r>
+          </a:p>
+          <a:p>
+            <a:pPr lvl="1"/>
+            <a:r>
+              <a:rPr lang="en-US" dirty="0"/>
+              <a:t>The ball has found the low point of the gradient curve. </a:t>
+            </a:r>
+          </a:p>
+          <a:p>
+            <a:pPr lvl="1"/>
+            <a:r>
+              <a:rPr lang="en-US" dirty="0"/>
+              <a:t>It may bump around a little, but we’ve found the bottom of loss. </a:t>
+            </a:r>
+          </a:p>
+          <a:p>
+            <a:r>
+              <a:rPr lang="en-US" dirty="0"/>
+              <a:t>The smaller the gap, the less overfitting – small and stable is ideal. </a:t>
+            </a:r>
+          </a:p>
+        </p:txBody>
+      </p:sp>
+      <p:pic>
+        <p:nvPicPr>
+          <p:cNvPr id="6146" name="Picture 2" descr="enter image description here">
+            <a:extLst>
+              <a:ext uri="{FF2B5EF4-FFF2-40B4-BE49-F238E27FC236}">
+                <a16:creationId xmlns:a16="http://schemas.microsoft.com/office/drawing/2014/main" id="{7A3E84A7-7C2E-A8AD-FF45-4094130373D0}"/>
+              </a:ext>
+            </a:extLst>
+          </p:cNvPr>
+          <p:cNvPicPr>
+            <a:picLocks noChangeAspect="1" noChangeArrowheads="1"/>
+          </p:cNvPicPr>
+          <p:nvPr/>
+        </p:nvPicPr>
+        <p:blipFill>
+          <a:blip r:embed="rId2">
+            <a:extLst>
+              <a:ext uri="{28A0092B-C50C-407E-A947-70E740481C1C}">
+                <a14:useLocalDpi xmlns:a14="http://schemas.microsoft.com/office/drawing/2010/main" val="0"/>
+              </a:ext>
+            </a:extLst>
+          </a:blip>
+          <a:srcRect/>
+          <a:stretch>
+            <a:fillRect/>
+          </a:stretch>
+        </p:blipFill>
+        <p:spPr bwMode="auto">
+          <a:xfrm>
+            <a:off x="0" y="2544264"/>
+            <a:ext cx="4313736" cy="4313736"/>
+          </a:xfrm>
+          <a:prstGeom prst="rect">
+            <a:avLst/>
+          </a:prstGeom>
+          <a:noFill/>
+          <a:extLst>
+            <a:ext uri="{909E8E84-426E-40DD-AFC4-6F175D3DCCD1}">
+              <a14:hiddenFill xmlns:a14="http://schemas.microsoft.com/office/drawing/2010/main">
+                <a:solidFill>
+                  <a:srgbClr val="FFFFFF"/>
+                </a:solidFill>
+              </a14:hiddenFill>
+            </a:ext>
+          </a:extLst>
+        </p:spPr>
+      </p:pic>
+      <p:pic>
+        <p:nvPicPr>
+          <p:cNvPr id="6151" name="Picture 7" descr="shows the convergence of loss function over training and validation data |  Download Scientific Diagram">
+            <a:hlinkClick r:id="rId3"/>
+            <a:extLst>
+              <a:ext uri="{FF2B5EF4-FFF2-40B4-BE49-F238E27FC236}">
+                <a16:creationId xmlns:a16="http://schemas.microsoft.com/office/drawing/2014/main" id="{076B6416-0FE9-90B5-7369-107524A7E6AE}"/>
+              </a:ext>
+            </a:extLst>
+          </p:cNvPr>
+          <p:cNvPicPr>
+            <a:picLocks noChangeAspect="1" noChangeArrowheads="1"/>
+          </p:cNvPicPr>
+          <p:nvPr/>
+        </p:nvPicPr>
+        <p:blipFill>
+          <a:blip r:embed="rId4">
+            <a:extLst>
+              <a:ext uri="{28A0092B-C50C-407E-A947-70E740481C1C}">
+                <a14:useLocalDpi xmlns:a14="http://schemas.microsoft.com/office/drawing/2010/main" val="0"/>
+              </a:ext>
+            </a:extLst>
+          </a:blip>
+          <a:srcRect/>
+          <a:stretch>
+            <a:fillRect/>
+          </a:stretch>
+        </p:blipFill>
+        <p:spPr bwMode="auto">
+          <a:xfrm>
+            <a:off x="0" y="0"/>
+            <a:ext cx="4313737" cy="2872441"/>
+          </a:xfrm>
+          <a:prstGeom prst="rect">
+            <a:avLst/>
+          </a:prstGeom>
+          <a:noFill/>
+          <a:extLst>
+            <a:ext uri="{909E8E84-426E-40DD-AFC4-6F175D3DCCD1}">
+              <a14:hiddenFill xmlns:a14="http://schemas.microsoft.com/office/drawing/2010/main">
+                <a:solidFill>
+                  <a:srgbClr val="FFFFFF"/>
+                </a:solidFill>
+              </a14:hiddenFill>
+            </a:ext>
+          </a:extLst>
+        </p:spPr>
+      </p:pic>
     </p:spTree>
     <p:extLst>
       <p:ext uri="{BB962C8B-B14F-4D97-AF65-F5344CB8AC3E}">
-        <p14:creationId xmlns:p14="http://schemas.microsoft.com/office/powerpoint/2010/main" val="1095230113"/>
+        <p14:creationId xmlns:p14="http://schemas.microsoft.com/office/powerpoint/2010/main" val="2096695825"/>
       </p:ext>
     </p:extLst>
   </p:cSld>
@@ -7352,7 +10305,7 @@
           <p:cNvPr id="2" name="Title 1">
             <a:extLst>
               <a:ext uri="{FF2B5EF4-FFF2-40B4-BE49-F238E27FC236}">
-                <a16:creationId xmlns:a16="http://schemas.microsoft.com/office/drawing/2014/main" id="{96401725-9E0C-C94C-A904-0AD2C6AAE9D9}"/>
+                <a16:creationId xmlns:a16="http://schemas.microsoft.com/office/drawing/2014/main" id="{E42CF152-59D1-43C2-9435-C78A5207614E}"/>
               </a:ext>
             </a:extLst>
           </p:cNvPr>
@@ -7369,9 +10322,10 @@
           <a:lstStyle/>
           <a:p>
             <a:r>
-              <a:rPr lang="en-US" dirty="0"/>
-              <a:t>Example: ImageNet</a:t>
-            </a:r>
+              <a:rPr lang="en-CA" dirty="0"/>
+              <a:t>Network Size</a:t>
+            </a:r>
+            <a:endParaRPr lang="LID4096" dirty="0"/>
           </a:p>
         </p:txBody>
       </p:sp>
@@ -7380,7 +10334,7 @@
           <p:cNvPr id="3" name="Content Placeholder 2">
             <a:extLst>
               <a:ext uri="{FF2B5EF4-FFF2-40B4-BE49-F238E27FC236}">
-                <a16:creationId xmlns:a16="http://schemas.microsoft.com/office/drawing/2014/main" id="{4F6E703D-820A-C645-952F-C87CDE2DFF51}"/>
+                <a16:creationId xmlns:a16="http://schemas.microsoft.com/office/drawing/2014/main" id="{22A90C32-B7B4-4D00-AA34-E379414D8F75}"/>
               </a:ext>
             </a:extLst>
           </p:cNvPr>
@@ -7391,93 +10345,55 @@
             <p:ph idx="1"/>
           </p:nvPr>
         </p:nvSpPr>
-        <p:spPr>
-          <a:xfrm>
-            <a:off x="1451579" y="1853754"/>
-            <a:ext cx="9603275" cy="4199727"/>
-          </a:xfrm>
-        </p:spPr>
-        <p:txBody>
-          <a:bodyPr>
-            <a:normAutofit lnSpcReduction="10000"/>
-          </a:bodyPr>
-          <a:lstStyle/>
-          <a:p>
-            <a:r>
-              <a:rPr lang="en-US" dirty="0" err="1"/>
-              <a:t>Imagenet</a:t>
-            </a:r>
-            <a:r>
-              <a:rPr lang="en-US" dirty="0"/>
-              <a:t> is a dataset developed in the late 2000s to help computer vision. </a:t>
-            </a:r>
-          </a:p>
-          <a:p>
-            <a:pPr lvl="1"/>
-            <a:r>
-              <a:rPr lang="en-US" dirty="0"/>
-              <a:t>Thought – better dataset leads to better models. </a:t>
-            </a:r>
-          </a:p>
-          <a:p>
-            <a:r>
-              <a:rPr lang="en-US" dirty="0"/>
-              <a:t>Nested set of 3.2 million (initially) to over 13 million (now) images with labels. </a:t>
-            </a:r>
-          </a:p>
-          <a:p>
-            <a:pPr lvl="1"/>
-            <a:r>
-              <a:rPr lang="en-US" dirty="0"/>
-              <a:t>Labeled largely through Mechanical Turk service. </a:t>
-            </a:r>
-          </a:p>
-          <a:p>
-            <a:pPr lvl="1"/>
-            <a:r>
-              <a:rPr lang="en-US" dirty="0"/>
-              <a:t>Hierarchical labels – e.g. a chair is a type of furniture, a dog is an animal. </a:t>
-            </a:r>
-          </a:p>
-          <a:p>
-            <a:r>
-              <a:rPr lang="en-US" dirty="0"/>
-              <a:t>Became benchmark of image recognition accuracy.</a:t>
-            </a:r>
-          </a:p>
-          <a:p>
-            <a:r>
-              <a:rPr lang="en-US" dirty="0"/>
-              <a:t>From ~2012-2013 to ~2015-2016 networks got deeper and losses fell. </a:t>
-            </a:r>
-          </a:p>
-          <a:p>
-            <a:pPr lvl="1"/>
-            <a:r>
-              <a:rPr lang="en-US" dirty="0"/>
-              <a:t>In addition to use of CNN architecture – next time. </a:t>
-            </a:r>
-          </a:p>
-          <a:p>
-            <a:pPr lvl="1"/>
-            <a:r>
-              <a:rPr lang="en-US" dirty="0"/>
-              <a:t>Improved GPU speed and utilization drove success. </a:t>
-            </a:r>
-          </a:p>
-          <a:p>
-            <a:pPr lvl="1"/>
-            <a:r>
-              <a:rPr lang="en-US" dirty="0"/>
-              <a:t>Why GPU? The multidimensional tensor operations are similar calculations to 3D space. </a:t>
-            </a:r>
+        <p:spPr/>
+        <p:txBody>
+          <a:bodyPr/>
+          <a:lstStyle/>
+          <a:p>
+            <a:r>
+              <a:rPr lang="en-CA" dirty="0"/>
+              <a:t>The first thing to look at is the network size, or capacity.</a:t>
+            </a:r>
+          </a:p>
+          <a:p>
+            <a:r>
+              <a:rPr lang="en-CA" dirty="0"/>
+              <a:t>The more neurons a network had, the higher the capacity. </a:t>
+            </a:r>
+          </a:p>
+          <a:p>
+            <a:r>
+              <a:rPr lang="en-CA" dirty="0"/>
+              <a:t>In general, larger networks need larger amounts of data, to find more complex relationships.  </a:t>
+            </a:r>
+          </a:p>
+          <a:p>
+            <a:r>
+              <a:rPr lang="en-CA" dirty="0"/>
+              <a:t>We can examine the two metrics of size:</a:t>
+            </a:r>
+          </a:p>
+          <a:p>
+            <a:pPr lvl="1"/>
+            <a:r>
+              <a:rPr lang="en-CA" dirty="0"/>
+              <a:t>Neurons per layer (width)</a:t>
+            </a:r>
+          </a:p>
+          <a:p>
+            <a:pPr lvl="1"/>
+            <a:r>
+              <a:rPr lang="en-CA" dirty="0"/>
+              <a:t>Number of layers (depth)</a:t>
+            </a:r>
+            <a:endParaRPr lang="LID4096" dirty="0"/>
           </a:p>
         </p:txBody>
       </p:sp>
     </p:spTree>
     <p:extLst>
       <p:ext uri="{BB962C8B-B14F-4D97-AF65-F5344CB8AC3E}">
-        <p14:creationId xmlns:p14="http://schemas.microsoft.com/office/powerpoint/2010/main" val="3015852836"/>
+        <p14:creationId xmlns:p14="http://schemas.microsoft.com/office/powerpoint/2010/main" val="2949275183"/>
       </p:ext>
     </p:extLst>
   </p:cSld>
@@ -7509,7 +10425,7 @@
           <p:cNvPr id="2" name="Title 1">
             <a:extLst>
               <a:ext uri="{FF2B5EF4-FFF2-40B4-BE49-F238E27FC236}">
-                <a16:creationId xmlns:a16="http://schemas.microsoft.com/office/drawing/2014/main" id="{9E87A118-4046-1549-A491-E41BAA57FD48}"/>
+                <a16:creationId xmlns:a16="http://schemas.microsoft.com/office/drawing/2014/main" id="{B89B01E8-D08A-4763-AF4C-320DC895D201}"/>
               </a:ext>
             </a:extLst>
           </p:cNvPr>
@@ -7525,7 +10441,11 @@
           <a:bodyPr/>
           <a:lstStyle/>
           <a:p>
-            <a:endParaRPr lang="en-US"/>
+            <a:r>
+              <a:rPr lang="en-CA" dirty="0"/>
+              <a:t>Width vs Depth</a:t>
+            </a:r>
+            <a:endParaRPr lang="LID4096" dirty="0"/>
           </a:p>
         </p:txBody>
       </p:sp>
@@ -7534,7 +10454,7 @@
           <p:cNvPr id="3" name="Content Placeholder 2">
             <a:extLst>
               <a:ext uri="{FF2B5EF4-FFF2-40B4-BE49-F238E27FC236}">
-                <a16:creationId xmlns:a16="http://schemas.microsoft.com/office/drawing/2014/main" id="{F0F98167-5640-AE4B-85EC-F441A191ADB1}"/>
+                <a16:creationId xmlns:a16="http://schemas.microsoft.com/office/drawing/2014/main" id="{9BCF86B8-C25D-452D-84CF-B6190DEDA681}"/>
               </a:ext>
             </a:extLst>
           </p:cNvPr>
@@ -7545,66 +10465,91 @@
             <p:ph idx="1"/>
           </p:nvPr>
         </p:nvSpPr>
-        <p:spPr/>
-        <p:txBody>
-          <a:bodyPr/>
-          <a:lstStyle/>
-          <a:p>
-            <a:endParaRPr lang="en-US"/>
-          </a:p>
-        </p:txBody>
-      </p:sp>
-      <p:pic>
-        <p:nvPicPr>
-          <p:cNvPr id="1026" name="Picture 2" descr="Recent ConvNets proposed in ILSVRC. | Download Scientific Diagram">
-            <a:extLst>
-              <a:ext uri="{FF2B5EF4-FFF2-40B4-BE49-F238E27FC236}">
-                <a16:creationId xmlns:a16="http://schemas.microsoft.com/office/drawing/2014/main" id="{7539817F-65DB-2342-AE57-926325560A6F}"/>
-              </a:ext>
-            </a:extLst>
-          </p:cNvPr>
-          <p:cNvPicPr>
-            <a:picLocks noChangeAspect="1" noChangeArrowheads="1"/>
-          </p:cNvPicPr>
-          <p:nvPr/>
-        </p:nvPicPr>
-        <p:blipFill>
-          <a:blip r:embed="rId2">
-            <a:extLst>
-              <a:ext uri="{28A0092B-C50C-407E-A947-70E740481C1C}">
-                <a14:useLocalDpi xmlns:a14="http://schemas.microsoft.com/office/drawing/2010/main" val="0"/>
-              </a:ext>
-            </a:extLst>
-          </a:blip>
-          <a:srcRect/>
-          <a:stretch>
-            <a:fillRect/>
-          </a:stretch>
-        </p:blipFill>
-        <p:spPr bwMode="auto">
-          <a:xfrm>
-            <a:off x="0" y="1020417"/>
-            <a:ext cx="12179576" cy="4585252"/>
-          </a:xfrm>
-          <a:prstGeom prst="rect">
-            <a:avLst/>
-          </a:prstGeom>
-          <a:noFill/>
-          <a:extLst>
-            <a:ext uri="{909E8E84-426E-40DD-AFC4-6F175D3DCCD1}">
-              <a14:hiddenFill xmlns:a14="http://schemas.microsoft.com/office/drawing/2010/main">
-                <a:solidFill>
-                  <a:srgbClr val="FFFFFF"/>
-                </a:solidFill>
-              </a14:hiddenFill>
-            </a:ext>
-          </a:extLst>
-        </p:spPr>
-      </p:pic>
+        <p:spPr>
+          <a:xfrm>
+            <a:off x="1451579" y="1853754"/>
+            <a:ext cx="9603275" cy="4288629"/>
+          </a:xfrm>
+        </p:spPr>
+        <p:txBody>
+          <a:bodyPr>
+            <a:normAutofit/>
+          </a:bodyPr>
+          <a:lstStyle/>
+          <a:p>
+            <a:r>
+              <a:rPr lang="en-CA" dirty="0"/>
+              <a:t>When we make a neural network, should we favor width or depth?</a:t>
+            </a:r>
+          </a:p>
+          <a:p>
+            <a:r>
+              <a:rPr lang="en-CA" dirty="0"/>
+              <a:t>In theory one hidden layer can approximate any function. </a:t>
+            </a:r>
+          </a:p>
+          <a:p>
+            <a:pPr lvl="1"/>
+            <a:r>
+              <a:rPr lang="en-CA" dirty="0"/>
+              <a:t>Universal approximation theorem – one layer can in principle learn anything. </a:t>
+            </a:r>
+          </a:p>
+          <a:p>
+            <a:r>
+              <a:rPr lang="en-CA" dirty="0"/>
+              <a:t>In general, depth is preferred more often. Why?</a:t>
+            </a:r>
+          </a:p>
+          <a:p>
+            <a:pPr lvl="1"/>
+            <a:r>
+              <a:rPr lang="en-CA" dirty="0"/>
+              <a:t>Wider networks are more prone to overfitting. </a:t>
+            </a:r>
+          </a:p>
+          <a:p>
+            <a:pPr lvl="1"/>
+            <a:r>
+              <a:rPr lang="en-CA" dirty="0"/>
+              <a:t>Deep networks can find representations of data with each transformation (see in CNNs next)</a:t>
+            </a:r>
+          </a:p>
+          <a:p>
+            <a:pPr lvl="1"/>
+            <a:r>
+              <a:rPr lang="en-CA" dirty="0"/>
+              <a:t>We can apply regularization or normalization between layers to counter overfitting. </a:t>
+            </a:r>
+          </a:p>
+          <a:p>
+            <a:pPr lvl="1"/>
+            <a:r>
+              <a:rPr lang="en-CA" dirty="0"/>
+              <a:t>We can make models with more complex structure – layer types and connections. </a:t>
+            </a:r>
+          </a:p>
+          <a:p>
+            <a:pPr lvl="1"/>
+            <a:r>
+              <a:rPr lang="en-CA" dirty="0"/>
+              <a:t>Deep networks can kind of feature select as less significant features are minimized. </a:t>
+            </a:r>
+          </a:p>
+          <a:p>
+            <a:pPr lvl="1"/>
+            <a:r>
+              <a:rPr lang="en-CA" dirty="0"/>
+              <a:t>Data with complex relationships (’natural’ stuff) tends to do well with deep models. </a:t>
+            </a:r>
+            <a:endParaRPr lang="LID4096" dirty="0"/>
+          </a:p>
+        </p:txBody>
+      </p:sp>
     </p:spTree>
     <p:extLst>
       <p:ext uri="{BB962C8B-B14F-4D97-AF65-F5344CB8AC3E}">
-        <p14:creationId xmlns:p14="http://schemas.microsoft.com/office/powerpoint/2010/main" val="2745808106"/>
+        <p14:creationId xmlns:p14="http://schemas.microsoft.com/office/powerpoint/2010/main" val="1095230113"/>
       </p:ext>
     </p:extLst>
   </p:cSld>

--- a/reference_content/Slides/tensorflow_optimization.pptx
+++ b/reference_content/Slides/tensorflow_optimization.pptx
@@ -6,44 +6,45 @@
   </p:sldMasterIdLst>
   <p:sldIdLst>
     <p:sldId id="280" r:id="rId2"/>
-    <p:sldId id="292" r:id="rId3"/>
-    <p:sldId id="278" r:id="rId4"/>
-    <p:sldId id="277" r:id="rId5"/>
-    <p:sldId id="256" r:id="rId6"/>
-    <p:sldId id="257" r:id="rId7"/>
-    <p:sldId id="287" r:id="rId8"/>
-    <p:sldId id="258" r:id="rId9"/>
-    <p:sldId id="259" r:id="rId10"/>
-    <p:sldId id="266" r:id="rId11"/>
-    <p:sldId id="264" r:id="rId12"/>
-    <p:sldId id="265" r:id="rId13"/>
-    <p:sldId id="279" r:id="rId14"/>
-    <p:sldId id="281" r:id="rId15"/>
-    <p:sldId id="293" r:id="rId16"/>
-    <p:sldId id="260" r:id="rId17"/>
-    <p:sldId id="289" r:id="rId18"/>
-    <p:sldId id="261" r:id="rId19"/>
-    <p:sldId id="262" r:id="rId20"/>
-    <p:sldId id="282" r:id="rId21"/>
-    <p:sldId id="263" r:id="rId22"/>
-    <p:sldId id="271" r:id="rId23"/>
-    <p:sldId id="274" r:id="rId24"/>
-    <p:sldId id="272" r:id="rId25"/>
-    <p:sldId id="267" r:id="rId26"/>
-    <p:sldId id="273" r:id="rId27"/>
-    <p:sldId id="275" r:id="rId28"/>
-    <p:sldId id="268" r:id="rId29"/>
-    <p:sldId id="295" r:id="rId30"/>
-    <p:sldId id="294" r:id="rId31"/>
-    <p:sldId id="276" r:id="rId32"/>
-    <p:sldId id="283" r:id="rId33"/>
-    <p:sldId id="284" r:id="rId34"/>
-    <p:sldId id="286" r:id="rId35"/>
-    <p:sldId id="285" r:id="rId36"/>
-    <p:sldId id="288" r:id="rId37"/>
-    <p:sldId id="296" r:id="rId38"/>
-    <p:sldId id="269" r:id="rId39"/>
-    <p:sldId id="270" r:id="rId40"/>
+    <p:sldId id="297" r:id="rId3"/>
+    <p:sldId id="292" r:id="rId4"/>
+    <p:sldId id="278" r:id="rId5"/>
+    <p:sldId id="277" r:id="rId6"/>
+    <p:sldId id="256" r:id="rId7"/>
+    <p:sldId id="257" r:id="rId8"/>
+    <p:sldId id="287" r:id="rId9"/>
+    <p:sldId id="258" r:id="rId10"/>
+    <p:sldId id="259" r:id="rId11"/>
+    <p:sldId id="266" r:id="rId12"/>
+    <p:sldId id="264" r:id="rId13"/>
+    <p:sldId id="265" r:id="rId14"/>
+    <p:sldId id="279" r:id="rId15"/>
+    <p:sldId id="281" r:id="rId16"/>
+    <p:sldId id="293" r:id="rId17"/>
+    <p:sldId id="260" r:id="rId18"/>
+    <p:sldId id="289" r:id="rId19"/>
+    <p:sldId id="261" r:id="rId20"/>
+    <p:sldId id="262" r:id="rId21"/>
+    <p:sldId id="282" r:id="rId22"/>
+    <p:sldId id="263" r:id="rId23"/>
+    <p:sldId id="271" r:id="rId24"/>
+    <p:sldId id="274" r:id="rId25"/>
+    <p:sldId id="272" r:id="rId26"/>
+    <p:sldId id="267" r:id="rId27"/>
+    <p:sldId id="273" r:id="rId28"/>
+    <p:sldId id="275" r:id="rId29"/>
+    <p:sldId id="268" r:id="rId30"/>
+    <p:sldId id="295" r:id="rId31"/>
+    <p:sldId id="294" r:id="rId32"/>
+    <p:sldId id="276" r:id="rId33"/>
+    <p:sldId id="283" r:id="rId34"/>
+    <p:sldId id="284" r:id="rId35"/>
+    <p:sldId id="286" r:id="rId36"/>
+    <p:sldId id="285" r:id="rId37"/>
+    <p:sldId id="288" r:id="rId38"/>
+    <p:sldId id="296" r:id="rId39"/>
+    <p:sldId id="269" r:id="rId40"/>
+    <p:sldId id="270" r:id="rId41"/>
   </p:sldIdLst>
   <p:sldSz cx="12192000" cy="6858000"/>
   <p:notesSz cx="6858000" cy="9144000"/>
@@ -3781,7 +3782,7 @@
           <a:p>
             <a:r>
               <a:rPr lang="en-US" dirty="0"/>
-              <a:t>Today:</a:t>
+              <a:t>Today (roughly chapter 4):</a:t>
             </a:r>
           </a:p>
           <a:p>
@@ -3886,6 +3887,162 @@
 </file>
 
 <file path=ppt/slides/slide10.xml><?xml version="1.0" encoding="utf-8"?>
+<p:sld xmlns:a="http://schemas.openxmlformats.org/drawingml/2006/main" xmlns:r="http://schemas.openxmlformats.org/officeDocument/2006/relationships" xmlns:p="http://schemas.openxmlformats.org/presentationml/2006/main">
+  <p:cSld>
+    <p:spTree>
+      <p:nvGrpSpPr>
+        <p:cNvPr id="1" name=""/>
+        <p:cNvGrpSpPr/>
+        <p:nvPr/>
+      </p:nvGrpSpPr>
+      <p:grpSpPr>
+        <a:xfrm>
+          <a:off x="0" y="0"/>
+          <a:ext cx="0" cy="0"/>
+          <a:chOff x="0" y="0"/>
+          <a:chExt cx="0" cy="0"/>
+        </a:xfrm>
+      </p:grpSpPr>
+      <p:sp>
+        <p:nvSpPr>
+          <p:cNvPr id="2" name="Title 1">
+            <a:extLst>
+              <a:ext uri="{FF2B5EF4-FFF2-40B4-BE49-F238E27FC236}">
+                <a16:creationId xmlns:a16="http://schemas.microsoft.com/office/drawing/2014/main" id="{B89B01E8-D08A-4763-AF4C-320DC895D201}"/>
+              </a:ext>
+            </a:extLst>
+          </p:cNvPr>
+          <p:cNvSpPr>
+            <a:spLocks noGrp="1"/>
+          </p:cNvSpPr>
+          <p:nvPr>
+            <p:ph type="title"/>
+          </p:nvPr>
+        </p:nvSpPr>
+        <p:spPr/>
+        <p:txBody>
+          <a:bodyPr/>
+          <a:lstStyle/>
+          <a:p>
+            <a:r>
+              <a:rPr lang="en-CA" dirty="0"/>
+              <a:t>Width vs Depth</a:t>
+            </a:r>
+            <a:endParaRPr lang="LID4096" dirty="0"/>
+          </a:p>
+        </p:txBody>
+      </p:sp>
+      <p:sp>
+        <p:nvSpPr>
+          <p:cNvPr id="3" name="Content Placeholder 2">
+            <a:extLst>
+              <a:ext uri="{FF2B5EF4-FFF2-40B4-BE49-F238E27FC236}">
+                <a16:creationId xmlns:a16="http://schemas.microsoft.com/office/drawing/2014/main" id="{9BCF86B8-C25D-452D-84CF-B6190DEDA681}"/>
+              </a:ext>
+            </a:extLst>
+          </p:cNvPr>
+          <p:cNvSpPr>
+            <a:spLocks noGrp="1"/>
+          </p:cNvSpPr>
+          <p:nvPr>
+            <p:ph idx="1"/>
+          </p:nvPr>
+        </p:nvSpPr>
+        <p:spPr>
+          <a:xfrm>
+            <a:off x="1451579" y="1853754"/>
+            <a:ext cx="9603275" cy="4288629"/>
+          </a:xfrm>
+        </p:spPr>
+        <p:txBody>
+          <a:bodyPr>
+            <a:normAutofit/>
+          </a:bodyPr>
+          <a:lstStyle/>
+          <a:p>
+            <a:r>
+              <a:rPr lang="en-CA" dirty="0"/>
+              <a:t>When we make a neural network, should we favor width or depth?</a:t>
+            </a:r>
+          </a:p>
+          <a:p>
+            <a:r>
+              <a:rPr lang="en-CA" dirty="0"/>
+              <a:t>In theory one hidden layer can approximate any function. </a:t>
+            </a:r>
+          </a:p>
+          <a:p>
+            <a:pPr lvl="1"/>
+            <a:r>
+              <a:rPr lang="en-CA" dirty="0"/>
+              <a:t>Universal approximation theorem – one layer can in principle learn anything. </a:t>
+            </a:r>
+          </a:p>
+          <a:p>
+            <a:r>
+              <a:rPr lang="en-CA" dirty="0"/>
+              <a:t>In general, depth is preferred more often. Why?</a:t>
+            </a:r>
+          </a:p>
+          <a:p>
+            <a:pPr lvl="1"/>
+            <a:r>
+              <a:rPr lang="en-CA" dirty="0"/>
+              <a:t>Wider networks are more prone to overfitting. </a:t>
+            </a:r>
+          </a:p>
+          <a:p>
+            <a:pPr lvl="1"/>
+            <a:r>
+              <a:rPr lang="en-CA" dirty="0"/>
+              <a:t>Deep networks can find representations of data with each transformation (see in CNNs next)</a:t>
+            </a:r>
+          </a:p>
+          <a:p>
+            <a:pPr lvl="1"/>
+            <a:r>
+              <a:rPr lang="en-CA" dirty="0"/>
+              <a:t>We can apply regularization or normalization between layers to counter overfitting. </a:t>
+            </a:r>
+          </a:p>
+          <a:p>
+            <a:pPr lvl="1"/>
+            <a:r>
+              <a:rPr lang="en-CA" dirty="0"/>
+              <a:t>We can make models with more complex structure – layer types and connections. </a:t>
+            </a:r>
+          </a:p>
+          <a:p>
+            <a:pPr lvl="1"/>
+            <a:r>
+              <a:rPr lang="en-CA" dirty="0"/>
+              <a:t>Deep networks can kind of feature select as less significant features are minimized. </a:t>
+            </a:r>
+          </a:p>
+          <a:p>
+            <a:pPr lvl="1"/>
+            <a:r>
+              <a:rPr lang="en-CA" dirty="0"/>
+              <a:t>Data with complex relationships (’natural’ stuff) tends to do well with deep models. </a:t>
+            </a:r>
+            <a:endParaRPr lang="LID4096" dirty="0"/>
+          </a:p>
+        </p:txBody>
+      </p:sp>
+    </p:spTree>
+    <p:extLst>
+      <p:ext uri="{BB962C8B-B14F-4D97-AF65-F5344CB8AC3E}">
+        <p14:creationId xmlns:p14="http://schemas.microsoft.com/office/powerpoint/2010/main" val="1095230113"/>
+      </p:ext>
+    </p:extLst>
+  </p:cSld>
+  <p:clrMapOvr>
+    <a:masterClrMapping/>
+  </p:clrMapOvr>
+</p:sld>
+</file>
+
+<file path=ppt/slides/slide11.xml><?xml version="1.0" encoding="utf-8"?>
 <p:sld xmlns:a="http://schemas.openxmlformats.org/drawingml/2006/main" xmlns:r="http://schemas.openxmlformats.org/officeDocument/2006/relationships" xmlns:p="http://schemas.openxmlformats.org/presentationml/2006/main">
   <p:cSld>
     <p:bg>
@@ -4090,163 +4247,6 @@
 </p:sld>
 </file>
 
-<file path=ppt/slides/slide11.xml><?xml version="1.0" encoding="utf-8"?>
-<p:sld xmlns:a="http://schemas.openxmlformats.org/drawingml/2006/main" xmlns:r="http://schemas.openxmlformats.org/officeDocument/2006/relationships" xmlns:p="http://schemas.openxmlformats.org/presentationml/2006/main">
-  <p:cSld>
-    <p:spTree>
-      <p:nvGrpSpPr>
-        <p:cNvPr id="1" name=""/>
-        <p:cNvGrpSpPr/>
-        <p:nvPr/>
-      </p:nvGrpSpPr>
-      <p:grpSpPr>
-        <a:xfrm>
-          <a:off x="0" y="0"/>
-          <a:ext cx="0" cy="0"/>
-          <a:chOff x="0" y="0"/>
-          <a:chExt cx="0" cy="0"/>
-        </a:xfrm>
-      </p:grpSpPr>
-      <p:sp>
-        <p:nvSpPr>
-          <p:cNvPr id="2" name="Title 1">
-            <a:extLst>
-              <a:ext uri="{FF2B5EF4-FFF2-40B4-BE49-F238E27FC236}">
-                <a16:creationId xmlns:a16="http://schemas.microsoft.com/office/drawing/2014/main" id="{96401725-9E0C-C94C-A904-0AD2C6AAE9D9}"/>
-              </a:ext>
-            </a:extLst>
-          </p:cNvPr>
-          <p:cNvSpPr>
-            <a:spLocks noGrp="1"/>
-          </p:cNvSpPr>
-          <p:nvPr>
-            <p:ph type="title"/>
-          </p:nvPr>
-        </p:nvSpPr>
-        <p:spPr/>
-        <p:txBody>
-          <a:bodyPr/>
-          <a:lstStyle/>
-          <a:p>
-            <a:r>
-              <a:rPr lang="en-US" dirty="0"/>
-              <a:t>Example: ImageNet</a:t>
-            </a:r>
-          </a:p>
-        </p:txBody>
-      </p:sp>
-      <p:sp>
-        <p:nvSpPr>
-          <p:cNvPr id="3" name="Content Placeholder 2">
-            <a:extLst>
-              <a:ext uri="{FF2B5EF4-FFF2-40B4-BE49-F238E27FC236}">
-                <a16:creationId xmlns:a16="http://schemas.microsoft.com/office/drawing/2014/main" id="{4F6E703D-820A-C645-952F-C87CDE2DFF51}"/>
-              </a:ext>
-            </a:extLst>
-          </p:cNvPr>
-          <p:cNvSpPr>
-            <a:spLocks noGrp="1"/>
-          </p:cNvSpPr>
-          <p:nvPr>
-            <p:ph idx="1"/>
-          </p:nvPr>
-        </p:nvSpPr>
-        <p:spPr>
-          <a:xfrm>
-            <a:off x="1451579" y="1853754"/>
-            <a:ext cx="9603275" cy="4199727"/>
-          </a:xfrm>
-        </p:spPr>
-        <p:txBody>
-          <a:bodyPr>
-            <a:normAutofit lnSpcReduction="10000"/>
-          </a:bodyPr>
-          <a:lstStyle/>
-          <a:p>
-            <a:r>
-              <a:rPr lang="en-US" dirty="0" err="1"/>
-              <a:t>Imagenet</a:t>
-            </a:r>
-            <a:r>
-              <a:rPr lang="en-US" dirty="0"/>
-              <a:t> is a dataset developed in the late 2000s to help computer vision. </a:t>
-            </a:r>
-          </a:p>
-          <a:p>
-            <a:pPr lvl="1"/>
-            <a:r>
-              <a:rPr lang="en-US" dirty="0"/>
-              <a:t>Thought – better dataset leads to better models. </a:t>
-            </a:r>
-          </a:p>
-          <a:p>
-            <a:r>
-              <a:rPr lang="en-US" dirty="0"/>
-              <a:t>Nested set of 3.2 million (initially) to over 13 million (now) images with labels. </a:t>
-            </a:r>
-          </a:p>
-          <a:p>
-            <a:pPr lvl="1"/>
-            <a:r>
-              <a:rPr lang="en-US" dirty="0"/>
-              <a:t>Labeled largely through Mechanical Turk service. </a:t>
-            </a:r>
-          </a:p>
-          <a:p>
-            <a:pPr lvl="1"/>
-            <a:r>
-              <a:rPr lang="en-US" dirty="0"/>
-              <a:t>Hierarchical labels – e.g. a chair is a type of furniture, a dog is an animal. </a:t>
-            </a:r>
-          </a:p>
-          <a:p>
-            <a:r>
-              <a:rPr lang="en-US" dirty="0"/>
-              <a:t>Became benchmark of image recognition accuracy.</a:t>
-            </a:r>
-          </a:p>
-          <a:p>
-            <a:r>
-              <a:rPr lang="en-US" dirty="0"/>
-              <a:t>From ~2012-2013 to ~2015-2016 networks got deeper and losses fell. </a:t>
-            </a:r>
-          </a:p>
-          <a:p>
-            <a:pPr lvl="1"/>
-            <a:r>
-              <a:rPr lang="en-US" dirty="0"/>
-              <a:t>In addition to use of CNN architecture – next time. </a:t>
-            </a:r>
-          </a:p>
-          <a:p>
-            <a:pPr lvl="1"/>
-            <a:r>
-              <a:rPr lang="en-US" dirty="0"/>
-              <a:t>Improved GPU speed and utilization drove success. </a:t>
-            </a:r>
-          </a:p>
-          <a:p>
-            <a:pPr lvl="1"/>
-            <a:r>
-              <a:rPr lang="en-US" dirty="0"/>
-              <a:t>Why GPU? The multidimensional tensor operations are similar calculations to 3D space. </a:t>
-            </a:r>
-          </a:p>
-        </p:txBody>
-      </p:sp>
-    </p:spTree>
-    <p:extLst>
-      <p:ext uri="{BB962C8B-B14F-4D97-AF65-F5344CB8AC3E}">
-        <p14:creationId xmlns:p14="http://schemas.microsoft.com/office/powerpoint/2010/main" val="3015852836"/>
-      </p:ext>
-    </p:extLst>
-  </p:cSld>
-  <p:clrMapOvr>
-    <a:masterClrMapping/>
-  </p:clrMapOvr>
-</p:sld>
-</file>
-
 <file path=ppt/slides/slide12.xml><?xml version="1.0" encoding="utf-8"?>
 <p:sld xmlns:a="http://schemas.openxmlformats.org/drawingml/2006/main" xmlns:r="http://schemas.openxmlformats.org/officeDocument/2006/relationships" xmlns:p="http://schemas.openxmlformats.org/presentationml/2006/main">
   <p:cSld>
@@ -4269,7 +4269,7 @@
           <p:cNvPr id="2" name="Title 1">
             <a:extLst>
               <a:ext uri="{FF2B5EF4-FFF2-40B4-BE49-F238E27FC236}">
-                <a16:creationId xmlns:a16="http://schemas.microsoft.com/office/drawing/2014/main" id="{9E87A118-4046-1549-A491-E41BAA57FD48}"/>
+                <a16:creationId xmlns:a16="http://schemas.microsoft.com/office/drawing/2014/main" id="{96401725-9E0C-C94C-A904-0AD2C6AAE9D9}"/>
               </a:ext>
             </a:extLst>
           </p:cNvPr>
@@ -4285,7 +4285,10 @@
           <a:bodyPr/>
           <a:lstStyle/>
           <a:p>
-            <a:endParaRPr lang="en-US"/>
+            <a:r>
+              <a:rPr lang="en-US" dirty="0"/>
+              <a:t>Example: ImageNet</a:t>
+            </a:r>
           </a:p>
         </p:txBody>
       </p:sp>
@@ -4294,7 +4297,7 @@
           <p:cNvPr id="3" name="Content Placeholder 2">
             <a:extLst>
               <a:ext uri="{FF2B5EF4-FFF2-40B4-BE49-F238E27FC236}">
-                <a16:creationId xmlns:a16="http://schemas.microsoft.com/office/drawing/2014/main" id="{F0F98167-5640-AE4B-85EC-F441A191ADB1}"/>
+                <a16:creationId xmlns:a16="http://schemas.microsoft.com/office/drawing/2014/main" id="{4F6E703D-820A-C645-952F-C87CDE2DFF51}"/>
               </a:ext>
             </a:extLst>
           </p:cNvPr>
@@ -4305,66 +4308,93 @@
             <p:ph idx="1"/>
           </p:nvPr>
         </p:nvSpPr>
-        <p:spPr/>
-        <p:txBody>
-          <a:bodyPr/>
-          <a:lstStyle/>
-          <a:p>
-            <a:endParaRPr lang="en-US"/>
-          </a:p>
-        </p:txBody>
-      </p:sp>
-      <p:pic>
-        <p:nvPicPr>
-          <p:cNvPr id="1026" name="Picture 2" descr="Recent ConvNets proposed in ILSVRC. | Download Scientific Diagram">
-            <a:extLst>
-              <a:ext uri="{FF2B5EF4-FFF2-40B4-BE49-F238E27FC236}">
-                <a16:creationId xmlns:a16="http://schemas.microsoft.com/office/drawing/2014/main" id="{7539817F-65DB-2342-AE57-926325560A6F}"/>
-              </a:ext>
-            </a:extLst>
-          </p:cNvPr>
-          <p:cNvPicPr>
-            <a:picLocks noChangeAspect="1" noChangeArrowheads="1"/>
-          </p:cNvPicPr>
-          <p:nvPr/>
-        </p:nvPicPr>
-        <p:blipFill>
-          <a:blip r:embed="rId2">
-            <a:extLst>
-              <a:ext uri="{28A0092B-C50C-407E-A947-70E740481C1C}">
-                <a14:useLocalDpi xmlns:a14="http://schemas.microsoft.com/office/drawing/2010/main" val="0"/>
-              </a:ext>
-            </a:extLst>
-          </a:blip>
-          <a:srcRect/>
-          <a:stretch>
-            <a:fillRect/>
-          </a:stretch>
-        </p:blipFill>
-        <p:spPr bwMode="auto">
-          <a:xfrm>
-            <a:off x="0" y="1020417"/>
-            <a:ext cx="12179576" cy="4585252"/>
-          </a:xfrm>
-          <a:prstGeom prst="rect">
-            <a:avLst/>
-          </a:prstGeom>
-          <a:noFill/>
-          <a:extLst>
-            <a:ext uri="{909E8E84-426E-40DD-AFC4-6F175D3DCCD1}">
-              <a14:hiddenFill xmlns:a14="http://schemas.microsoft.com/office/drawing/2010/main">
-                <a:solidFill>
-                  <a:srgbClr val="FFFFFF"/>
-                </a:solidFill>
-              </a14:hiddenFill>
-            </a:ext>
-          </a:extLst>
-        </p:spPr>
-      </p:pic>
+        <p:spPr>
+          <a:xfrm>
+            <a:off x="1451579" y="1853754"/>
+            <a:ext cx="9603275" cy="4199727"/>
+          </a:xfrm>
+        </p:spPr>
+        <p:txBody>
+          <a:bodyPr>
+            <a:normAutofit lnSpcReduction="10000"/>
+          </a:bodyPr>
+          <a:lstStyle/>
+          <a:p>
+            <a:r>
+              <a:rPr lang="en-US" dirty="0" err="1"/>
+              <a:t>Imagenet</a:t>
+            </a:r>
+            <a:r>
+              <a:rPr lang="en-US" dirty="0"/>
+              <a:t> is a dataset developed in the late 2000s to help computer vision. </a:t>
+            </a:r>
+          </a:p>
+          <a:p>
+            <a:pPr lvl="1"/>
+            <a:r>
+              <a:rPr lang="en-US" dirty="0"/>
+              <a:t>Thought – better dataset leads to better models. </a:t>
+            </a:r>
+          </a:p>
+          <a:p>
+            <a:r>
+              <a:rPr lang="en-US" dirty="0"/>
+              <a:t>Nested set of 3.2 million (initially) to over 13 million (now) images with labels. </a:t>
+            </a:r>
+          </a:p>
+          <a:p>
+            <a:pPr lvl="1"/>
+            <a:r>
+              <a:rPr lang="en-US" dirty="0"/>
+              <a:t>Labeled largely through Mechanical Turk service. </a:t>
+            </a:r>
+          </a:p>
+          <a:p>
+            <a:pPr lvl="1"/>
+            <a:r>
+              <a:rPr lang="en-US" dirty="0"/>
+              <a:t>Hierarchical labels – e.g. a chair is a type of furniture, a dog is an animal. </a:t>
+            </a:r>
+          </a:p>
+          <a:p>
+            <a:r>
+              <a:rPr lang="en-US" dirty="0"/>
+              <a:t>Became benchmark of image recognition accuracy.</a:t>
+            </a:r>
+          </a:p>
+          <a:p>
+            <a:r>
+              <a:rPr lang="en-US" dirty="0"/>
+              <a:t>From ~2012-2013 to ~2015-2016 networks got deeper and losses fell. </a:t>
+            </a:r>
+          </a:p>
+          <a:p>
+            <a:pPr lvl="1"/>
+            <a:r>
+              <a:rPr lang="en-US" dirty="0"/>
+              <a:t>In addition to use of CNN architecture – next time. </a:t>
+            </a:r>
+          </a:p>
+          <a:p>
+            <a:pPr lvl="1"/>
+            <a:r>
+              <a:rPr lang="en-US" dirty="0"/>
+              <a:t>Improved GPU speed and utilization drove success. </a:t>
+            </a:r>
+          </a:p>
+          <a:p>
+            <a:pPr lvl="1"/>
+            <a:r>
+              <a:rPr lang="en-US" dirty="0"/>
+              <a:t>Why GPU? The multidimensional tensor operations are similar calculations to 3D space. </a:t>
+            </a:r>
+          </a:p>
+        </p:txBody>
+      </p:sp>
     </p:spTree>
     <p:extLst>
       <p:ext uri="{BB962C8B-B14F-4D97-AF65-F5344CB8AC3E}">
-        <p14:creationId xmlns:p14="http://schemas.microsoft.com/office/powerpoint/2010/main" val="2745808106"/>
+        <p14:creationId xmlns:p14="http://schemas.microsoft.com/office/powerpoint/2010/main" val="3015852836"/>
       </p:ext>
     </p:extLst>
   </p:cSld>
@@ -4396,7 +4426,7 @@
           <p:cNvPr id="2" name="Title 1">
             <a:extLst>
               <a:ext uri="{FF2B5EF4-FFF2-40B4-BE49-F238E27FC236}">
-                <a16:creationId xmlns:a16="http://schemas.microsoft.com/office/drawing/2014/main" id="{B5ECD803-CC62-F82C-DCCB-D4B18E994727}"/>
+                <a16:creationId xmlns:a16="http://schemas.microsoft.com/office/drawing/2014/main" id="{9E87A118-4046-1549-A491-E41BAA57FD48}"/>
               </a:ext>
             </a:extLst>
           </p:cNvPr>
@@ -4421,7 +4451,7 @@
           <p:cNvPr id="3" name="Content Placeholder 2">
             <a:extLst>
               <a:ext uri="{FF2B5EF4-FFF2-40B4-BE49-F238E27FC236}">
-                <a16:creationId xmlns:a16="http://schemas.microsoft.com/office/drawing/2014/main" id="{762A8CDE-3AA4-5187-A9F0-6AC5AF8B6E34}"/>
+                <a16:creationId xmlns:a16="http://schemas.microsoft.com/office/drawing/2014/main" id="{F0F98167-5640-AE4B-85EC-F441A191ADB1}"/>
               </a:ext>
             </a:extLst>
           </p:cNvPr>
@@ -4443,10 +4473,10 @@
       </p:sp>
       <p:pic>
         <p:nvPicPr>
-          <p:cNvPr id="5122" name="Picture 2" descr="The world through the eyes of CNN. | by Shiv Vignesh | Analytics Vidhya |  Medium">
+          <p:cNvPr id="1026" name="Picture 2" descr="Recent ConvNets proposed in ILSVRC. | Download Scientific Diagram">
             <a:extLst>
               <a:ext uri="{FF2B5EF4-FFF2-40B4-BE49-F238E27FC236}">
-                <a16:creationId xmlns:a16="http://schemas.microsoft.com/office/drawing/2014/main" id="{6F305339-947B-9C75-0668-34D955E97280}"/>
+                <a16:creationId xmlns:a16="http://schemas.microsoft.com/office/drawing/2014/main" id="{7539817F-65DB-2342-AE57-926325560A6F}"/>
               </a:ext>
             </a:extLst>
           </p:cNvPr>
@@ -4470,8 +4500,8 @@
         </p:blipFill>
         <p:spPr bwMode="auto">
           <a:xfrm>
-            <a:off x="984250" y="869950"/>
-            <a:ext cx="10223500" cy="5118100"/>
+            <a:off x="0" y="1020417"/>
+            <a:ext cx="12179576" cy="4585252"/>
           </a:xfrm>
           <a:prstGeom prst="rect">
             <a:avLst/>
@@ -4491,7 +4521,7 @@
     </p:spTree>
     <p:extLst>
       <p:ext uri="{BB962C8B-B14F-4D97-AF65-F5344CB8AC3E}">
-        <p14:creationId xmlns:p14="http://schemas.microsoft.com/office/powerpoint/2010/main" val="39371472"/>
+        <p14:creationId xmlns:p14="http://schemas.microsoft.com/office/powerpoint/2010/main" val="2745808106"/>
       </p:ext>
     </p:extLst>
   </p:cSld>
@@ -4523,7 +4553,7 @@
           <p:cNvPr id="2" name="Title 1">
             <a:extLst>
               <a:ext uri="{FF2B5EF4-FFF2-40B4-BE49-F238E27FC236}">
-                <a16:creationId xmlns:a16="http://schemas.microsoft.com/office/drawing/2014/main" id="{6D2E3FC1-569B-3833-FD06-2BEFF8062DB7}"/>
+                <a16:creationId xmlns:a16="http://schemas.microsoft.com/office/drawing/2014/main" id="{B5ECD803-CC62-F82C-DCCB-D4B18E994727}"/>
               </a:ext>
             </a:extLst>
           </p:cNvPr>
@@ -4534,20 +4564,12 @@
             <p:ph type="title"/>
           </p:nvPr>
         </p:nvSpPr>
-        <p:spPr>
-          <a:xfrm>
-            <a:off x="729205" y="804519"/>
-            <a:ext cx="11462794" cy="1049235"/>
-          </a:xfrm>
-        </p:spPr>
+        <p:spPr/>
         <p:txBody>
           <a:bodyPr/>
           <a:lstStyle/>
           <a:p>
-            <a:r>
-              <a:rPr lang="en-US" dirty="0"/>
-              <a:t>Neural Nets as Feature Constructors (extractors)</a:t>
-            </a:r>
+            <a:endParaRPr lang="en-US"/>
           </a:p>
         </p:txBody>
       </p:sp>
@@ -4556,7 +4578,7 @@
           <p:cNvPr id="3" name="Content Placeholder 2">
             <a:extLst>
               <a:ext uri="{FF2B5EF4-FFF2-40B4-BE49-F238E27FC236}">
-                <a16:creationId xmlns:a16="http://schemas.microsoft.com/office/drawing/2014/main" id="{25D8D692-56D5-5C55-3B26-019B75730840}"/>
+                <a16:creationId xmlns:a16="http://schemas.microsoft.com/office/drawing/2014/main" id="{762A8CDE-3AA4-5187-A9F0-6AC5AF8B6E34}"/>
               </a:ext>
             </a:extLst>
           </p:cNvPr>
@@ -4567,49 +4589,21 @@
             <p:ph idx="1"/>
           </p:nvPr>
         </p:nvSpPr>
-        <p:spPr>
-          <a:xfrm>
-            <a:off x="1451579" y="1853755"/>
-            <a:ext cx="9603275" cy="1887284"/>
-          </a:xfrm>
-        </p:spPr>
+        <p:spPr/>
         <p:txBody>
           <a:bodyPr/>
           <a:lstStyle/>
           <a:p>
-            <a:r>
-              <a:rPr lang="en-US" dirty="0"/>
-              <a:t>We can also think of a deep neural network split into two pieces:</a:t>
-            </a:r>
-          </a:p>
-          <a:p>
-            <a:pPr lvl="1"/>
-            <a:r>
-              <a:rPr lang="en-US" dirty="0"/>
-              <a:t>The final layer to do the classification (or regression), normally called the ‘classifier’. </a:t>
-            </a:r>
-          </a:p>
-          <a:p>
-            <a:pPr lvl="1"/>
-            <a:r>
-              <a:rPr lang="en-US" dirty="0"/>
-              <a:t>The initial layers to construct the best features that allow the classifier to be accurate. </a:t>
-            </a:r>
-          </a:p>
-          <a:p>
-            <a:r>
-              <a:rPr lang="en-US" dirty="0"/>
-              <a:t>Final layer is a logistic regression, other layers are a smart feature constructor. </a:t>
-            </a:r>
+            <a:endParaRPr lang="en-US"/>
           </a:p>
         </p:txBody>
       </p:sp>
       <p:pic>
         <p:nvPicPr>
-          <p:cNvPr id="1026" name="Picture 2" descr="Deep Transfer Learning With Self-Attention for Industry Sensor Fusion Tasks  - IEEE Sensors Alert">
+          <p:cNvPr id="5122" name="Picture 2" descr="The world through the eyes of CNN. | by Shiv Vignesh | Analytics Vidhya |  Medium">
             <a:extLst>
               <a:ext uri="{FF2B5EF4-FFF2-40B4-BE49-F238E27FC236}">
-                <a16:creationId xmlns:a16="http://schemas.microsoft.com/office/drawing/2014/main" id="{E3E98562-D6B3-9FBA-FBE7-866E717C954B}"/>
+                <a16:creationId xmlns:a16="http://schemas.microsoft.com/office/drawing/2014/main" id="{6F305339-947B-9C75-0668-34D955E97280}"/>
               </a:ext>
             </a:extLst>
           </p:cNvPr>
@@ -4633,8 +4627,8 @@
         </p:blipFill>
         <p:spPr bwMode="auto">
           <a:xfrm>
-            <a:off x="1647031" y="3741038"/>
-            <a:ext cx="8897937" cy="2943088"/>
+            <a:off x="984250" y="869950"/>
+            <a:ext cx="10223500" cy="5118100"/>
           </a:xfrm>
           <a:prstGeom prst="rect">
             <a:avLst/>
@@ -4654,7 +4648,7 @@
     </p:spTree>
     <p:extLst>
       <p:ext uri="{BB962C8B-B14F-4D97-AF65-F5344CB8AC3E}">
-        <p14:creationId xmlns:p14="http://schemas.microsoft.com/office/powerpoint/2010/main" val="963805827"/>
+        <p14:creationId xmlns:p14="http://schemas.microsoft.com/office/powerpoint/2010/main" val="39371472"/>
       </p:ext>
     </p:extLst>
   </p:cSld>
@@ -4686,7 +4680,7 @@
           <p:cNvPr id="2" name="Title 1">
             <a:extLst>
               <a:ext uri="{FF2B5EF4-FFF2-40B4-BE49-F238E27FC236}">
-                <a16:creationId xmlns:a16="http://schemas.microsoft.com/office/drawing/2014/main" id="{A4CB583C-8EA5-39BD-D4B2-19B2A8DEB7D0}"/>
+                <a16:creationId xmlns:a16="http://schemas.microsoft.com/office/drawing/2014/main" id="{6D2E3FC1-569B-3833-FD06-2BEFF8062DB7}"/>
               </a:ext>
             </a:extLst>
           </p:cNvPr>
@@ -4699,25 +4693,18 @@
         </p:nvSpPr>
         <p:spPr>
           <a:xfrm>
-            <a:off x="1451579" y="497712"/>
-            <a:ext cx="9603275" cy="833378"/>
-          </a:xfrm>
-        </p:spPr>
-        <p:txBody>
-          <a:bodyPr>
-            <a:normAutofit/>
-          </a:bodyPr>
-          <a:lstStyle/>
-          <a:p>
-            <a:r>
-              <a:rPr lang="en-US" dirty="0"/>
-              <a:t>NN Feature Construction Vs </a:t>
-            </a:r>
-            <a:r>
-              <a:rPr lang="en-US" dirty="0" err="1"/>
-              <a:t>Pca</a:t>
-            </a:r>
-            <a:endParaRPr lang="en-US" dirty="0"/>
+            <a:off x="729205" y="804519"/>
+            <a:ext cx="11462794" cy="1049235"/>
+          </a:xfrm>
+        </p:spPr>
+        <p:txBody>
+          <a:bodyPr/>
+          <a:lstStyle/>
+          <a:p>
+            <a:r>
+              <a:rPr lang="en-US" dirty="0"/>
+              <a:t>Neural Nets as Feature Constructors (extractors)</a:t>
+            </a:r>
           </a:p>
         </p:txBody>
       </p:sp>
@@ -4726,7 +4713,7 @@
           <p:cNvPr id="3" name="Content Placeholder 2">
             <a:extLst>
               <a:ext uri="{FF2B5EF4-FFF2-40B4-BE49-F238E27FC236}">
-                <a16:creationId xmlns:a16="http://schemas.microsoft.com/office/drawing/2014/main" id="{F5523B30-C183-0BB9-85C8-6CFE946AA9FB}"/>
+                <a16:creationId xmlns:a16="http://schemas.microsoft.com/office/drawing/2014/main" id="{25D8D692-56D5-5C55-3B26-019B75730840}"/>
               </a:ext>
             </a:extLst>
           </p:cNvPr>
@@ -4739,55 +4726,47 @@
         </p:nvSpPr>
         <p:spPr>
           <a:xfrm>
-            <a:off x="6769100" y="1853754"/>
-            <a:ext cx="5422900" cy="4199727"/>
-          </a:xfrm>
-        </p:spPr>
-        <p:txBody>
-          <a:bodyPr>
-            <a:normAutofit/>
-          </a:bodyPr>
-          <a:lstStyle/>
-          <a:p>
-            <a:r>
-              <a:rPr lang="en-US" dirty="0"/>
-              <a:t>We can also picture this compared to PCA. </a:t>
-            </a:r>
-          </a:p>
-          <a:p>
-            <a:r>
-              <a:rPr lang="en-US" dirty="0"/>
-              <a:t>PCA does a simple linear transformation on features to generate new features that are better predictors. </a:t>
-            </a:r>
-          </a:p>
-          <a:p>
-            <a:pPr lvl="1"/>
-            <a:r>
-              <a:rPr lang="en-US" dirty="0"/>
-              <a:t>PCA is a specific calc – it does what it does. </a:t>
-            </a:r>
-          </a:p>
-          <a:p>
-            <a:r>
-              <a:rPr lang="en-US" dirty="0"/>
-              <a:t>NN layers do a non-linear transformation on features to get new features that are better predictors. </a:t>
-            </a:r>
-          </a:p>
-          <a:p>
-            <a:pPr lvl="1"/>
-            <a:r>
-              <a:rPr lang="en-US" dirty="0"/>
-              <a:t>NN training is smart, it’ll adapt each batch based on the results – the potential is far higher. </a:t>
+            <a:off x="1451579" y="1853755"/>
+            <a:ext cx="9603275" cy="1887284"/>
+          </a:xfrm>
+        </p:spPr>
+        <p:txBody>
+          <a:bodyPr/>
+          <a:lstStyle/>
+          <a:p>
+            <a:r>
+              <a:rPr lang="en-US" dirty="0"/>
+              <a:t>We can also think of a deep neural network split into two pieces:</a:t>
+            </a:r>
+          </a:p>
+          <a:p>
+            <a:pPr lvl="1"/>
+            <a:r>
+              <a:rPr lang="en-US" dirty="0"/>
+              <a:t>The final layer to do the classification (or regression), normally called the ‘classifier’. </a:t>
+            </a:r>
+          </a:p>
+          <a:p>
+            <a:pPr lvl="1"/>
+            <a:r>
+              <a:rPr lang="en-US" dirty="0"/>
+              <a:t>The initial layers to construct the best features that allow the classifier to be accurate. </a:t>
+            </a:r>
+          </a:p>
+          <a:p>
+            <a:r>
+              <a:rPr lang="en-US" dirty="0"/>
+              <a:t>Final layer is a logistic regression, other layers are a smart feature constructor. </a:t>
             </a:r>
           </a:p>
         </p:txBody>
       </p:sp>
       <p:pic>
         <p:nvPicPr>
-          <p:cNvPr id="10242" name="Picture 2" descr="PCA - Principal Component Analysis">
+          <p:cNvPr id="1026" name="Picture 2" descr="Deep Transfer Learning With Self-Attention for Industry Sensor Fusion Tasks  - IEEE Sensors Alert">
             <a:extLst>
               <a:ext uri="{FF2B5EF4-FFF2-40B4-BE49-F238E27FC236}">
-                <a16:creationId xmlns:a16="http://schemas.microsoft.com/office/drawing/2014/main" id="{A2185C94-7D7E-383B-66D5-A3A8A249C310}"/>
+                <a16:creationId xmlns:a16="http://schemas.microsoft.com/office/drawing/2014/main" id="{E3E98562-D6B3-9FBA-FBE7-866E717C954B}"/>
               </a:ext>
             </a:extLst>
           </p:cNvPr>
@@ -4811,8 +4790,8 @@
         </p:blipFill>
         <p:spPr bwMode="auto">
           <a:xfrm>
-            <a:off x="0" y="1376661"/>
-            <a:ext cx="6350000" cy="2514600"/>
+            <a:off x="1647031" y="3741038"/>
+            <a:ext cx="8897937" cy="2943088"/>
           </a:xfrm>
           <a:prstGeom prst="rect">
             <a:avLst/>
@@ -4829,57 +4808,10 @@
           </a:extLst>
         </p:spPr>
       </p:pic>
-      <p:pic>
-        <p:nvPicPr>
-          <p:cNvPr id="10244" name="Picture 4" descr="Feature Extraction Network - an overview | ScienceDirect Topics">
-            <a:extLst>
-              <a:ext uri="{FF2B5EF4-FFF2-40B4-BE49-F238E27FC236}">
-                <a16:creationId xmlns:a16="http://schemas.microsoft.com/office/drawing/2014/main" id="{5AE38923-E19A-AAE6-49F4-B2481DAD631E}"/>
-              </a:ext>
-            </a:extLst>
-          </p:cNvPr>
-          <p:cNvPicPr>
-            <a:picLocks noChangeAspect="1" noChangeArrowheads="1"/>
-          </p:cNvPicPr>
-          <p:nvPr/>
-        </p:nvPicPr>
-        <p:blipFill>
-          <a:blip r:embed="rId3">
-            <a:extLst>
-              <a:ext uri="{28A0092B-C50C-407E-A947-70E740481C1C}">
-                <a14:useLocalDpi xmlns:a14="http://schemas.microsoft.com/office/drawing/2010/main" val="0"/>
-              </a:ext>
-            </a:extLst>
-          </a:blip>
-          <a:srcRect/>
-          <a:stretch>
-            <a:fillRect/>
-          </a:stretch>
-        </p:blipFill>
-        <p:spPr bwMode="auto">
-          <a:xfrm>
-            <a:off x="0" y="3972285"/>
-            <a:ext cx="6769100" cy="2882900"/>
-          </a:xfrm>
-          <a:prstGeom prst="rect">
-            <a:avLst/>
-          </a:prstGeom>
-          <a:noFill/>
-          <a:extLst>
-            <a:ext uri="{909E8E84-426E-40DD-AFC4-6F175D3DCCD1}">
-              <a14:hiddenFill xmlns:a14="http://schemas.microsoft.com/office/drawing/2010/main">
-                <a:solidFill>
-                  <a:srgbClr val="FFFFFF"/>
-                </a:solidFill>
-              </a14:hiddenFill>
-            </a:ext>
-          </a:extLst>
-        </p:spPr>
-      </p:pic>
     </p:spTree>
     <p:extLst>
       <p:ext uri="{BB962C8B-B14F-4D97-AF65-F5344CB8AC3E}">
-        <p14:creationId xmlns:p14="http://schemas.microsoft.com/office/powerpoint/2010/main" val="1840516913"/>
+        <p14:creationId xmlns:p14="http://schemas.microsoft.com/office/powerpoint/2010/main" val="963805827"/>
       </p:ext>
     </p:extLst>
   </p:cSld>
@@ -4911,7 +4843,7 @@
           <p:cNvPr id="2" name="Title 1">
             <a:extLst>
               <a:ext uri="{FF2B5EF4-FFF2-40B4-BE49-F238E27FC236}">
-                <a16:creationId xmlns:a16="http://schemas.microsoft.com/office/drawing/2014/main" id="{3C3F4E92-B91C-4411-9AE6-F65251C2E68F}"/>
+                <a16:creationId xmlns:a16="http://schemas.microsoft.com/office/drawing/2014/main" id="{A4CB583C-8EA5-39BD-D4B2-19B2A8DEB7D0}"/>
               </a:ext>
             </a:extLst>
           </p:cNvPr>
@@ -4922,39 +4854,10 @@
             <p:ph type="title"/>
           </p:nvPr>
         </p:nvSpPr>
-        <p:spPr/>
-        <p:txBody>
-          <a:bodyPr/>
-          <a:lstStyle/>
-          <a:p>
-            <a:r>
-              <a:rPr lang="en-CA" dirty="0"/>
-              <a:t>So how big do I make it?</a:t>
-            </a:r>
-            <a:endParaRPr lang="LID4096" dirty="0"/>
-          </a:p>
-        </p:txBody>
-      </p:sp>
-      <p:sp>
-        <p:nvSpPr>
-          <p:cNvPr id="3" name="Content Placeholder 2">
-            <a:extLst>
-              <a:ext uri="{FF2B5EF4-FFF2-40B4-BE49-F238E27FC236}">
-                <a16:creationId xmlns:a16="http://schemas.microsoft.com/office/drawing/2014/main" id="{69AF324C-0304-4D50-9E1F-5D00ACFC962D}"/>
-              </a:ext>
-            </a:extLst>
-          </p:cNvPr>
-          <p:cNvSpPr>
-            <a:spLocks noGrp="1"/>
-          </p:cNvSpPr>
-          <p:nvPr>
-            <p:ph idx="1"/>
-          </p:nvPr>
-        </p:nvSpPr>
         <p:spPr>
           <a:xfrm>
-            <a:off x="1451579" y="1853754"/>
-            <a:ext cx="9603275" cy="4199727"/>
+            <a:off x="1451579" y="497712"/>
+            <a:ext cx="9603275" cy="833378"/>
           </a:xfrm>
         </p:spPr>
         <p:txBody>
@@ -4964,70 +4867,176 @@
           <a:lstStyle/>
           <a:p>
             <a:r>
-              <a:rPr lang="en-CA" dirty="0"/>
-              <a:t>Big enough to be capable of overfitting – don’t obsess too much on details unless bored.</a:t>
-            </a:r>
-          </a:p>
-          <a:p>
-            <a:r>
-              <a:rPr lang="en-CA" dirty="0"/>
-              <a:t>See more specific guidelines in workbook. </a:t>
-            </a:r>
-          </a:p>
-          <a:p>
-            <a:pPr lvl="1"/>
-            <a:r>
-              <a:rPr lang="en-CA" dirty="0"/>
-              <a:t>Start with 1 to 3 layers the same size as the input (or ~512-768 if input is big). </a:t>
-            </a:r>
-          </a:p>
-          <a:p>
-            <a:pPr lvl="1"/>
-            <a:r>
-              <a:rPr lang="en-CA" dirty="0"/>
-              <a:t>Add layers to overfit that are about the same size. </a:t>
-            </a:r>
-          </a:p>
-          <a:p>
-            <a:pPr lvl="1"/>
-            <a:r>
-              <a:rPr lang="en-CA" dirty="0"/>
-              <a:t>Try with layer size “funneled” down layer by layer. </a:t>
-            </a:r>
-          </a:p>
-          <a:p>
-            <a:pPr lvl="1"/>
-            <a:r>
-              <a:rPr lang="en-CA" dirty="0"/>
-              <a:t>Add regularization and normalization to cut overfitting. </a:t>
-            </a:r>
-          </a:p>
-          <a:p>
-            <a:pPr lvl="1"/>
-            <a:r>
-              <a:rPr lang="en-CA" dirty="0"/>
-              <a:t>Prune network back in size, if still overfitting. </a:t>
-            </a:r>
-          </a:p>
-          <a:p>
-            <a:r>
-              <a:rPr lang="en-CA" dirty="0"/>
-              <a:t>A real answer is grid search, this should get us close enough to start with. </a:t>
-            </a:r>
-          </a:p>
-          <a:p>
-            <a:r>
-              <a:rPr lang="en-CA" dirty="0"/>
-              <a:t>If doing something big, base it off something that works and adjust as best you can. </a:t>
-            </a:r>
-            <a:endParaRPr lang="LID4096" dirty="0"/>
-          </a:p>
-        </p:txBody>
-      </p:sp>
+              <a:rPr lang="en-US" dirty="0"/>
+              <a:t>NN Feature Construction Vs </a:t>
+            </a:r>
+            <a:r>
+              <a:rPr lang="en-US" dirty="0" err="1"/>
+              <a:t>Pca</a:t>
+            </a:r>
+            <a:endParaRPr lang="en-US" dirty="0"/>
+          </a:p>
+        </p:txBody>
+      </p:sp>
+      <p:sp>
+        <p:nvSpPr>
+          <p:cNvPr id="3" name="Content Placeholder 2">
+            <a:extLst>
+              <a:ext uri="{FF2B5EF4-FFF2-40B4-BE49-F238E27FC236}">
+                <a16:creationId xmlns:a16="http://schemas.microsoft.com/office/drawing/2014/main" id="{F5523B30-C183-0BB9-85C8-6CFE946AA9FB}"/>
+              </a:ext>
+            </a:extLst>
+          </p:cNvPr>
+          <p:cNvSpPr>
+            <a:spLocks noGrp="1"/>
+          </p:cNvSpPr>
+          <p:nvPr>
+            <p:ph idx="1"/>
+          </p:nvPr>
+        </p:nvSpPr>
+        <p:spPr>
+          <a:xfrm>
+            <a:off x="6769100" y="1853754"/>
+            <a:ext cx="5422900" cy="4199727"/>
+          </a:xfrm>
+        </p:spPr>
+        <p:txBody>
+          <a:bodyPr>
+            <a:normAutofit/>
+          </a:bodyPr>
+          <a:lstStyle/>
+          <a:p>
+            <a:r>
+              <a:rPr lang="en-US" dirty="0"/>
+              <a:t>We can also picture this compared to PCA. </a:t>
+            </a:r>
+          </a:p>
+          <a:p>
+            <a:r>
+              <a:rPr lang="en-US" dirty="0"/>
+              <a:t>PCA does a simple linear transformation on features to generate new features that are better predictors. </a:t>
+            </a:r>
+          </a:p>
+          <a:p>
+            <a:pPr lvl="1"/>
+            <a:r>
+              <a:rPr lang="en-US" dirty="0"/>
+              <a:t>PCA is a specific calc – it does what it does. </a:t>
+            </a:r>
+          </a:p>
+          <a:p>
+            <a:r>
+              <a:rPr lang="en-US" dirty="0"/>
+              <a:t>NN layers do a non-linear transformation on features to get new features that are better predictors. </a:t>
+            </a:r>
+          </a:p>
+          <a:p>
+            <a:pPr lvl="1"/>
+            <a:r>
+              <a:rPr lang="en-US" dirty="0"/>
+              <a:t>NN training is smart, it’ll adapt each batch based on the results – the potential is far higher. </a:t>
+            </a:r>
+          </a:p>
+        </p:txBody>
+      </p:sp>
+      <p:pic>
+        <p:nvPicPr>
+          <p:cNvPr id="10242" name="Picture 2" descr="PCA - Principal Component Analysis">
+            <a:extLst>
+              <a:ext uri="{FF2B5EF4-FFF2-40B4-BE49-F238E27FC236}">
+                <a16:creationId xmlns:a16="http://schemas.microsoft.com/office/drawing/2014/main" id="{A2185C94-7D7E-383B-66D5-A3A8A249C310}"/>
+              </a:ext>
+            </a:extLst>
+          </p:cNvPr>
+          <p:cNvPicPr>
+            <a:picLocks noChangeAspect="1" noChangeArrowheads="1"/>
+          </p:cNvPicPr>
+          <p:nvPr/>
+        </p:nvPicPr>
+        <p:blipFill>
+          <a:blip r:embed="rId2">
+            <a:extLst>
+              <a:ext uri="{28A0092B-C50C-407E-A947-70E740481C1C}">
+                <a14:useLocalDpi xmlns:a14="http://schemas.microsoft.com/office/drawing/2010/main" val="0"/>
+              </a:ext>
+            </a:extLst>
+          </a:blip>
+          <a:srcRect/>
+          <a:stretch>
+            <a:fillRect/>
+          </a:stretch>
+        </p:blipFill>
+        <p:spPr bwMode="auto">
+          <a:xfrm>
+            <a:off x="0" y="1376661"/>
+            <a:ext cx="6350000" cy="2514600"/>
+          </a:xfrm>
+          <a:prstGeom prst="rect">
+            <a:avLst/>
+          </a:prstGeom>
+          <a:noFill/>
+          <a:extLst>
+            <a:ext uri="{909E8E84-426E-40DD-AFC4-6F175D3DCCD1}">
+              <a14:hiddenFill xmlns:a14="http://schemas.microsoft.com/office/drawing/2010/main">
+                <a:solidFill>
+                  <a:srgbClr val="FFFFFF"/>
+                </a:solidFill>
+              </a14:hiddenFill>
+            </a:ext>
+          </a:extLst>
+        </p:spPr>
+      </p:pic>
+      <p:pic>
+        <p:nvPicPr>
+          <p:cNvPr id="10244" name="Picture 4" descr="Feature Extraction Network - an overview | ScienceDirect Topics">
+            <a:extLst>
+              <a:ext uri="{FF2B5EF4-FFF2-40B4-BE49-F238E27FC236}">
+                <a16:creationId xmlns:a16="http://schemas.microsoft.com/office/drawing/2014/main" id="{5AE38923-E19A-AAE6-49F4-B2481DAD631E}"/>
+              </a:ext>
+            </a:extLst>
+          </p:cNvPr>
+          <p:cNvPicPr>
+            <a:picLocks noChangeAspect="1" noChangeArrowheads="1"/>
+          </p:cNvPicPr>
+          <p:nvPr/>
+        </p:nvPicPr>
+        <p:blipFill>
+          <a:blip r:embed="rId3">
+            <a:extLst>
+              <a:ext uri="{28A0092B-C50C-407E-A947-70E740481C1C}">
+                <a14:useLocalDpi xmlns:a14="http://schemas.microsoft.com/office/drawing/2010/main" val="0"/>
+              </a:ext>
+            </a:extLst>
+          </a:blip>
+          <a:srcRect/>
+          <a:stretch>
+            <a:fillRect/>
+          </a:stretch>
+        </p:blipFill>
+        <p:spPr bwMode="auto">
+          <a:xfrm>
+            <a:off x="0" y="3972285"/>
+            <a:ext cx="6769100" cy="2882900"/>
+          </a:xfrm>
+          <a:prstGeom prst="rect">
+            <a:avLst/>
+          </a:prstGeom>
+          <a:noFill/>
+          <a:extLst>
+            <a:ext uri="{909E8E84-426E-40DD-AFC4-6F175D3DCCD1}">
+              <a14:hiddenFill xmlns:a14="http://schemas.microsoft.com/office/drawing/2010/main">
+                <a:solidFill>
+                  <a:srgbClr val="FFFFFF"/>
+                </a:solidFill>
+              </a14:hiddenFill>
+            </a:ext>
+          </a:extLst>
+        </p:spPr>
+      </p:pic>
     </p:spTree>
     <p:extLst>
       <p:ext uri="{BB962C8B-B14F-4D97-AF65-F5344CB8AC3E}">
-        <p14:creationId xmlns:p14="http://schemas.microsoft.com/office/powerpoint/2010/main" val="2955667924"/>
+        <p14:creationId xmlns:p14="http://schemas.microsoft.com/office/powerpoint/2010/main" val="1840516913"/>
       </p:ext>
     </p:extLst>
   </p:cSld>
@@ -5059,7 +5068,7 @@
           <p:cNvPr id="2" name="Title 1">
             <a:extLst>
               <a:ext uri="{FF2B5EF4-FFF2-40B4-BE49-F238E27FC236}">
-                <a16:creationId xmlns:a16="http://schemas.microsoft.com/office/drawing/2014/main" id="{CD43B760-7189-15BB-AB43-4B1816F400D9}"/>
+                <a16:creationId xmlns:a16="http://schemas.microsoft.com/office/drawing/2014/main" id="{3C3F4E92-B91C-4411-9AE6-F65251C2E68F}"/>
               </a:ext>
             </a:extLst>
           </p:cNvPr>
@@ -5076,9 +5085,10 @@
           <a:lstStyle/>
           <a:p>
             <a:r>
-              <a:rPr lang="en-US" dirty="0"/>
-              <a:t>Data</a:t>
-            </a:r>
+              <a:rPr lang="en-CA" dirty="0"/>
+              <a:t>So how big do I make it?</a:t>
+            </a:r>
+            <a:endParaRPr lang="LID4096" dirty="0"/>
           </a:p>
         </p:txBody>
       </p:sp>
@@ -5087,7 +5097,7 @@
           <p:cNvPr id="3" name="Content Placeholder 2">
             <a:extLst>
               <a:ext uri="{FF2B5EF4-FFF2-40B4-BE49-F238E27FC236}">
-                <a16:creationId xmlns:a16="http://schemas.microsoft.com/office/drawing/2014/main" id="{AADF3FBF-3046-3E73-935C-A21DD147D2C6}"/>
+                <a16:creationId xmlns:a16="http://schemas.microsoft.com/office/drawing/2014/main" id="{69AF324C-0304-4D50-9E1F-5D00ACFC962D}"/>
               </a:ext>
             </a:extLst>
           </p:cNvPr>
@@ -5105,85 +5115,76 @@
           </a:xfrm>
         </p:spPr>
         <p:txBody>
-          <a:bodyPr/>
-          <a:lstStyle/>
-          <a:p>
-            <a:r>
-              <a:rPr lang="en-US" dirty="0"/>
-              <a:t>Improving and increasing the data size is the best possible optimization. </a:t>
-            </a:r>
-          </a:p>
-          <a:p>
-            <a:r>
-              <a:rPr lang="en-US" dirty="0"/>
-              <a:t>Scaling can often have large impacts:</a:t>
-            </a:r>
-          </a:p>
-          <a:p>
-            <a:pPr lvl="1"/>
-            <a:r>
-              <a:rPr lang="en-US" dirty="0"/>
-              <a:t>Ensure outliers are handled and data is scaled. </a:t>
-            </a:r>
-          </a:p>
-          <a:p>
-            <a:r>
-              <a:rPr lang="en-US" dirty="0"/>
-              <a:t>If practical, increase data size – real or by augmentation (later). </a:t>
-            </a:r>
-          </a:p>
-          <a:p>
-            <a:r>
-              <a:rPr lang="en-US" dirty="0"/>
-              <a:t>If we have high dimension categories, that can lead to very sparse data:</a:t>
-            </a:r>
-          </a:p>
-          <a:p>
-            <a:pPr lvl="1"/>
-            <a:r>
-              <a:rPr lang="en-US" dirty="0"/>
-              <a:t>Many high dimension categories will add lots of features to the data once encoded. </a:t>
-            </a:r>
-          </a:p>
-          <a:p>
-            <a:pPr lvl="1"/>
-            <a:r>
-              <a:rPr lang="en-US" dirty="0"/>
-              <a:t>This will make lots of sparse data – many features with nearly zero information. </a:t>
-            </a:r>
-          </a:p>
-          <a:p>
-            <a:pPr lvl="1"/>
-            <a:r>
-              <a:rPr lang="en-US" dirty="0"/>
-              <a:t>This isn’t </a:t>
-            </a:r>
-            <a:r>
-              <a:rPr lang="en-US" i="1" dirty="0"/>
-              <a:t>wrong</a:t>
-            </a:r>
-            <a:r>
-              <a:rPr lang="en-US" dirty="0"/>
-              <a:t> but may lead to poor and slow results, especially without many records. </a:t>
-            </a:r>
-          </a:p>
-          <a:p>
-            <a:pPr lvl="1"/>
-            <a:r>
-              <a:rPr lang="en-US" dirty="0"/>
-              <a:t>Consider feature engineering (‘other’ group, consolidation, selection) these first. </a:t>
-            </a:r>
-          </a:p>
-          <a:p>
-            <a:pPr lvl="1"/>
-            <a:endParaRPr lang="en-US" dirty="0"/>
+          <a:bodyPr>
+            <a:normAutofit/>
+          </a:bodyPr>
+          <a:lstStyle/>
+          <a:p>
+            <a:r>
+              <a:rPr lang="en-CA" dirty="0"/>
+              <a:t>Big enough to be capable of overfitting – don’t obsess too much on details unless bored.</a:t>
+            </a:r>
+          </a:p>
+          <a:p>
+            <a:r>
+              <a:rPr lang="en-CA" dirty="0"/>
+              <a:t>See more specific guidelines in workbook. </a:t>
+            </a:r>
+          </a:p>
+          <a:p>
+            <a:pPr lvl="1"/>
+            <a:r>
+              <a:rPr lang="en-CA" dirty="0"/>
+              <a:t>Start with 1 to 3 layers the same size as the input (or ~512-768 if input is big). </a:t>
+            </a:r>
+          </a:p>
+          <a:p>
+            <a:pPr lvl="1"/>
+            <a:r>
+              <a:rPr lang="en-CA" dirty="0"/>
+              <a:t>Add layers to overfit that are about the same size. </a:t>
+            </a:r>
+          </a:p>
+          <a:p>
+            <a:pPr lvl="1"/>
+            <a:r>
+              <a:rPr lang="en-CA" dirty="0"/>
+              <a:t>Try with layer size “funneled” down layer by layer. </a:t>
+            </a:r>
+          </a:p>
+          <a:p>
+            <a:pPr lvl="1"/>
+            <a:r>
+              <a:rPr lang="en-CA" dirty="0"/>
+              <a:t>Add regularization and normalization to cut overfitting. </a:t>
+            </a:r>
+          </a:p>
+          <a:p>
+            <a:pPr lvl="1"/>
+            <a:r>
+              <a:rPr lang="en-CA" dirty="0"/>
+              <a:t>Prune network back in size, if still overfitting. </a:t>
+            </a:r>
+          </a:p>
+          <a:p>
+            <a:r>
+              <a:rPr lang="en-CA" dirty="0"/>
+              <a:t>A real answer is grid search, this should get us close enough to start with. </a:t>
+            </a:r>
+          </a:p>
+          <a:p>
+            <a:r>
+              <a:rPr lang="en-CA" dirty="0"/>
+              <a:t>If doing something big, base it off something that works and adjust as best you can. </a:t>
+            </a:r>
+            <a:endParaRPr lang="LID4096" dirty="0"/>
           </a:p>
         </p:txBody>
       </p:sp>
     </p:spTree>
     <p:extLst>
       <p:ext uri="{BB962C8B-B14F-4D97-AF65-F5344CB8AC3E}">
-        <p14:creationId xmlns:p14="http://schemas.microsoft.com/office/powerpoint/2010/main" val="23450497"/>
+        <p14:creationId xmlns:p14="http://schemas.microsoft.com/office/powerpoint/2010/main" val="2955667924"/>
       </p:ext>
     </p:extLst>
   </p:cSld>
@@ -5215,7 +5216,7 @@
           <p:cNvPr id="2" name="Title 1">
             <a:extLst>
               <a:ext uri="{FF2B5EF4-FFF2-40B4-BE49-F238E27FC236}">
-                <a16:creationId xmlns:a16="http://schemas.microsoft.com/office/drawing/2014/main" id="{9DF6D07A-F89C-4648-8C5C-62C367F69E6C}"/>
+                <a16:creationId xmlns:a16="http://schemas.microsoft.com/office/drawing/2014/main" id="{CD43B760-7189-15BB-AB43-4B1816F400D9}"/>
               </a:ext>
             </a:extLst>
           </p:cNvPr>
@@ -5232,10 +5233,9 @@
           <a:lstStyle/>
           <a:p>
             <a:r>
-              <a:rPr lang="en-CA" dirty="0"/>
-              <a:t>Epochs and Batches</a:t>
-            </a:r>
-            <a:endParaRPr lang="LID4096" dirty="0"/>
+              <a:rPr lang="en-US" dirty="0"/>
+              <a:t>Data</a:t>
+            </a:r>
           </a:p>
         </p:txBody>
       </p:sp>
@@ -5244,7 +5244,7 @@
           <p:cNvPr id="3" name="Content Placeholder 2">
             <a:extLst>
               <a:ext uri="{FF2B5EF4-FFF2-40B4-BE49-F238E27FC236}">
-                <a16:creationId xmlns:a16="http://schemas.microsoft.com/office/drawing/2014/main" id="{90B4D315-C411-40F9-A088-3BE0DD9996F7}"/>
+                <a16:creationId xmlns:a16="http://schemas.microsoft.com/office/drawing/2014/main" id="{AADF3FBF-3046-3E73-935C-A21DD147D2C6}"/>
               </a:ext>
             </a:extLst>
           </p:cNvPr>
@@ -5257,121 +5257,90 @@
         </p:nvSpPr>
         <p:spPr>
           <a:xfrm>
-            <a:off x="1183907" y="1853753"/>
-            <a:ext cx="10222030" cy="4199727"/>
-          </a:xfrm>
-        </p:spPr>
-        <p:txBody>
-          <a:bodyPr>
-            <a:normAutofit/>
-          </a:bodyPr>
-          <a:lstStyle/>
-          <a:p>
-            <a:r>
-              <a:rPr lang="en-CA" dirty="0"/>
-              <a:t>Each epoch is an execution of one </a:t>
-            </a:r>
-            <a:r>
-              <a:rPr lang="en-CA" dirty="0" err="1"/>
-              <a:t>fp</a:t>
-            </a:r>
-            <a:r>
-              <a:rPr lang="en-CA" dirty="0"/>
-              <a:t>/bp through all of the data. </a:t>
-            </a:r>
-          </a:p>
-          <a:p>
-            <a:pPr lvl="1"/>
-            <a:r>
-              <a:rPr lang="en-CA" dirty="0"/>
-              <a:t>Easiest method is to set early stopping and let the computer figure it out. </a:t>
-            </a:r>
-          </a:p>
-          <a:p>
-            <a:pPr lvl="1"/>
-            <a:r>
-              <a:rPr lang="en-CA" dirty="0"/>
-              <a:t>Really big models might only have one epoch through the data total. </a:t>
-            </a:r>
-          </a:p>
-          <a:p>
-            <a:r>
-              <a:rPr lang="en-CA" dirty="0"/>
-              <a:t>Batches are how many records to process before updating weights. </a:t>
-            </a:r>
-          </a:p>
-          <a:p>
-            <a:pPr lvl="1"/>
-            <a:r>
-              <a:rPr lang="en-CA" dirty="0"/>
-              <a:t>Just like regular gradient descent – higher is more stable, smaller more erratic. </a:t>
-            </a:r>
-          </a:p>
-          <a:p>
-            <a:pPr lvl="1"/>
-            <a:r>
-              <a:rPr lang="en-CA" dirty="0"/>
-              <a:t>Limited at the top end by memory capacity. </a:t>
-            </a:r>
-          </a:p>
-          <a:p>
-            <a:pPr lvl="1"/>
-            <a:r>
-              <a:rPr lang="en-CA" dirty="0"/>
-              <a:t>Large vs small is still a matter of debate and varies by data. </a:t>
-            </a:r>
-          </a:p>
-          <a:p>
-            <a:pPr lvl="1"/>
-            <a:r>
-              <a:rPr lang="en-CA" dirty="0"/>
-              <a:t>Recently, smaller batches (as small as 2 -32) seems to offer better generalizable models. </a:t>
-            </a:r>
-          </a:p>
-          <a:p>
-            <a:pPr lvl="1"/>
-            <a:r>
-              <a:rPr lang="en-CA" dirty="0"/>
-              <a:t>Big batches may process </a:t>
-            </a:r>
-            <a:r>
-              <a:rPr lang="en-CA" i="1" dirty="0"/>
-              <a:t>far</a:t>
-            </a:r>
-            <a:r>
-              <a:rPr lang="en-CA" dirty="0"/>
-              <a:t> faster – better HW utilization and fewer weight updates. </a:t>
-            </a:r>
-          </a:p>
-          <a:p>
-            <a:pPr lvl="2"/>
-            <a:r>
-              <a:rPr lang="en-CA" dirty="0"/>
-              <a:t>Think – weight matrix per layer is </a:t>
-            </a:r>
-            <a:r>
-              <a:rPr lang="en-CA" dirty="0" err="1"/>
-              <a:t>input_size</a:t>
-            </a:r>
-            <a:r>
-              <a:rPr lang="en-CA" dirty="0"/>
-              <a:t> * </a:t>
-            </a:r>
-            <a:r>
-              <a:rPr lang="en-CA" dirty="0" err="1"/>
-              <a:t>output_size</a:t>
-            </a:r>
-            <a:r>
-              <a:rPr lang="en-CA" dirty="0"/>
-              <a:t>. 512 * 512 = ~250k updates</a:t>
-            </a:r>
+            <a:off x="1451579" y="1853754"/>
+            <a:ext cx="9603275" cy="4199727"/>
+          </a:xfrm>
+        </p:spPr>
+        <p:txBody>
+          <a:bodyPr/>
+          <a:lstStyle/>
+          <a:p>
+            <a:r>
+              <a:rPr lang="en-US" dirty="0"/>
+              <a:t>Improving and increasing the data size is the best possible optimization. </a:t>
+            </a:r>
+          </a:p>
+          <a:p>
+            <a:r>
+              <a:rPr lang="en-US" dirty="0"/>
+              <a:t>Scaling can often have large impacts:</a:t>
+            </a:r>
+          </a:p>
+          <a:p>
+            <a:pPr lvl="1"/>
+            <a:r>
+              <a:rPr lang="en-US" dirty="0"/>
+              <a:t>Ensure outliers are handled and data is scaled. </a:t>
+            </a:r>
+          </a:p>
+          <a:p>
+            <a:r>
+              <a:rPr lang="en-US" dirty="0"/>
+              <a:t>If practical, increase data size – real or by augmentation (later). </a:t>
+            </a:r>
+          </a:p>
+          <a:p>
+            <a:r>
+              <a:rPr lang="en-US" dirty="0"/>
+              <a:t>If we have high dimension categories, that can lead to very sparse data:</a:t>
+            </a:r>
+          </a:p>
+          <a:p>
+            <a:pPr lvl="1"/>
+            <a:r>
+              <a:rPr lang="en-US" dirty="0"/>
+              <a:t>Many high dimension categories will add lots of features to the data once encoded. </a:t>
+            </a:r>
+          </a:p>
+          <a:p>
+            <a:pPr lvl="1"/>
+            <a:r>
+              <a:rPr lang="en-US" dirty="0"/>
+              <a:t>This will make lots of sparse data – many features with nearly zero information. </a:t>
+            </a:r>
+          </a:p>
+          <a:p>
+            <a:pPr lvl="1"/>
+            <a:r>
+              <a:rPr lang="en-US" dirty="0"/>
+              <a:t>This isn’t </a:t>
+            </a:r>
+            <a:r>
+              <a:rPr lang="en-US" i="1" dirty="0"/>
+              <a:t>wrong</a:t>
+            </a:r>
+            <a:r>
+              <a:rPr lang="en-US" dirty="0"/>
+              <a:t> but may lead to poor and slow results, especially without many records. </a:t>
+            </a:r>
+          </a:p>
+          <a:p>
+            <a:pPr lvl="1"/>
+            <a:r>
+              <a:rPr lang="en-US" dirty="0"/>
+              <a:t>Consider feature engineering (‘other’ group, consolidation, selection) these first. </a:t>
+            </a:r>
+          </a:p>
+          <a:p>
+            <a:pPr lvl="1"/>
+            <a:endParaRPr lang="en-US" dirty="0"/>
           </a:p>
         </p:txBody>
       </p:sp>
     </p:spTree>
     <p:extLst>
       <p:ext uri="{BB962C8B-B14F-4D97-AF65-F5344CB8AC3E}">
-        <p14:creationId xmlns:p14="http://schemas.microsoft.com/office/powerpoint/2010/main" val="1589937291"/>
+        <p14:creationId xmlns:p14="http://schemas.microsoft.com/office/powerpoint/2010/main" val="23450497"/>
       </p:ext>
     </p:extLst>
   </p:cSld>
@@ -5403,7 +5372,7 @@
           <p:cNvPr id="2" name="Title 1">
             <a:extLst>
               <a:ext uri="{FF2B5EF4-FFF2-40B4-BE49-F238E27FC236}">
-                <a16:creationId xmlns:a16="http://schemas.microsoft.com/office/drawing/2014/main" id="{34986ED5-DCBC-44E8-A70B-39E557577940}"/>
+                <a16:creationId xmlns:a16="http://schemas.microsoft.com/office/drawing/2014/main" id="{9DF6D07A-F89C-4648-8C5C-62C367F69E6C}"/>
               </a:ext>
             </a:extLst>
           </p:cNvPr>
@@ -5421,7 +5390,7 @@
           <a:p>
             <a:r>
               <a:rPr lang="en-CA" dirty="0"/>
-              <a:t>Optimizer</a:t>
+              <a:t>Epochs and Batches</a:t>
             </a:r>
             <a:endParaRPr lang="LID4096" dirty="0"/>
           </a:p>
@@ -5432,7 +5401,7 @@
           <p:cNvPr id="3" name="Content Placeholder 2">
             <a:extLst>
               <a:ext uri="{FF2B5EF4-FFF2-40B4-BE49-F238E27FC236}">
-                <a16:creationId xmlns:a16="http://schemas.microsoft.com/office/drawing/2014/main" id="{4B2CD011-BB37-4394-B021-0011F0FE5371}"/>
+                <a16:creationId xmlns:a16="http://schemas.microsoft.com/office/drawing/2014/main" id="{90B4D315-C411-40F9-A088-3BE0DD9996F7}"/>
               </a:ext>
             </a:extLst>
           </p:cNvPr>
@@ -5445,8 +5414,8 @@
         </p:nvSpPr>
         <p:spPr>
           <a:xfrm>
-            <a:off x="1064871" y="1853754"/>
-            <a:ext cx="10637134" cy="4199727"/>
+            <a:off x="1183907" y="1853753"/>
+            <a:ext cx="10222030" cy="4199727"/>
           </a:xfrm>
         </p:spPr>
         <p:txBody>
@@ -5457,76 +5426,109 @@
           <a:p>
             <a:r>
               <a:rPr lang="en-CA" dirty="0"/>
-              <a:t>The optimizer is the algorithm used for gradient descent. </a:t>
-            </a:r>
-          </a:p>
-          <a:p>
+              <a:t>Each epoch is an execution of one </a:t>
+            </a:r>
+            <a:r>
+              <a:rPr lang="en-CA" dirty="0" err="1"/>
+              <a:t>fp</a:t>
+            </a:r>
             <a:r>
               <a:rPr lang="en-CA" dirty="0"/>
-              <a:t>The internal details aren’t super important for us, at least for now. </a:t>
-            </a:r>
-          </a:p>
-          <a:p>
+              <a:t>/bp through all of the data. </a:t>
+            </a:r>
+          </a:p>
+          <a:p>
+            <a:pPr lvl="1"/>
             <a:r>
               <a:rPr lang="en-CA" dirty="0"/>
-              <a:t>Adam is the most common and is a good choice for most scenarios:</a:t>
+              <a:t>Easiest method is to set early stopping and let the computer figure it out. </a:t>
             </a:r>
           </a:p>
           <a:p>
             <a:pPr lvl="1"/>
             <a:r>
               <a:rPr lang="en-CA" dirty="0"/>
-              <a:t>Converges efficiently – manages different rates for each gradient. </a:t>
-            </a:r>
-          </a:p>
-          <a:p>
-            <a:pPr lvl="1"/>
+              <a:t>Really big models might only have one epoch through the data total. </a:t>
+            </a:r>
+          </a:p>
+          <a:p>
             <a:r>
               <a:rPr lang="en-CA" dirty="0"/>
-              <a:t>Computation and memory efficient. </a:t>
+              <a:t>Batches are how many records to process before updating weights. </a:t>
             </a:r>
           </a:p>
           <a:p>
             <a:pPr lvl="1"/>
             <a:r>
               <a:rPr lang="en-CA" dirty="0"/>
-              <a:t>Adapts separate learning rates for each parameter using moving averages of several moments. </a:t>
+              <a:t>Just like regular gradient descent – higher is more stable, smaller more erratic. </a:t>
             </a:r>
           </a:p>
           <a:p>
             <a:pPr lvl="1"/>
             <a:r>
               <a:rPr lang="en-CA" dirty="0"/>
-              <a:t>Tends to not be too negatively impacted by parameters or different data – defaults work well. </a:t>
-            </a:r>
-          </a:p>
-          <a:p>
+              <a:t>Limited at the top end by memory capacity. </a:t>
+            </a:r>
+          </a:p>
+          <a:p>
+            <a:pPr lvl="1"/>
             <a:r>
               <a:rPr lang="en-CA" dirty="0"/>
-              <a:t>The actual best performer depends on model complexity, data, and the shape of the gradient curve. </a:t>
-            </a:r>
-          </a:p>
-          <a:p>
+              <a:t>Large vs small is still a matter of debate and varies by data. </a:t>
+            </a:r>
+          </a:p>
+          <a:p>
+            <a:pPr lvl="1"/>
             <a:r>
               <a:rPr lang="en-CA" dirty="0"/>
-              <a:t>There’s several variants similar-</a:t>
+              <a:t>Recently, smaller batches (as small as 2 -32) seems to offer better generalizable models. </a:t>
+            </a:r>
+          </a:p>
+          <a:p>
+            <a:pPr lvl="1"/>
+            <a:r>
+              <a:rPr lang="en-CA" dirty="0"/>
+              <a:t>Big batches may process </a:t>
+            </a:r>
+            <a:r>
+              <a:rPr lang="en-CA" i="1" dirty="0"/>
+              <a:t>far</a:t>
+            </a:r>
+            <a:r>
+              <a:rPr lang="en-CA" dirty="0"/>
+              <a:t> faster – better HW utilization and fewer weight updates. </a:t>
+            </a:r>
+          </a:p>
+          <a:p>
+            <a:pPr lvl="2"/>
+            <a:r>
+              <a:rPr lang="en-CA" dirty="0"/>
+              <a:t>Think – weight matrix per layer is </a:t>
             </a:r>
             <a:r>
               <a:rPr lang="en-CA" dirty="0" err="1"/>
-              <a:t>ish</a:t>
+              <a:t>input_size</a:t>
             </a:r>
             <a:r>
               <a:rPr lang="en-CA" dirty="0"/>
-              <a:t> to Adam, simpler SGD may perform better on ‘simple’ NN. </a:t>
-            </a:r>
-            <a:endParaRPr lang="LID4096" dirty="0"/>
+              <a:t> * </a:t>
+            </a:r>
+            <a:r>
+              <a:rPr lang="en-CA" dirty="0" err="1"/>
+              <a:t>output_size</a:t>
+            </a:r>
+            <a:r>
+              <a:rPr lang="en-CA" dirty="0"/>
+              <a:t>. 512 * 512 = ~250k updates</a:t>
+            </a:r>
           </a:p>
         </p:txBody>
       </p:sp>
     </p:spTree>
     <p:extLst>
       <p:ext uri="{BB962C8B-B14F-4D97-AF65-F5344CB8AC3E}">
-        <p14:creationId xmlns:p14="http://schemas.microsoft.com/office/powerpoint/2010/main" val="1375585324"/>
+        <p14:creationId xmlns:p14="http://schemas.microsoft.com/office/powerpoint/2010/main" val="1589937291"/>
       </p:ext>
     </p:extLst>
   </p:cSld>
@@ -5558,7 +5560,7 @@
           <p:cNvPr id="2" name="Title 1">
             <a:extLst>
               <a:ext uri="{FF2B5EF4-FFF2-40B4-BE49-F238E27FC236}">
-                <a16:creationId xmlns:a16="http://schemas.microsoft.com/office/drawing/2014/main" id="{C714B66D-AFB2-A3EE-5997-4D1F0B95FC89}"/>
+                <a16:creationId xmlns:a16="http://schemas.microsoft.com/office/drawing/2014/main" id="{7D74FB5A-6E0D-A1AF-776E-4D2C15A551F2}"/>
               </a:ext>
             </a:extLst>
           </p:cNvPr>
@@ -5574,10 +5576,7 @@
           <a:bodyPr/>
           <a:lstStyle/>
           <a:p>
-            <a:r>
-              <a:rPr lang="en-US" dirty="0"/>
-              <a:t>Project (Other Class) Stuff</a:t>
-            </a:r>
+            <a:endParaRPr lang="en-US"/>
           </a:p>
         </p:txBody>
       </p:sp>
@@ -5586,7 +5585,7 @@
           <p:cNvPr id="3" name="Content Placeholder 2">
             <a:extLst>
               <a:ext uri="{FF2B5EF4-FFF2-40B4-BE49-F238E27FC236}">
-                <a16:creationId xmlns:a16="http://schemas.microsoft.com/office/drawing/2014/main" id="{20141979-88C3-CEA4-3B52-F2E898F296B1}"/>
+                <a16:creationId xmlns:a16="http://schemas.microsoft.com/office/drawing/2014/main" id="{0BD52AE0-822E-A3B2-AEF2-CD9580AA2E37}"/>
               </a:ext>
             </a:extLst>
           </p:cNvPr>
@@ -5597,88 +5596,49 @@
             <p:ph idx="1"/>
           </p:nvPr>
         </p:nvSpPr>
+        <p:spPr/>
+        <p:txBody>
+          <a:bodyPr/>
+          <a:lstStyle/>
+          <a:p>
+            <a:endParaRPr lang="en-US"/>
+          </a:p>
+        </p:txBody>
+      </p:sp>
+      <p:pic>
+        <p:nvPicPr>
+          <p:cNvPr id="4" name="Picture 3">
+            <a:extLst>
+              <a:ext uri="{FF2B5EF4-FFF2-40B4-BE49-F238E27FC236}">
+                <a16:creationId xmlns:a16="http://schemas.microsoft.com/office/drawing/2014/main" id="{4F8D3341-C9AD-F059-B8C6-00D1B0500BD2}"/>
+              </a:ext>
+            </a:extLst>
+          </p:cNvPr>
+          <p:cNvPicPr>
+            <a:picLocks noChangeAspect="1"/>
+          </p:cNvPicPr>
+          <p:nvPr/>
+        </p:nvPicPr>
+        <p:blipFill>
+          <a:blip r:embed="rId2"/>
+          <a:stretch>
+            <a:fillRect/>
+          </a:stretch>
+        </p:blipFill>
         <p:spPr>
           <a:xfrm>
-            <a:off x="728663" y="1853754"/>
-            <a:ext cx="11058525" cy="4199727"/>
-          </a:xfrm>
-        </p:spPr>
-        <p:txBody>
-          <a:bodyPr>
-            <a:normAutofit/>
-          </a:bodyPr>
-          <a:lstStyle/>
-          <a:p>
-            <a:r>
-              <a:rPr lang="en-US" dirty="0"/>
-              <a:t>If you are still doing real estate, think about large scale feature construction. </a:t>
-            </a:r>
-          </a:p>
-          <a:p>
-            <a:r>
-              <a:rPr lang="en-US" dirty="0"/>
-              <a:t>You can make many features from latitude and longitude that may matter. </a:t>
-            </a:r>
-          </a:p>
-          <a:p>
-            <a:pPr lvl="1"/>
-            <a:r>
-              <a:rPr lang="en-US" dirty="0"/>
-              <a:t>I’d make a lot of them, since you have a lot of data, and let the model sort it out. </a:t>
-            </a:r>
-          </a:p>
-          <a:p>
-            <a:r>
-              <a:rPr lang="en-US" dirty="0"/>
-              <a:t>Directly calculable via spatial joins and spatial files you can find online (Google mapping/spatial/</a:t>
-            </a:r>
-            <a:r>
-              <a:rPr lang="en-US" dirty="0" err="1"/>
-              <a:t>gis</a:t>
-            </a:r>
-            <a:r>
-              <a:rPr lang="en-US" dirty="0"/>
-              <a:t>):</a:t>
-            </a:r>
-          </a:p>
-          <a:p>
-            <a:pPr lvl="1"/>
-            <a:r>
-              <a:rPr lang="en-US" dirty="0"/>
-              <a:t>Distance from almost anything – roads, schools, water, commerce, neighbors, etc.</a:t>
-            </a:r>
-          </a:p>
-          <a:p>
-            <a:pPr lvl="1"/>
-            <a:r>
-              <a:rPr lang="en-US" dirty="0"/>
-              <a:t>Stats – density, comparison to neighbors, trends, crime, construction, census data (wealth, education, etc.)</a:t>
-            </a:r>
-          </a:p>
-          <a:p>
-            <a:r>
-              <a:rPr lang="en-US" dirty="0"/>
-              <a:t>Calculable with potentially free services online – time to get places, real estate stuff, sun. </a:t>
-            </a:r>
-          </a:p>
-          <a:p>
-            <a:r>
-              <a:rPr lang="en-US" dirty="0"/>
-              <a:t>Possible with large scale scraping – real estate data, all kinds of other stuff. </a:t>
-            </a:r>
-          </a:p>
-          <a:p>
-            <a:r>
-              <a:rPr lang="en-US" dirty="0"/>
-              <a:t>I’d try to cast as wide a net as possible and get almost anything I could automate as a start. </a:t>
-            </a:r>
-          </a:p>
-        </p:txBody>
-      </p:sp>
+            <a:off x="102451" y="804519"/>
+            <a:ext cx="11987098" cy="5248962"/>
+          </a:xfrm>
+          <a:prstGeom prst="rect">
+            <a:avLst/>
+          </a:prstGeom>
+        </p:spPr>
+      </p:pic>
     </p:spTree>
     <p:extLst>
       <p:ext uri="{BB962C8B-B14F-4D97-AF65-F5344CB8AC3E}">
-        <p14:creationId xmlns:p14="http://schemas.microsoft.com/office/powerpoint/2010/main" val="3300512849"/>
+        <p14:creationId xmlns:p14="http://schemas.microsoft.com/office/powerpoint/2010/main" val="732332500"/>
       </p:ext>
     </p:extLst>
   </p:cSld>
@@ -5710,7 +5670,7 @@
           <p:cNvPr id="2" name="Title 1">
             <a:extLst>
               <a:ext uri="{FF2B5EF4-FFF2-40B4-BE49-F238E27FC236}">
-                <a16:creationId xmlns:a16="http://schemas.microsoft.com/office/drawing/2014/main" id="{EE09B189-F7E1-5E56-B2FD-E49380FAA071}"/>
+                <a16:creationId xmlns:a16="http://schemas.microsoft.com/office/drawing/2014/main" id="{34986ED5-DCBC-44E8-A70B-39E557577940}"/>
               </a:ext>
             </a:extLst>
           </p:cNvPr>
@@ -5727,9 +5687,10 @@
           <a:lstStyle/>
           <a:p>
             <a:r>
-              <a:rPr lang="en-US" dirty="0"/>
-              <a:t>Activation Functions</a:t>
-            </a:r>
+              <a:rPr lang="en-CA" dirty="0"/>
+              <a:t>Optimizer</a:t>
+            </a:r>
+            <a:endParaRPr lang="LID4096" dirty="0"/>
           </a:p>
         </p:txBody>
       </p:sp>
@@ -5738,7 +5699,7 @@
           <p:cNvPr id="3" name="Content Placeholder 2">
             <a:extLst>
               <a:ext uri="{FF2B5EF4-FFF2-40B4-BE49-F238E27FC236}">
-                <a16:creationId xmlns:a16="http://schemas.microsoft.com/office/drawing/2014/main" id="{FA9F3FC8-DD48-1402-F862-D5BE1775B8D6}"/>
+                <a16:creationId xmlns:a16="http://schemas.microsoft.com/office/drawing/2014/main" id="{4B2CD011-BB37-4394-B021-0011F0FE5371}"/>
               </a:ext>
             </a:extLst>
           </p:cNvPr>
@@ -5749,66 +5710,90 @@
             <p:ph idx="1"/>
           </p:nvPr>
         </p:nvSpPr>
-        <p:spPr/>
-        <p:txBody>
-          <a:bodyPr/>
-          <a:lstStyle/>
-          <a:p>
-            <a:endParaRPr lang="en-US"/>
-          </a:p>
-        </p:txBody>
-      </p:sp>
-      <p:pic>
-        <p:nvPicPr>
-          <p:cNvPr id="2050" name="Picture 2" descr="Activation Functions in Neural Networks | by Faseeh Ur Rehman | Medium">
-            <a:extLst>
-              <a:ext uri="{FF2B5EF4-FFF2-40B4-BE49-F238E27FC236}">
-                <a16:creationId xmlns:a16="http://schemas.microsoft.com/office/drawing/2014/main" id="{0E6D0D26-280A-271E-0388-76218952B207}"/>
-              </a:ext>
-            </a:extLst>
-          </p:cNvPr>
-          <p:cNvPicPr>
-            <a:picLocks noChangeAspect="1" noChangeArrowheads="1"/>
-          </p:cNvPicPr>
-          <p:nvPr/>
-        </p:nvPicPr>
-        <p:blipFill>
-          <a:blip r:embed="rId2">
-            <a:extLst>
-              <a:ext uri="{28A0092B-C50C-407E-A947-70E740481C1C}">
-                <a14:useLocalDpi xmlns:a14="http://schemas.microsoft.com/office/drawing/2010/main" val="0"/>
-              </a:ext>
-            </a:extLst>
-          </a:blip>
-          <a:srcRect/>
-          <a:stretch>
-            <a:fillRect/>
-          </a:stretch>
-        </p:blipFill>
-        <p:spPr bwMode="auto">
-          <a:xfrm>
-            <a:off x="2053221" y="1853754"/>
-            <a:ext cx="8399990" cy="4842268"/>
-          </a:xfrm>
-          <a:prstGeom prst="rect">
-            <a:avLst/>
-          </a:prstGeom>
-          <a:noFill/>
-          <a:extLst>
-            <a:ext uri="{909E8E84-426E-40DD-AFC4-6F175D3DCCD1}">
-              <a14:hiddenFill xmlns:a14="http://schemas.microsoft.com/office/drawing/2010/main">
-                <a:solidFill>
-                  <a:srgbClr val="FFFFFF"/>
-                </a:solidFill>
-              </a14:hiddenFill>
-            </a:ext>
-          </a:extLst>
-        </p:spPr>
-      </p:pic>
+        <p:spPr>
+          <a:xfrm>
+            <a:off x="1064871" y="1853754"/>
+            <a:ext cx="10637134" cy="4199727"/>
+          </a:xfrm>
+        </p:spPr>
+        <p:txBody>
+          <a:bodyPr>
+            <a:normAutofit/>
+          </a:bodyPr>
+          <a:lstStyle/>
+          <a:p>
+            <a:r>
+              <a:rPr lang="en-CA" dirty="0"/>
+              <a:t>The optimizer is the algorithm used for gradient descent. </a:t>
+            </a:r>
+          </a:p>
+          <a:p>
+            <a:r>
+              <a:rPr lang="en-CA" dirty="0"/>
+              <a:t>The internal details aren’t super important for us, at least for now. </a:t>
+            </a:r>
+          </a:p>
+          <a:p>
+            <a:r>
+              <a:rPr lang="en-CA" dirty="0"/>
+              <a:t>Adam is the most common and is a good choice for most scenarios:</a:t>
+            </a:r>
+          </a:p>
+          <a:p>
+            <a:pPr lvl="1"/>
+            <a:r>
+              <a:rPr lang="en-CA" dirty="0"/>
+              <a:t>Converges efficiently – manages different rates for each gradient. </a:t>
+            </a:r>
+          </a:p>
+          <a:p>
+            <a:pPr lvl="1"/>
+            <a:r>
+              <a:rPr lang="en-CA" dirty="0"/>
+              <a:t>Computation and memory efficient. </a:t>
+            </a:r>
+          </a:p>
+          <a:p>
+            <a:pPr lvl="1"/>
+            <a:r>
+              <a:rPr lang="en-CA" dirty="0"/>
+              <a:t>Adapts separate learning rates for each parameter using moving averages of several moments. </a:t>
+            </a:r>
+          </a:p>
+          <a:p>
+            <a:pPr lvl="1"/>
+            <a:r>
+              <a:rPr lang="en-CA" dirty="0"/>
+              <a:t>Tends to not be too negatively impacted by parameters or different data – defaults work well. </a:t>
+            </a:r>
+          </a:p>
+          <a:p>
+            <a:r>
+              <a:rPr lang="en-CA" dirty="0"/>
+              <a:t>The actual best performer depends on model complexity, data, and the shape of the gradient curve. </a:t>
+            </a:r>
+          </a:p>
+          <a:p>
+            <a:r>
+              <a:rPr lang="en-CA" dirty="0"/>
+              <a:t>There’s several variants similar-</a:t>
+            </a:r>
+            <a:r>
+              <a:rPr lang="en-CA" dirty="0" err="1"/>
+              <a:t>ish</a:t>
+            </a:r>
+            <a:r>
+              <a:rPr lang="en-CA" dirty="0"/>
+              <a:t> to Adam, simpler SGD may perform better on ‘simple’ NN. </a:t>
+            </a:r>
+            <a:endParaRPr lang="LID4096" dirty="0"/>
+          </a:p>
+        </p:txBody>
+      </p:sp>
     </p:spTree>
     <p:extLst>
       <p:ext uri="{BB962C8B-B14F-4D97-AF65-F5344CB8AC3E}">
-        <p14:creationId xmlns:p14="http://schemas.microsoft.com/office/powerpoint/2010/main" val="3200437838"/>
+        <p14:creationId xmlns:p14="http://schemas.microsoft.com/office/powerpoint/2010/main" val="1375585324"/>
       </p:ext>
     </p:extLst>
   </p:cSld>
@@ -5821,30 +5806,6 @@
 <file path=ppt/slides/slide21.xml><?xml version="1.0" encoding="utf-8"?>
 <p:sld xmlns:a="http://schemas.openxmlformats.org/drawingml/2006/main" xmlns:r="http://schemas.openxmlformats.org/officeDocument/2006/relationships" xmlns:p="http://schemas.openxmlformats.org/presentationml/2006/main">
   <p:cSld>
-    <p:bg>
-      <p:bgPr>
-        <a:gradFill rotWithShape="1">
-          <a:gsLst>
-            <a:gs pos="0">
-              <a:schemeClr val="bg2">
-                <a:tint val="94000"/>
-                <a:satMod val="80000"/>
-                <a:lumMod val="106000"/>
-              </a:schemeClr>
-            </a:gs>
-            <a:gs pos="100000">
-              <a:schemeClr val="bg2">
-                <a:shade val="80000"/>
-              </a:schemeClr>
-            </a:gs>
-          </a:gsLst>
-          <a:path path="circle">
-            <a:fillToRect l="43000" r="43000" b="100000"/>
-          </a:path>
-        </a:gradFill>
-        <a:effectLst/>
-      </p:bgPr>
-    </p:bg>
     <p:spTree>
       <p:nvGrpSpPr>
         <p:cNvPr id="1" name=""/>
@@ -5864,7 +5825,7 @@
           <p:cNvPr id="2" name="Title 1">
             <a:extLst>
               <a:ext uri="{FF2B5EF4-FFF2-40B4-BE49-F238E27FC236}">
-                <a16:creationId xmlns:a16="http://schemas.microsoft.com/office/drawing/2014/main" id="{0082CAF9-B4E1-4729-88E5-0D11190C387F}"/>
+                <a16:creationId xmlns:a16="http://schemas.microsoft.com/office/drawing/2014/main" id="{EE09B189-F7E1-5E56-B2FD-E49380FAA071}"/>
               </a:ext>
             </a:extLst>
           </p:cNvPr>
@@ -5875,23 +5836,15 @@
             <p:ph type="title"/>
           </p:nvPr>
         </p:nvSpPr>
-        <p:spPr>
-          <a:xfrm>
-            <a:off x="1451579" y="804519"/>
-            <a:ext cx="9603275" cy="1049235"/>
-          </a:xfrm>
-        </p:spPr>
-        <p:txBody>
-          <a:bodyPr>
-            <a:normAutofit/>
-          </a:bodyPr>
-          <a:lstStyle/>
-          <a:p>
-            <a:r>
-              <a:rPr lang="en-CA" dirty="0"/>
-              <a:t>Activation Functions (Hidden Layers)</a:t>
-            </a:r>
-            <a:endParaRPr lang="LID4096" dirty="0"/>
+        <p:spPr/>
+        <p:txBody>
+          <a:bodyPr/>
+          <a:lstStyle/>
+          <a:p>
+            <a:r>
+              <a:rPr lang="en-US" dirty="0"/>
+              <a:t>Activation Functions</a:t>
+            </a:r>
           </a:p>
         </p:txBody>
       </p:sp>
@@ -5900,7 +5853,7 @@
           <p:cNvPr id="3" name="Content Placeholder 2">
             <a:extLst>
               <a:ext uri="{FF2B5EF4-FFF2-40B4-BE49-F238E27FC236}">
-                <a16:creationId xmlns:a16="http://schemas.microsoft.com/office/drawing/2014/main" id="{28019EF6-C3D4-4F7E-9535-A7B288B5931C}"/>
+                <a16:creationId xmlns:a16="http://schemas.microsoft.com/office/drawing/2014/main" id="{FA9F3FC8-DD48-1402-F862-D5BE1775B8D6}"/>
               </a:ext>
             </a:extLst>
           </p:cNvPr>
@@ -5911,92 +5864,21 @@
             <p:ph idx="1"/>
           </p:nvPr>
         </p:nvSpPr>
-        <p:spPr>
-          <a:xfrm>
-            <a:off x="266700" y="1853754"/>
-            <a:ext cx="7380663" cy="4331146"/>
-          </a:xfrm>
-        </p:spPr>
-        <p:txBody>
-          <a:bodyPr>
-            <a:normAutofit lnSpcReduction="10000"/>
-          </a:bodyPr>
-          <a:lstStyle/>
-          <a:p>
-            <a:r>
-              <a:rPr lang="en-CA" sz="2400" dirty="0"/>
-              <a:t>Activation functions “squish” the linear combination in a neuron into an output. </a:t>
-            </a:r>
-          </a:p>
-          <a:p>
-            <a:r>
-              <a:rPr lang="en-CA" sz="2400" dirty="0"/>
-              <a:t>Assign per layer in a a parameter in </a:t>
-            </a:r>
-            <a:r>
-              <a:rPr lang="en-CA" sz="2400" dirty="0" err="1"/>
-              <a:t>keras</a:t>
-            </a:r>
-            <a:r>
-              <a:rPr lang="en-CA" sz="2400" dirty="0"/>
-              <a:t>. </a:t>
-            </a:r>
-          </a:p>
-          <a:p>
-            <a:r>
-              <a:rPr lang="en-CA" sz="2400" dirty="0"/>
-              <a:t>Typically use defaults/variants per layer/model type. </a:t>
-            </a:r>
-          </a:p>
-          <a:p>
-            <a:r>
-              <a:rPr lang="en-CA" sz="2400" dirty="0"/>
-              <a:t>They provide non-linearity that neural networks need. </a:t>
-            </a:r>
-          </a:p>
-          <a:p>
-            <a:pPr lvl="1"/>
-            <a:r>
-              <a:rPr lang="en-CA" sz="2000" dirty="0"/>
-              <a:t>No activation function = giant, complex, linear regression. </a:t>
-            </a:r>
-          </a:p>
-          <a:p>
-            <a:r>
-              <a:rPr lang="en-CA" sz="2400" dirty="0" err="1"/>
-              <a:t>ReLU</a:t>
-            </a:r>
-            <a:r>
-              <a:rPr lang="en-CA" sz="2400" dirty="0"/>
-              <a:t> – Rectified Linear Unit has been our default. </a:t>
-            </a:r>
-          </a:p>
-          <a:p>
-            <a:pPr lvl="1"/>
-            <a:r>
-              <a:rPr lang="en-CA" sz="2000" dirty="0"/>
-              <a:t>Efficient computations, converges quickly in most cases.  </a:t>
-            </a:r>
-          </a:p>
-          <a:p>
-            <a:pPr lvl="1"/>
-            <a:r>
-              <a:rPr lang="en-CA" sz="2000" dirty="0"/>
-              <a:t>Acts as a trigger – suppresses negative inputs, passes positive.</a:t>
-            </a:r>
-          </a:p>
-          <a:p>
-            <a:pPr lvl="1"/>
-            <a:endParaRPr lang="LID4096" sz="2000"/>
+        <p:spPr/>
+        <p:txBody>
+          <a:bodyPr/>
+          <a:lstStyle/>
+          <a:p>
+            <a:endParaRPr lang="en-US"/>
           </a:p>
         </p:txBody>
       </p:sp>
       <p:pic>
         <p:nvPicPr>
-          <p:cNvPr id="3074" name="Picture 2" descr="ReLU activation function | Download Scientific Diagram">
+          <p:cNvPr id="2050" name="Picture 2" descr="Activation Functions in Neural Networks | by Faseeh Ur Rehman | Medium">
             <a:extLst>
               <a:ext uri="{FF2B5EF4-FFF2-40B4-BE49-F238E27FC236}">
-                <a16:creationId xmlns:a16="http://schemas.microsoft.com/office/drawing/2014/main" id="{E7C9D5E8-0E5D-8E4F-A19A-AEB80452F3B6}"/>
+                <a16:creationId xmlns:a16="http://schemas.microsoft.com/office/drawing/2014/main" id="{0E6D0D26-280A-271E-0388-76218952B207}"/>
               </a:ext>
             </a:extLst>
           </p:cNvPr>
@@ -6013,14 +5895,15 @@
               </a:ext>
             </a:extLst>
           </a:blip>
+          <a:srcRect/>
           <a:stretch>
             <a:fillRect/>
           </a:stretch>
         </p:blipFill>
         <p:spPr bwMode="auto">
           <a:xfrm>
-            <a:off x="8128756" y="2237191"/>
-            <a:ext cx="4063244" cy="3532596"/>
+            <a:off x="2053221" y="1853754"/>
+            <a:ext cx="8399990" cy="4842268"/>
           </a:xfrm>
           <a:prstGeom prst="rect">
             <a:avLst/>
@@ -6040,7 +5923,7 @@
     </p:spTree>
     <p:extLst>
       <p:ext uri="{BB962C8B-B14F-4D97-AF65-F5344CB8AC3E}">
-        <p14:creationId xmlns:p14="http://schemas.microsoft.com/office/powerpoint/2010/main" val="1393217473"/>
+        <p14:creationId xmlns:p14="http://schemas.microsoft.com/office/powerpoint/2010/main" val="3200437838"/>
       </p:ext>
     </p:extLst>
   </p:cSld>
@@ -6096,7 +5979,7 @@
           <p:cNvPr id="2" name="Title 1">
             <a:extLst>
               <a:ext uri="{FF2B5EF4-FFF2-40B4-BE49-F238E27FC236}">
-                <a16:creationId xmlns:a16="http://schemas.microsoft.com/office/drawing/2014/main" id="{B84EE14E-690A-82ED-BE86-623C5E683DA4}"/>
+                <a16:creationId xmlns:a16="http://schemas.microsoft.com/office/drawing/2014/main" id="{0082CAF9-B4E1-4729-88E5-0D11190C387F}"/>
               </a:ext>
             </a:extLst>
           </p:cNvPr>
@@ -6120,9 +6003,10 @@
           <a:lstStyle/>
           <a:p>
             <a:r>
-              <a:rPr lang="en-US" dirty="0"/>
-              <a:t>Vanishing Gradients</a:t>
-            </a:r>
+              <a:rPr lang="en-CA" dirty="0"/>
+              <a:t>Activation Functions (Hidden Layers)</a:t>
+            </a:r>
+            <a:endParaRPr lang="LID4096" dirty="0"/>
           </a:p>
         </p:txBody>
       </p:sp>
@@ -6131,7 +6015,7 @@
           <p:cNvPr id="3" name="Content Placeholder 2">
             <a:extLst>
               <a:ext uri="{FF2B5EF4-FFF2-40B4-BE49-F238E27FC236}">
-                <a16:creationId xmlns:a16="http://schemas.microsoft.com/office/drawing/2014/main" id="{97B86E47-D960-F541-FC0B-79C8E24010DE}"/>
+                <a16:creationId xmlns:a16="http://schemas.microsoft.com/office/drawing/2014/main" id="{28019EF6-C3D4-4F7E-9535-A7B288B5931C}"/>
               </a:ext>
             </a:extLst>
           </p:cNvPr>
@@ -6144,130 +6028,90 @@
         </p:nvSpPr>
         <p:spPr>
           <a:xfrm>
-            <a:off x="0" y="1853752"/>
-            <a:ext cx="6792685" cy="4199729"/>
+            <a:off x="266700" y="1853754"/>
+            <a:ext cx="7380663" cy="4331146"/>
           </a:xfrm>
         </p:spPr>
         <p:txBody>
           <a:bodyPr>
-            <a:normAutofit fontScale="92500" lnSpcReduction="10000"/>
+            <a:normAutofit lnSpcReduction="10000"/>
           </a:bodyPr>
           <a:lstStyle/>
           <a:p>
-            <a:pPr>
-              <a:lnSpc>
-                <a:spcPct val="110000"/>
-              </a:lnSpc>
-            </a:pPr>
-            <a:r>
-              <a:rPr lang="en-US" dirty="0"/>
-              <a:t>Recall – gradient descent attributes error to different weights using the gradient (slope of the cost cure </a:t>
-            </a:r>
-            <a:r>
-              <a:rPr lang="en-US" dirty="0" err="1"/>
-              <a:t>w.r.t.</a:t>
-            </a:r>
-            <a:r>
-              <a:rPr lang="en-US" dirty="0"/>
-              <a:t> that weight). </a:t>
-            </a:r>
-          </a:p>
-          <a:p>
-            <a:pPr>
-              <a:lnSpc>
-                <a:spcPct val="110000"/>
-              </a:lnSpc>
-            </a:pPr>
-            <a:r>
-              <a:rPr lang="en-US" dirty="0"/>
-              <a:t>Recall some neural network training facts:</a:t>
-            </a:r>
-          </a:p>
-          <a:p>
-            <a:pPr lvl="1">
-              <a:lnSpc>
-                <a:spcPct val="110000"/>
-              </a:lnSpc>
-            </a:pPr>
-            <a:r>
-              <a:rPr lang="en-US" dirty="0"/>
-              <a:t>They have many weights. </a:t>
-            </a:r>
-          </a:p>
-          <a:p>
-            <a:pPr lvl="1">
-              <a:lnSpc>
-                <a:spcPct val="110000"/>
-              </a:lnSpc>
-            </a:pPr>
-            <a:r>
-              <a:rPr lang="en-US" dirty="0"/>
-              <a:t>Propagate loss back through all layers, and there can be many. </a:t>
-            </a:r>
-          </a:p>
-          <a:p>
-            <a:pPr lvl="1">
-              <a:lnSpc>
-                <a:spcPct val="110000"/>
-              </a:lnSpc>
-            </a:pPr>
-            <a:r>
-              <a:rPr lang="en-US" dirty="0"/>
-              <a:t>Often train over many rounds, and get very accurate. </a:t>
-            </a:r>
-          </a:p>
-          <a:p>
-            <a:pPr>
-              <a:lnSpc>
-                <a:spcPct val="110000"/>
-              </a:lnSpc>
-            </a:pPr>
-            <a:r>
-              <a:rPr lang="en-US" dirty="0"/>
-              <a:t>We can encounter a problem that small changes to small numbers from small error split many ways yields tiny values. </a:t>
-            </a:r>
-          </a:p>
-          <a:p>
-            <a:pPr lvl="1">
-              <a:lnSpc>
-                <a:spcPct val="110000"/>
-              </a:lnSpc>
-            </a:pPr>
-            <a:r>
-              <a:rPr lang="en-US" dirty="0"/>
-              <a:t>The gradient can “vanish” if it is too small for the GD to work. </a:t>
-            </a:r>
-          </a:p>
-          <a:p>
-            <a:pPr lvl="1">
-              <a:lnSpc>
-                <a:spcPct val="110000"/>
-              </a:lnSpc>
-            </a:pPr>
-            <a:r>
-              <a:rPr lang="en-US" dirty="0"/>
-              <a:t>This can lead to ‘dead’ models, that can’t keep learning. </a:t>
-            </a:r>
-          </a:p>
-          <a:p>
-            <a:pPr>
-              <a:lnSpc>
-                <a:spcPct val="110000"/>
-              </a:lnSpc>
-            </a:pPr>
-            <a:r>
-              <a:rPr lang="en-US" dirty="0"/>
-              <a:t>Exploding gradient is opposite, more common with tanh and deep networks – things grow multiplicatively. </a:t>
-            </a:r>
+            <a:r>
+              <a:rPr lang="en-CA" sz="2400" dirty="0"/>
+              <a:t>Activation functions “squish” the linear combination in a neuron into an output. </a:t>
+            </a:r>
+          </a:p>
+          <a:p>
+            <a:r>
+              <a:rPr lang="en-CA" sz="2400" dirty="0"/>
+              <a:t>Assign per layer in a a parameter in </a:t>
+            </a:r>
+            <a:r>
+              <a:rPr lang="en-CA" sz="2400" dirty="0" err="1"/>
+              <a:t>keras</a:t>
+            </a:r>
+            <a:r>
+              <a:rPr lang="en-CA" sz="2400" dirty="0"/>
+              <a:t>. </a:t>
+            </a:r>
+          </a:p>
+          <a:p>
+            <a:r>
+              <a:rPr lang="en-CA" sz="2400" dirty="0"/>
+              <a:t>Typically use defaults/variants per layer/model type. </a:t>
+            </a:r>
+          </a:p>
+          <a:p>
+            <a:r>
+              <a:rPr lang="en-CA" sz="2400" dirty="0"/>
+              <a:t>They provide non-linearity that neural networks need. </a:t>
+            </a:r>
+          </a:p>
+          <a:p>
+            <a:pPr lvl="1"/>
+            <a:r>
+              <a:rPr lang="en-CA" sz="2000" dirty="0"/>
+              <a:t>No activation function = giant, complex, linear regression. </a:t>
+            </a:r>
+          </a:p>
+          <a:p>
+            <a:r>
+              <a:rPr lang="en-CA" sz="2400" dirty="0" err="1"/>
+              <a:t>ReLU</a:t>
+            </a:r>
+            <a:r>
+              <a:rPr lang="en-CA" sz="2400" dirty="0"/>
+              <a:t> – Rectified Linear Unit has been our default. </a:t>
+            </a:r>
+          </a:p>
+          <a:p>
+            <a:pPr lvl="1"/>
+            <a:r>
+              <a:rPr lang="en-CA" sz="2000" dirty="0"/>
+              <a:t>Efficient computations, converges quickly in most cases.  </a:t>
+            </a:r>
+          </a:p>
+          <a:p>
+            <a:pPr lvl="1"/>
+            <a:r>
+              <a:rPr lang="en-CA" sz="2000" dirty="0"/>
+              <a:t>Acts as a trigger – suppresses negative inputs, passes positive.</a:t>
+            </a:r>
+          </a:p>
+          <a:p>
+            <a:pPr lvl="1"/>
+            <a:endParaRPr lang="LID4096" sz="2000"/>
           </a:p>
         </p:txBody>
       </p:sp>
       <p:pic>
         <p:nvPicPr>
-          <p:cNvPr id="1026" name="Picture 2" descr="Vanishing and Exploding Gradients in Neural Network Models: Debugging,  Monitoring, and Fixing">
+          <p:cNvPr id="3074" name="Picture 2" descr="ReLU activation function | Download Scientific Diagram">
             <a:extLst>
               <a:ext uri="{FF2B5EF4-FFF2-40B4-BE49-F238E27FC236}">
-                <a16:creationId xmlns:a16="http://schemas.microsoft.com/office/drawing/2014/main" id="{0B1C0D94-352B-B9A4-3AB7-311DD11AC998}"/>
+                <a16:creationId xmlns:a16="http://schemas.microsoft.com/office/drawing/2014/main" id="{E7C9D5E8-0E5D-8E4F-A19A-AEB80452F3B6}"/>
               </a:ext>
             </a:extLst>
           </p:cNvPr>
@@ -6276,7 +6120,7 @@
           </p:cNvPicPr>
           <p:nvPr/>
         </p:nvPicPr>
-        <p:blipFill rotWithShape="1">
+        <p:blipFill>
           <a:blip r:embed="rId2">
             <a:extLst>
               <a:ext uri="{28A0092B-C50C-407E-A947-70E740481C1C}">
@@ -6284,13 +6128,14 @@
               </a:ext>
             </a:extLst>
           </a:blip>
-          <a:srcRect l="2545" t="3291" r="5732" b="-1"/>
-          <a:stretch/>
+          <a:stretch>
+            <a:fillRect/>
+          </a:stretch>
         </p:blipFill>
         <p:spPr bwMode="auto">
           <a:xfrm>
-            <a:off x="8704533" y="37570"/>
-            <a:ext cx="3487467" cy="2873462"/>
+            <a:off x="8128756" y="2237191"/>
+            <a:ext cx="4063244" cy="3532596"/>
           </a:xfrm>
           <a:prstGeom prst="rect">
             <a:avLst/>
@@ -6307,57 +6152,10 @@
           </a:extLst>
         </p:spPr>
       </p:pic>
-      <p:pic>
-        <p:nvPicPr>
-          <p:cNvPr id="11266" name="Picture 2" descr="Neural Network - Exponent">
-            <a:extLst>
-              <a:ext uri="{FF2B5EF4-FFF2-40B4-BE49-F238E27FC236}">
-                <a16:creationId xmlns:a16="http://schemas.microsoft.com/office/drawing/2014/main" id="{A5279CCD-97AE-28B3-1AAA-70AFF10ABB00}"/>
-              </a:ext>
-            </a:extLst>
-          </p:cNvPr>
-          <p:cNvPicPr>
-            <a:picLocks noChangeAspect="1" noChangeArrowheads="1"/>
-          </p:cNvPicPr>
-          <p:nvPr/>
-        </p:nvPicPr>
-        <p:blipFill>
-          <a:blip r:embed="rId3">
-            <a:extLst>
-              <a:ext uri="{28A0092B-C50C-407E-A947-70E740481C1C}">
-                <a14:useLocalDpi xmlns:a14="http://schemas.microsoft.com/office/drawing/2010/main" val="0"/>
-              </a:ext>
-            </a:extLst>
-          </a:blip>
-          <a:srcRect/>
-          <a:stretch>
-            <a:fillRect/>
-          </a:stretch>
-        </p:blipFill>
-        <p:spPr bwMode="auto">
-          <a:xfrm>
-            <a:off x="6354501" y="2911032"/>
-            <a:ext cx="5837499" cy="3417535"/>
-          </a:xfrm>
-          <a:prstGeom prst="rect">
-            <a:avLst/>
-          </a:prstGeom>
-          <a:noFill/>
-          <a:extLst>
-            <a:ext uri="{909E8E84-426E-40DD-AFC4-6F175D3DCCD1}">
-              <a14:hiddenFill xmlns:a14="http://schemas.microsoft.com/office/drawing/2010/main">
-                <a:solidFill>
-                  <a:srgbClr val="FFFFFF"/>
-                </a:solidFill>
-              </a14:hiddenFill>
-            </a:ext>
-          </a:extLst>
-        </p:spPr>
-      </p:pic>
     </p:spTree>
     <p:extLst>
       <p:ext uri="{BB962C8B-B14F-4D97-AF65-F5344CB8AC3E}">
-        <p14:creationId xmlns:p14="http://schemas.microsoft.com/office/powerpoint/2010/main" val="3004196100"/>
+        <p14:creationId xmlns:p14="http://schemas.microsoft.com/office/powerpoint/2010/main" val="1393217473"/>
       </p:ext>
     </p:extLst>
   </p:cSld>
@@ -6368,294 +6166,6 @@
 </file>
 
 <file path=ppt/slides/slide23.xml><?xml version="1.0" encoding="utf-8"?>
-<p:sld xmlns:a="http://schemas.openxmlformats.org/drawingml/2006/main" xmlns:r="http://schemas.openxmlformats.org/officeDocument/2006/relationships" xmlns:p="http://schemas.openxmlformats.org/presentationml/2006/main">
-  <p:cSld>
-    <p:spTree>
-      <p:nvGrpSpPr>
-        <p:cNvPr id="1" name=""/>
-        <p:cNvGrpSpPr/>
-        <p:nvPr/>
-      </p:nvGrpSpPr>
-      <p:grpSpPr>
-        <a:xfrm>
-          <a:off x="0" y="0"/>
-          <a:ext cx="0" cy="0"/>
-          <a:chOff x="0" y="0"/>
-          <a:chExt cx="0" cy="0"/>
-        </a:xfrm>
-      </p:grpSpPr>
-      <p:sp>
-        <p:nvSpPr>
-          <p:cNvPr id="2" name="Title 1">
-            <a:extLst>
-              <a:ext uri="{FF2B5EF4-FFF2-40B4-BE49-F238E27FC236}">
-                <a16:creationId xmlns:a16="http://schemas.microsoft.com/office/drawing/2014/main" id="{F717414F-7377-6242-8523-2FD9689DAFAD}"/>
-              </a:ext>
-            </a:extLst>
-          </p:cNvPr>
-          <p:cNvSpPr>
-            <a:spLocks noGrp="1"/>
-          </p:cNvSpPr>
-          <p:nvPr>
-            <p:ph type="title"/>
-          </p:nvPr>
-        </p:nvSpPr>
-        <p:spPr/>
-        <p:txBody>
-          <a:bodyPr/>
-          <a:lstStyle/>
-          <a:p>
-            <a:r>
-              <a:rPr lang="en-US" dirty="0"/>
-              <a:t>Dying </a:t>
-            </a:r>
-            <a:r>
-              <a:rPr lang="en-US" dirty="0" err="1"/>
-              <a:t>relu</a:t>
-            </a:r>
-            <a:r>
-              <a:rPr lang="en-US" dirty="0"/>
-              <a:t> - Weight Updates</a:t>
-            </a:r>
-          </a:p>
-        </p:txBody>
-      </p:sp>
-      <p:sp>
-        <p:nvSpPr>
-          <p:cNvPr id="3" name="Content Placeholder 2">
-            <a:extLst>
-              <a:ext uri="{FF2B5EF4-FFF2-40B4-BE49-F238E27FC236}">
-                <a16:creationId xmlns:a16="http://schemas.microsoft.com/office/drawing/2014/main" id="{F0477A05-C767-02A8-870B-D9A48494471E}"/>
-              </a:ext>
-            </a:extLst>
-          </p:cNvPr>
-          <p:cNvSpPr>
-            <a:spLocks noGrp="1"/>
-          </p:cNvSpPr>
-          <p:nvPr>
-            <p:ph idx="1"/>
-          </p:nvPr>
-        </p:nvSpPr>
-        <p:spPr>
-          <a:xfrm>
-            <a:off x="7772400" y="2129742"/>
-            <a:ext cx="4419600" cy="3923739"/>
-          </a:xfrm>
-        </p:spPr>
-        <p:txBody>
-          <a:bodyPr>
-            <a:normAutofit/>
-          </a:bodyPr>
-          <a:lstStyle/>
-          <a:p>
-            <a:r>
-              <a:rPr lang="en-US" dirty="0" err="1"/>
-              <a:t>Relu</a:t>
-            </a:r>
-            <a:r>
-              <a:rPr lang="en-US" dirty="0"/>
-              <a:t> can suffer from ‘dying </a:t>
-            </a:r>
-            <a:r>
-              <a:rPr lang="en-US" dirty="0" err="1"/>
-              <a:t>relu</a:t>
-            </a:r>
-            <a:r>
-              <a:rPr lang="en-US" dirty="0"/>
-              <a:t>’. </a:t>
-            </a:r>
-          </a:p>
-          <a:p>
-            <a:r>
-              <a:rPr lang="en-US" dirty="0"/>
-              <a:t>It is less prone to this than others, that’s a strength. </a:t>
-            </a:r>
-          </a:p>
-          <a:p>
-            <a:r>
-              <a:rPr lang="en-US" dirty="0"/>
-              <a:t>Negative inputs yield 0 gradient</a:t>
-            </a:r>
-          </a:p>
-          <a:p>
-            <a:r>
-              <a:rPr lang="en-US" dirty="0"/>
-              <a:t>0 times anything is always 0. </a:t>
-            </a:r>
-          </a:p>
-          <a:p>
-            <a:r>
-              <a:rPr lang="en-US" dirty="0"/>
-              <a:t>If this happens for all inputs, the neuron may ‘die’, or become unable to ever ‘escape’. </a:t>
-            </a:r>
-          </a:p>
-        </p:txBody>
-      </p:sp>
-      <p:pic>
-        <p:nvPicPr>
-          <p:cNvPr id="4" name="Picture 3">
-            <a:extLst>
-              <a:ext uri="{FF2B5EF4-FFF2-40B4-BE49-F238E27FC236}">
-                <a16:creationId xmlns:a16="http://schemas.microsoft.com/office/drawing/2014/main" id="{1B5DD798-256E-60B2-E874-5AF3DAC6E4FC}"/>
-              </a:ext>
-            </a:extLst>
-          </p:cNvPr>
-          <p:cNvPicPr>
-            <a:picLocks noChangeAspect="1"/>
-          </p:cNvPicPr>
-          <p:nvPr/>
-        </p:nvPicPr>
-        <p:blipFill>
-          <a:blip r:embed="rId2"/>
-          <a:stretch>
-            <a:fillRect/>
-          </a:stretch>
-        </p:blipFill>
-        <p:spPr>
-          <a:xfrm>
-            <a:off x="0" y="2345917"/>
-            <a:ext cx="7772400" cy="3215400"/>
-          </a:xfrm>
-          <a:prstGeom prst="rect">
-            <a:avLst/>
-          </a:prstGeom>
-        </p:spPr>
-      </p:pic>
-    </p:spTree>
-    <p:extLst>
-      <p:ext uri="{BB962C8B-B14F-4D97-AF65-F5344CB8AC3E}">
-        <p14:creationId xmlns:p14="http://schemas.microsoft.com/office/powerpoint/2010/main" val="2324801087"/>
-      </p:ext>
-    </p:extLst>
-  </p:cSld>
-  <p:clrMapOvr>
-    <a:masterClrMapping/>
-  </p:clrMapOvr>
-</p:sld>
-</file>
-
-<file path=ppt/slides/slide24.xml><?xml version="1.0" encoding="utf-8"?>
-<p:sld xmlns:a="http://schemas.openxmlformats.org/drawingml/2006/main" xmlns:r="http://schemas.openxmlformats.org/officeDocument/2006/relationships" xmlns:p="http://schemas.openxmlformats.org/presentationml/2006/main">
-  <p:cSld>
-    <p:spTree>
-      <p:nvGrpSpPr>
-        <p:cNvPr id="1" name=""/>
-        <p:cNvGrpSpPr/>
-        <p:nvPr/>
-      </p:nvGrpSpPr>
-      <p:grpSpPr>
-        <a:xfrm>
-          <a:off x="0" y="0"/>
-          <a:ext cx="0" cy="0"/>
-          <a:chOff x="0" y="0"/>
-          <a:chExt cx="0" cy="0"/>
-        </a:xfrm>
-      </p:grpSpPr>
-      <p:sp>
-        <p:nvSpPr>
-          <p:cNvPr id="2" name="Title 1">
-            <a:extLst>
-              <a:ext uri="{FF2B5EF4-FFF2-40B4-BE49-F238E27FC236}">
-                <a16:creationId xmlns:a16="http://schemas.microsoft.com/office/drawing/2014/main" id="{F08B606A-6EBE-34A0-F1C2-6B3112E64BD0}"/>
-              </a:ext>
-            </a:extLst>
-          </p:cNvPr>
-          <p:cNvSpPr>
-            <a:spLocks noGrp="1"/>
-          </p:cNvSpPr>
-          <p:nvPr>
-            <p:ph type="title"/>
-          </p:nvPr>
-        </p:nvSpPr>
-        <p:spPr/>
-        <p:txBody>
-          <a:bodyPr/>
-          <a:lstStyle/>
-          <a:p>
-            <a:r>
-              <a:rPr lang="en-US" dirty="0"/>
-              <a:t>Keeping Gradients Graded</a:t>
-            </a:r>
-          </a:p>
-        </p:txBody>
-      </p:sp>
-      <p:sp>
-        <p:nvSpPr>
-          <p:cNvPr id="3" name="Content Placeholder 2">
-            <a:extLst>
-              <a:ext uri="{FF2B5EF4-FFF2-40B4-BE49-F238E27FC236}">
-                <a16:creationId xmlns:a16="http://schemas.microsoft.com/office/drawing/2014/main" id="{8944A8BE-5490-F52E-ADC1-D81B54680EEC}"/>
-              </a:ext>
-            </a:extLst>
-          </p:cNvPr>
-          <p:cNvSpPr>
-            <a:spLocks noGrp="1"/>
-          </p:cNvSpPr>
-          <p:nvPr>
-            <p:ph idx="1"/>
-          </p:nvPr>
-        </p:nvSpPr>
-        <p:spPr/>
-        <p:txBody>
-          <a:bodyPr/>
-          <a:lstStyle/>
-          <a:p>
-            <a:r>
-              <a:rPr lang="en-US" dirty="0"/>
-              <a:t>These issues would be seen in loss as the model stopping learning. </a:t>
-            </a:r>
-          </a:p>
-          <a:p>
-            <a:pPr lvl="1"/>
-            <a:r>
-              <a:rPr lang="en-US" dirty="0"/>
-              <a:t>This definitely isn’t the only reason!</a:t>
-            </a:r>
-          </a:p>
-          <a:p>
-            <a:r>
-              <a:rPr lang="en-US" dirty="0"/>
-              <a:t>There are several things that can combat this problem. </a:t>
-            </a:r>
-          </a:p>
-          <a:p>
-            <a:pPr lvl="1"/>
-            <a:r>
-              <a:rPr lang="en-US" dirty="0"/>
-              <a:t>Activation functions – the sigmoid gradients can flatten more than others, tanh can explode, </a:t>
-            </a:r>
-            <a:r>
-              <a:rPr lang="en-US" dirty="0" err="1"/>
-              <a:t>relu</a:t>
-            </a:r>
-            <a:r>
-              <a:rPr lang="en-US" dirty="0"/>
-              <a:t> can die. </a:t>
-            </a:r>
-          </a:p>
-          <a:p>
-            <a:pPr lvl="1"/>
-            <a:r>
-              <a:rPr lang="en-US" dirty="0"/>
-              <a:t>Batch normalization. </a:t>
-            </a:r>
-          </a:p>
-        </p:txBody>
-      </p:sp>
-    </p:spTree>
-    <p:extLst>
-      <p:ext uri="{BB962C8B-B14F-4D97-AF65-F5344CB8AC3E}">
-        <p14:creationId xmlns:p14="http://schemas.microsoft.com/office/powerpoint/2010/main" val="4024298218"/>
-      </p:ext>
-    </p:extLst>
-  </p:cSld>
-  <p:clrMapOvr>
-    <a:masterClrMapping/>
-  </p:clrMapOvr>
-</p:sld>
-</file>
-
-<file path=ppt/slides/slide25.xml><?xml version="1.0" encoding="utf-8"?>
 <p:sld xmlns:a="http://schemas.openxmlformats.org/drawingml/2006/main" xmlns:r="http://schemas.openxmlformats.org/officeDocument/2006/relationships" xmlns:p="http://schemas.openxmlformats.org/presentationml/2006/main">
   <p:cSld>
     <p:bg>
@@ -6701,7 +6211,7 @@
           <p:cNvPr id="2" name="Title 1">
             <a:extLst>
               <a:ext uri="{FF2B5EF4-FFF2-40B4-BE49-F238E27FC236}">
-                <a16:creationId xmlns:a16="http://schemas.microsoft.com/office/drawing/2014/main" id="{545C478D-17F9-E44C-A19C-72ECD4713630}"/>
+                <a16:creationId xmlns:a16="http://schemas.microsoft.com/office/drawing/2014/main" id="{B84EE14E-690A-82ED-BE86-623C5E683DA4}"/>
               </a:ext>
             </a:extLst>
           </p:cNvPr>
@@ -6726,25 +6236,153 @@
           <a:p>
             <a:r>
               <a:rPr lang="en-US" dirty="0"/>
-              <a:t>Activation Functions – </a:t>
+              <a:t>Vanishing Gradients</a:t>
+            </a:r>
+          </a:p>
+        </p:txBody>
+      </p:sp>
+      <p:sp>
+        <p:nvSpPr>
+          <p:cNvPr id="3" name="Content Placeholder 2">
+            <a:extLst>
+              <a:ext uri="{FF2B5EF4-FFF2-40B4-BE49-F238E27FC236}">
+                <a16:creationId xmlns:a16="http://schemas.microsoft.com/office/drawing/2014/main" id="{97B86E47-D960-F541-FC0B-79C8E24010DE}"/>
+              </a:ext>
+            </a:extLst>
+          </p:cNvPr>
+          <p:cNvSpPr>
+            <a:spLocks noGrp="1"/>
+          </p:cNvSpPr>
+          <p:nvPr>
+            <p:ph idx="1"/>
+          </p:nvPr>
+        </p:nvSpPr>
+        <p:spPr>
+          <a:xfrm>
+            <a:off x="0" y="1853752"/>
+            <a:ext cx="6792685" cy="4199729"/>
+          </a:xfrm>
+        </p:spPr>
+        <p:txBody>
+          <a:bodyPr>
+            <a:normAutofit fontScale="92500" lnSpcReduction="10000"/>
+          </a:bodyPr>
+          <a:lstStyle/>
+          <a:p>
+            <a:pPr>
+              <a:lnSpc>
+                <a:spcPct val="110000"/>
+              </a:lnSpc>
+            </a:pPr>
+            <a:r>
+              <a:rPr lang="en-US" dirty="0"/>
+              <a:t>Recall – gradient descent attributes error to different weights using the gradient (slope of the cost cure </a:t>
             </a:r>
             <a:r>
               <a:rPr lang="en-US" dirty="0" err="1"/>
-              <a:t>Relu</a:t>
-            </a:r>
-            <a:r>
-              <a:rPr lang="en-US" dirty="0"/>
-              <a:t> Variations</a:t>
+              <a:t>w.r.t.</a:t>
+            </a:r>
+            <a:r>
+              <a:rPr lang="en-US" dirty="0"/>
+              <a:t> that weight). </a:t>
+            </a:r>
+          </a:p>
+          <a:p>
+            <a:pPr>
+              <a:lnSpc>
+                <a:spcPct val="110000"/>
+              </a:lnSpc>
+            </a:pPr>
+            <a:r>
+              <a:rPr lang="en-US" dirty="0"/>
+              <a:t>Recall some neural network training facts:</a:t>
+            </a:r>
+          </a:p>
+          <a:p>
+            <a:pPr lvl="1">
+              <a:lnSpc>
+                <a:spcPct val="110000"/>
+              </a:lnSpc>
+            </a:pPr>
+            <a:r>
+              <a:rPr lang="en-US" dirty="0"/>
+              <a:t>They have many weights. </a:t>
+            </a:r>
+          </a:p>
+          <a:p>
+            <a:pPr lvl="1">
+              <a:lnSpc>
+                <a:spcPct val="110000"/>
+              </a:lnSpc>
+            </a:pPr>
+            <a:r>
+              <a:rPr lang="en-US" dirty="0"/>
+              <a:t>Propagate loss back through all layers, and there can be many. </a:t>
+            </a:r>
+          </a:p>
+          <a:p>
+            <a:pPr lvl="1">
+              <a:lnSpc>
+                <a:spcPct val="110000"/>
+              </a:lnSpc>
+            </a:pPr>
+            <a:r>
+              <a:rPr lang="en-US" dirty="0"/>
+              <a:t>Often train over many rounds, and get very accurate. </a:t>
+            </a:r>
+          </a:p>
+          <a:p>
+            <a:pPr>
+              <a:lnSpc>
+                <a:spcPct val="110000"/>
+              </a:lnSpc>
+            </a:pPr>
+            <a:r>
+              <a:rPr lang="en-US" dirty="0"/>
+              <a:t>We can encounter a problem that small changes to small numbers from small error split many ways yields tiny values. </a:t>
+            </a:r>
+          </a:p>
+          <a:p>
+            <a:pPr lvl="1">
+              <a:lnSpc>
+                <a:spcPct val="110000"/>
+              </a:lnSpc>
+            </a:pPr>
+            <a:r>
+              <a:rPr lang="en-US" dirty="0"/>
+              <a:t>The gradient can “vanish” if it is too small for the GD to work. </a:t>
+            </a:r>
+          </a:p>
+          <a:p>
+            <a:pPr lvl="1">
+              <a:lnSpc>
+                <a:spcPct val="110000"/>
+              </a:lnSpc>
+            </a:pPr>
+            <a:r>
+              <a:rPr lang="en-US" dirty="0"/>
+              <a:t>This can lead to ‘dead’ models, that can’t keep learning. </a:t>
+            </a:r>
+          </a:p>
+          <a:p>
+            <a:pPr>
+              <a:lnSpc>
+                <a:spcPct val="110000"/>
+              </a:lnSpc>
+            </a:pPr>
+            <a:r>
+              <a:rPr lang="en-US" dirty="0"/>
+              <a:t>Exploding gradient is opposite, more common with tanh and deep networks – things grow multiplicatively. </a:t>
             </a:r>
           </a:p>
         </p:txBody>
       </p:sp>
       <p:pic>
         <p:nvPicPr>
-          <p:cNvPr id="4098" name="Picture 2" descr="8: Illustration of output of ELU vs ReLU vs Leaky ReLU function with... |  Download Scientific Diagram">
+          <p:cNvPr id="1026" name="Picture 2" descr="Vanishing and Exploding Gradients in Neural Network Models: Debugging,  Monitoring, and Fixing">
             <a:extLst>
               <a:ext uri="{FF2B5EF4-FFF2-40B4-BE49-F238E27FC236}">
-                <a16:creationId xmlns:a16="http://schemas.microsoft.com/office/drawing/2014/main" id="{28167D23-766C-0F49-9CF6-84F2EA8D7EC2}"/>
+                <a16:creationId xmlns:a16="http://schemas.microsoft.com/office/drawing/2014/main" id="{0B1C0D94-352B-B9A4-3AB7-311DD11AC998}"/>
               </a:ext>
             </a:extLst>
           </p:cNvPr>
@@ -6761,13 +6399,13 @@
               </a:ext>
             </a:extLst>
           </a:blip>
-          <a:srcRect l="11058" r="6709"/>
+          <a:srcRect l="2545" t="3291" r="5732" b="-1"/>
           <a:stretch/>
         </p:blipFill>
         <p:spPr bwMode="auto">
           <a:xfrm>
-            <a:off x="0" y="1853754"/>
-            <a:ext cx="4610638" cy="4199727"/>
+            <a:off x="8704533" y="37570"/>
+            <a:ext cx="3487467" cy="2873462"/>
           </a:xfrm>
           <a:prstGeom prst="rect">
             <a:avLst/>
@@ -6784,12 +6422,125 @@
           </a:extLst>
         </p:spPr>
       </p:pic>
+      <p:pic>
+        <p:nvPicPr>
+          <p:cNvPr id="11266" name="Picture 2" descr="Neural Network - Exponent">
+            <a:extLst>
+              <a:ext uri="{FF2B5EF4-FFF2-40B4-BE49-F238E27FC236}">
+                <a16:creationId xmlns:a16="http://schemas.microsoft.com/office/drawing/2014/main" id="{A5279CCD-97AE-28B3-1AAA-70AFF10ABB00}"/>
+              </a:ext>
+            </a:extLst>
+          </p:cNvPr>
+          <p:cNvPicPr>
+            <a:picLocks noChangeAspect="1" noChangeArrowheads="1"/>
+          </p:cNvPicPr>
+          <p:nvPr/>
+        </p:nvPicPr>
+        <p:blipFill>
+          <a:blip r:embed="rId3">
+            <a:extLst>
+              <a:ext uri="{28A0092B-C50C-407E-A947-70E740481C1C}">
+                <a14:useLocalDpi xmlns:a14="http://schemas.microsoft.com/office/drawing/2010/main" val="0"/>
+              </a:ext>
+            </a:extLst>
+          </a:blip>
+          <a:srcRect/>
+          <a:stretch>
+            <a:fillRect/>
+          </a:stretch>
+        </p:blipFill>
+        <p:spPr bwMode="auto">
+          <a:xfrm>
+            <a:off x="6354501" y="2911032"/>
+            <a:ext cx="5837499" cy="3417535"/>
+          </a:xfrm>
+          <a:prstGeom prst="rect">
+            <a:avLst/>
+          </a:prstGeom>
+          <a:noFill/>
+          <a:extLst>
+            <a:ext uri="{909E8E84-426E-40DD-AFC4-6F175D3DCCD1}">
+              <a14:hiddenFill xmlns:a14="http://schemas.microsoft.com/office/drawing/2010/main">
+                <a:solidFill>
+                  <a:srgbClr val="FFFFFF"/>
+                </a:solidFill>
+              </a14:hiddenFill>
+            </a:ext>
+          </a:extLst>
+        </p:spPr>
+      </p:pic>
+    </p:spTree>
+    <p:extLst>
+      <p:ext uri="{BB962C8B-B14F-4D97-AF65-F5344CB8AC3E}">
+        <p14:creationId xmlns:p14="http://schemas.microsoft.com/office/powerpoint/2010/main" val="3004196100"/>
+      </p:ext>
+    </p:extLst>
+  </p:cSld>
+  <p:clrMapOvr>
+    <a:masterClrMapping/>
+  </p:clrMapOvr>
+</p:sld>
+</file>
+
+<file path=ppt/slides/slide24.xml><?xml version="1.0" encoding="utf-8"?>
+<p:sld xmlns:a="http://schemas.openxmlformats.org/drawingml/2006/main" xmlns:r="http://schemas.openxmlformats.org/officeDocument/2006/relationships" xmlns:p="http://schemas.openxmlformats.org/presentationml/2006/main">
+  <p:cSld>
+    <p:spTree>
+      <p:nvGrpSpPr>
+        <p:cNvPr id="1" name=""/>
+        <p:cNvGrpSpPr/>
+        <p:nvPr/>
+      </p:nvGrpSpPr>
+      <p:grpSpPr>
+        <a:xfrm>
+          <a:off x="0" y="0"/>
+          <a:ext cx="0" cy="0"/>
+          <a:chOff x="0" y="0"/>
+          <a:chExt cx="0" cy="0"/>
+        </a:xfrm>
+      </p:grpSpPr>
+      <p:sp>
+        <p:nvSpPr>
+          <p:cNvPr id="2" name="Title 1">
+            <a:extLst>
+              <a:ext uri="{FF2B5EF4-FFF2-40B4-BE49-F238E27FC236}">
+                <a16:creationId xmlns:a16="http://schemas.microsoft.com/office/drawing/2014/main" id="{F717414F-7377-6242-8523-2FD9689DAFAD}"/>
+              </a:ext>
+            </a:extLst>
+          </p:cNvPr>
+          <p:cNvSpPr>
+            <a:spLocks noGrp="1"/>
+          </p:cNvSpPr>
+          <p:nvPr>
+            <p:ph type="title"/>
+          </p:nvPr>
+        </p:nvSpPr>
+        <p:spPr/>
+        <p:txBody>
+          <a:bodyPr/>
+          <a:lstStyle/>
+          <a:p>
+            <a:r>
+              <a:rPr lang="en-US" dirty="0"/>
+              <a:t>Dying </a:t>
+            </a:r>
+            <a:r>
+              <a:rPr lang="en-US" dirty="0" err="1"/>
+              <a:t>relu</a:t>
+            </a:r>
+            <a:r>
+              <a:rPr lang="en-US" dirty="0"/>
+              <a:t> - Weight Updates</a:t>
+            </a:r>
+          </a:p>
+        </p:txBody>
+      </p:sp>
       <p:sp>
         <p:nvSpPr>
           <p:cNvPr id="3" name="Content Placeholder 2">
             <a:extLst>
               <a:ext uri="{FF2B5EF4-FFF2-40B4-BE49-F238E27FC236}">
-                <a16:creationId xmlns:a16="http://schemas.microsoft.com/office/drawing/2014/main" id="{0E5CABA0-1113-1546-ABF6-995CA6EE2352}"/>
+                <a16:creationId xmlns:a16="http://schemas.microsoft.com/office/drawing/2014/main" id="{F0477A05-C767-02A8-870B-D9A48494471E}"/>
               </a:ext>
             </a:extLst>
           </p:cNvPr>
@@ -6802,8 +6553,8 @@
         </p:nvSpPr>
         <p:spPr>
           <a:xfrm>
-            <a:off x="4606746" y="1853754"/>
-            <a:ext cx="7585254" cy="4280828"/>
+            <a:off x="7772400" y="2129742"/>
+            <a:ext cx="4419600" cy="3923739"/>
           </a:xfrm>
         </p:spPr>
         <p:txBody>
@@ -6813,97 +6564,203 @@
           <a:lstStyle/>
           <a:p>
             <a:r>
-              <a:rPr lang="en-US" dirty="0"/>
-              <a:t>To address those issues with </a:t>
-            </a:r>
-            <a:r>
               <a:rPr lang="en-US" dirty="0" err="1"/>
-              <a:t>ReLU</a:t>
-            </a:r>
-            <a:r>
-              <a:rPr lang="en-US" dirty="0"/>
-              <a:t>, alternatives were created:</a:t>
-            </a:r>
-          </a:p>
-          <a:p>
-            <a:pPr lvl="1"/>
-            <a:r>
-              <a:rPr lang="en-US" dirty="0"/>
-              <a:t>Notably – Leaky </a:t>
+              <a:t>Relu</a:t>
+            </a:r>
+            <a:r>
+              <a:rPr lang="en-US" dirty="0"/>
+              <a:t> can suffer from ‘dying </a:t>
             </a:r>
             <a:r>
               <a:rPr lang="en-US" dirty="0" err="1"/>
-              <a:t>ReLU</a:t>
-            </a:r>
-            <a:r>
-              <a:rPr lang="en-US" dirty="0"/>
-              <a:t> and ELU (exponential linear). </a:t>
-            </a:r>
-          </a:p>
-          <a:p>
-            <a:r>
-              <a:rPr lang="en-US" dirty="0"/>
-              <a:t>Each removes that 0-value range of the derivative. </a:t>
-            </a:r>
-          </a:p>
-          <a:p>
-            <a:pPr lvl="1"/>
-            <a:r>
-              <a:rPr lang="en-US" dirty="0"/>
-              <a:t>Removes the Dying </a:t>
-            </a:r>
-            <a:r>
-              <a:rPr lang="en-US" dirty="0" err="1"/>
-              <a:t>ReLU</a:t>
-            </a:r>
-            <a:r>
-              <a:rPr lang="en-US" dirty="0"/>
-              <a:t> issue, so gradients don’t vanish as much. </a:t>
-            </a:r>
-          </a:p>
-          <a:p>
-            <a:pPr lvl="1"/>
-            <a:r>
-              <a:rPr lang="en-US" dirty="0"/>
-              <a:t>Can help speed training, or even allow convergence at all. </a:t>
-            </a:r>
-          </a:p>
-          <a:p>
-            <a:r>
-              <a:rPr lang="en-US" dirty="0" err="1"/>
-              <a:t>ReLU</a:t>
-            </a:r>
-            <a:r>
-              <a:rPr lang="en-US" dirty="0"/>
-              <a:t> or a variation on it are our defaults, and normally good. </a:t>
-            </a:r>
-          </a:p>
-          <a:p>
-            <a:r>
-              <a:rPr lang="en-US" dirty="0"/>
-              <a:t>If using </a:t>
-            </a:r>
-            <a:r>
-              <a:rPr lang="en-US" dirty="0" err="1"/>
-              <a:t>ReLU</a:t>
-            </a:r>
-            <a:r>
-              <a:rPr lang="en-US" dirty="0"/>
-              <a:t> – reducing LR can also combat the dying issue. </a:t>
-            </a:r>
-          </a:p>
-          <a:p>
-            <a:r>
-              <a:rPr lang="en-US" dirty="0"/>
-              <a:t>Note – this isn’t the most likely thing to be a massive issue, the case specific defaults tend to perform well most of the type. </a:t>
-            </a:r>
-          </a:p>
-        </p:txBody>
-      </p:sp>
+              <a:t>relu</a:t>
+            </a:r>
+            <a:r>
+              <a:rPr lang="en-US" dirty="0"/>
+              <a:t>’. </a:t>
+            </a:r>
+          </a:p>
+          <a:p>
+            <a:r>
+              <a:rPr lang="en-US" dirty="0"/>
+              <a:t>It is less prone to this than others, that’s a strength. </a:t>
+            </a:r>
+          </a:p>
+          <a:p>
+            <a:r>
+              <a:rPr lang="en-US" dirty="0"/>
+              <a:t>Negative inputs yield 0 gradient</a:t>
+            </a:r>
+          </a:p>
+          <a:p>
+            <a:r>
+              <a:rPr lang="en-US" dirty="0"/>
+              <a:t>0 times anything is always 0. </a:t>
+            </a:r>
+          </a:p>
+          <a:p>
+            <a:r>
+              <a:rPr lang="en-US" dirty="0"/>
+              <a:t>If this happens for all inputs, the neuron may ‘die’, or become unable to ever ‘escape’. </a:t>
+            </a:r>
+          </a:p>
+        </p:txBody>
+      </p:sp>
+      <p:pic>
+        <p:nvPicPr>
+          <p:cNvPr id="4" name="Picture 3">
+            <a:extLst>
+              <a:ext uri="{FF2B5EF4-FFF2-40B4-BE49-F238E27FC236}">
+                <a16:creationId xmlns:a16="http://schemas.microsoft.com/office/drawing/2014/main" id="{1B5DD798-256E-60B2-E874-5AF3DAC6E4FC}"/>
+              </a:ext>
+            </a:extLst>
+          </p:cNvPr>
+          <p:cNvPicPr>
+            <a:picLocks noChangeAspect="1"/>
+          </p:cNvPicPr>
+          <p:nvPr/>
+        </p:nvPicPr>
+        <p:blipFill>
+          <a:blip r:embed="rId2"/>
+          <a:stretch>
+            <a:fillRect/>
+          </a:stretch>
+        </p:blipFill>
+        <p:spPr>
+          <a:xfrm>
+            <a:off x="0" y="2345917"/>
+            <a:ext cx="7772400" cy="3215400"/>
+          </a:xfrm>
+          <a:prstGeom prst="rect">
+            <a:avLst/>
+          </a:prstGeom>
+        </p:spPr>
+      </p:pic>
     </p:spTree>
     <p:extLst>
       <p:ext uri="{BB962C8B-B14F-4D97-AF65-F5344CB8AC3E}">
-        <p14:creationId xmlns:p14="http://schemas.microsoft.com/office/powerpoint/2010/main" val="587557089"/>
+        <p14:creationId xmlns:p14="http://schemas.microsoft.com/office/powerpoint/2010/main" val="2324801087"/>
+      </p:ext>
+    </p:extLst>
+  </p:cSld>
+  <p:clrMapOvr>
+    <a:masterClrMapping/>
+  </p:clrMapOvr>
+</p:sld>
+</file>
+
+<file path=ppt/slides/slide25.xml><?xml version="1.0" encoding="utf-8"?>
+<p:sld xmlns:a="http://schemas.openxmlformats.org/drawingml/2006/main" xmlns:r="http://schemas.openxmlformats.org/officeDocument/2006/relationships" xmlns:p="http://schemas.openxmlformats.org/presentationml/2006/main">
+  <p:cSld>
+    <p:spTree>
+      <p:nvGrpSpPr>
+        <p:cNvPr id="1" name=""/>
+        <p:cNvGrpSpPr/>
+        <p:nvPr/>
+      </p:nvGrpSpPr>
+      <p:grpSpPr>
+        <a:xfrm>
+          <a:off x="0" y="0"/>
+          <a:ext cx="0" cy="0"/>
+          <a:chOff x="0" y="0"/>
+          <a:chExt cx="0" cy="0"/>
+        </a:xfrm>
+      </p:grpSpPr>
+      <p:sp>
+        <p:nvSpPr>
+          <p:cNvPr id="2" name="Title 1">
+            <a:extLst>
+              <a:ext uri="{FF2B5EF4-FFF2-40B4-BE49-F238E27FC236}">
+                <a16:creationId xmlns:a16="http://schemas.microsoft.com/office/drawing/2014/main" id="{F08B606A-6EBE-34A0-F1C2-6B3112E64BD0}"/>
+              </a:ext>
+            </a:extLst>
+          </p:cNvPr>
+          <p:cNvSpPr>
+            <a:spLocks noGrp="1"/>
+          </p:cNvSpPr>
+          <p:nvPr>
+            <p:ph type="title"/>
+          </p:nvPr>
+        </p:nvSpPr>
+        <p:spPr/>
+        <p:txBody>
+          <a:bodyPr/>
+          <a:lstStyle/>
+          <a:p>
+            <a:r>
+              <a:rPr lang="en-US" dirty="0"/>
+              <a:t>Keeping Gradients Graded</a:t>
+            </a:r>
+          </a:p>
+        </p:txBody>
+      </p:sp>
+      <p:sp>
+        <p:nvSpPr>
+          <p:cNvPr id="3" name="Content Placeholder 2">
+            <a:extLst>
+              <a:ext uri="{FF2B5EF4-FFF2-40B4-BE49-F238E27FC236}">
+                <a16:creationId xmlns:a16="http://schemas.microsoft.com/office/drawing/2014/main" id="{8944A8BE-5490-F52E-ADC1-D81B54680EEC}"/>
+              </a:ext>
+            </a:extLst>
+          </p:cNvPr>
+          <p:cNvSpPr>
+            <a:spLocks noGrp="1"/>
+          </p:cNvSpPr>
+          <p:nvPr>
+            <p:ph idx="1"/>
+          </p:nvPr>
+        </p:nvSpPr>
+        <p:spPr/>
+        <p:txBody>
+          <a:bodyPr/>
+          <a:lstStyle/>
+          <a:p>
+            <a:r>
+              <a:rPr lang="en-US" dirty="0"/>
+              <a:t>These issues would be seen in loss as the model stopping learning. </a:t>
+            </a:r>
+          </a:p>
+          <a:p>
+            <a:pPr lvl="1"/>
+            <a:r>
+              <a:rPr lang="en-US" dirty="0"/>
+              <a:t>This definitely isn’t the only reason!</a:t>
+            </a:r>
+          </a:p>
+          <a:p>
+            <a:r>
+              <a:rPr lang="en-US" dirty="0"/>
+              <a:t>There are several things that can combat this problem. </a:t>
+            </a:r>
+          </a:p>
+          <a:p>
+            <a:pPr lvl="1"/>
+            <a:r>
+              <a:rPr lang="en-US" dirty="0"/>
+              <a:t>Activation functions – the sigmoid gradients can flatten more than others, tanh can explode, </a:t>
+            </a:r>
+            <a:r>
+              <a:rPr lang="en-US" dirty="0" err="1"/>
+              <a:t>relu</a:t>
+            </a:r>
+            <a:r>
+              <a:rPr lang="en-US" dirty="0"/>
+              <a:t> can die. </a:t>
+            </a:r>
+          </a:p>
+          <a:p>
+            <a:pPr lvl="1"/>
+            <a:r>
+              <a:rPr lang="en-US" dirty="0"/>
+              <a:t>Batch normalization. </a:t>
+            </a:r>
+          </a:p>
+        </p:txBody>
+      </p:sp>
+    </p:spTree>
+    <p:extLst>
+      <p:ext uri="{BB962C8B-B14F-4D97-AF65-F5344CB8AC3E}">
+        <p14:creationId xmlns:p14="http://schemas.microsoft.com/office/powerpoint/2010/main" val="4024298218"/>
       </p:ext>
     </p:extLst>
   </p:cSld>
@@ -6959,7 +6816,7 @@
           <p:cNvPr id="2" name="Title 1">
             <a:extLst>
               <a:ext uri="{FF2B5EF4-FFF2-40B4-BE49-F238E27FC236}">
-                <a16:creationId xmlns:a16="http://schemas.microsoft.com/office/drawing/2014/main" id="{40507B04-F2DB-98A4-D942-BFC77170B7CC}"/>
+                <a16:creationId xmlns:a16="http://schemas.microsoft.com/office/drawing/2014/main" id="{545C478D-17F9-E44C-A19C-72ECD4713630}"/>
               </a:ext>
             </a:extLst>
           </p:cNvPr>
@@ -6984,17 +6841,25 @@
           <a:p>
             <a:r>
               <a:rPr lang="en-US" dirty="0"/>
-              <a:t>Batch Normalization</a:t>
+              <a:t>Activation Functions – </a:t>
+            </a:r>
+            <a:r>
+              <a:rPr lang="en-US" dirty="0" err="1"/>
+              <a:t>Relu</a:t>
+            </a:r>
+            <a:r>
+              <a:rPr lang="en-US" dirty="0"/>
+              <a:t> Variations</a:t>
             </a:r>
           </a:p>
         </p:txBody>
       </p:sp>
       <p:pic>
         <p:nvPicPr>
-          <p:cNvPr id="2050" name="Picture 2">
+          <p:cNvPr id="4098" name="Picture 2" descr="8: Illustration of output of ELU vs ReLU vs Leaky ReLU function with... |  Download Scientific Diagram">
             <a:extLst>
               <a:ext uri="{FF2B5EF4-FFF2-40B4-BE49-F238E27FC236}">
-                <a16:creationId xmlns:a16="http://schemas.microsoft.com/office/drawing/2014/main" id="{DACB7CF9-B17A-78F0-88AC-6F1FA8C4D4E2}"/>
+                <a16:creationId xmlns:a16="http://schemas.microsoft.com/office/drawing/2014/main" id="{28167D23-766C-0F49-9CF6-84F2EA8D7EC2}"/>
               </a:ext>
             </a:extLst>
           </p:cNvPr>
@@ -7011,13 +6876,13 @@
               </a:ext>
             </a:extLst>
           </a:blip>
-          <a:srcRect l="15422"/>
+          <a:srcRect l="11058" r="6709"/>
           <a:stretch/>
         </p:blipFill>
         <p:spPr bwMode="auto">
           <a:xfrm>
-            <a:off x="1" y="1853754"/>
-            <a:ext cx="4902678" cy="2695444"/>
+            <a:off x="0" y="1853754"/>
+            <a:ext cx="4610638" cy="4199727"/>
           </a:xfrm>
           <a:prstGeom prst="rect">
             <a:avLst/>
@@ -7039,7 +6904,7 @@
           <p:cNvPr id="3" name="Content Placeholder 2">
             <a:extLst>
               <a:ext uri="{FF2B5EF4-FFF2-40B4-BE49-F238E27FC236}">
-                <a16:creationId xmlns:a16="http://schemas.microsoft.com/office/drawing/2014/main" id="{04C7B768-B788-7A3C-3953-7744E3C3FF4D}"/>
+                <a16:creationId xmlns:a16="http://schemas.microsoft.com/office/drawing/2014/main" id="{0E5CABA0-1113-1546-ABF6-995CA6EE2352}"/>
               </a:ext>
             </a:extLst>
           </p:cNvPr>
@@ -7052,8 +6917,8 @@
         </p:nvSpPr>
         <p:spPr>
           <a:xfrm>
-            <a:off x="5208609" y="1853754"/>
-            <a:ext cx="6983392" cy="4199727"/>
+            <a:off x="4606746" y="1853754"/>
+            <a:ext cx="7585254" cy="4280828"/>
           </a:xfrm>
         </p:spPr>
         <p:txBody>
@@ -7064,94 +6929,96 @@
           <a:p>
             <a:r>
               <a:rPr lang="en-US" dirty="0"/>
-              <a:t>Another gradient maintaining technique is batch normalization. </a:t>
-            </a:r>
-          </a:p>
-          <a:p>
-            <a:r>
-              <a:rPr lang="en-US" dirty="0"/>
-              <a:t>Batch normalization will shift the distribution back to “the middle”, where gradients exist. </a:t>
-            </a:r>
-          </a:p>
-          <a:p>
-            <a:pPr lvl="1"/>
-            <a:r>
-              <a:rPr lang="en-US" dirty="0"/>
-              <a:t>“Flat” gradients may vanish – near 0/1 with sigmoid. </a:t>
-            </a:r>
-          </a:p>
-          <a:p>
-            <a:pPr lvl="1"/>
-            <a:r>
-              <a:rPr lang="en-US" dirty="0"/>
-              <a:t>In </a:t>
+              <a:t>To address those issues with </a:t>
             </a:r>
             <a:r>
               <a:rPr lang="en-US" dirty="0" err="1"/>
-              <a:t>relu</a:t>
-            </a:r>
-            <a:r>
-              <a:rPr lang="en-US" dirty="0"/>
-              <a:t>, may die and go negative where there’s no gradient. </a:t>
-            </a:r>
-          </a:p>
-          <a:p>
-            <a:r>
-              <a:rPr lang="en-US" dirty="0"/>
-              <a:t>Usually applied after dense layer, but can vary. </a:t>
-            </a:r>
-          </a:p>
-          <a:p>
-            <a:r>
-              <a:rPr lang="en-US" dirty="0"/>
-              <a:t>Can often allow higher learning rates to work.</a:t>
-            </a:r>
-          </a:p>
-          <a:p>
-            <a:r>
-              <a:rPr lang="en-US" dirty="0"/>
-              <a:t>Note: we should normalize normally still. </a:t>
-            </a:r>
-          </a:p>
-          <a:p>
-            <a:endParaRPr lang="en-US" dirty="0"/>
-          </a:p>
-        </p:txBody>
-      </p:sp>
-      <p:pic>
-        <p:nvPicPr>
-          <p:cNvPr id="4" name="Picture 3">
-            <a:extLst>
-              <a:ext uri="{FF2B5EF4-FFF2-40B4-BE49-F238E27FC236}">
-                <a16:creationId xmlns:a16="http://schemas.microsoft.com/office/drawing/2014/main" id="{365C0691-8F19-F627-1CEB-290C78CF3C16}"/>
-              </a:ext>
-            </a:extLst>
-          </p:cNvPr>
-          <p:cNvPicPr>
-            <a:picLocks noChangeAspect="1"/>
-          </p:cNvPicPr>
-          <p:nvPr/>
-        </p:nvPicPr>
-        <p:blipFill>
-          <a:blip r:embed="rId3"/>
-          <a:stretch>
-            <a:fillRect/>
-          </a:stretch>
-        </p:blipFill>
-        <p:spPr>
-          <a:xfrm>
-            <a:off x="0" y="4549198"/>
-            <a:ext cx="4317357" cy="2308802"/>
-          </a:xfrm>
-          <a:prstGeom prst="rect">
-            <a:avLst/>
-          </a:prstGeom>
-        </p:spPr>
-      </p:pic>
+              <a:t>ReLU</a:t>
+            </a:r>
+            <a:r>
+              <a:rPr lang="en-US" dirty="0"/>
+              <a:t>, alternatives were created:</a:t>
+            </a:r>
+          </a:p>
+          <a:p>
+            <a:pPr lvl="1"/>
+            <a:r>
+              <a:rPr lang="en-US" dirty="0"/>
+              <a:t>Notably – Leaky </a:t>
+            </a:r>
+            <a:r>
+              <a:rPr lang="en-US" dirty="0" err="1"/>
+              <a:t>ReLU</a:t>
+            </a:r>
+            <a:r>
+              <a:rPr lang="en-US" dirty="0"/>
+              <a:t> and ELU (exponential linear). </a:t>
+            </a:r>
+          </a:p>
+          <a:p>
+            <a:r>
+              <a:rPr lang="en-US" dirty="0"/>
+              <a:t>Each removes that 0-value range of the derivative. </a:t>
+            </a:r>
+          </a:p>
+          <a:p>
+            <a:pPr lvl="1"/>
+            <a:r>
+              <a:rPr lang="en-US" dirty="0"/>
+              <a:t>Removes the Dying </a:t>
+            </a:r>
+            <a:r>
+              <a:rPr lang="en-US" dirty="0" err="1"/>
+              <a:t>ReLU</a:t>
+            </a:r>
+            <a:r>
+              <a:rPr lang="en-US" dirty="0"/>
+              <a:t> issue, so gradients don’t vanish as much. </a:t>
+            </a:r>
+          </a:p>
+          <a:p>
+            <a:pPr lvl="1"/>
+            <a:r>
+              <a:rPr lang="en-US" dirty="0"/>
+              <a:t>Can help speed training, or even allow convergence at all. </a:t>
+            </a:r>
+          </a:p>
+          <a:p>
+            <a:r>
+              <a:rPr lang="en-US" dirty="0" err="1"/>
+              <a:t>ReLU</a:t>
+            </a:r>
+            <a:r>
+              <a:rPr lang="en-US" dirty="0"/>
+              <a:t> or a variation on it are our defaults, and normally good. </a:t>
+            </a:r>
+          </a:p>
+          <a:p>
+            <a:r>
+              <a:rPr lang="en-US" dirty="0"/>
+              <a:t>If using </a:t>
+            </a:r>
+            <a:r>
+              <a:rPr lang="en-US" dirty="0" err="1"/>
+              <a:t>ReLU</a:t>
+            </a:r>
+            <a:r>
+              <a:rPr lang="en-US" dirty="0"/>
+              <a:t> – reducing LR can also combat the dying issue. </a:t>
+            </a:r>
+          </a:p>
+          <a:p>
+            <a:r>
+              <a:rPr lang="en-US" dirty="0"/>
+              <a:t>Note – this isn’t the most likely thing to be a massive issue, the case specific defaults tend to perform well most of the type. </a:t>
+            </a:r>
+          </a:p>
+        </p:txBody>
+      </p:sp>
     </p:spTree>
     <p:extLst>
       <p:ext uri="{BB962C8B-B14F-4D97-AF65-F5344CB8AC3E}">
-        <p14:creationId xmlns:p14="http://schemas.microsoft.com/office/powerpoint/2010/main" val="1687437132"/>
+        <p14:creationId xmlns:p14="http://schemas.microsoft.com/office/powerpoint/2010/main" val="587557089"/>
       </p:ext>
     </p:extLst>
   </p:cSld>
@@ -7162,1013 +7029,6 @@
 </file>
 
 <file path=ppt/slides/slide27.xml><?xml version="1.0" encoding="utf-8"?>
-<p:sld xmlns:a="http://schemas.openxmlformats.org/drawingml/2006/main" xmlns:r="http://schemas.openxmlformats.org/officeDocument/2006/relationships" xmlns:p="http://schemas.openxmlformats.org/presentationml/2006/main">
-  <p:cSld>
-    <p:spTree>
-      <p:nvGrpSpPr>
-        <p:cNvPr id="1" name=""/>
-        <p:cNvGrpSpPr/>
-        <p:nvPr/>
-      </p:nvGrpSpPr>
-      <p:grpSpPr>
-        <a:xfrm>
-          <a:off x="0" y="0"/>
-          <a:ext cx="0" cy="0"/>
-          <a:chOff x="0" y="0"/>
-          <a:chExt cx="0" cy="0"/>
-        </a:xfrm>
-      </p:grpSpPr>
-      <p:sp>
-        <p:nvSpPr>
-          <p:cNvPr id="2" name="Title 1">
-            <a:extLst>
-              <a:ext uri="{FF2B5EF4-FFF2-40B4-BE49-F238E27FC236}">
-                <a16:creationId xmlns:a16="http://schemas.microsoft.com/office/drawing/2014/main" id="{12EB02ED-4B2D-A4D0-9A1B-F5D886A1D4DA}"/>
-              </a:ext>
-            </a:extLst>
-          </p:cNvPr>
-          <p:cNvSpPr>
-            <a:spLocks noGrp="1"/>
-          </p:cNvSpPr>
-          <p:nvPr>
-            <p:ph type="title"/>
-          </p:nvPr>
-        </p:nvSpPr>
-        <p:spPr/>
-        <p:txBody>
-          <a:bodyPr/>
-          <a:lstStyle/>
-          <a:p>
-            <a:endParaRPr lang="en-US"/>
-          </a:p>
-        </p:txBody>
-      </p:sp>
-      <p:sp>
-        <p:nvSpPr>
-          <p:cNvPr id="3" name="Content Placeholder 2">
-            <a:extLst>
-              <a:ext uri="{FF2B5EF4-FFF2-40B4-BE49-F238E27FC236}">
-                <a16:creationId xmlns:a16="http://schemas.microsoft.com/office/drawing/2014/main" id="{79262A70-7FB5-F2DE-F3DF-7165887D447B}"/>
-              </a:ext>
-            </a:extLst>
-          </p:cNvPr>
-          <p:cNvSpPr>
-            <a:spLocks noGrp="1"/>
-          </p:cNvSpPr>
-          <p:nvPr>
-            <p:ph idx="1"/>
-          </p:nvPr>
-        </p:nvSpPr>
-        <p:spPr/>
-        <p:txBody>
-          <a:bodyPr/>
-          <a:lstStyle/>
-          <a:p>
-            <a:endParaRPr lang="en-US"/>
-          </a:p>
-        </p:txBody>
-      </p:sp>
-      <p:pic>
-        <p:nvPicPr>
-          <p:cNvPr id="4098" name="Picture 2">
-            <a:extLst>
-              <a:ext uri="{FF2B5EF4-FFF2-40B4-BE49-F238E27FC236}">
-                <a16:creationId xmlns:a16="http://schemas.microsoft.com/office/drawing/2014/main" id="{2C2DDD5C-391D-91D2-A435-8110CC33187B}"/>
-              </a:ext>
-            </a:extLst>
-          </p:cNvPr>
-          <p:cNvPicPr>
-            <a:picLocks noChangeAspect="1" noChangeArrowheads="1"/>
-          </p:cNvPicPr>
-          <p:nvPr/>
-        </p:nvPicPr>
-        <p:blipFill>
-          <a:blip r:embed="rId2">
-            <a:extLst>
-              <a:ext uri="{28A0092B-C50C-407E-A947-70E740481C1C}">
-                <a14:useLocalDpi xmlns:a14="http://schemas.microsoft.com/office/drawing/2010/main" val="0"/>
-              </a:ext>
-            </a:extLst>
-          </a:blip>
-          <a:srcRect/>
-          <a:stretch>
-            <a:fillRect/>
-          </a:stretch>
-        </p:blipFill>
-        <p:spPr bwMode="auto">
-          <a:xfrm>
-            <a:off x="0" y="1400175"/>
-            <a:ext cx="12192000" cy="4057650"/>
-          </a:xfrm>
-          <a:prstGeom prst="rect">
-            <a:avLst/>
-          </a:prstGeom>
-          <a:noFill/>
-          <a:extLst>
-            <a:ext uri="{909E8E84-426E-40DD-AFC4-6F175D3DCCD1}">
-              <a14:hiddenFill xmlns:a14="http://schemas.microsoft.com/office/drawing/2010/main">
-                <a:solidFill>
-                  <a:srgbClr val="FFFFFF"/>
-                </a:solidFill>
-              </a14:hiddenFill>
-            </a:ext>
-          </a:extLst>
-        </p:spPr>
-      </p:pic>
-    </p:spTree>
-    <p:extLst>
-      <p:ext uri="{BB962C8B-B14F-4D97-AF65-F5344CB8AC3E}">
-        <p14:creationId xmlns:p14="http://schemas.microsoft.com/office/powerpoint/2010/main" val="3011999725"/>
-      </p:ext>
-    </p:extLst>
-  </p:cSld>
-  <p:clrMapOvr>
-    <a:masterClrMapping/>
-  </p:clrMapOvr>
-</p:sld>
-</file>
-
-<file path=ppt/slides/slide28.xml><?xml version="1.0" encoding="utf-8"?>
-<p:sld xmlns:a="http://schemas.openxmlformats.org/drawingml/2006/main" xmlns:r="http://schemas.openxmlformats.org/officeDocument/2006/relationships" xmlns:p="http://schemas.openxmlformats.org/presentationml/2006/main">
-  <p:cSld>
-    <p:spTree>
-      <p:nvGrpSpPr>
-        <p:cNvPr id="1" name=""/>
-        <p:cNvGrpSpPr/>
-        <p:nvPr/>
-      </p:nvGrpSpPr>
-      <p:grpSpPr>
-        <a:xfrm>
-          <a:off x="0" y="0"/>
-          <a:ext cx="0" cy="0"/>
-          <a:chOff x="0" y="0"/>
-          <a:chExt cx="0" cy="0"/>
-        </a:xfrm>
-      </p:grpSpPr>
-      <p:sp>
-        <p:nvSpPr>
-          <p:cNvPr id="2" name="Title 1">
-            <a:extLst>
-              <a:ext uri="{FF2B5EF4-FFF2-40B4-BE49-F238E27FC236}">
-                <a16:creationId xmlns:a16="http://schemas.microsoft.com/office/drawing/2014/main" id="{8AB3D8A8-1279-C44F-AB18-28BCD74E016C}"/>
-              </a:ext>
-            </a:extLst>
-          </p:cNvPr>
-          <p:cNvSpPr>
-            <a:spLocks noGrp="1"/>
-          </p:cNvSpPr>
-          <p:nvPr>
-            <p:ph type="title"/>
-          </p:nvPr>
-        </p:nvSpPr>
-        <p:spPr/>
-        <p:txBody>
-          <a:bodyPr/>
-          <a:lstStyle/>
-          <a:p>
-            <a:r>
-              <a:rPr lang="en-US" dirty="0"/>
-              <a:t>Initialization </a:t>
-            </a:r>
-          </a:p>
-        </p:txBody>
-      </p:sp>
-      <p:sp>
-        <p:nvSpPr>
-          <p:cNvPr id="3" name="Content Placeholder 2">
-            <a:extLst>
-              <a:ext uri="{FF2B5EF4-FFF2-40B4-BE49-F238E27FC236}">
-                <a16:creationId xmlns:a16="http://schemas.microsoft.com/office/drawing/2014/main" id="{E6932690-B733-C245-A962-ECCC4BCA3B54}"/>
-              </a:ext>
-            </a:extLst>
-          </p:cNvPr>
-          <p:cNvSpPr>
-            <a:spLocks noGrp="1"/>
-          </p:cNvSpPr>
-          <p:nvPr>
-            <p:ph idx="1"/>
-          </p:nvPr>
-        </p:nvSpPr>
-        <p:spPr>
-          <a:xfrm>
-            <a:off x="1451579" y="1853754"/>
-            <a:ext cx="9603275" cy="4199727"/>
-          </a:xfrm>
-        </p:spPr>
-        <p:txBody>
-          <a:bodyPr>
-            <a:normAutofit lnSpcReduction="10000"/>
-          </a:bodyPr>
-          <a:lstStyle/>
-          <a:p>
-            <a:r>
-              <a:rPr lang="en-US" dirty="0"/>
-              <a:t>Initialization controls how the weight and bias values start. </a:t>
-            </a:r>
-          </a:p>
-          <a:p>
-            <a:r>
-              <a:rPr lang="en-US" dirty="0"/>
-              <a:t>Can be controlled via a parameter for each layer:</a:t>
-            </a:r>
-          </a:p>
-          <a:p>
-            <a:pPr lvl="1"/>
-            <a:r>
-              <a:rPr lang="en-US" dirty="0"/>
-              <a:t>Weight initialization is by default is “</a:t>
-            </a:r>
-            <a:r>
-              <a:rPr lang="en-US" dirty="0" err="1"/>
-              <a:t>glorot_uniform</a:t>
-            </a:r>
-            <a:r>
-              <a:rPr lang="en-US" dirty="0"/>
-              <a:t>” – a variety of random. </a:t>
-            </a:r>
-          </a:p>
-          <a:p>
-            <a:pPr lvl="1"/>
-            <a:r>
-              <a:rPr lang="en-US" dirty="0"/>
-              <a:t>Bias initialization defaults to 0. </a:t>
-            </a:r>
-          </a:p>
-          <a:p>
-            <a:pPr lvl="1"/>
-            <a:r>
-              <a:rPr lang="en-US" dirty="0"/>
-              <a:t>We can preset the output layer with the log of the expectation (for logit). </a:t>
-            </a:r>
-          </a:p>
-          <a:p>
-            <a:r>
-              <a:rPr lang="en-US" dirty="0"/>
-              <a:t>This can help the model train – both in speed and potential for convergence. </a:t>
-            </a:r>
-          </a:p>
-          <a:p>
-            <a:r>
-              <a:rPr lang="en-US" dirty="0"/>
-              <a:t>Imbalanced data – the data has a “bias” to start with. </a:t>
-            </a:r>
-          </a:p>
-          <a:p>
-            <a:pPr lvl="1"/>
-            <a:r>
-              <a:rPr lang="en-US" dirty="0"/>
-              <a:t>Set bias on output layer to the bias in the data. </a:t>
-            </a:r>
-          </a:p>
-          <a:p>
-            <a:pPr lvl="1"/>
-            <a:r>
-              <a:rPr lang="en-US" dirty="0"/>
-              <a:t>Network doesn’t need to learn the massive shift in bias. </a:t>
-            </a:r>
-          </a:p>
-          <a:p>
-            <a:pPr lvl="1"/>
-            <a:r>
-              <a:rPr lang="en-US" dirty="0"/>
-              <a:t>Faster convergence and more accuracy. </a:t>
-            </a:r>
-          </a:p>
-          <a:p>
-            <a:endParaRPr lang="en-US" dirty="0"/>
-          </a:p>
-        </p:txBody>
-      </p:sp>
-    </p:spTree>
-    <p:extLst>
-      <p:ext uri="{BB962C8B-B14F-4D97-AF65-F5344CB8AC3E}">
-        <p14:creationId xmlns:p14="http://schemas.microsoft.com/office/powerpoint/2010/main" val="2996444863"/>
-      </p:ext>
-    </p:extLst>
-  </p:cSld>
-  <p:clrMapOvr>
-    <a:masterClrMapping/>
-  </p:clrMapOvr>
-</p:sld>
-</file>
-
-<file path=ppt/slides/slide29.xml><?xml version="1.0" encoding="utf-8"?>
-<p:sld xmlns:a="http://schemas.openxmlformats.org/drawingml/2006/main" xmlns:r="http://schemas.openxmlformats.org/officeDocument/2006/relationships" xmlns:p="http://schemas.openxmlformats.org/presentationml/2006/main">
-  <p:cSld>
-    <p:spTree>
-      <p:nvGrpSpPr>
-        <p:cNvPr id="1" name=""/>
-        <p:cNvGrpSpPr/>
-        <p:nvPr/>
-      </p:nvGrpSpPr>
-      <p:grpSpPr>
-        <a:xfrm>
-          <a:off x="0" y="0"/>
-          <a:ext cx="0" cy="0"/>
-          <a:chOff x="0" y="0"/>
-          <a:chExt cx="0" cy="0"/>
-        </a:xfrm>
-      </p:grpSpPr>
-      <p:sp>
-        <p:nvSpPr>
-          <p:cNvPr id="2" name="Title 1">
-            <a:extLst>
-              <a:ext uri="{FF2B5EF4-FFF2-40B4-BE49-F238E27FC236}">
-                <a16:creationId xmlns:a16="http://schemas.microsoft.com/office/drawing/2014/main" id="{8E701F95-B618-A7AB-FF6B-7AF73C21932E}"/>
-              </a:ext>
-            </a:extLst>
-          </p:cNvPr>
-          <p:cNvSpPr>
-            <a:spLocks noGrp="1"/>
-          </p:cNvSpPr>
-          <p:nvPr>
-            <p:ph type="title"/>
-          </p:nvPr>
-        </p:nvSpPr>
-        <p:spPr/>
-        <p:txBody>
-          <a:bodyPr/>
-          <a:lstStyle/>
-          <a:p>
-            <a:r>
-              <a:rPr lang="en-US" dirty="0"/>
-              <a:t>Refresher - regularization</a:t>
-            </a:r>
-          </a:p>
-        </p:txBody>
-      </p:sp>
-      <p:sp>
-        <p:nvSpPr>
-          <p:cNvPr id="3" name="Content Placeholder 2">
-            <a:extLst>
-              <a:ext uri="{FF2B5EF4-FFF2-40B4-BE49-F238E27FC236}">
-                <a16:creationId xmlns:a16="http://schemas.microsoft.com/office/drawing/2014/main" id="{2E156C3E-5CAF-F8A6-E7F0-120D8C6CAFA5}"/>
-              </a:ext>
-            </a:extLst>
-          </p:cNvPr>
-          <p:cNvSpPr>
-            <a:spLocks noGrp="1"/>
-          </p:cNvSpPr>
-          <p:nvPr>
-            <p:ph idx="1"/>
-          </p:nvPr>
-        </p:nvSpPr>
-        <p:spPr>
-          <a:xfrm>
-            <a:off x="1451579" y="1853755"/>
-            <a:ext cx="9603275" cy="2265242"/>
-          </a:xfrm>
-        </p:spPr>
-        <p:txBody>
-          <a:bodyPr/>
-          <a:lstStyle/>
-          <a:p>
-            <a:r>
-              <a:rPr lang="en-US" dirty="0"/>
-              <a:t>We typically use some regularization in our models. </a:t>
-            </a:r>
-          </a:p>
-          <a:p>
-            <a:pPr lvl="1"/>
-            <a:r>
-              <a:rPr lang="en-US" dirty="0"/>
-              <a:t>Semi-standard as neural networks are large and flexible, and this constrains overfit. </a:t>
-            </a:r>
-          </a:p>
-          <a:p>
-            <a:pPr lvl="1"/>
-            <a:r>
-              <a:rPr lang="en-US" dirty="0"/>
-              <a:t>L1/L2 – works just as in regression, can be applied in layer as a hyperparameter. </a:t>
-            </a:r>
-          </a:p>
-          <a:p>
-            <a:pPr lvl="1"/>
-            <a:r>
-              <a:rPr lang="en-US" dirty="0"/>
-              <a:t>Dropout – removes some percentage of neurons randomly each batch of </a:t>
-            </a:r>
-            <a:r>
-              <a:rPr lang="en-US" b="1" dirty="0"/>
-              <a:t>training</a:t>
-            </a:r>
-            <a:r>
-              <a:rPr lang="en-US" dirty="0"/>
-              <a:t>, forcing learning to occur on the remainder. Applied as a layer, typically round 20—40% to start. </a:t>
-            </a:r>
-          </a:p>
-        </p:txBody>
-      </p:sp>
-      <p:pic>
-        <p:nvPicPr>
-          <p:cNvPr id="12290" name="Picture 2" descr="An illustration of the dropout mechanism within a multi-layer neural... |  Download Scientific Diagram">
-            <a:extLst>
-              <a:ext uri="{FF2B5EF4-FFF2-40B4-BE49-F238E27FC236}">
-                <a16:creationId xmlns:a16="http://schemas.microsoft.com/office/drawing/2014/main" id="{2AB7688B-0AD0-F5E0-0253-193C85677D34}"/>
-              </a:ext>
-            </a:extLst>
-          </p:cNvPr>
-          <p:cNvPicPr>
-            <a:picLocks noChangeAspect="1" noChangeArrowheads="1"/>
-          </p:cNvPicPr>
-          <p:nvPr/>
-        </p:nvPicPr>
-        <p:blipFill>
-          <a:blip r:embed="rId2">
-            <a:extLst>
-              <a:ext uri="{28A0092B-C50C-407E-A947-70E740481C1C}">
-                <a14:useLocalDpi xmlns:a14="http://schemas.microsoft.com/office/drawing/2010/main" val="0"/>
-              </a:ext>
-            </a:extLst>
-          </a:blip>
-          <a:srcRect/>
-          <a:stretch>
-            <a:fillRect/>
-          </a:stretch>
-        </p:blipFill>
-        <p:spPr bwMode="auto">
-          <a:xfrm>
-            <a:off x="1621461" y="3838427"/>
-            <a:ext cx="8949078" cy="2905818"/>
-          </a:xfrm>
-          <a:prstGeom prst="rect">
-            <a:avLst/>
-          </a:prstGeom>
-          <a:noFill/>
-          <a:extLst>
-            <a:ext uri="{909E8E84-426E-40DD-AFC4-6F175D3DCCD1}">
-              <a14:hiddenFill xmlns:a14="http://schemas.microsoft.com/office/drawing/2010/main">
-                <a:solidFill>
-                  <a:srgbClr val="FFFFFF"/>
-                </a:solidFill>
-              </a14:hiddenFill>
-            </a:ext>
-          </a:extLst>
-        </p:spPr>
-      </p:pic>
-    </p:spTree>
-    <p:extLst>
-      <p:ext uri="{BB962C8B-B14F-4D97-AF65-F5344CB8AC3E}">
-        <p14:creationId xmlns:p14="http://schemas.microsoft.com/office/powerpoint/2010/main" val="3865647208"/>
-      </p:ext>
-    </p:extLst>
-  </p:cSld>
-  <p:clrMapOvr>
-    <a:masterClrMapping/>
-  </p:clrMapOvr>
-</p:sld>
-</file>
-
-<file path=ppt/slides/slide3.xml><?xml version="1.0" encoding="utf-8"?>
-<p:sld xmlns:a="http://schemas.openxmlformats.org/drawingml/2006/main" xmlns:r="http://schemas.openxmlformats.org/officeDocument/2006/relationships" xmlns:p="http://schemas.openxmlformats.org/presentationml/2006/main" show="0">
-  <p:cSld>
-    <p:spTree>
-      <p:nvGrpSpPr>
-        <p:cNvPr id="1" name=""/>
-        <p:cNvGrpSpPr/>
-        <p:nvPr/>
-      </p:nvGrpSpPr>
-      <p:grpSpPr>
-        <a:xfrm>
-          <a:off x="0" y="0"/>
-          <a:ext cx="0" cy="0"/>
-          <a:chOff x="0" y="0"/>
-          <a:chExt cx="0" cy="0"/>
-        </a:xfrm>
-      </p:grpSpPr>
-      <p:sp>
-        <p:nvSpPr>
-          <p:cNvPr id="2" name="Title 1">
-            <a:extLst>
-              <a:ext uri="{FF2B5EF4-FFF2-40B4-BE49-F238E27FC236}">
-                <a16:creationId xmlns:a16="http://schemas.microsoft.com/office/drawing/2014/main" id="{22D1ADD2-D653-17DD-BCB3-0E44EAE7BF2D}"/>
-              </a:ext>
-            </a:extLst>
-          </p:cNvPr>
-          <p:cNvSpPr>
-            <a:spLocks noGrp="1"/>
-          </p:cNvSpPr>
-          <p:nvPr>
-            <p:ph type="title"/>
-          </p:nvPr>
-        </p:nvSpPr>
-        <p:spPr/>
-        <p:txBody>
-          <a:bodyPr/>
-          <a:lstStyle/>
-          <a:p>
-            <a:r>
-              <a:rPr lang="en-US" dirty="0"/>
-              <a:t>Cluster Assignment - Results</a:t>
-            </a:r>
-          </a:p>
-        </p:txBody>
-      </p:sp>
-      <p:sp>
-        <p:nvSpPr>
-          <p:cNvPr id="3" name="Content Placeholder 2">
-            <a:extLst>
-              <a:ext uri="{FF2B5EF4-FFF2-40B4-BE49-F238E27FC236}">
-                <a16:creationId xmlns:a16="http://schemas.microsoft.com/office/drawing/2014/main" id="{1FA8B9B4-BDA8-12EB-F5CF-5A987E111D33}"/>
-              </a:ext>
-            </a:extLst>
-          </p:cNvPr>
-          <p:cNvSpPr>
-            <a:spLocks noGrp="1"/>
-          </p:cNvSpPr>
-          <p:nvPr>
-            <p:ph idx="1"/>
-          </p:nvPr>
-        </p:nvSpPr>
-        <p:spPr>
-          <a:xfrm>
-            <a:off x="1451579" y="1853754"/>
-            <a:ext cx="9603275" cy="4199727"/>
-          </a:xfrm>
-        </p:spPr>
-        <p:txBody>
-          <a:bodyPr/>
-          <a:lstStyle/>
-          <a:p>
-            <a:r>
-              <a:rPr lang="en-US" dirty="0"/>
-              <a:t>The basic steps needed are:</a:t>
-            </a:r>
-          </a:p>
-          <a:p>
-            <a:pPr lvl="1"/>
-            <a:r>
-              <a:rPr lang="en-US" dirty="0"/>
-              <a:t>Cluster the original data to break the numbers into similar groups. (k-means, other…)</a:t>
-            </a:r>
-          </a:p>
-          <a:p>
-            <a:pPr lvl="1"/>
-            <a:r>
-              <a:rPr lang="en-US" dirty="0"/>
-              <a:t>Manually add a label – each group is similar, but we don’t know what it is a group of. </a:t>
-            </a:r>
-          </a:p>
-          <a:p>
-            <a:pPr lvl="1"/>
-            <a:r>
-              <a:rPr lang="en-US" dirty="0"/>
-              <a:t>Now you have labeled groups of digit images. </a:t>
-            </a:r>
-          </a:p>
-          <a:p>
-            <a:pPr lvl="1"/>
-            <a:r>
-              <a:rPr lang="en-US" dirty="0"/>
-              <a:t>Train 10 (or more) GMMs, one that ‘knows’ each number from the data used to train it. </a:t>
-            </a:r>
-          </a:p>
-          <a:p>
-            <a:pPr lvl="1"/>
-            <a:r>
-              <a:rPr lang="en-US" dirty="0"/>
-              <a:t>When asked for a printout, ask the right GMMs for a digit each, assemble. </a:t>
-            </a:r>
-          </a:p>
-          <a:p>
-            <a:r>
-              <a:rPr lang="en-US" dirty="0"/>
-              <a:t>Overall, the images tend to be OK at best, some improvements:</a:t>
-            </a:r>
-          </a:p>
-          <a:p>
-            <a:pPr lvl="1"/>
-            <a:r>
-              <a:rPr lang="en-US" dirty="0"/>
-              <a:t>Number of clusters can be &gt;10, to capture different digit variations. GMMs can as well. </a:t>
-            </a:r>
-          </a:p>
-          <a:p>
-            <a:pPr lvl="1"/>
-            <a:r>
-              <a:rPr lang="en-US" dirty="0"/>
-              <a:t>Some cleaning/processing (PCA, feature selection, etc..) may help, requires much tuning. </a:t>
-            </a:r>
-          </a:p>
-        </p:txBody>
-      </p:sp>
-    </p:spTree>
-    <p:extLst>
-      <p:ext uri="{BB962C8B-B14F-4D97-AF65-F5344CB8AC3E}">
-        <p14:creationId xmlns:p14="http://schemas.microsoft.com/office/powerpoint/2010/main" val="136210750"/>
-      </p:ext>
-    </p:extLst>
-  </p:cSld>
-  <p:clrMapOvr>
-    <a:masterClrMapping/>
-  </p:clrMapOvr>
-</p:sld>
-</file>
-
-<file path=ppt/slides/slide30.xml><?xml version="1.0" encoding="utf-8"?>
-<p:sld xmlns:a="http://schemas.openxmlformats.org/drawingml/2006/main" xmlns:r="http://schemas.openxmlformats.org/officeDocument/2006/relationships" xmlns:p="http://schemas.openxmlformats.org/presentationml/2006/main">
-  <p:cSld>
-    <p:spTree>
-      <p:nvGrpSpPr>
-        <p:cNvPr id="1" name=""/>
-        <p:cNvGrpSpPr/>
-        <p:nvPr/>
-      </p:nvGrpSpPr>
-      <p:grpSpPr>
-        <a:xfrm>
-          <a:off x="0" y="0"/>
-          <a:ext cx="0" cy="0"/>
-          <a:chOff x="0" y="0"/>
-          <a:chExt cx="0" cy="0"/>
-        </a:xfrm>
-      </p:grpSpPr>
-      <p:sp>
-        <p:nvSpPr>
-          <p:cNvPr id="2" name="Title 1">
-            <a:extLst>
-              <a:ext uri="{FF2B5EF4-FFF2-40B4-BE49-F238E27FC236}">
-                <a16:creationId xmlns:a16="http://schemas.microsoft.com/office/drawing/2014/main" id="{998811FD-FB04-14C3-51B0-20806479A3B8}"/>
-              </a:ext>
-            </a:extLst>
-          </p:cNvPr>
-          <p:cNvSpPr>
-            <a:spLocks noGrp="1"/>
-          </p:cNvSpPr>
-          <p:nvPr>
-            <p:ph type="title"/>
-          </p:nvPr>
-        </p:nvSpPr>
-        <p:spPr/>
-        <p:txBody>
-          <a:bodyPr/>
-          <a:lstStyle/>
-          <a:p>
-            <a:r>
-              <a:rPr lang="en-US" dirty="0"/>
-              <a:t>Neural Networks are Flexible</a:t>
-            </a:r>
-          </a:p>
-        </p:txBody>
-      </p:sp>
-      <p:sp>
-        <p:nvSpPr>
-          <p:cNvPr id="3" name="Content Placeholder 2">
-            <a:extLst>
-              <a:ext uri="{FF2B5EF4-FFF2-40B4-BE49-F238E27FC236}">
-                <a16:creationId xmlns:a16="http://schemas.microsoft.com/office/drawing/2014/main" id="{F27F93CB-38CB-BCDC-EB9C-1D1A84E32F49}"/>
-              </a:ext>
-            </a:extLst>
-          </p:cNvPr>
-          <p:cNvSpPr>
-            <a:spLocks noGrp="1"/>
-          </p:cNvSpPr>
-          <p:nvPr>
-            <p:ph idx="1"/>
-          </p:nvPr>
-        </p:nvSpPr>
-        <p:spPr>
-          <a:xfrm>
-            <a:off x="1451579" y="1853754"/>
-            <a:ext cx="9603275" cy="4199727"/>
-          </a:xfrm>
-        </p:spPr>
-        <p:txBody>
-          <a:bodyPr/>
-          <a:lstStyle/>
-          <a:p>
-            <a:r>
-              <a:rPr lang="en-US" dirty="0"/>
-              <a:t>This isn’t near all of the things that we can change in a neural network. </a:t>
-            </a:r>
-          </a:p>
-          <a:p>
-            <a:r>
-              <a:rPr lang="en-US" dirty="0"/>
-              <a:t>The flexibility in their learning as they grow means that a wide range of models that are ‘good enough’ will converge on a good solution. </a:t>
-            </a:r>
-          </a:p>
-          <a:p>
-            <a:pPr lvl="1"/>
-            <a:r>
-              <a:rPr lang="en-US" dirty="0"/>
-              <a:t>E.g. the image competition has models with widely different structures fighting for fractions of a percentage of accuracy in a task. </a:t>
-            </a:r>
-          </a:p>
-          <a:p>
-            <a:r>
-              <a:rPr lang="en-US" dirty="0"/>
-              <a:t>Mirror something that is known to work, unless experimenting (which is good). </a:t>
-            </a:r>
-          </a:p>
-          <a:p>
-            <a:r>
-              <a:rPr lang="en-US" dirty="0"/>
-              <a:t>Make reasonable choices, add some excess, regularization, and early stopping, let train. </a:t>
-            </a:r>
-          </a:p>
-          <a:p>
-            <a:pPr lvl="1"/>
-            <a:r>
-              <a:rPr lang="en-US" dirty="0"/>
-              <a:t>Adjust from here based on what you see. </a:t>
-            </a:r>
-          </a:p>
-          <a:p>
-            <a:r>
-              <a:rPr lang="en-US" dirty="0"/>
-              <a:t>Finding the perfect configuration as we did with a grid becomes time impractical quickly. </a:t>
-            </a:r>
-          </a:p>
-        </p:txBody>
-      </p:sp>
-    </p:spTree>
-    <p:extLst>
-      <p:ext uri="{BB962C8B-B14F-4D97-AF65-F5344CB8AC3E}">
-        <p14:creationId xmlns:p14="http://schemas.microsoft.com/office/powerpoint/2010/main" val="2910667997"/>
-      </p:ext>
-    </p:extLst>
-  </p:cSld>
-  <p:clrMapOvr>
-    <a:masterClrMapping/>
-  </p:clrMapOvr>
-</p:sld>
-</file>
-
-<file path=ppt/slides/slide31.xml><?xml version="1.0" encoding="utf-8"?>
-<p:sld xmlns:a="http://schemas.openxmlformats.org/drawingml/2006/main" xmlns:r="http://schemas.openxmlformats.org/officeDocument/2006/relationships" xmlns:p="http://schemas.openxmlformats.org/presentationml/2006/main" show="0">
-  <p:cSld>
-    <p:spTree>
-      <p:nvGrpSpPr>
-        <p:cNvPr id="1" name=""/>
-        <p:cNvGrpSpPr/>
-        <p:nvPr/>
-      </p:nvGrpSpPr>
-      <p:grpSpPr>
-        <a:xfrm>
-          <a:off x="0" y="0"/>
-          <a:ext cx="0" cy="0"/>
-          <a:chOff x="0" y="0"/>
-          <a:chExt cx="0" cy="0"/>
-        </a:xfrm>
-      </p:grpSpPr>
-      <p:sp>
-        <p:nvSpPr>
-          <p:cNvPr id="2" name="Title 1">
-            <a:extLst>
-              <a:ext uri="{FF2B5EF4-FFF2-40B4-BE49-F238E27FC236}">
-                <a16:creationId xmlns:a16="http://schemas.microsoft.com/office/drawing/2014/main" id="{EAF056FD-E697-5353-97FE-84FF67ABB289}"/>
-              </a:ext>
-            </a:extLst>
-          </p:cNvPr>
-          <p:cNvSpPr>
-            <a:spLocks noGrp="1"/>
-          </p:cNvSpPr>
-          <p:nvPr>
-            <p:ph type="title"/>
-          </p:nvPr>
-        </p:nvSpPr>
-        <p:spPr/>
-        <p:txBody>
-          <a:bodyPr/>
-          <a:lstStyle/>
-          <a:p>
-            <a:r>
-              <a:rPr lang="en-US" dirty="0"/>
-              <a:t>Other Tuning - Optimization</a:t>
-            </a:r>
-          </a:p>
-        </p:txBody>
-      </p:sp>
-      <p:sp>
-        <p:nvSpPr>
-          <p:cNvPr id="3" name="Content Placeholder 2">
-            <a:extLst>
-              <a:ext uri="{FF2B5EF4-FFF2-40B4-BE49-F238E27FC236}">
-                <a16:creationId xmlns:a16="http://schemas.microsoft.com/office/drawing/2014/main" id="{F044C5EC-E837-8A77-86C7-0C127E9A7BD8}"/>
-              </a:ext>
-            </a:extLst>
-          </p:cNvPr>
-          <p:cNvSpPr>
-            <a:spLocks noGrp="1"/>
-          </p:cNvSpPr>
-          <p:nvPr>
-            <p:ph idx="1"/>
-          </p:nvPr>
-        </p:nvSpPr>
-        <p:spPr>
-          <a:xfrm>
-            <a:off x="1451579" y="1853754"/>
-            <a:ext cx="9603275" cy="4199727"/>
-          </a:xfrm>
-        </p:spPr>
-        <p:txBody>
-          <a:bodyPr/>
-          <a:lstStyle/>
-          <a:p>
-            <a:r>
-              <a:rPr lang="en-US" dirty="0"/>
-              <a:t>There are a huge number of things that can be changed to tune a neural network model. </a:t>
-            </a:r>
-          </a:p>
-          <a:p>
-            <a:r>
-              <a:rPr lang="en-US" dirty="0"/>
-              <a:t>We are focusing mainly on the ‘structure’ type of things. </a:t>
-            </a:r>
-          </a:p>
-          <a:p>
-            <a:pPr lvl="1"/>
-            <a:r>
-              <a:rPr lang="en-US" dirty="0"/>
-              <a:t>Network size, layers, type, hyperparameters, regularizing (and similar) layers like normalization.</a:t>
-            </a:r>
-          </a:p>
-          <a:p>
-            <a:r>
-              <a:rPr lang="en-US" dirty="0"/>
-              <a:t>We are not really focusing on the optimization part - loss/gradient descent specific things. </a:t>
-            </a:r>
-          </a:p>
-          <a:p>
-            <a:pPr lvl="1"/>
-            <a:r>
-              <a:rPr lang="en-US" dirty="0"/>
-              <a:t>Learning rates, momentum, optimizers. </a:t>
-            </a:r>
-          </a:p>
-          <a:p>
-            <a:pPr lvl="1"/>
-            <a:r>
-              <a:rPr lang="en-US" dirty="0"/>
-              <a:t>This matters, but is more theoretical in theory, and scenario dependent in practice. </a:t>
-            </a:r>
-          </a:p>
-          <a:p>
-            <a:pPr lvl="1"/>
-            <a:r>
-              <a:rPr lang="en-US" dirty="0"/>
-              <a:t>Optimization is critical as problems get larger – converging quickly, or at all, can be hard. </a:t>
-            </a:r>
-          </a:p>
-          <a:p>
-            <a:r>
-              <a:rPr lang="en-US" dirty="0"/>
-              <a:t>For our usage, we can mainly try different learning rates, if needed. </a:t>
-            </a:r>
-          </a:p>
-        </p:txBody>
-      </p:sp>
-    </p:spTree>
-    <p:extLst>
-      <p:ext uri="{BB962C8B-B14F-4D97-AF65-F5344CB8AC3E}">
-        <p14:creationId xmlns:p14="http://schemas.microsoft.com/office/powerpoint/2010/main" val="1149088017"/>
-      </p:ext>
-    </p:extLst>
-  </p:cSld>
-  <p:clrMapOvr>
-    <a:masterClrMapping/>
-  </p:clrMapOvr>
-</p:sld>
-</file>
-
-<file path=ppt/slides/slide32.xml><?xml version="1.0" encoding="utf-8"?>
-<p:sld xmlns:a="http://schemas.openxmlformats.org/drawingml/2006/main" xmlns:r="http://schemas.openxmlformats.org/officeDocument/2006/relationships" xmlns:p="http://schemas.openxmlformats.org/presentationml/2006/main">
-  <p:cSld>
-    <p:spTree>
-      <p:nvGrpSpPr>
-        <p:cNvPr id="1" name=""/>
-        <p:cNvGrpSpPr/>
-        <p:nvPr/>
-      </p:nvGrpSpPr>
-      <p:grpSpPr>
-        <a:xfrm>
-          <a:off x="0" y="0"/>
-          <a:ext cx="0" cy="0"/>
-          <a:chOff x="0" y="0"/>
-          <a:chExt cx="0" cy="0"/>
-        </a:xfrm>
-      </p:grpSpPr>
-      <p:sp>
-        <p:nvSpPr>
-          <p:cNvPr id="2" name="Title 1">
-            <a:extLst>
-              <a:ext uri="{FF2B5EF4-FFF2-40B4-BE49-F238E27FC236}">
-                <a16:creationId xmlns:a16="http://schemas.microsoft.com/office/drawing/2014/main" id="{2D76F3B6-86DB-FFF0-6350-C1AA19E15476}"/>
-              </a:ext>
-            </a:extLst>
-          </p:cNvPr>
-          <p:cNvSpPr>
-            <a:spLocks noGrp="1"/>
-          </p:cNvSpPr>
-          <p:nvPr>
-            <p:ph type="title"/>
-          </p:nvPr>
-        </p:nvSpPr>
-        <p:spPr/>
-        <p:txBody>
-          <a:bodyPr/>
-          <a:lstStyle/>
-          <a:p>
-            <a:r>
-              <a:rPr lang="en-US" dirty="0"/>
-              <a:t>Tuning From A Loss Plot</a:t>
-            </a:r>
-          </a:p>
-        </p:txBody>
-      </p:sp>
-      <p:sp>
-        <p:nvSpPr>
-          <p:cNvPr id="3" name="Content Placeholder 2">
-            <a:extLst>
-              <a:ext uri="{FF2B5EF4-FFF2-40B4-BE49-F238E27FC236}">
-                <a16:creationId xmlns:a16="http://schemas.microsoft.com/office/drawing/2014/main" id="{915E008A-9A08-A25F-5145-ECD1F6B212D2}"/>
-              </a:ext>
-            </a:extLst>
-          </p:cNvPr>
-          <p:cNvSpPr>
-            <a:spLocks noGrp="1"/>
-          </p:cNvSpPr>
-          <p:nvPr>
-            <p:ph idx="1"/>
-          </p:nvPr>
-        </p:nvSpPr>
-        <p:spPr>
-          <a:xfrm>
-            <a:off x="1451579" y="1853754"/>
-            <a:ext cx="9603275" cy="4199727"/>
-          </a:xfrm>
-        </p:spPr>
-        <p:txBody>
-          <a:bodyPr/>
-          <a:lstStyle/>
-          <a:p>
-            <a:r>
-              <a:rPr lang="en-US" dirty="0"/>
-              <a:t>The loss plot is our main, but not only, tool to help tune a model. </a:t>
-            </a:r>
-          </a:p>
-          <a:p>
-            <a:r>
-              <a:rPr lang="en-US" dirty="0"/>
-              <a:t>None of these things are definitive, but there are things that happen often that we can look at first for a possible solution. </a:t>
-            </a:r>
-          </a:p>
-          <a:p>
-            <a:r>
-              <a:rPr lang="en-US" dirty="0"/>
-              <a:t>In neural networks, we must weigh against computation time – defaults are usually fast.</a:t>
-            </a:r>
-          </a:p>
-          <a:p>
-            <a:r>
-              <a:rPr lang="en-US" dirty="0"/>
-              <a:t>Some general things:</a:t>
-            </a:r>
-          </a:p>
-          <a:p>
-            <a:pPr lvl="1"/>
-            <a:r>
-              <a:rPr lang="en-US" dirty="0"/>
-              <a:t>Make sure that data is scaled. </a:t>
-            </a:r>
-          </a:p>
-          <a:p>
-            <a:pPr lvl="1"/>
-            <a:r>
-              <a:rPr lang="en-US" dirty="0"/>
-              <a:t>More complex relationships perform better with more layers. </a:t>
-            </a:r>
-          </a:p>
-          <a:p>
-            <a:pPr lvl="1"/>
-            <a:r>
-              <a:rPr lang="en-US" dirty="0"/>
-              <a:t>The more data you have, the larger a model you’ll be able to train well. </a:t>
-            </a:r>
-          </a:p>
-          <a:p>
-            <a:pPr lvl="1"/>
-            <a:r>
-              <a:rPr lang="en-US" dirty="0"/>
-              <a:t>Unless there’s a time constraint, let things go for lots of epochs and use early stopping. </a:t>
-            </a:r>
-          </a:p>
-        </p:txBody>
-      </p:sp>
-    </p:spTree>
-    <p:extLst>
-      <p:ext uri="{BB962C8B-B14F-4D97-AF65-F5344CB8AC3E}">
-        <p14:creationId xmlns:p14="http://schemas.microsoft.com/office/powerpoint/2010/main" val="545948356"/>
-      </p:ext>
-    </p:extLst>
-  </p:cSld>
-  <p:clrMapOvr>
-    <a:masterClrMapping/>
-  </p:clrMapOvr>
-</p:sld>
-</file>
-
-<file path=ppt/slides/slide33.xml><?xml version="1.0" encoding="utf-8"?>
 <p:sld xmlns:a="http://schemas.openxmlformats.org/drawingml/2006/main" xmlns:r="http://schemas.openxmlformats.org/officeDocument/2006/relationships" xmlns:p="http://schemas.openxmlformats.org/presentationml/2006/main">
   <p:cSld>
     <p:bg>
@@ -8214,7 +7074,7 @@
           <p:cNvPr id="2" name="Title 1">
             <a:extLst>
               <a:ext uri="{FF2B5EF4-FFF2-40B4-BE49-F238E27FC236}">
-                <a16:creationId xmlns:a16="http://schemas.microsoft.com/office/drawing/2014/main" id="{3603C63F-9FB5-15B8-6A4B-1E81EE54DCA1}"/>
+                <a16:creationId xmlns:a16="http://schemas.microsoft.com/office/drawing/2014/main" id="{40507B04-F2DB-98A4-D942-BFC77170B7CC}"/>
               </a:ext>
             </a:extLst>
           </p:cNvPr>
@@ -8227,8 +7087,8 @@
         </p:nvSpPr>
         <p:spPr>
           <a:xfrm>
-            <a:off x="171451" y="804519"/>
-            <a:ext cx="7332967" cy="1049235"/>
+            <a:off x="1451579" y="804519"/>
+            <a:ext cx="9603275" cy="1049235"/>
           </a:xfrm>
         </p:spPr>
         <p:txBody>
@@ -8239,133 +7099,17 @@
           <a:p>
             <a:r>
               <a:rPr lang="en-US" dirty="0"/>
-              <a:t>Training and Validation Diverge</a:t>
-            </a:r>
-          </a:p>
-        </p:txBody>
-      </p:sp>
-      <p:sp>
-        <p:nvSpPr>
-          <p:cNvPr id="3" name="Content Placeholder 2">
-            <a:extLst>
-              <a:ext uri="{FF2B5EF4-FFF2-40B4-BE49-F238E27FC236}">
-                <a16:creationId xmlns:a16="http://schemas.microsoft.com/office/drawing/2014/main" id="{E29BAF1F-B81E-7807-4D2B-D1471708A346}"/>
-              </a:ext>
-            </a:extLst>
-          </p:cNvPr>
-          <p:cNvSpPr>
-            <a:spLocks noGrp="1"/>
-          </p:cNvSpPr>
-          <p:nvPr>
-            <p:ph idx="1"/>
-          </p:nvPr>
-        </p:nvSpPr>
-        <p:spPr>
-          <a:xfrm>
-            <a:off x="12618" y="1853754"/>
-            <a:ext cx="7491800" cy="4199727"/>
-          </a:xfrm>
-        </p:spPr>
-        <p:txBody>
-          <a:bodyPr>
-            <a:normAutofit/>
-          </a:bodyPr>
-          <a:lstStyle/>
-          <a:p>
-            <a:r>
-              <a:rPr lang="en-US" dirty="0"/>
-              <a:t>Probably the most common issue is overfitting. </a:t>
-            </a:r>
-          </a:p>
-          <a:p>
-            <a:pPr lvl="1"/>
-            <a:r>
-              <a:rPr lang="en-US" dirty="0"/>
-              <a:t>Training gets really accurate, validation is far behind. </a:t>
-            </a:r>
-          </a:p>
-          <a:p>
-            <a:pPr lvl="1"/>
-            <a:r>
-              <a:rPr lang="en-US" dirty="0"/>
-              <a:t>Validation hits a low point, then gets worse as training improves. </a:t>
-            </a:r>
-          </a:p>
-          <a:p>
-            <a:r>
-              <a:rPr lang="en-US" dirty="0"/>
-              <a:t>Learns everything in training, generalizes poorly. </a:t>
-            </a:r>
-          </a:p>
-          <a:p>
-            <a:pPr lvl="1"/>
-            <a:r>
-              <a:rPr lang="en-US" dirty="0"/>
-              <a:t>Reduce model capacity. </a:t>
-            </a:r>
-          </a:p>
-          <a:p>
-            <a:pPr lvl="1"/>
-            <a:r>
-              <a:rPr lang="en-US" dirty="0"/>
-              <a:t>Add regularization. </a:t>
-            </a:r>
-          </a:p>
-          <a:p>
-            <a:pPr lvl="1"/>
-            <a:r>
-              <a:rPr lang="en-US" dirty="0"/>
-              <a:t>Add dropout layers. </a:t>
-            </a:r>
-          </a:p>
-          <a:p>
-            <a:pPr lvl="1"/>
-            <a:r>
-              <a:rPr lang="en-US" dirty="0"/>
-              <a:t>Early stopping – careful with tolerance settings. </a:t>
-            </a:r>
-          </a:p>
-          <a:p>
-            <a:pPr lvl="1"/>
-            <a:r>
-              <a:rPr lang="en-US" dirty="0"/>
-              <a:t>Learning rate (or </a:t>
-            </a:r>
-            <a:r>
-              <a:rPr lang="en-US" dirty="0" err="1"/>
-              <a:t>lr</a:t>
-            </a:r>
-            <a:r>
-              <a:rPr lang="en-US" dirty="0"/>
-              <a:t> stuff) change – may be stuck in local minima. </a:t>
-            </a:r>
-          </a:p>
-          <a:p>
-            <a:r>
-              <a:rPr lang="en-US" dirty="0"/>
-              <a:t>Pattern’s quite normal – gap </a:t>
-            </a:r>
-            <a:r>
-              <a:rPr lang="en-US" dirty="0" err="1"/>
-              <a:t>btwn</a:t>
-            </a:r>
-            <a:r>
-              <a:rPr lang="en-US" dirty="0"/>
-              <a:t> curves is potential improvement.</a:t>
-            </a:r>
-          </a:p>
-          <a:p>
-            <a:pPr lvl="1"/>
-            <a:endParaRPr lang="en-US" dirty="0"/>
+              <a:t>Batch Normalization</a:t>
+            </a:r>
           </a:p>
         </p:txBody>
       </p:sp>
       <p:pic>
         <p:nvPicPr>
-          <p:cNvPr id="3078" name="Picture 6" descr="loss_plot2">
+          <p:cNvPr id="2050" name="Picture 2">
             <a:extLst>
               <a:ext uri="{FF2B5EF4-FFF2-40B4-BE49-F238E27FC236}">
-                <a16:creationId xmlns:a16="http://schemas.microsoft.com/office/drawing/2014/main" id="{92286DBD-2A5C-7407-71CB-CE4E72635A15}"/>
+                <a16:creationId xmlns:a16="http://schemas.microsoft.com/office/drawing/2014/main" id="{DACB7CF9-B17A-78F0-88AC-6F1FA8C4D4E2}"/>
               </a:ext>
             </a:extLst>
           </p:cNvPr>
@@ -8374,7 +7118,7 @@
           </p:cNvPicPr>
           <p:nvPr/>
         </p:nvPicPr>
-        <p:blipFill>
+        <p:blipFill rotWithShape="1">
           <a:blip r:embed="rId2">
             <a:extLst>
               <a:ext uri="{28A0092B-C50C-407E-A947-70E740481C1C}">
@@ -8382,15 +7126,13 @@
               </a:ext>
             </a:extLst>
           </a:blip>
-          <a:srcRect/>
-          <a:stretch>
-            <a:fillRect/>
-          </a:stretch>
+          <a:srcRect l="15422"/>
+          <a:stretch/>
         </p:blipFill>
         <p:spPr bwMode="auto">
           <a:xfrm>
-            <a:off x="7509668" y="-5209"/>
-            <a:ext cx="4669714" cy="3717925"/>
+            <a:off x="1" y="1853754"/>
+            <a:ext cx="4902678" cy="2695444"/>
           </a:xfrm>
           <a:prstGeom prst="rect">
             <a:avLst/>
@@ -8407,55 +7149,124 @@
           </a:extLst>
         </p:spPr>
       </p:pic>
+      <p:sp>
+        <p:nvSpPr>
+          <p:cNvPr id="3" name="Content Placeholder 2">
+            <a:extLst>
+              <a:ext uri="{FF2B5EF4-FFF2-40B4-BE49-F238E27FC236}">
+                <a16:creationId xmlns:a16="http://schemas.microsoft.com/office/drawing/2014/main" id="{04C7B768-B788-7A3C-3953-7744E3C3FF4D}"/>
+              </a:ext>
+            </a:extLst>
+          </p:cNvPr>
+          <p:cNvSpPr>
+            <a:spLocks noGrp="1"/>
+          </p:cNvSpPr>
+          <p:nvPr>
+            <p:ph idx="1"/>
+          </p:nvPr>
+        </p:nvSpPr>
+        <p:spPr>
+          <a:xfrm>
+            <a:off x="5208609" y="1853754"/>
+            <a:ext cx="6983392" cy="4199727"/>
+          </a:xfrm>
+        </p:spPr>
+        <p:txBody>
+          <a:bodyPr>
+            <a:normAutofit/>
+          </a:bodyPr>
+          <a:lstStyle/>
+          <a:p>
+            <a:r>
+              <a:rPr lang="en-US" dirty="0"/>
+              <a:t>Another gradient maintaining technique is batch normalization. </a:t>
+            </a:r>
+          </a:p>
+          <a:p>
+            <a:r>
+              <a:rPr lang="en-US" dirty="0"/>
+              <a:t>Batch normalization will shift the distribution back to “the middle”, where gradients exist. </a:t>
+            </a:r>
+          </a:p>
+          <a:p>
+            <a:pPr lvl="1"/>
+            <a:r>
+              <a:rPr lang="en-US" dirty="0"/>
+              <a:t>“Flat” gradients may vanish – near 0/1 with sigmoid. </a:t>
+            </a:r>
+          </a:p>
+          <a:p>
+            <a:pPr lvl="1"/>
+            <a:r>
+              <a:rPr lang="en-US" dirty="0"/>
+              <a:t>In </a:t>
+            </a:r>
+            <a:r>
+              <a:rPr lang="en-US" dirty="0" err="1"/>
+              <a:t>relu</a:t>
+            </a:r>
+            <a:r>
+              <a:rPr lang="en-US" dirty="0"/>
+              <a:t>, may die and go negative where there’s no gradient. </a:t>
+            </a:r>
+          </a:p>
+          <a:p>
+            <a:r>
+              <a:rPr lang="en-US" dirty="0"/>
+              <a:t>Usually applied after dense layer, but can vary. </a:t>
+            </a:r>
+          </a:p>
+          <a:p>
+            <a:r>
+              <a:rPr lang="en-US" dirty="0"/>
+              <a:t>Can often allow higher learning rates to work.</a:t>
+            </a:r>
+          </a:p>
+          <a:p>
+            <a:r>
+              <a:rPr lang="en-US" dirty="0"/>
+              <a:t>Note: we should normalize normally still. </a:t>
+            </a:r>
+          </a:p>
+          <a:p>
+            <a:endParaRPr lang="en-US" dirty="0"/>
+          </a:p>
+        </p:txBody>
+      </p:sp>
       <p:pic>
         <p:nvPicPr>
-          <p:cNvPr id="3082" name="Picture 10" descr="convolutional neural network - Not smooth validation accuracy vs test  accuracy. When to stop - Cross Validated">
+          <p:cNvPr id="4" name="Picture 3">
             <a:extLst>
               <a:ext uri="{FF2B5EF4-FFF2-40B4-BE49-F238E27FC236}">
-                <a16:creationId xmlns:a16="http://schemas.microsoft.com/office/drawing/2014/main" id="{96EF1CF0-3803-E2D6-331A-7ACD852A6779}"/>
+                <a16:creationId xmlns:a16="http://schemas.microsoft.com/office/drawing/2014/main" id="{365C0691-8F19-F627-1CEB-290C78CF3C16}"/>
               </a:ext>
             </a:extLst>
           </p:cNvPr>
           <p:cNvPicPr>
-            <a:picLocks noChangeAspect="1" noChangeArrowheads="1"/>
+            <a:picLocks noChangeAspect="1"/>
           </p:cNvPicPr>
           <p:nvPr/>
         </p:nvPicPr>
-        <p:blipFill rotWithShape="1">
-          <a:blip r:embed="rId3">
-            <a:extLst>
-              <a:ext uri="{28A0092B-C50C-407E-A947-70E740481C1C}">
-                <a14:useLocalDpi xmlns:a14="http://schemas.microsoft.com/office/drawing/2010/main" val="0"/>
-              </a:ext>
-            </a:extLst>
-          </a:blip>
-          <a:srcRect t="50000"/>
-          <a:stretch/>
+        <p:blipFill>
+          <a:blip r:embed="rId3"/>
+          <a:stretch>
+            <a:fillRect/>
+          </a:stretch>
         </p:blipFill>
-        <p:spPr bwMode="auto">
-          <a:xfrm>
-            <a:off x="7504418" y="3565556"/>
-            <a:ext cx="4674964" cy="3292443"/>
+        <p:spPr>
+          <a:xfrm>
+            <a:off x="0" y="4549198"/>
+            <a:ext cx="4317357" cy="2308802"/>
           </a:xfrm>
           <a:prstGeom prst="rect">
             <a:avLst/>
           </a:prstGeom>
-          <a:noFill/>
-          <a:extLst>
-            <a:ext uri="{909E8E84-426E-40DD-AFC4-6F175D3DCCD1}">
-              <a14:hiddenFill xmlns:a14="http://schemas.microsoft.com/office/drawing/2010/main">
-                <a:solidFill>
-                  <a:srgbClr val="FFFFFF"/>
-                </a:solidFill>
-              </a14:hiddenFill>
-            </a:ext>
-          </a:extLst>
         </p:spPr>
       </p:pic>
     </p:spTree>
     <p:extLst>
       <p:ext uri="{BB962C8B-B14F-4D97-AF65-F5344CB8AC3E}">
-        <p14:creationId xmlns:p14="http://schemas.microsoft.com/office/powerpoint/2010/main" val="2586705123"/>
+        <p14:creationId xmlns:p14="http://schemas.microsoft.com/office/powerpoint/2010/main" val="1687437132"/>
       </p:ext>
     </p:extLst>
   </p:cSld>
@@ -8465,7 +7276,7 @@
 </p:sld>
 </file>
 
-<file path=ppt/slides/slide34.xml><?xml version="1.0" encoding="utf-8"?>
+<file path=ppt/slides/slide28.xml><?xml version="1.0" encoding="utf-8"?>
 <p:sld xmlns:a="http://schemas.openxmlformats.org/drawingml/2006/main" xmlns:r="http://schemas.openxmlformats.org/officeDocument/2006/relationships" xmlns:p="http://schemas.openxmlformats.org/presentationml/2006/main">
   <p:cSld>
     <p:spTree>
@@ -8487,7 +7298,7 @@
           <p:cNvPr id="2" name="Title 1">
             <a:extLst>
               <a:ext uri="{FF2B5EF4-FFF2-40B4-BE49-F238E27FC236}">
-                <a16:creationId xmlns:a16="http://schemas.microsoft.com/office/drawing/2014/main" id="{44CE85F9-9ED0-4691-4FC2-91DA448CA86F}"/>
+                <a16:creationId xmlns:a16="http://schemas.microsoft.com/office/drawing/2014/main" id="{12EB02ED-4B2D-A4D0-9A1B-F5D886A1D4DA}"/>
               </a:ext>
             </a:extLst>
           </p:cNvPr>
@@ -8498,20 +7309,12 @@
             <p:ph type="title"/>
           </p:nvPr>
         </p:nvSpPr>
-        <p:spPr>
-          <a:xfrm>
-            <a:off x="5072062" y="804519"/>
-            <a:ext cx="5982791" cy="1049235"/>
-          </a:xfrm>
-        </p:spPr>
+        <p:spPr/>
         <p:txBody>
           <a:bodyPr/>
           <a:lstStyle/>
           <a:p>
-            <a:r>
-              <a:rPr lang="en-US" dirty="0"/>
-              <a:t>Unstable Plots</a:t>
-            </a:r>
+            <a:endParaRPr lang="en-US"/>
           </a:p>
         </p:txBody>
       </p:sp>
@@ -8520,7 +7323,7 @@
           <p:cNvPr id="3" name="Content Placeholder 2">
             <a:extLst>
               <a:ext uri="{FF2B5EF4-FFF2-40B4-BE49-F238E27FC236}">
-                <a16:creationId xmlns:a16="http://schemas.microsoft.com/office/drawing/2014/main" id="{EC708040-CDB1-E57F-C6A9-C3F839E244F6}"/>
+                <a16:creationId xmlns:a16="http://schemas.microsoft.com/office/drawing/2014/main" id="{79262A70-7FB5-F2DE-F3DF-7165887D447B}"/>
               </a:ext>
             </a:extLst>
           </p:cNvPr>
@@ -8531,89 +7334,12 @@
             <p:ph idx="1"/>
           </p:nvPr>
         </p:nvSpPr>
-        <p:spPr>
-          <a:xfrm>
-            <a:off x="4584990" y="1853754"/>
-            <a:ext cx="7607011" cy="4199727"/>
-          </a:xfrm>
-        </p:spPr>
-        <p:txBody>
-          <a:bodyPr>
-            <a:normAutofit fontScale="92500" lnSpcReduction="10000"/>
-          </a:bodyPr>
-          <a:lstStyle/>
-          <a:p>
-            <a:r>
-              <a:rPr lang="en-US" dirty="0"/>
-              <a:t>Unstable results can have several causes. </a:t>
-            </a:r>
-          </a:p>
-          <a:p>
-            <a:r>
-              <a:rPr lang="en-US" dirty="0"/>
-              <a:t>Model’s accuracy swings wildly between tests. </a:t>
-            </a:r>
-          </a:p>
-          <a:p>
-            <a:pPr lvl="1"/>
-            <a:r>
-              <a:rPr lang="en-US" dirty="0"/>
-              <a:t>Data processing – outliers, scaling. </a:t>
-            </a:r>
-          </a:p>
-          <a:p>
-            <a:pPr lvl="1"/>
-            <a:r>
-              <a:rPr lang="en-US" dirty="0"/>
-              <a:t>Data size – overall and validation set size. </a:t>
-            </a:r>
-          </a:p>
-          <a:p>
-            <a:pPr lvl="1"/>
-            <a:r>
-              <a:rPr lang="en-US" dirty="0"/>
-              <a:t>Is the data representative, and are train/test splits balanced*. </a:t>
-            </a:r>
-          </a:p>
-          <a:p>
-            <a:pPr lvl="1"/>
-            <a:r>
-              <a:rPr lang="en-US" dirty="0"/>
-              <a:t>Increase batch size. </a:t>
-            </a:r>
-          </a:p>
-          <a:p>
-            <a:pPr lvl="1"/>
-            <a:r>
-              <a:rPr lang="en-US" dirty="0"/>
-              <a:t>Learning rate things – may be ‘jumping around’ instead of converging. </a:t>
-            </a:r>
-          </a:p>
-          <a:p>
-            <a:pPr lvl="1"/>
-            <a:r>
-              <a:rPr lang="en-US" dirty="0"/>
-              <a:t>Initialization (potentially bottom picture). </a:t>
-            </a:r>
-          </a:p>
-          <a:p>
-            <a:r>
-              <a:rPr lang="en-US" dirty="0"/>
-              <a:t>This can be hard to stop in small data sets – don’t worry too much. </a:t>
-            </a:r>
-          </a:p>
-          <a:p>
-            <a:r>
-              <a:rPr lang="en-US" dirty="0"/>
-              <a:t>Some instability can happen, if it flattens then it’s probably ok. </a:t>
-            </a:r>
-          </a:p>
-          <a:p>
-            <a:pPr lvl="1"/>
-            <a:r>
-              <a:rPr lang="en-US" dirty="0"/>
-              <a:t>Be aware of scale – if loss difference is small, you might just be zoomed. </a:t>
-            </a:r>
+        <p:spPr/>
+        <p:txBody>
+          <a:bodyPr/>
+          <a:lstStyle/>
+          <a:p>
+            <a:endParaRPr lang="en-US"/>
           </a:p>
         </p:txBody>
       </p:sp>
@@ -8622,7 +7348,7 @@
           <p:cNvPr id="4098" name="Picture 2">
             <a:extLst>
               <a:ext uri="{FF2B5EF4-FFF2-40B4-BE49-F238E27FC236}">
-                <a16:creationId xmlns:a16="http://schemas.microsoft.com/office/drawing/2014/main" id="{B44F4A06-1C99-2509-308A-618ADE27519F}"/>
+                <a16:creationId xmlns:a16="http://schemas.microsoft.com/office/drawing/2014/main" id="{2C2DDD5C-391D-91D2-A435-8110CC33187B}"/>
               </a:ext>
             </a:extLst>
           </p:cNvPr>
@@ -8646,8 +7372,8 @@
         </p:blipFill>
         <p:spPr bwMode="auto">
           <a:xfrm>
-            <a:off x="0" y="3425858"/>
-            <a:ext cx="4576190" cy="3432142"/>
+            <a:off x="0" y="1400175"/>
+            <a:ext cx="12192000" cy="4057650"/>
           </a:xfrm>
           <a:prstGeom prst="rect">
             <a:avLst/>
@@ -8664,12 +7390,448 @@
           </a:extLst>
         </p:spPr>
       </p:pic>
+    </p:spTree>
+    <p:extLst>
+      <p:ext uri="{BB962C8B-B14F-4D97-AF65-F5344CB8AC3E}">
+        <p14:creationId xmlns:p14="http://schemas.microsoft.com/office/powerpoint/2010/main" val="3011999725"/>
+      </p:ext>
+    </p:extLst>
+  </p:cSld>
+  <p:clrMapOvr>
+    <a:masterClrMapping/>
+  </p:clrMapOvr>
+</p:sld>
+</file>
+
+<file path=ppt/slides/slide29.xml><?xml version="1.0" encoding="utf-8"?>
+<p:sld xmlns:a="http://schemas.openxmlformats.org/drawingml/2006/main" xmlns:r="http://schemas.openxmlformats.org/officeDocument/2006/relationships" xmlns:p="http://schemas.openxmlformats.org/presentationml/2006/main">
+  <p:cSld>
+    <p:spTree>
+      <p:nvGrpSpPr>
+        <p:cNvPr id="1" name=""/>
+        <p:cNvGrpSpPr/>
+        <p:nvPr/>
+      </p:nvGrpSpPr>
+      <p:grpSpPr>
+        <a:xfrm>
+          <a:off x="0" y="0"/>
+          <a:ext cx="0" cy="0"/>
+          <a:chOff x="0" y="0"/>
+          <a:chExt cx="0" cy="0"/>
+        </a:xfrm>
+      </p:grpSpPr>
+      <p:sp>
+        <p:nvSpPr>
+          <p:cNvPr id="2" name="Title 1">
+            <a:extLst>
+              <a:ext uri="{FF2B5EF4-FFF2-40B4-BE49-F238E27FC236}">
+                <a16:creationId xmlns:a16="http://schemas.microsoft.com/office/drawing/2014/main" id="{8AB3D8A8-1279-C44F-AB18-28BCD74E016C}"/>
+              </a:ext>
+            </a:extLst>
+          </p:cNvPr>
+          <p:cNvSpPr>
+            <a:spLocks noGrp="1"/>
+          </p:cNvSpPr>
+          <p:nvPr>
+            <p:ph type="title"/>
+          </p:nvPr>
+        </p:nvSpPr>
+        <p:spPr/>
+        <p:txBody>
+          <a:bodyPr/>
+          <a:lstStyle/>
+          <a:p>
+            <a:r>
+              <a:rPr lang="en-US" dirty="0"/>
+              <a:t>Initialization </a:t>
+            </a:r>
+          </a:p>
+        </p:txBody>
+      </p:sp>
+      <p:sp>
+        <p:nvSpPr>
+          <p:cNvPr id="3" name="Content Placeholder 2">
+            <a:extLst>
+              <a:ext uri="{FF2B5EF4-FFF2-40B4-BE49-F238E27FC236}">
+                <a16:creationId xmlns:a16="http://schemas.microsoft.com/office/drawing/2014/main" id="{E6932690-B733-C245-A962-ECCC4BCA3B54}"/>
+              </a:ext>
+            </a:extLst>
+          </p:cNvPr>
+          <p:cNvSpPr>
+            <a:spLocks noGrp="1"/>
+          </p:cNvSpPr>
+          <p:nvPr>
+            <p:ph idx="1"/>
+          </p:nvPr>
+        </p:nvSpPr>
+        <p:spPr>
+          <a:xfrm>
+            <a:off x="1451579" y="1853754"/>
+            <a:ext cx="9603275" cy="4199727"/>
+          </a:xfrm>
+        </p:spPr>
+        <p:txBody>
+          <a:bodyPr>
+            <a:normAutofit lnSpcReduction="10000"/>
+          </a:bodyPr>
+          <a:lstStyle/>
+          <a:p>
+            <a:r>
+              <a:rPr lang="en-US" dirty="0"/>
+              <a:t>Initialization controls how the weight and bias values start. </a:t>
+            </a:r>
+          </a:p>
+          <a:p>
+            <a:r>
+              <a:rPr lang="en-US" dirty="0"/>
+              <a:t>Can be controlled via a parameter for each layer:</a:t>
+            </a:r>
+          </a:p>
+          <a:p>
+            <a:pPr lvl="1"/>
+            <a:r>
+              <a:rPr lang="en-US" dirty="0"/>
+              <a:t>Weight initialization is by default is “</a:t>
+            </a:r>
+            <a:r>
+              <a:rPr lang="en-US" dirty="0" err="1"/>
+              <a:t>glorot_uniform</a:t>
+            </a:r>
+            <a:r>
+              <a:rPr lang="en-US" dirty="0"/>
+              <a:t>” – a variety of random. </a:t>
+            </a:r>
+          </a:p>
+          <a:p>
+            <a:pPr lvl="1"/>
+            <a:r>
+              <a:rPr lang="en-US" dirty="0"/>
+              <a:t>Bias initialization defaults to 0. </a:t>
+            </a:r>
+          </a:p>
+          <a:p>
+            <a:pPr lvl="1"/>
+            <a:r>
+              <a:rPr lang="en-US" dirty="0"/>
+              <a:t>We can preset the output layer with the log of the expectation (for logit). </a:t>
+            </a:r>
+          </a:p>
+          <a:p>
+            <a:r>
+              <a:rPr lang="en-US" dirty="0"/>
+              <a:t>This can help the model train – both in speed and potential for convergence. </a:t>
+            </a:r>
+          </a:p>
+          <a:p>
+            <a:r>
+              <a:rPr lang="en-US" dirty="0"/>
+              <a:t>Imbalanced data – the data has a “bias” to start with. </a:t>
+            </a:r>
+          </a:p>
+          <a:p>
+            <a:pPr lvl="1"/>
+            <a:r>
+              <a:rPr lang="en-US" dirty="0"/>
+              <a:t>Set bias on output layer to the bias in the data. </a:t>
+            </a:r>
+          </a:p>
+          <a:p>
+            <a:pPr lvl="1"/>
+            <a:r>
+              <a:rPr lang="en-US" dirty="0"/>
+              <a:t>Network doesn’t need to learn the massive shift in bias. </a:t>
+            </a:r>
+          </a:p>
+          <a:p>
+            <a:pPr lvl="1"/>
+            <a:r>
+              <a:rPr lang="en-US" dirty="0"/>
+              <a:t>Faster convergence and more accuracy. </a:t>
+            </a:r>
+          </a:p>
+          <a:p>
+            <a:endParaRPr lang="en-US" dirty="0"/>
+          </a:p>
+        </p:txBody>
+      </p:sp>
+    </p:spTree>
+    <p:extLst>
+      <p:ext uri="{BB962C8B-B14F-4D97-AF65-F5344CB8AC3E}">
+        <p14:creationId xmlns:p14="http://schemas.microsoft.com/office/powerpoint/2010/main" val="2996444863"/>
+      </p:ext>
+    </p:extLst>
+  </p:cSld>
+  <p:clrMapOvr>
+    <a:masterClrMapping/>
+  </p:clrMapOvr>
+</p:sld>
+</file>
+
+<file path=ppt/slides/slide3.xml><?xml version="1.0" encoding="utf-8"?>
+<p:sld xmlns:a="http://schemas.openxmlformats.org/drawingml/2006/main" xmlns:r="http://schemas.openxmlformats.org/officeDocument/2006/relationships" xmlns:p="http://schemas.openxmlformats.org/presentationml/2006/main">
+  <p:cSld>
+    <p:spTree>
+      <p:nvGrpSpPr>
+        <p:cNvPr id="1" name=""/>
+        <p:cNvGrpSpPr/>
+        <p:nvPr/>
+      </p:nvGrpSpPr>
+      <p:grpSpPr>
+        <a:xfrm>
+          <a:off x="0" y="0"/>
+          <a:ext cx="0" cy="0"/>
+          <a:chOff x="0" y="0"/>
+          <a:chExt cx="0" cy="0"/>
+        </a:xfrm>
+      </p:grpSpPr>
+      <p:sp>
+        <p:nvSpPr>
+          <p:cNvPr id="2" name="Title 1">
+            <a:extLst>
+              <a:ext uri="{FF2B5EF4-FFF2-40B4-BE49-F238E27FC236}">
+                <a16:creationId xmlns:a16="http://schemas.microsoft.com/office/drawing/2014/main" id="{C714B66D-AFB2-A3EE-5997-4D1F0B95FC89}"/>
+              </a:ext>
+            </a:extLst>
+          </p:cNvPr>
+          <p:cNvSpPr>
+            <a:spLocks noGrp="1"/>
+          </p:cNvSpPr>
+          <p:nvPr>
+            <p:ph type="title"/>
+          </p:nvPr>
+        </p:nvSpPr>
+        <p:spPr/>
+        <p:txBody>
+          <a:bodyPr/>
+          <a:lstStyle/>
+          <a:p>
+            <a:r>
+              <a:rPr lang="en-US" dirty="0"/>
+              <a:t>Project (Other Class) Stuff</a:t>
+            </a:r>
+          </a:p>
+        </p:txBody>
+      </p:sp>
+      <p:sp>
+        <p:nvSpPr>
+          <p:cNvPr id="3" name="Content Placeholder 2">
+            <a:extLst>
+              <a:ext uri="{FF2B5EF4-FFF2-40B4-BE49-F238E27FC236}">
+                <a16:creationId xmlns:a16="http://schemas.microsoft.com/office/drawing/2014/main" id="{20141979-88C3-CEA4-3B52-F2E898F296B1}"/>
+              </a:ext>
+            </a:extLst>
+          </p:cNvPr>
+          <p:cNvSpPr>
+            <a:spLocks noGrp="1"/>
+          </p:cNvSpPr>
+          <p:nvPr>
+            <p:ph idx="1"/>
+          </p:nvPr>
+        </p:nvSpPr>
+        <p:spPr>
+          <a:xfrm>
+            <a:off x="728663" y="1853754"/>
+            <a:ext cx="11058525" cy="4199727"/>
+          </a:xfrm>
+        </p:spPr>
+        <p:txBody>
+          <a:bodyPr>
+            <a:normAutofit/>
+          </a:bodyPr>
+          <a:lstStyle/>
+          <a:p>
+            <a:r>
+              <a:rPr lang="en-US" dirty="0"/>
+              <a:t>If you are still doing real estate, think about large scale feature construction. </a:t>
+            </a:r>
+          </a:p>
+          <a:p>
+            <a:r>
+              <a:rPr lang="en-US" dirty="0"/>
+              <a:t>You can make many features from latitude and longitude that may matter. </a:t>
+            </a:r>
+          </a:p>
+          <a:p>
+            <a:pPr lvl="1"/>
+            <a:r>
+              <a:rPr lang="en-US" dirty="0"/>
+              <a:t>I’d make a lot of them, since you have a lot of data, and let the model sort it out. </a:t>
+            </a:r>
+          </a:p>
+          <a:p>
+            <a:r>
+              <a:rPr lang="en-US" dirty="0"/>
+              <a:t>Directly calculable via spatial joins and spatial files you can find online (Google mapping/spatial/</a:t>
+            </a:r>
+            <a:r>
+              <a:rPr lang="en-US" dirty="0" err="1"/>
+              <a:t>gis</a:t>
+            </a:r>
+            <a:r>
+              <a:rPr lang="en-US" dirty="0"/>
+              <a:t>):</a:t>
+            </a:r>
+          </a:p>
+          <a:p>
+            <a:pPr lvl="1"/>
+            <a:r>
+              <a:rPr lang="en-US" dirty="0"/>
+              <a:t>Distance from almost anything – roads, schools, water, commerce, neighbors, etc.</a:t>
+            </a:r>
+          </a:p>
+          <a:p>
+            <a:pPr lvl="1"/>
+            <a:r>
+              <a:rPr lang="en-US" dirty="0"/>
+              <a:t>Stats – density, comparison to neighbors, trends, crime, construction, census data (wealth, education, etc.)</a:t>
+            </a:r>
+          </a:p>
+          <a:p>
+            <a:r>
+              <a:rPr lang="en-US" dirty="0"/>
+              <a:t>Calculable with potentially free services online – time to get places, real estate stuff, sun. </a:t>
+            </a:r>
+          </a:p>
+          <a:p>
+            <a:r>
+              <a:rPr lang="en-US" dirty="0"/>
+              <a:t>Possible with large scale scraping – real estate data, all kinds of other stuff. </a:t>
+            </a:r>
+          </a:p>
+          <a:p>
+            <a:r>
+              <a:rPr lang="en-US" dirty="0"/>
+              <a:t>I’d try to cast as wide a net as possible and get almost anything I could automate as a start. </a:t>
+            </a:r>
+          </a:p>
+        </p:txBody>
+      </p:sp>
+    </p:spTree>
+    <p:extLst>
+      <p:ext uri="{BB962C8B-B14F-4D97-AF65-F5344CB8AC3E}">
+        <p14:creationId xmlns:p14="http://schemas.microsoft.com/office/powerpoint/2010/main" val="3300512849"/>
+      </p:ext>
+    </p:extLst>
+  </p:cSld>
+  <p:clrMapOvr>
+    <a:masterClrMapping/>
+  </p:clrMapOvr>
+</p:sld>
+</file>
+
+<file path=ppt/slides/slide30.xml><?xml version="1.0" encoding="utf-8"?>
+<p:sld xmlns:a="http://schemas.openxmlformats.org/drawingml/2006/main" xmlns:r="http://schemas.openxmlformats.org/officeDocument/2006/relationships" xmlns:p="http://schemas.openxmlformats.org/presentationml/2006/main">
+  <p:cSld>
+    <p:spTree>
+      <p:nvGrpSpPr>
+        <p:cNvPr id="1" name=""/>
+        <p:cNvGrpSpPr/>
+        <p:nvPr/>
+      </p:nvGrpSpPr>
+      <p:grpSpPr>
+        <a:xfrm>
+          <a:off x="0" y="0"/>
+          <a:ext cx="0" cy="0"/>
+          <a:chOff x="0" y="0"/>
+          <a:chExt cx="0" cy="0"/>
+        </a:xfrm>
+      </p:grpSpPr>
+      <p:sp>
+        <p:nvSpPr>
+          <p:cNvPr id="2" name="Title 1">
+            <a:extLst>
+              <a:ext uri="{FF2B5EF4-FFF2-40B4-BE49-F238E27FC236}">
+                <a16:creationId xmlns:a16="http://schemas.microsoft.com/office/drawing/2014/main" id="{8E701F95-B618-A7AB-FF6B-7AF73C21932E}"/>
+              </a:ext>
+            </a:extLst>
+          </p:cNvPr>
+          <p:cNvSpPr>
+            <a:spLocks noGrp="1"/>
+          </p:cNvSpPr>
+          <p:nvPr>
+            <p:ph type="title"/>
+          </p:nvPr>
+        </p:nvSpPr>
+        <p:spPr/>
+        <p:txBody>
+          <a:bodyPr/>
+          <a:lstStyle/>
+          <a:p>
+            <a:r>
+              <a:rPr lang="en-US" dirty="0"/>
+              <a:t>Refresher - regularization</a:t>
+            </a:r>
+          </a:p>
+        </p:txBody>
+      </p:sp>
+      <p:sp>
+        <p:nvSpPr>
+          <p:cNvPr id="3" name="Content Placeholder 2">
+            <a:extLst>
+              <a:ext uri="{FF2B5EF4-FFF2-40B4-BE49-F238E27FC236}">
+                <a16:creationId xmlns:a16="http://schemas.microsoft.com/office/drawing/2014/main" id="{2E156C3E-5CAF-F8A6-E7F0-120D8C6CAFA5}"/>
+              </a:ext>
+            </a:extLst>
+          </p:cNvPr>
+          <p:cNvSpPr>
+            <a:spLocks noGrp="1"/>
+          </p:cNvSpPr>
+          <p:nvPr>
+            <p:ph idx="1"/>
+          </p:nvPr>
+        </p:nvSpPr>
+        <p:spPr>
+          <a:xfrm>
+            <a:off x="1451579" y="1853755"/>
+            <a:ext cx="9603275" cy="2265242"/>
+          </a:xfrm>
+        </p:spPr>
+        <p:txBody>
+          <a:bodyPr/>
+          <a:lstStyle/>
+          <a:p>
+            <a:r>
+              <a:rPr lang="en-US" dirty="0"/>
+              <a:t>We typically use some regularization in our models. </a:t>
+            </a:r>
+          </a:p>
+          <a:p>
+            <a:pPr lvl="1"/>
+            <a:r>
+              <a:rPr lang="en-US" dirty="0"/>
+              <a:t>Semi-standard as neural networks are large and flexible, and this constrains overfit. </a:t>
+            </a:r>
+          </a:p>
+          <a:p>
+            <a:pPr lvl="1"/>
+            <a:r>
+              <a:rPr lang="en-US" dirty="0"/>
+              <a:t>L1/L2 – works just as in regression, can be applied in layer as a hyperparameter. </a:t>
+            </a:r>
+          </a:p>
+          <a:p>
+            <a:pPr lvl="1"/>
+            <a:r>
+              <a:rPr lang="en-US" dirty="0"/>
+              <a:t>Dropout – removes some percentage of neurons randomly each batch of </a:t>
+            </a:r>
+            <a:r>
+              <a:rPr lang="en-US" b="1" dirty="0"/>
+              <a:t>training</a:t>
+            </a:r>
+            <a:r>
+              <a:rPr lang="en-US" dirty="0"/>
+              <a:t>, forcing learning to occur on the remainder. Applied as a layer, typically round 20—40% to start. </a:t>
+            </a:r>
+          </a:p>
+        </p:txBody>
+      </p:sp>
       <p:pic>
         <p:nvPicPr>
-          <p:cNvPr id="4100" name="Picture 4" descr="Example of Train and Validation Learning Curves Showing a Validation Dataset That May Be too Small Relative to the Training Dataset">
+          <p:cNvPr id="12290" name="Picture 2" descr="An illustration of the dropout mechanism within a multi-layer neural... |  Download Scientific Diagram">
             <a:extLst>
               <a:ext uri="{FF2B5EF4-FFF2-40B4-BE49-F238E27FC236}">
-                <a16:creationId xmlns:a16="http://schemas.microsoft.com/office/drawing/2014/main" id="{42542716-1765-F8CE-D0F9-D468DA8489FD}"/>
+                <a16:creationId xmlns:a16="http://schemas.microsoft.com/office/drawing/2014/main" id="{2AB7688B-0AD0-F5E0-0253-193C85677D34}"/>
               </a:ext>
             </a:extLst>
           </p:cNvPr>
@@ -8679,7 +7841,7 @@
           <p:nvPr/>
         </p:nvPicPr>
         <p:blipFill>
-          <a:blip r:embed="rId3">
+          <a:blip r:embed="rId2">
             <a:extLst>
               <a:ext uri="{28A0092B-C50C-407E-A947-70E740481C1C}">
                 <a14:useLocalDpi xmlns:a14="http://schemas.microsoft.com/office/drawing/2010/main" val="0"/>
@@ -8693,8 +7855,8 @@
         </p:blipFill>
         <p:spPr bwMode="auto">
           <a:xfrm>
-            <a:off x="8800" y="-3143"/>
-            <a:ext cx="4576190" cy="3432143"/>
+            <a:off x="1621461" y="3838427"/>
+            <a:ext cx="8949078" cy="2905818"/>
           </a:xfrm>
           <a:prstGeom prst="rect">
             <a:avLst/>
@@ -8714,7 +7876,707 @@
     </p:spTree>
     <p:extLst>
       <p:ext uri="{BB962C8B-B14F-4D97-AF65-F5344CB8AC3E}">
-        <p14:creationId xmlns:p14="http://schemas.microsoft.com/office/powerpoint/2010/main" val="2947726657"/>
+        <p14:creationId xmlns:p14="http://schemas.microsoft.com/office/powerpoint/2010/main" val="3865647208"/>
+      </p:ext>
+    </p:extLst>
+  </p:cSld>
+  <p:clrMapOvr>
+    <a:masterClrMapping/>
+  </p:clrMapOvr>
+</p:sld>
+</file>
+
+<file path=ppt/slides/slide31.xml><?xml version="1.0" encoding="utf-8"?>
+<p:sld xmlns:a="http://schemas.openxmlformats.org/drawingml/2006/main" xmlns:r="http://schemas.openxmlformats.org/officeDocument/2006/relationships" xmlns:p="http://schemas.openxmlformats.org/presentationml/2006/main">
+  <p:cSld>
+    <p:spTree>
+      <p:nvGrpSpPr>
+        <p:cNvPr id="1" name=""/>
+        <p:cNvGrpSpPr/>
+        <p:nvPr/>
+      </p:nvGrpSpPr>
+      <p:grpSpPr>
+        <a:xfrm>
+          <a:off x="0" y="0"/>
+          <a:ext cx="0" cy="0"/>
+          <a:chOff x="0" y="0"/>
+          <a:chExt cx="0" cy="0"/>
+        </a:xfrm>
+      </p:grpSpPr>
+      <p:sp>
+        <p:nvSpPr>
+          <p:cNvPr id="2" name="Title 1">
+            <a:extLst>
+              <a:ext uri="{FF2B5EF4-FFF2-40B4-BE49-F238E27FC236}">
+                <a16:creationId xmlns:a16="http://schemas.microsoft.com/office/drawing/2014/main" id="{998811FD-FB04-14C3-51B0-20806479A3B8}"/>
+              </a:ext>
+            </a:extLst>
+          </p:cNvPr>
+          <p:cNvSpPr>
+            <a:spLocks noGrp="1"/>
+          </p:cNvSpPr>
+          <p:nvPr>
+            <p:ph type="title"/>
+          </p:nvPr>
+        </p:nvSpPr>
+        <p:spPr/>
+        <p:txBody>
+          <a:bodyPr/>
+          <a:lstStyle/>
+          <a:p>
+            <a:r>
+              <a:rPr lang="en-US" dirty="0"/>
+              <a:t>Neural Networks are Flexible</a:t>
+            </a:r>
+          </a:p>
+        </p:txBody>
+      </p:sp>
+      <p:sp>
+        <p:nvSpPr>
+          <p:cNvPr id="3" name="Content Placeholder 2">
+            <a:extLst>
+              <a:ext uri="{FF2B5EF4-FFF2-40B4-BE49-F238E27FC236}">
+                <a16:creationId xmlns:a16="http://schemas.microsoft.com/office/drawing/2014/main" id="{F27F93CB-38CB-BCDC-EB9C-1D1A84E32F49}"/>
+              </a:ext>
+            </a:extLst>
+          </p:cNvPr>
+          <p:cNvSpPr>
+            <a:spLocks noGrp="1"/>
+          </p:cNvSpPr>
+          <p:nvPr>
+            <p:ph idx="1"/>
+          </p:nvPr>
+        </p:nvSpPr>
+        <p:spPr>
+          <a:xfrm>
+            <a:off x="1451579" y="1853754"/>
+            <a:ext cx="9603275" cy="4199727"/>
+          </a:xfrm>
+        </p:spPr>
+        <p:txBody>
+          <a:bodyPr/>
+          <a:lstStyle/>
+          <a:p>
+            <a:r>
+              <a:rPr lang="en-US" dirty="0"/>
+              <a:t>This isn’t near all of the things that we can change in a neural network. </a:t>
+            </a:r>
+          </a:p>
+          <a:p>
+            <a:r>
+              <a:rPr lang="en-US" dirty="0"/>
+              <a:t>The flexibility in their learning as they grow means that a wide range of models that are ‘good enough’ will converge on a good solution. </a:t>
+            </a:r>
+          </a:p>
+          <a:p>
+            <a:pPr lvl="1"/>
+            <a:r>
+              <a:rPr lang="en-US" dirty="0"/>
+              <a:t>E.g. the image competition has models with widely different structures fighting for fractions of a percentage of accuracy in a task. </a:t>
+            </a:r>
+          </a:p>
+          <a:p>
+            <a:r>
+              <a:rPr lang="en-US" dirty="0"/>
+              <a:t>Mirror something that is known to work, unless experimenting (which is good). </a:t>
+            </a:r>
+          </a:p>
+          <a:p>
+            <a:r>
+              <a:rPr lang="en-US" dirty="0"/>
+              <a:t>Make reasonable choices, add some excess, regularization, and early stopping, let train. </a:t>
+            </a:r>
+          </a:p>
+          <a:p>
+            <a:pPr lvl="1"/>
+            <a:r>
+              <a:rPr lang="en-US" dirty="0"/>
+              <a:t>Adjust from here based on what you see. </a:t>
+            </a:r>
+          </a:p>
+          <a:p>
+            <a:r>
+              <a:rPr lang="en-US" dirty="0"/>
+              <a:t>Finding the perfect configuration as we did with a grid becomes time impractical quickly. </a:t>
+            </a:r>
+          </a:p>
+        </p:txBody>
+      </p:sp>
+    </p:spTree>
+    <p:extLst>
+      <p:ext uri="{BB962C8B-B14F-4D97-AF65-F5344CB8AC3E}">
+        <p14:creationId xmlns:p14="http://schemas.microsoft.com/office/powerpoint/2010/main" val="2910667997"/>
+      </p:ext>
+    </p:extLst>
+  </p:cSld>
+  <p:clrMapOvr>
+    <a:masterClrMapping/>
+  </p:clrMapOvr>
+</p:sld>
+</file>
+
+<file path=ppt/slides/slide32.xml><?xml version="1.0" encoding="utf-8"?>
+<p:sld xmlns:a="http://schemas.openxmlformats.org/drawingml/2006/main" xmlns:r="http://schemas.openxmlformats.org/officeDocument/2006/relationships" xmlns:p="http://schemas.openxmlformats.org/presentationml/2006/main" show="0">
+  <p:cSld>
+    <p:spTree>
+      <p:nvGrpSpPr>
+        <p:cNvPr id="1" name=""/>
+        <p:cNvGrpSpPr/>
+        <p:nvPr/>
+      </p:nvGrpSpPr>
+      <p:grpSpPr>
+        <a:xfrm>
+          <a:off x="0" y="0"/>
+          <a:ext cx="0" cy="0"/>
+          <a:chOff x="0" y="0"/>
+          <a:chExt cx="0" cy="0"/>
+        </a:xfrm>
+      </p:grpSpPr>
+      <p:sp>
+        <p:nvSpPr>
+          <p:cNvPr id="2" name="Title 1">
+            <a:extLst>
+              <a:ext uri="{FF2B5EF4-FFF2-40B4-BE49-F238E27FC236}">
+                <a16:creationId xmlns:a16="http://schemas.microsoft.com/office/drawing/2014/main" id="{EAF056FD-E697-5353-97FE-84FF67ABB289}"/>
+              </a:ext>
+            </a:extLst>
+          </p:cNvPr>
+          <p:cNvSpPr>
+            <a:spLocks noGrp="1"/>
+          </p:cNvSpPr>
+          <p:nvPr>
+            <p:ph type="title"/>
+          </p:nvPr>
+        </p:nvSpPr>
+        <p:spPr/>
+        <p:txBody>
+          <a:bodyPr/>
+          <a:lstStyle/>
+          <a:p>
+            <a:r>
+              <a:rPr lang="en-US" dirty="0"/>
+              <a:t>Other Tuning - Optimization</a:t>
+            </a:r>
+          </a:p>
+        </p:txBody>
+      </p:sp>
+      <p:sp>
+        <p:nvSpPr>
+          <p:cNvPr id="3" name="Content Placeholder 2">
+            <a:extLst>
+              <a:ext uri="{FF2B5EF4-FFF2-40B4-BE49-F238E27FC236}">
+                <a16:creationId xmlns:a16="http://schemas.microsoft.com/office/drawing/2014/main" id="{F044C5EC-E837-8A77-86C7-0C127E9A7BD8}"/>
+              </a:ext>
+            </a:extLst>
+          </p:cNvPr>
+          <p:cNvSpPr>
+            <a:spLocks noGrp="1"/>
+          </p:cNvSpPr>
+          <p:nvPr>
+            <p:ph idx="1"/>
+          </p:nvPr>
+        </p:nvSpPr>
+        <p:spPr>
+          <a:xfrm>
+            <a:off x="1451579" y="1853754"/>
+            <a:ext cx="9603275" cy="4199727"/>
+          </a:xfrm>
+        </p:spPr>
+        <p:txBody>
+          <a:bodyPr/>
+          <a:lstStyle/>
+          <a:p>
+            <a:r>
+              <a:rPr lang="en-US" dirty="0"/>
+              <a:t>There are a huge number of things that can be changed to tune a neural network model. </a:t>
+            </a:r>
+          </a:p>
+          <a:p>
+            <a:r>
+              <a:rPr lang="en-US" dirty="0"/>
+              <a:t>We are focusing mainly on the ‘structure’ type of things. </a:t>
+            </a:r>
+          </a:p>
+          <a:p>
+            <a:pPr lvl="1"/>
+            <a:r>
+              <a:rPr lang="en-US" dirty="0"/>
+              <a:t>Network size, layers, type, hyperparameters, regularizing (and similar) layers like normalization.</a:t>
+            </a:r>
+          </a:p>
+          <a:p>
+            <a:r>
+              <a:rPr lang="en-US" dirty="0"/>
+              <a:t>We are not really focusing on the optimization part - loss/gradient descent specific things. </a:t>
+            </a:r>
+          </a:p>
+          <a:p>
+            <a:pPr lvl="1"/>
+            <a:r>
+              <a:rPr lang="en-US" dirty="0"/>
+              <a:t>Learning rates, momentum, optimizers. </a:t>
+            </a:r>
+          </a:p>
+          <a:p>
+            <a:pPr lvl="1"/>
+            <a:r>
+              <a:rPr lang="en-US" dirty="0"/>
+              <a:t>This matters, but is more theoretical in theory, and scenario dependent in practice. </a:t>
+            </a:r>
+          </a:p>
+          <a:p>
+            <a:pPr lvl="1"/>
+            <a:r>
+              <a:rPr lang="en-US" dirty="0"/>
+              <a:t>Optimization is critical as problems get larger – converging quickly, or at all, can be hard. </a:t>
+            </a:r>
+          </a:p>
+          <a:p>
+            <a:r>
+              <a:rPr lang="en-US" dirty="0"/>
+              <a:t>For our usage, we can mainly try different learning rates, if needed. </a:t>
+            </a:r>
+          </a:p>
+        </p:txBody>
+      </p:sp>
+    </p:spTree>
+    <p:extLst>
+      <p:ext uri="{BB962C8B-B14F-4D97-AF65-F5344CB8AC3E}">
+        <p14:creationId xmlns:p14="http://schemas.microsoft.com/office/powerpoint/2010/main" val="1149088017"/>
+      </p:ext>
+    </p:extLst>
+  </p:cSld>
+  <p:clrMapOvr>
+    <a:masterClrMapping/>
+  </p:clrMapOvr>
+</p:sld>
+</file>
+
+<file path=ppt/slides/slide33.xml><?xml version="1.0" encoding="utf-8"?>
+<p:sld xmlns:a="http://schemas.openxmlformats.org/drawingml/2006/main" xmlns:r="http://schemas.openxmlformats.org/officeDocument/2006/relationships" xmlns:p="http://schemas.openxmlformats.org/presentationml/2006/main">
+  <p:cSld>
+    <p:spTree>
+      <p:nvGrpSpPr>
+        <p:cNvPr id="1" name=""/>
+        <p:cNvGrpSpPr/>
+        <p:nvPr/>
+      </p:nvGrpSpPr>
+      <p:grpSpPr>
+        <a:xfrm>
+          <a:off x="0" y="0"/>
+          <a:ext cx="0" cy="0"/>
+          <a:chOff x="0" y="0"/>
+          <a:chExt cx="0" cy="0"/>
+        </a:xfrm>
+      </p:grpSpPr>
+      <p:sp>
+        <p:nvSpPr>
+          <p:cNvPr id="2" name="Title 1">
+            <a:extLst>
+              <a:ext uri="{FF2B5EF4-FFF2-40B4-BE49-F238E27FC236}">
+                <a16:creationId xmlns:a16="http://schemas.microsoft.com/office/drawing/2014/main" id="{2D76F3B6-86DB-FFF0-6350-C1AA19E15476}"/>
+              </a:ext>
+            </a:extLst>
+          </p:cNvPr>
+          <p:cNvSpPr>
+            <a:spLocks noGrp="1"/>
+          </p:cNvSpPr>
+          <p:nvPr>
+            <p:ph type="title"/>
+          </p:nvPr>
+        </p:nvSpPr>
+        <p:spPr/>
+        <p:txBody>
+          <a:bodyPr/>
+          <a:lstStyle/>
+          <a:p>
+            <a:r>
+              <a:rPr lang="en-US" dirty="0"/>
+              <a:t>Tuning From A Loss Plot</a:t>
+            </a:r>
+          </a:p>
+        </p:txBody>
+      </p:sp>
+      <p:sp>
+        <p:nvSpPr>
+          <p:cNvPr id="3" name="Content Placeholder 2">
+            <a:extLst>
+              <a:ext uri="{FF2B5EF4-FFF2-40B4-BE49-F238E27FC236}">
+                <a16:creationId xmlns:a16="http://schemas.microsoft.com/office/drawing/2014/main" id="{915E008A-9A08-A25F-5145-ECD1F6B212D2}"/>
+              </a:ext>
+            </a:extLst>
+          </p:cNvPr>
+          <p:cNvSpPr>
+            <a:spLocks noGrp="1"/>
+          </p:cNvSpPr>
+          <p:nvPr>
+            <p:ph idx="1"/>
+          </p:nvPr>
+        </p:nvSpPr>
+        <p:spPr>
+          <a:xfrm>
+            <a:off x="1451579" y="1853754"/>
+            <a:ext cx="9603275" cy="4199727"/>
+          </a:xfrm>
+        </p:spPr>
+        <p:txBody>
+          <a:bodyPr/>
+          <a:lstStyle/>
+          <a:p>
+            <a:r>
+              <a:rPr lang="en-US" dirty="0"/>
+              <a:t>The loss plot is our main, but not only, tool to help tune a model. </a:t>
+            </a:r>
+          </a:p>
+          <a:p>
+            <a:r>
+              <a:rPr lang="en-US" dirty="0"/>
+              <a:t>None of these things are definitive, but there are things that happen often that we can look at first for a possible solution. </a:t>
+            </a:r>
+          </a:p>
+          <a:p>
+            <a:r>
+              <a:rPr lang="en-US" dirty="0"/>
+              <a:t>In neural networks, we must weigh against computation time – defaults are usually fast.</a:t>
+            </a:r>
+          </a:p>
+          <a:p>
+            <a:r>
+              <a:rPr lang="en-US" dirty="0"/>
+              <a:t>Some general things:</a:t>
+            </a:r>
+          </a:p>
+          <a:p>
+            <a:pPr lvl="1"/>
+            <a:r>
+              <a:rPr lang="en-US" dirty="0"/>
+              <a:t>Make sure that data is scaled. </a:t>
+            </a:r>
+          </a:p>
+          <a:p>
+            <a:pPr lvl="1"/>
+            <a:r>
+              <a:rPr lang="en-US" dirty="0"/>
+              <a:t>More complex relationships perform better with more layers. </a:t>
+            </a:r>
+          </a:p>
+          <a:p>
+            <a:pPr lvl="1"/>
+            <a:r>
+              <a:rPr lang="en-US" dirty="0"/>
+              <a:t>The more data you have, the larger a model you’ll be able to train well. </a:t>
+            </a:r>
+          </a:p>
+          <a:p>
+            <a:pPr lvl="1"/>
+            <a:r>
+              <a:rPr lang="en-US" dirty="0"/>
+              <a:t>Unless there’s a time constraint, let things go for lots of epochs and use early stopping. </a:t>
+            </a:r>
+          </a:p>
+        </p:txBody>
+      </p:sp>
+    </p:spTree>
+    <p:extLst>
+      <p:ext uri="{BB962C8B-B14F-4D97-AF65-F5344CB8AC3E}">
+        <p14:creationId xmlns:p14="http://schemas.microsoft.com/office/powerpoint/2010/main" val="545948356"/>
+      </p:ext>
+    </p:extLst>
+  </p:cSld>
+  <p:clrMapOvr>
+    <a:masterClrMapping/>
+  </p:clrMapOvr>
+</p:sld>
+</file>
+
+<file path=ppt/slides/slide34.xml><?xml version="1.0" encoding="utf-8"?>
+<p:sld xmlns:a="http://schemas.openxmlformats.org/drawingml/2006/main" xmlns:r="http://schemas.openxmlformats.org/officeDocument/2006/relationships" xmlns:p="http://schemas.openxmlformats.org/presentationml/2006/main">
+  <p:cSld>
+    <p:bg>
+      <p:bgPr>
+        <a:gradFill rotWithShape="1">
+          <a:gsLst>
+            <a:gs pos="0">
+              <a:schemeClr val="bg2">
+                <a:tint val="94000"/>
+                <a:satMod val="80000"/>
+                <a:lumMod val="106000"/>
+              </a:schemeClr>
+            </a:gs>
+            <a:gs pos="100000">
+              <a:schemeClr val="bg2">
+                <a:shade val="80000"/>
+              </a:schemeClr>
+            </a:gs>
+          </a:gsLst>
+          <a:path path="circle">
+            <a:fillToRect l="43000" r="43000" b="100000"/>
+          </a:path>
+        </a:gradFill>
+        <a:effectLst/>
+      </p:bgPr>
+    </p:bg>
+    <p:spTree>
+      <p:nvGrpSpPr>
+        <p:cNvPr id="1" name=""/>
+        <p:cNvGrpSpPr/>
+        <p:nvPr/>
+      </p:nvGrpSpPr>
+      <p:grpSpPr>
+        <a:xfrm>
+          <a:off x="0" y="0"/>
+          <a:ext cx="0" cy="0"/>
+          <a:chOff x="0" y="0"/>
+          <a:chExt cx="0" cy="0"/>
+        </a:xfrm>
+      </p:grpSpPr>
+      <p:sp>
+        <p:nvSpPr>
+          <p:cNvPr id="2" name="Title 1">
+            <a:extLst>
+              <a:ext uri="{FF2B5EF4-FFF2-40B4-BE49-F238E27FC236}">
+                <a16:creationId xmlns:a16="http://schemas.microsoft.com/office/drawing/2014/main" id="{3603C63F-9FB5-15B8-6A4B-1E81EE54DCA1}"/>
+              </a:ext>
+            </a:extLst>
+          </p:cNvPr>
+          <p:cNvSpPr>
+            <a:spLocks noGrp="1"/>
+          </p:cNvSpPr>
+          <p:nvPr>
+            <p:ph type="title"/>
+          </p:nvPr>
+        </p:nvSpPr>
+        <p:spPr>
+          <a:xfrm>
+            <a:off x="171451" y="804519"/>
+            <a:ext cx="7332967" cy="1049235"/>
+          </a:xfrm>
+        </p:spPr>
+        <p:txBody>
+          <a:bodyPr>
+            <a:normAutofit/>
+          </a:bodyPr>
+          <a:lstStyle/>
+          <a:p>
+            <a:r>
+              <a:rPr lang="en-US" dirty="0"/>
+              <a:t>Training and Validation Diverge</a:t>
+            </a:r>
+          </a:p>
+        </p:txBody>
+      </p:sp>
+      <p:sp>
+        <p:nvSpPr>
+          <p:cNvPr id="3" name="Content Placeholder 2">
+            <a:extLst>
+              <a:ext uri="{FF2B5EF4-FFF2-40B4-BE49-F238E27FC236}">
+                <a16:creationId xmlns:a16="http://schemas.microsoft.com/office/drawing/2014/main" id="{E29BAF1F-B81E-7807-4D2B-D1471708A346}"/>
+              </a:ext>
+            </a:extLst>
+          </p:cNvPr>
+          <p:cNvSpPr>
+            <a:spLocks noGrp="1"/>
+          </p:cNvSpPr>
+          <p:nvPr>
+            <p:ph idx="1"/>
+          </p:nvPr>
+        </p:nvSpPr>
+        <p:spPr>
+          <a:xfrm>
+            <a:off x="12618" y="1853754"/>
+            <a:ext cx="7491800" cy="4199727"/>
+          </a:xfrm>
+        </p:spPr>
+        <p:txBody>
+          <a:bodyPr>
+            <a:normAutofit/>
+          </a:bodyPr>
+          <a:lstStyle/>
+          <a:p>
+            <a:r>
+              <a:rPr lang="en-US" dirty="0"/>
+              <a:t>Probably the most common issue is overfitting. </a:t>
+            </a:r>
+          </a:p>
+          <a:p>
+            <a:pPr lvl="1"/>
+            <a:r>
+              <a:rPr lang="en-US" dirty="0"/>
+              <a:t>Training gets really accurate, validation is far behind. </a:t>
+            </a:r>
+          </a:p>
+          <a:p>
+            <a:pPr lvl="1"/>
+            <a:r>
+              <a:rPr lang="en-US" dirty="0"/>
+              <a:t>Validation hits a low point, then gets worse as training improves. </a:t>
+            </a:r>
+          </a:p>
+          <a:p>
+            <a:r>
+              <a:rPr lang="en-US" dirty="0"/>
+              <a:t>Learns everything in training, generalizes poorly. </a:t>
+            </a:r>
+          </a:p>
+          <a:p>
+            <a:pPr lvl="1"/>
+            <a:r>
+              <a:rPr lang="en-US" dirty="0"/>
+              <a:t>Reduce model capacity. </a:t>
+            </a:r>
+          </a:p>
+          <a:p>
+            <a:pPr lvl="1"/>
+            <a:r>
+              <a:rPr lang="en-US" dirty="0"/>
+              <a:t>Add regularization. </a:t>
+            </a:r>
+          </a:p>
+          <a:p>
+            <a:pPr lvl="1"/>
+            <a:r>
+              <a:rPr lang="en-US" dirty="0"/>
+              <a:t>Add dropout layers. </a:t>
+            </a:r>
+          </a:p>
+          <a:p>
+            <a:pPr lvl="1"/>
+            <a:r>
+              <a:rPr lang="en-US" dirty="0"/>
+              <a:t>Early stopping – careful with tolerance settings. </a:t>
+            </a:r>
+          </a:p>
+          <a:p>
+            <a:pPr lvl="1"/>
+            <a:r>
+              <a:rPr lang="en-US" dirty="0"/>
+              <a:t>Learning rate (or </a:t>
+            </a:r>
+            <a:r>
+              <a:rPr lang="en-US" dirty="0" err="1"/>
+              <a:t>lr</a:t>
+            </a:r>
+            <a:r>
+              <a:rPr lang="en-US" dirty="0"/>
+              <a:t> stuff) change – may be stuck in local minima. </a:t>
+            </a:r>
+          </a:p>
+          <a:p>
+            <a:r>
+              <a:rPr lang="en-US" dirty="0"/>
+              <a:t>Pattern’s quite normal – gap </a:t>
+            </a:r>
+            <a:r>
+              <a:rPr lang="en-US" dirty="0" err="1"/>
+              <a:t>btwn</a:t>
+            </a:r>
+            <a:r>
+              <a:rPr lang="en-US" dirty="0"/>
+              <a:t> curves is potential improvement.</a:t>
+            </a:r>
+          </a:p>
+          <a:p>
+            <a:pPr lvl="1"/>
+            <a:endParaRPr lang="en-US" dirty="0"/>
+          </a:p>
+        </p:txBody>
+      </p:sp>
+      <p:pic>
+        <p:nvPicPr>
+          <p:cNvPr id="3078" name="Picture 6" descr="loss_plot2">
+            <a:extLst>
+              <a:ext uri="{FF2B5EF4-FFF2-40B4-BE49-F238E27FC236}">
+                <a16:creationId xmlns:a16="http://schemas.microsoft.com/office/drawing/2014/main" id="{92286DBD-2A5C-7407-71CB-CE4E72635A15}"/>
+              </a:ext>
+            </a:extLst>
+          </p:cNvPr>
+          <p:cNvPicPr>
+            <a:picLocks noChangeAspect="1" noChangeArrowheads="1"/>
+          </p:cNvPicPr>
+          <p:nvPr/>
+        </p:nvPicPr>
+        <p:blipFill>
+          <a:blip r:embed="rId2">
+            <a:extLst>
+              <a:ext uri="{28A0092B-C50C-407E-A947-70E740481C1C}">
+                <a14:useLocalDpi xmlns:a14="http://schemas.microsoft.com/office/drawing/2010/main" val="0"/>
+              </a:ext>
+            </a:extLst>
+          </a:blip>
+          <a:srcRect/>
+          <a:stretch>
+            <a:fillRect/>
+          </a:stretch>
+        </p:blipFill>
+        <p:spPr bwMode="auto">
+          <a:xfrm>
+            <a:off x="7509668" y="-5209"/>
+            <a:ext cx="4669714" cy="3717925"/>
+          </a:xfrm>
+          <a:prstGeom prst="rect">
+            <a:avLst/>
+          </a:prstGeom>
+          <a:noFill/>
+          <a:extLst>
+            <a:ext uri="{909E8E84-426E-40DD-AFC4-6F175D3DCCD1}">
+              <a14:hiddenFill xmlns:a14="http://schemas.microsoft.com/office/drawing/2010/main">
+                <a:solidFill>
+                  <a:srgbClr val="FFFFFF"/>
+                </a:solidFill>
+              </a14:hiddenFill>
+            </a:ext>
+          </a:extLst>
+        </p:spPr>
+      </p:pic>
+      <p:pic>
+        <p:nvPicPr>
+          <p:cNvPr id="3082" name="Picture 10" descr="convolutional neural network - Not smooth validation accuracy vs test  accuracy. When to stop - Cross Validated">
+            <a:extLst>
+              <a:ext uri="{FF2B5EF4-FFF2-40B4-BE49-F238E27FC236}">
+                <a16:creationId xmlns:a16="http://schemas.microsoft.com/office/drawing/2014/main" id="{96EF1CF0-3803-E2D6-331A-7ACD852A6779}"/>
+              </a:ext>
+            </a:extLst>
+          </p:cNvPr>
+          <p:cNvPicPr>
+            <a:picLocks noChangeAspect="1" noChangeArrowheads="1"/>
+          </p:cNvPicPr>
+          <p:nvPr/>
+        </p:nvPicPr>
+        <p:blipFill rotWithShape="1">
+          <a:blip r:embed="rId3">
+            <a:extLst>
+              <a:ext uri="{28A0092B-C50C-407E-A947-70E740481C1C}">
+                <a14:useLocalDpi xmlns:a14="http://schemas.microsoft.com/office/drawing/2010/main" val="0"/>
+              </a:ext>
+            </a:extLst>
+          </a:blip>
+          <a:srcRect t="50000"/>
+          <a:stretch/>
+        </p:blipFill>
+        <p:spPr bwMode="auto">
+          <a:xfrm>
+            <a:off x="7504418" y="3565556"/>
+            <a:ext cx="4674964" cy="3292443"/>
+          </a:xfrm>
+          <a:prstGeom prst="rect">
+            <a:avLst/>
+          </a:prstGeom>
+          <a:noFill/>
+          <a:extLst>
+            <a:ext uri="{909E8E84-426E-40DD-AFC4-6F175D3DCCD1}">
+              <a14:hiddenFill xmlns:a14="http://schemas.microsoft.com/office/drawing/2010/main">
+                <a:solidFill>
+                  <a:srgbClr val="FFFFFF"/>
+                </a:solidFill>
+              </a14:hiddenFill>
+            </a:ext>
+          </a:extLst>
+        </p:spPr>
+      </p:pic>
+    </p:spTree>
+    <p:extLst>
+      <p:ext uri="{BB962C8B-B14F-4D97-AF65-F5344CB8AC3E}">
+        <p14:creationId xmlns:p14="http://schemas.microsoft.com/office/powerpoint/2010/main" val="2586705123"/>
       </p:ext>
     </p:extLst>
   </p:cSld>
@@ -8746,7 +8608,7 @@
           <p:cNvPr id="2" name="Title 1">
             <a:extLst>
               <a:ext uri="{FF2B5EF4-FFF2-40B4-BE49-F238E27FC236}">
-                <a16:creationId xmlns:a16="http://schemas.microsoft.com/office/drawing/2014/main" id="{D7D70620-C2D9-9998-496E-8ED595B5A94B}"/>
+                <a16:creationId xmlns:a16="http://schemas.microsoft.com/office/drawing/2014/main" id="{44CE85F9-9ED0-4691-4FC2-91DA448CA86F}"/>
               </a:ext>
             </a:extLst>
           </p:cNvPr>
@@ -8759,8 +8621,8 @@
         </p:nvSpPr>
         <p:spPr>
           <a:xfrm>
-            <a:off x="1" y="804519"/>
-            <a:ext cx="11054854" cy="1049235"/>
+            <a:off x="5072062" y="804519"/>
+            <a:ext cx="5982791" cy="1049235"/>
           </a:xfrm>
         </p:spPr>
         <p:txBody>
@@ -8769,7 +8631,7 @@
           <a:p>
             <a:r>
               <a:rPr lang="en-US" dirty="0"/>
-              <a:t>Close/Inverted lines or still Falling</a:t>
+              <a:t>Unstable Plots</a:t>
             </a:r>
           </a:p>
         </p:txBody>
@@ -8779,7 +8641,7 @@
           <p:cNvPr id="3" name="Content Placeholder 2">
             <a:extLst>
               <a:ext uri="{FF2B5EF4-FFF2-40B4-BE49-F238E27FC236}">
-                <a16:creationId xmlns:a16="http://schemas.microsoft.com/office/drawing/2014/main" id="{F7DA53F0-A930-C013-D6B5-C9331328C835}"/>
+                <a16:creationId xmlns:a16="http://schemas.microsoft.com/office/drawing/2014/main" id="{EC708040-CDB1-E57F-C6A9-C3F839E244F6}"/>
               </a:ext>
             </a:extLst>
           </p:cNvPr>
@@ -8792,85 +8654,96 @@
         </p:nvSpPr>
         <p:spPr>
           <a:xfrm>
-            <a:off x="100013" y="1853754"/>
-            <a:ext cx="7689749" cy="4199727"/>
+            <a:off x="4584990" y="1853754"/>
+            <a:ext cx="7607011" cy="4199727"/>
           </a:xfrm>
         </p:spPr>
         <p:txBody>
           <a:bodyPr>
-            <a:normAutofit/>
+            <a:normAutofit fontScale="92500" lnSpcReduction="10000"/>
           </a:bodyPr>
           <a:lstStyle/>
           <a:p>
             <a:r>
-              <a:rPr lang="en-US" sz="2400" dirty="0"/>
-              <a:t>Plots still improving are still learning - underfit. </a:t>
-            </a:r>
-          </a:p>
-          <a:p>
-            <a:pPr lvl="1"/>
-            <a:r>
-              <a:rPr lang="en-US" sz="2200" dirty="0"/>
-              <a:t>Train/</a:t>
-            </a:r>
-            <a:r>
-              <a:rPr lang="en-US" sz="2200" dirty="0" err="1"/>
-              <a:t>val</a:t>
-            </a:r>
-            <a:r>
-              <a:rPr lang="en-US" sz="2200" dirty="0"/>
-              <a:t> performance is similar/inverted</a:t>
-            </a:r>
-          </a:p>
-          <a:p>
-            <a:pPr lvl="1"/>
-            <a:r>
-              <a:rPr lang="en-US" sz="2200" dirty="0"/>
-              <a:t>Still improving at the end of training</a:t>
-            </a:r>
-          </a:p>
-          <a:p>
-            <a:r>
-              <a:rPr lang="en-US" sz="2400" dirty="0"/>
-              <a:t>The model could learn more, may be underfit:</a:t>
-            </a:r>
-          </a:p>
-          <a:p>
-            <a:pPr lvl="1"/>
-            <a:r>
-              <a:rPr lang="en-US" sz="2000" dirty="0"/>
-              <a:t>More capacity and more training, higher LR if improvement stays.</a:t>
-            </a:r>
-          </a:p>
-          <a:p>
-            <a:pPr lvl="1"/>
-            <a:r>
-              <a:rPr lang="en-US" sz="2000" dirty="0"/>
-              <a:t>Reduce regularization strength if it is high. </a:t>
-            </a:r>
-          </a:p>
-          <a:p>
-            <a:pPr lvl="1"/>
-            <a:r>
-              <a:rPr lang="en-US" sz="2000" dirty="0"/>
-              <a:t>Easy speed-up (if needed) – bigger batches. </a:t>
-            </a:r>
-          </a:p>
-          <a:p>
-            <a:pPr lvl="1"/>
-            <a:r>
-              <a:rPr lang="en-US" sz="2000" dirty="0"/>
-              <a:t>*The absolute loss in the bottom one is too low to be a great example, picture that shape, with more loss. </a:t>
+              <a:rPr lang="en-US" dirty="0"/>
+              <a:t>Unstable results can have several causes. </a:t>
+            </a:r>
+          </a:p>
+          <a:p>
+            <a:r>
+              <a:rPr lang="en-US" dirty="0"/>
+              <a:t>Model’s accuracy swings wildly between tests. </a:t>
+            </a:r>
+          </a:p>
+          <a:p>
+            <a:pPr lvl="1"/>
+            <a:r>
+              <a:rPr lang="en-US" dirty="0"/>
+              <a:t>Data processing – outliers, scaling. </a:t>
+            </a:r>
+          </a:p>
+          <a:p>
+            <a:pPr lvl="1"/>
+            <a:r>
+              <a:rPr lang="en-US" dirty="0"/>
+              <a:t>Data size – overall and validation set size. </a:t>
+            </a:r>
+          </a:p>
+          <a:p>
+            <a:pPr lvl="1"/>
+            <a:r>
+              <a:rPr lang="en-US" dirty="0"/>
+              <a:t>Is the data representative, and are train/test splits balanced*. </a:t>
+            </a:r>
+          </a:p>
+          <a:p>
+            <a:pPr lvl="1"/>
+            <a:r>
+              <a:rPr lang="en-US" dirty="0"/>
+              <a:t>Increase batch size. </a:t>
+            </a:r>
+          </a:p>
+          <a:p>
+            <a:pPr lvl="1"/>
+            <a:r>
+              <a:rPr lang="en-US" dirty="0"/>
+              <a:t>Learning rate things – may be ‘jumping around’ instead of converging. </a:t>
+            </a:r>
+          </a:p>
+          <a:p>
+            <a:pPr lvl="1"/>
+            <a:r>
+              <a:rPr lang="en-US" dirty="0"/>
+              <a:t>Initialization (potentially bottom picture). </a:t>
+            </a:r>
+          </a:p>
+          <a:p>
+            <a:r>
+              <a:rPr lang="en-US" dirty="0"/>
+              <a:t>This can be hard to stop in small data sets – don’t worry too much. </a:t>
+            </a:r>
+          </a:p>
+          <a:p>
+            <a:r>
+              <a:rPr lang="en-US" dirty="0"/>
+              <a:t>Some instability can happen, if it flattens then it’s probably ok. </a:t>
+            </a:r>
+          </a:p>
+          <a:p>
+            <a:pPr lvl="1"/>
+            <a:r>
+              <a:rPr lang="en-US" dirty="0"/>
+              <a:t>Be aware of scale – if loss difference is small, you might just be zoomed. </a:t>
             </a:r>
           </a:p>
         </p:txBody>
       </p:sp>
       <p:pic>
         <p:nvPicPr>
-          <p:cNvPr id="5122" name="Picture 2" descr="Example of Training Learning Curve Showing an Underfit Model That Does Not Have Sufficient Capacity">
+          <p:cNvPr id="4098" name="Picture 2">
             <a:extLst>
               <a:ext uri="{FF2B5EF4-FFF2-40B4-BE49-F238E27FC236}">
-                <a16:creationId xmlns:a16="http://schemas.microsoft.com/office/drawing/2014/main" id="{09369800-036B-26A2-4895-F337E887DDD2}"/>
+                <a16:creationId xmlns:a16="http://schemas.microsoft.com/office/drawing/2014/main" id="{B44F4A06-1C99-2509-308A-618ADE27519F}"/>
               </a:ext>
             </a:extLst>
           </p:cNvPr>
@@ -8879,7 +8752,7 @@
           </p:cNvPicPr>
           <p:nvPr/>
         </p:nvPicPr>
-        <p:blipFill rotWithShape="1">
+        <p:blipFill>
           <a:blip r:embed="rId2">
             <a:extLst>
               <a:ext uri="{28A0092B-C50C-407E-A947-70E740481C1C}">
@@ -8887,13 +8760,15 @@
               </a:ext>
             </a:extLst>
           </a:blip>
-          <a:srcRect r="6867"/>
-          <a:stretch/>
+          <a:srcRect/>
+          <a:stretch>
+            <a:fillRect/>
+          </a:stretch>
         </p:blipFill>
         <p:spPr bwMode="auto">
           <a:xfrm>
-            <a:off x="7933954" y="0"/>
-            <a:ext cx="4258045" cy="3429000"/>
+            <a:off x="0" y="3425858"/>
+            <a:ext cx="4576190" cy="3432142"/>
           </a:xfrm>
           <a:prstGeom prst="rect">
             <a:avLst/>
@@ -8912,10 +8787,10 @@
       </p:pic>
       <p:pic>
         <p:nvPicPr>
-          <p:cNvPr id="5126" name="Picture 6">
+          <p:cNvPr id="4100" name="Picture 4" descr="Example of Train and Validation Learning Curves Showing a Validation Dataset That May Be too Small Relative to the Training Dataset">
             <a:extLst>
               <a:ext uri="{FF2B5EF4-FFF2-40B4-BE49-F238E27FC236}">
-                <a16:creationId xmlns:a16="http://schemas.microsoft.com/office/drawing/2014/main" id="{986565FD-87F0-6D30-D038-1432E00FD0A1}"/>
+                <a16:creationId xmlns:a16="http://schemas.microsoft.com/office/drawing/2014/main" id="{42542716-1765-F8CE-D0F9-D468DA8489FD}"/>
               </a:ext>
             </a:extLst>
           </p:cNvPr>
@@ -8924,7 +8799,7 @@
           </p:cNvPicPr>
           <p:nvPr/>
         </p:nvPicPr>
-        <p:blipFill rotWithShape="1">
+        <p:blipFill>
           <a:blip r:embed="rId3">
             <a:extLst>
               <a:ext uri="{28A0092B-C50C-407E-A947-70E740481C1C}">
@@ -8932,13 +8807,15 @@
               </a:ext>
             </a:extLst>
           </a:blip>
-          <a:srcRect l="50000"/>
-          <a:stretch/>
+          <a:srcRect/>
+          <a:stretch>
+            <a:fillRect/>
+          </a:stretch>
         </p:blipFill>
         <p:spPr bwMode="auto">
           <a:xfrm>
-            <a:off x="7933954" y="3617115"/>
-            <a:ext cx="4258046" cy="3240885"/>
+            <a:off x="8800" y="-3143"/>
+            <a:ext cx="4576190" cy="3432143"/>
           </a:xfrm>
           <a:prstGeom prst="rect">
             <a:avLst/>
@@ -8958,7 +8835,7 @@
     </p:spTree>
     <p:extLst>
       <p:ext uri="{BB962C8B-B14F-4D97-AF65-F5344CB8AC3E}">
-        <p14:creationId xmlns:p14="http://schemas.microsoft.com/office/powerpoint/2010/main" val="3316525046"/>
+        <p14:creationId xmlns:p14="http://schemas.microsoft.com/office/powerpoint/2010/main" val="2947726657"/>
       </p:ext>
     </p:extLst>
   </p:cSld>
@@ -8990,7 +8867,7 @@
           <p:cNvPr id="2" name="Title 1">
             <a:extLst>
               <a:ext uri="{FF2B5EF4-FFF2-40B4-BE49-F238E27FC236}">
-                <a16:creationId xmlns:a16="http://schemas.microsoft.com/office/drawing/2014/main" id="{799A2BB7-9D25-881C-AB2D-03DB837BCBE5}"/>
+                <a16:creationId xmlns:a16="http://schemas.microsoft.com/office/drawing/2014/main" id="{D7D70620-C2D9-9998-496E-8ED595B5A94B}"/>
               </a:ext>
             </a:extLst>
           </p:cNvPr>
@@ -9001,14 +8878,19 @@
             <p:ph type="title"/>
           </p:nvPr>
         </p:nvSpPr>
-        <p:spPr/>
+        <p:spPr>
+          <a:xfrm>
+            <a:off x="1" y="804519"/>
+            <a:ext cx="11054854" cy="1049235"/>
+          </a:xfrm>
+        </p:spPr>
         <p:txBody>
           <a:bodyPr/>
           <a:lstStyle/>
           <a:p>
             <a:r>
               <a:rPr lang="en-US" dirty="0"/>
-              <a:t>Loss Plot Tuning</a:t>
+              <a:t>Close/Inverted lines or still Falling</a:t>
             </a:r>
           </a:p>
         </p:txBody>
@@ -9018,7 +8900,7 @@
           <p:cNvPr id="3" name="Content Placeholder 2">
             <a:extLst>
               <a:ext uri="{FF2B5EF4-FFF2-40B4-BE49-F238E27FC236}">
-                <a16:creationId xmlns:a16="http://schemas.microsoft.com/office/drawing/2014/main" id="{550B7535-1BA6-A6AB-5A93-A8F89E81AAE3}"/>
+                <a16:creationId xmlns:a16="http://schemas.microsoft.com/office/drawing/2014/main" id="{F7DA53F0-A930-C013-D6B5-C9331328C835}"/>
               </a:ext>
             </a:extLst>
           </p:cNvPr>
@@ -9031,52 +8913,85 @@
         </p:nvSpPr>
         <p:spPr>
           <a:xfrm>
-            <a:off x="1451579" y="1853755"/>
-            <a:ext cx="9603275" cy="2471738"/>
-          </a:xfrm>
-        </p:spPr>
-        <p:txBody>
-          <a:bodyPr/>
-          <a:lstStyle/>
-          <a:p>
-            <a:r>
-              <a:rPr lang="en-US" dirty="0"/>
-              <a:t>We always generate loss plots and they’re the starting point for tuning. </a:t>
-            </a:r>
-          </a:p>
-          <a:p>
-            <a:r>
-              <a:rPr lang="en-US" dirty="0"/>
-              <a:t>The patterns and suggestions aren’t definitive – things are still highly variable per model. </a:t>
-            </a:r>
-          </a:p>
-          <a:p>
-            <a:r>
-              <a:rPr lang="en-US" dirty="0"/>
-              <a:t>All of these changes will impact each other, so they’re hard to predict. </a:t>
-            </a:r>
-          </a:p>
-          <a:p>
-            <a:r>
-              <a:rPr lang="en-US" dirty="0"/>
-              <a:t>You want to do this on the loss plot – not accuracy plot.</a:t>
-            </a:r>
-          </a:p>
-          <a:p>
-            <a:pPr lvl="1"/>
-            <a:r>
-              <a:rPr lang="en-US" dirty="0"/>
-              <a:t>Remember 51%/49% and 99%/1% confidence have the same accuracy score.</a:t>
+            <a:off x="100013" y="1853754"/>
+            <a:ext cx="7689749" cy="4199727"/>
+          </a:xfrm>
+        </p:spPr>
+        <p:txBody>
+          <a:bodyPr>
+            <a:normAutofit/>
+          </a:bodyPr>
+          <a:lstStyle/>
+          <a:p>
+            <a:r>
+              <a:rPr lang="en-US" sz="2400" dirty="0"/>
+              <a:t>Plots still improving are still learning - underfit. </a:t>
+            </a:r>
+          </a:p>
+          <a:p>
+            <a:pPr lvl="1"/>
+            <a:r>
+              <a:rPr lang="en-US" sz="2200" dirty="0"/>
+              <a:t>Train/</a:t>
+            </a:r>
+            <a:r>
+              <a:rPr lang="en-US" sz="2200" dirty="0" err="1"/>
+              <a:t>val</a:t>
+            </a:r>
+            <a:r>
+              <a:rPr lang="en-US" sz="2200" dirty="0"/>
+              <a:t> performance is similar/inverted</a:t>
+            </a:r>
+          </a:p>
+          <a:p>
+            <a:pPr lvl="1"/>
+            <a:r>
+              <a:rPr lang="en-US" sz="2200" dirty="0"/>
+              <a:t>Still improving at the end of training</a:t>
+            </a:r>
+          </a:p>
+          <a:p>
+            <a:r>
+              <a:rPr lang="en-US" sz="2400" dirty="0"/>
+              <a:t>The model could learn more, may be underfit:</a:t>
+            </a:r>
+          </a:p>
+          <a:p>
+            <a:pPr lvl="1"/>
+            <a:r>
+              <a:rPr lang="en-US" sz="2000" dirty="0"/>
+              <a:t>More capacity and more training, higher LR if improvement stays.</a:t>
+            </a:r>
+          </a:p>
+          <a:p>
+            <a:pPr lvl="1"/>
+            <a:r>
+              <a:rPr lang="en-US" sz="2000" dirty="0"/>
+              <a:t>Reduce regularization strength if it is high. </a:t>
+            </a:r>
+          </a:p>
+          <a:p>
+            <a:pPr lvl="1"/>
+            <a:r>
+              <a:rPr lang="en-US" sz="2000" dirty="0"/>
+              <a:t>Easy speed-up (if needed) – bigger batches. </a:t>
+            </a:r>
+          </a:p>
+          <a:p>
+            <a:pPr lvl="1"/>
+            <a:r>
+              <a:rPr lang="en-US" sz="2000" dirty="0"/>
+              <a:t>*The absolute loss in the bottom one is too low to be a great example, picture that shape, with more loss. </a:t>
             </a:r>
           </a:p>
         </p:txBody>
       </p:sp>
       <p:pic>
         <p:nvPicPr>
-          <p:cNvPr id="7170" name="Picture 2" descr="neural network - Loss &amp; accuracy - Are these reasonable learning curves? -  Stack Overflow">
+          <p:cNvPr id="5122" name="Picture 2" descr="Example of Training Learning Curve Showing an Underfit Model That Does Not Have Sufficient Capacity">
             <a:extLst>
               <a:ext uri="{FF2B5EF4-FFF2-40B4-BE49-F238E27FC236}">
-                <a16:creationId xmlns:a16="http://schemas.microsoft.com/office/drawing/2014/main" id="{95BF78F0-D5D1-2624-C8BD-28D318128795}"/>
+                <a16:creationId xmlns:a16="http://schemas.microsoft.com/office/drawing/2014/main" id="{09369800-036B-26A2-4895-F337E887DDD2}"/>
               </a:ext>
             </a:extLst>
           </p:cNvPr>
@@ -9093,13 +9008,13 @@
               </a:ext>
             </a:extLst>
           </a:blip>
-          <a:srcRect l="9327" t="7340" r="8125" b="5221"/>
+          <a:srcRect r="6867"/>
           <a:stretch/>
         </p:blipFill>
         <p:spPr bwMode="auto">
           <a:xfrm>
-            <a:off x="3498972" y="4213148"/>
-            <a:ext cx="5194055" cy="2644852"/>
+            <a:off x="7933954" y="0"/>
+            <a:ext cx="4258045" cy="3429000"/>
           </a:xfrm>
           <a:prstGeom prst="rect">
             <a:avLst/>
@@ -9116,10 +9031,55 @@
           </a:extLst>
         </p:spPr>
       </p:pic>
+      <p:pic>
+        <p:nvPicPr>
+          <p:cNvPr id="5126" name="Picture 6">
+            <a:extLst>
+              <a:ext uri="{FF2B5EF4-FFF2-40B4-BE49-F238E27FC236}">
+                <a16:creationId xmlns:a16="http://schemas.microsoft.com/office/drawing/2014/main" id="{986565FD-87F0-6D30-D038-1432E00FD0A1}"/>
+              </a:ext>
+            </a:extLst>
+          </p:cNvPr>
+          <p:cNvPicPr>
+            <a:picLocks noChangeAspect="1" noChangeArrowheads="1"/>
+          </p:cNvPicPr>
+          <p:nvPr/>
+        </p:nvPicPr>
+        <p:blipFill rotWithShape="1">
+          <a:blip r:embed="rId3">
+            <a:extLst>
+              <a:ext uri="{28A0092B-C50C-407E-A947-70E740481C1C}">
+                <a14:useLocalDpi xmlns:a14="http://schemas.microsoft.com/office/drawing/2010/main" val="0"/>
+              </a:ext>
+            </a:extLst>
+          </a:blip>
+          <a:srcRect l="50000"/>
+          <a:stretch/>
+        </p:blipFill>
+        <p:spPr bwMode="auto">
+          <a:xfrm>
+            <a:off x="7933954" y="3617115"/>
+            <a:ext cx="4258046" cy="3240885"/>
+          </a:xfrm>
+          <a:prstGeom prst="rect">
+            <a:avLst/>
+          </a:prstGeom>
+          <a:noFill/>
+          <a:extLst>
+            <a:ext uri="{909E8E84-426E-40DD-AFC4-6F175D3DCCD1}">
+              <a14:hiddenFill xmlns:a14="http://schemas.microsoft.com/office/drawing/2010/main">
+                <a:solidFill>
+                  <a:srgbClr val="FFFFFF"/>
+                </a:solidFill>
+              </a14:hiddenFill>
+            </a:ext>
+          </a:extLst>
+        </p:spPr>
+      </p:pic>
     </p:spTree>
     <p:extLst>
       <p:ext uri="{BB962C8B-B14F-4D97-AF65-F5344CB8AC3E}">
-        <p14:creationId xmlns:p14="http://schemas.microsoft.com/office/powerpoint/2010/main" val="2709073551"/>
+        <p14:creationId xmlns:p14="http://schemas.microsoft.com/office/powerpoint/2010/main" val="3316525046"/>
       </p:ext>
     </p:extLst>
   </p:cSld>
@@ -9151,6 +9111,167 @@
           <p:cNvPr id="2" name="Title 1">
             <a:extLst>
               <a:ext uri="{FF2B5EF4-FFF2-40B4-BE49-F238E27FC236}">
+                <a16:creationId xmlns:a16="http://schemas.microsoft.com/office/drawing/2014/main" id="{799A2BB7-9D25-881C-AB2D-03DB837BCBE5}"/>
+              </a:ext>
+            </a:extLst>
+          </p:cNvPr>
+          <p:cNvSpPr>
+            <a:spLocks noGrp="1"/>
+          </p:cNvSpPr>
+          <p:nvPr>
+            <p:ph type="title"/>
+          </p:nvPr>
+        </p:nvSpPr>
+        <p:spPr/>
+        <p:txBody>
+          <a:bodyPr/>
+          <a:lstStyle/>
+          <a:p>
+            <a:r>
+              <a:rPr lang="en-US" dirty="0"/>
+              <a:t>Loss Plot Tuning</a:t>
+            </a:r>
+          </a:p>
+        </p:txBody>
+      </p:sp>
+      <p:sp>
+        <p:nvSpPr>
+          <p:cNvPr id="3" name="Content Placeholder 2">
+            <a:extLst>
+              <a:ext uri="{FF2B5EF4-FFF2-40B4-BE49-F238E27FC236}">
+                <a16:creationId xmlns:a16="http://schemas.microsoft.com/office/drawing/2014/main" id="{550B7535-1BA6-A6AB-5A93-A8F89E81AAE3}"/>
+              </a:ext>
+            </a:extLst>
+          </p:cNvPr>
+          <p:cNvSpPr>
+            <a:spLocks noGrp="1"/>
+          </p:cNvSpPr>
+          <p:nvPr>
+            <p:ph idx="1"/>
+          </p:nvPr>
+        </p:nvSpPr>
+        <p:spPr>
+          <a:xfrm>
+            <a:off x="1451579" y="1853755"/>
+            <a:ext cx="9603275" cy="2471738"/>
+          </a:xfrm>
+        </p:spPr>
+        <p:txBody>
+          <a:bodyPr/>
+          <a:lstStyle/>
+          <a:p>
+            <a:r>
+              <a:rPr lang="en-US" dirty="0"/>
+              <a:t>We always generate loss plots and they’re the starting point for tuning. </a:t>
+            </a:r>
+          </a:p>
+          <a:p>
+            <a:r>
+              <a:rPr lang="en-US" dirty="0"/>
+              <a:t>The patterns and suggestions aren’t definitive – things are still highly variable per model. </a:t>
+            </a:r>
+          </a:p>
+          <a:p>
+            <a:r>
+              <a:rPr lang="en-US" dirty="0"/>
+              <a:t>All of these changes will impact each other, so they’re hard to predict. </a:t>
+            </a:r>
+          </a:p>
+          <a:p>
+            <a:r>
+              <a:rPr lang="en-US" dirty="0"/>
+              <a:t>You want to do this on the loss plot – not accuracy plot.</a:t>
+            </a:r>
+          </a:p>
+          <a:p>
+            <a:pPr lvl="1"/>
+            <a:r>
+              <a:rPr lang="en-US" dirty="0"/>
+              <a:t>Remember 51%/49% and 99%/1% confidence have the same accuracy score.</a:t>
+            </a:r>
+          </a:p>
+        </p:txBody>
+      </p:sp>
+      <p:pic>
+        <p:nvPicPr>
+          <p:cNvPr id="7170" name="Picture 2" descr="neural network - Loss &amp; accuracy - Are these reasonable learning curves? -  Stack Overflow">
+            <a:extLst>
+              <a:ext uri="{FF2B5EF4-FFF2-40B4-BE49-F238E27FC236}">
+                <a16:creationId xmlns:a16="http://schemas.microsoft.com/office/drawing/2014/main" id="{95BF78F0-D5D1-2624-C8BD-28D318128795}"/>
+              </a:ext>
+            </a:extLst>
+          </p:cNvPr>
+          <p:cNvPicPr>
+            <a:picLocks noChangeAspect="1" noChangeArrowheads="1"/>
+          </p:cNvPicPr>
+          <p:nvPr/>
+        </p:nvPicPr>
+        <p:blipFill rotWithShape="1">
+          <a:blip r:embed="rId2">
+            <a:extLst>
+              <a:ext uri="{28A0092B-C50C-407E-A947-70E740481C1C}">
+                <a14:useLocalDpi xmlns:a14="http://schemas.microsoft.com/office/drawing/2010/main" val="0"/>
+              </a:ext>
+            </a:extLst>
+          </a:blip>
+          <a:srcRect l="9327" t="7340" r="8125" b="5221"/>
+          <a:stretch/>
+        </p:blipFill>
+        <p:spPr bwMode="auto">
+          <a:xfrm>
+            <a:off x="3498972" y="4213148"/>
+            <a:ext cx="5194055" cy="2644852"/>
+          </a:xfrm>
+          <a:prstGeom prst="rect">
+            <a:avLst/>
+          </a:prstGeom>
+          <a:noFill/>
+          <a:extLst>
+            <a:ext uri="{909E8E84-426E-40DD-AFC4-6F175D3DCCD1}">
+              <a14:hiddenFill xmlns:a14="http://schemas.microsoft.com/office/drawing/2010/main">
+                <a:solidFill>
+                  <a:srgbClr val="FFFFFF"/>
+                </a:solidFill>
+              </a14:hiddenFill>
+            </a:ext>
+          </a:extLst>
+        </p:spPr>
+      </p:pic>
+    </p:spTree>
+    <p:extLst>
+      <p:ext uri="{BB962C8B-B14F-4D97-AF65-F5344CB8AC3E}">
+        <p14:creationId xmlns:p14="http://schemas.microsoft.com/office/powerpoint/2010/main" val="2709073551"/>
+      </p:ext>
+    </p:extLst>
+  </p:cSld>
+  <p:clrMapOvr>
+    <a:masterClrMapping/>
+  </p:clrMapOvr>
+</p:sld>
+</file>
+
+<file path=ppt/slides/slide38.xml><?xml version="1.0" encoding="utf-8"?>
+<p:sld xmlns:a="http://schemas.openxmlformats.org/drawingml/2006/main" xmlns:r="http://schemas.openxmlformats.org/officeDocument/2006/relationships" xmlns:p="http://schemas.openxmlformats.org/presentationml/2006/main">
+  <p:cSld>
+    <p:spTree>
+      <p:nvGrpSpPr>
+        <p:cNvPr id="1" name=""/>
+        <p:cNvGrpSpPr/>
+        <p:nvPr/>
+      </p:nvGrpSpPr>
+      <p:grpSpPr>
+        <a:xfrm>
+          <a:off x="0" y="0"/>
+          <a:ext cx="0" cy="0"/>
+          <a:chOff x="0" y="0"/>
+          <a:chExt cx="0" cy="0"/>
+        </a:xfrm>
+      </p:grpSpPr>
+      <p:sp>
+        <p:nvSpPr>
+          <p:cNvPr id="2" name="Title 1">
+            <a:extLst>
+              <a:ext uri="{FF2B5EF4-FFF2-40B4-BE49-F238E27FC236}">
                 <a16:creationId xmlns:a16="http://schemas.microsoft.com/office/drawing/2014/main" id="{51A821FD-BAD1-3761-0267-ABFECE7EBEB4}"/>
               </a:ext>
             </a:extLst>
@@ -9206,12 +9327,14 @@
             </a:r>
           </a:p>
           <a:p>
-            <a:r>
-              <a:rPr lang="en-US" dirty="0"/>
-              <a:t>There are many variables. </a:t>
-            </a:r>
-          </a:p>
-          <a:p>
+            <a:pPr lvl="1"/>
+            <a:r>
+              <a:rPr lang="en-US" dirty="0"/>
+              <a:t>There are many variables that impact the model. </a:t>
+            </a:r>
+          </a:p>
+          <a:p>
+            <a:pPr lvl="1"/>
             <a:r>
               <a:rPr lang="en-US" dirty="0"/>
               <a:t>There’s randomness. </a:t>
@@ -9247,13 +9370,8 @@
             <a:pPr lvl="1"/>
             <a:r>
               <a:rPr lang="en-US" dirty="0"/>
-              <a:t>This is where having the optimizer stuff </a:t>
-            </a:r>
-            <a:r>
-              <a:rPr lang="en-US"/>
-              <a:t>right shows.</a:t>
-            </a:r>
-            <a:endParaRPr lang="en-US" dirty="0"/>
+              <a:t>This is where having the optimizer stuff right shows.</a:t>
+            </a:r>
           </a:p>
         </p:txBody>
       </p:sp>
@@ -9347,7 +9465,7 @@
 </p:sld>
 </file>
 
-<file path=ppt/slides/slide38.xml><?xml version="1.0" encoding="utf-8"?>
+<file path=ppt/slides/slide39.xml><?xml version="1.0" encoding="utf-8"?>
 <p:sld xmlns:a="http://schemas.openxmlformats.org/drawingml/2006/main" xmlns:r="http://schemas.openxmlformats.org/officeDocument/2006/relationships" xmlns:p="http://schemas.openxmlformats.org/presentationml/2006/main" show="0">
   <p:cSld>
     <p:spTree>
@@ -9491,168 +9609,6 @@
     <p:extLst>
       <p:ext uri="{BB962C8B-B14F-4D97-AF65-F5344CB8AC3E}">
         <p14:creationId xmlns:p14="http://schemas.microsoft.com/office/powerpoint/2010/main" val="1773265296"/>
-      </p:ext>
-    </p:extLst>
-  </p:cSld>
-  <p:clrMapOvr>
-    <a:masterClrMapping/>
-  </p:clrMapOvr>
-</p:sld>
-</file>
-
-<file path=ppt/slides/slide39.xml><?xml version="1.0" encoding="utf-8"?>
-<p:sld xmlns:a="http://schemas.openxmlformats.org/drawingml/2006/main" xmlns:r="http://schemas.openxmlformats.org/officeDocument/2006/relationships" xmlns:p="http://schemas.openxmlformats.org/presentationml/2006/main">
-  <p:cSld>
-    <p:spTree>
-      <p:nvGrpSpPr>
-        <p:cNvPr id="1" name=""/>
-        <p:cNvGrpSpPr/>
-        <p:nvPr/>
-      </p:nvGrpSpPr>
-      <p:grpSpPr>
-        <a:xfrm>
-          <a:off x="0" y="0"/>
-          <a:ext cx="0" cy="0"/>
-          <a:chOff x="0" y="0"/>
-          <a:chExt cx="0" cy="0"/>
-        </a:xfrm>
-      </p:grpSpPr>
-      <p:sp>
-        <p:nvSpPr>
-          <p:cNvPr id="2" name="Title 1">
-            <a:extLst>
-              <a:ext uri="{FF2B5EF4-FFF2-40B4-BE49-F238E27FC236}">
-                <a16:creationId xmlns:a16="http://schemas.microsoft.com/office/drawing/2014/main" id="{00F11902-F058-D543-A654-EBFA8DD915C4}"/>
-              </a:ext>
-            </a:extLst>
-          </p:cNvPr>
-          <p:cNvSpPr>
-            <a:spLocks noGrp="1"/>
-          </p:cNvSpPr>
-          <p:nvPr>
-            <p:ph type="title"/>
-          </p:nvPr>
-        </p:nvSpPr>
-        <p:spPr/>
-        <p:txBody>
-          <a:bodyPr/>
-          <a:lstStyle/>
-          <a:p>
-            <a:r>
-              <a:rPr lang="en-US" dirty="0"/>
-              <a:t>Conclusion</a:t>
-            </a:r>
-          </a:p>
-        </p:txBody>
-      </p:sp>
-      <p:sp>
-        <p:nvSpPr>
-          <p:cNvPr id="3" name="Content Placeholder 2">
-            <a:extLst>
-              <a:ext uri="{FF2B5EF4-FFF2-40B4-BE49-F238E27FC236}">
-                <a16:creationId xmlns:a16="http://schemas.microsoft.com/office/drawing/2014/main" id="{48CFE9E9-25F7-5040-BB55-69E72FC98883}"/>
-              </a:ext>
-            </a:extLst>
-          </p:cNvPr>
-          <p:cNvSpPr>
-            <a:spLocks noGrp="1"/>
-          </p:cNvSpPr>
-          <p:nvPr>
-            <p:ph idx="1"/>
-          </p:nvPr>
-        </p:nvSpPr>
-        <p:spPr>
-          <a:xfrm>
-            <a:off x="1451579" y="1853754"/>
-            <a:ext cx="9603275" cy="4199727"/>
-          </a:xfrm>
-        </p:spPr>
-        <p:txBody>
-          <a:bodyPr/>
-          <a:lstStyle/>
-          <a:p>
-            <a:r>
-              <a:rPr lang="en-US" dirty="0"/>
-              <a:t>There are many variables in making a good neural network model. </a:t>
-            </a:r>
-          </a:p>
-          <a:p>
-            <a:pPr lvl="1"/>
-            <a:r>
-              <a:rPr lang="en-US" dirty="0"/>
-              <a:t>Size – we need to make the model big enough to learn the data. </a:t>
-            </a:r>
-          </a:p>
-          <a:p>
-            <a:pPr lvl="1"/>
-            <a:r>
-              <a:rPr lang="en-US" dirty="0"/>
-              <a:t>Structure – different model structures may perform better (we’ll see this next, more). </a:t>
-            </a:r>
-          </a:p>
-          <a:p>
-            <a:pPr lvl="1"/>
-            <a:r>
-              <a:rPr lang="en-US" dirty="0"/>
-              <a:t>Regularization – L1/L2, dropout, batch normalization. </a:t>
-            </a:r>
-          </a:p>
-          <a:p>
-            <a:pPr lvl="1"/>
-            <a:r>
-              <a:rPr lang="en-US" dirty="0"/>
-              <a:t>Training Parameters – learning rate, optimizer, </a:t>
-            </a:r>
-            <a:r>
-              <a:rPr lang="en-US" dirty="0" err="1"/>
-              <a:t>etc</a:t>
-            </a:r>
-            <a:r>
-              <a:rPr lang="en-US" dirty="0"/>
-              <a:t>…</a:t>
-            </a:r>
-          </a:p>
-          <a:p>
-            <a:r>
-              <a:rPr lang="en-US" dirty="0"/>
-              <a:t>For us, we can settle on getting close, then letting things train. </a:t>
-            </a:r>
-          </a:p>
-          <a:p>
-            <a:pPr lvl="1"/>
-            <a:r>
-              <a:rPr lang="en-US" dirty="0"/>
-              <a:t>Real model tuning like this becomes impractical at a larger scale, we don’t need to obsess. </a:t>
-            </a:r>
-          </a:p>
-          <a:p>
-            <a:pPr lvl="1"/>
-            <a:r>
-              <a:rPr lang="en-US" dirty="0"/>
-              <a:t>There’s not one solution for what model will work. </a:t>
-            </a:r>
-          </a:p>
-          <a:p>
-            <a:pPr lvl="1"/>
-            <a:r>
-              <a:rPr lang="en-US" dirty="0"/>
-              <a:t>We’ll later use some other tools to do grid-searches and monitor training with </a:t>
-            </a:r>
-            <a:r>
-              <a:rPr lang="en-US" dirty="0" err="1"/>
-              <a:t>Tensorboard</a:t>
-            </a:r>
-            <a:r>
-              <a:rPr lang="en-US" dirty="0"/>
-              <a:t>. </a:t>
-            </a:r>
-          </a:p>
-        </p:txBody>
-      </p:sp>
-    </p:spTree>
-    <p:extLst>
-      <p:ext uri="{BB962C8B-B14F-4D97-AF65-F5344CB8AC3E}">
-        <p14:creationId xmlns:p14="http://schemas.microsoft.com/office/powerpoint/2010/main" val="2123746333"/>
       </p:ext>
     </p:extLst>
   </p:cSld>
@@ -9684,7 +9640,7 @@
           <p:cNvPr id="2" name="Title 1">
             <a:extLst>
               <a:ext uri="{FF2B5EF4-FFF2-40B4-BE49-F238E27FC236}">
-                <a16:creationId xmlns:a16="http://schemas.microsoft.com/office/drawing/2014/main" id="{C23B2C87-4BE3-F68C-4EE7-7009E745ACA7}"/>
+                <a16:creationId xmlns:a16="http://schemas.microsoft.com/office/drawing/2014/main" id="{22D1ADD2-D653-17DD-BCB3-0E44EAE7BF2D}"/>
               </a:ext>
             </a:extLst>
           </p:cNvPr>
@@ -9702,7 +9658,7 @@
           <a:p>
             <a:r>
               <a:rPr lang="en-US" dirty="0"/>
-              <a:t>Cluster Assignment</a:t>
+              <a:t>Cluster Assignment - Results</a:t>
             </a:r>
           </a:p>
         </p:txBody>
@@ -9712,7 +9668,7 @@
           <p:cNvPr id="3" name="Content Placeholder 2">
             <a:extLst>
               <a:ext uri="{FF2B5EF4-FFF2-40B4-BE49-F238E27FC236}">
-                <a16:creationId xmlns:a16="http://schemas.microsoft.com/office/drawing/2014/main" id="{C027D62E-779C-86FC-A8CB-FC13358BCB50}"/>
+                <a16:creationId xmlns:a16="http://schemas.microsoft.com/office/drawing/2014/main" id="{1FA8B9B4-BDA8-12EB-F5CF-5A987E111D33}"/>
               </a:ext>
             </a:extLst>
           </p:cNvPr>
@@ -9735,48 +9691,62 @@
           <a:p>
             <a:r>
               <a:rPr lang="en-US" dirty="0"/>
-              <a:t>Common issues:</a:t>
-            </a:r>
-          </a:p>
-          <a:p>
-            <a:pPr lvl="1"/>
-            <a:r>
-              <a:rPr lang="en-US" dirty="0"/>
-              <a:t>Assorted mix-ups applying labels to clusters. </a:t>
-            </a:r>
-          </a:p>
-          <a:p>
-            <a:pPr lvl="1"/>
-            <a:r>
-              <a:rPr lang="en-US" dirty="0"/>
-              <a:t>Training GMM timing/location. </a:t>
-            </a:r>
-          </a:p>
-          <a:p>
-            <a:r>
-              <a:rPr lang="en-US" dirty="0"/>
-              <a:t>Adding labeling:</a:t>
-            </a:r>
-          </a:p>
-          <a:p>
-            <a:pPr lvl="1"/>
-            <a:r>
-              <a:rPr lang="en-US" dirty="0"/>
-              <a:t>This feels weird to lots of people, but it isn’t really all that rare. (LLMs and gen models). </a:t>
-            </a:r>
-          </a:p>
-          <a:p>
-            <a:pPr lvl="1"/>
-            <a:r>
-              <a:rPr lang="en-US" dirty="0"/>
-              <a:t>The clusters are able to be ‘pure’ on their own, but we need to add the label info ourselves. </a:t>
-            </a:r>
-          </a:p>
-          <a:p>
-            <a:pPr lvl="1"/>
-            <a:r>
-              <a:rPr lang="en-US" dirty="0"/>
-              <a:t>This could be supplemented by other models – e.g. manually label enough, then use classifier.</a:t>
+              <a:t>The basic steps needed are:</a:t>
+            </a:r>
+          </a:p>
+          <a:p>
+            <a:pPr lvl="1"/>
+            <a:r>
+              <a:rPr lang="en-US" dirty="0"/>
+              <a:t>Cluster the original data to break the numbers into similar groups. (k-means, other…)</a:t>
+            </a:r>
+          </a:p>
+          <a:p>
+            <a:pPr lvl="1"/>
+            <a:r>
+              <a:rPr lang="en-US" dirty="0"/>
+              <a:t>Manually add a label – each group is similar, but we don’t know what it is a group of. </a:t>
+            </a:r>
+          </a:p>
+          <a:p>
+            <a:pPr lvl="1"/>
+            <a:r>
+              <a:rPr lang="en-US" dirty="0"/>
+              <a:t>Now you have labeled groups of digit images. </a:t>
+            </a:r>
+          </a:p>
+          <a:p>
+            <a:pPr lvl="1"/>
+            <a:r>
+              <a:rPr lang="en-US" dirty="0"/>
+              <a:t>Train 10 (or more) GMMs, one that ‘knows’ each number from the data used to train it. </a:t>
+            </a:r>
+          </a:p>
+          <a:p>
+            <a:pPr lvl="1"/>
+            <a:r>
+              <a:rPr lang="en-US" dirty="0"/>
+              <a:t>When asked for a printout, ask the right GMMs for a digit each, assemble. </a:t>
+            </a:r>
+          </a:p>
+          <a:p>
+            <a:r>
+              <a:rPr lang="en-US" dirty="0"/>
+              <a:t>Overall, the images tend to be OK at best, some improvements:</a:t>
+            </a:r>
+          </a:p>
+          <a:p>
+            <a:pPr lvl="1"/>
+            <a:r>
+              <a:rPr lang="en-US" dirty="0"/>
+              <a:t>Number of clusters can be &gt;10, to capture different digit variations. GMMs can as well. </a:t>
+            </a:r>
+          </a:p>
+          <a:p>
+            <a:pPr lvl="1"/>
+            <a:r>
+              <a:rPr lang="en-US" dirty="0"/>
+              <a:t>Some cleaning/processing (PCA, feature selection, etc..) may help, requires much tuning. </a:t>
             </a:r>
           </a:p>
         </p:txBody>
@@ -9784,7 +9754,7 @@
     </p:spTree>
     <p:extLst>
       <p:ext uri="{BB962C8B-B14F-4D97-AF65-F5344CB8AC3E}">
-        <p14:creationId xmlns:p14="http://schemas.microsoft.com/office/powerpoint/2010/main" val="885412947"/>
+        <p14:creationId xmlns:p14="http://schemas.microsoft.com/office/powerpoint/2010/main" val="136210750"/>
       </p:ext>
     </p:extLst>
   </p:cSld>
@@ -9794,7 +9764,7 @@
 </p:sld>
 </file>
 
-<file path=ppt/slides/slide5.xml><?xml version="1.0" encoding="utf-8"?>
+<file path=ppt/slides/slide40.xml><?xml version="1.0" encoding="utf-8"?>
 <p:sld xmlns:a="http://schemas.openxmlformats.org/drawingml/2006/main" xmlns:r="http://schemas.openxmlformats.org/officeDocument/2006/relationships" xmlns:p="http://schemas.openxmlformats.org/presentationml/2006/main">
   <p:cSld>
     <p:spTree>
@@ -9816,7 +9786,7 @@
           <p:cNvPr id="2" name="Title 1">
             <a:extLst>
               <a:ext uri="{FF2B5EF4-FFF2-40B4-BE49-F238E27FC236}">
-                <a16:creationId xmlns:a16="http://schemas.microsoft.com/office/drawing/2014/main" id="{E68B6258-E5B7-46B2-B0C0-74D17CB32669}"/>
+                <a16:creationId xmlns:a16="http://schemas.microsoft.com/office/drawing/2014/main" id="{00F11902-F058-D543-A654-EBFA8DD915C4}"/>
               </a:ext>
             </a:extLst>
           </p:cNvPr>
@@ -9824,42 +9794,27 @@
             <a:spLocks noGrp="1"/>
           </p:cNvSpPr>
           <p:nvPr>
-            <p:ph type="ctrTitle"/>
+            <p:ph type="title"/>
           </p:nvPr>
         </p:nvSpPr>
         <p:spPr/>
         <p:txBody>
-          <a:bodyPr>
-            <a:normAutofit fontScale="90000"/>
-          </a:bodyPr>
-          <a:lstStyle/>
-          <a:p>
-            <a:r>
-              <a:rPr lang="en-CA" dirty="0" err="1"/>
-              <a:t>Tensorflow</a:t>
-            </a:r>
-            <a:r>
-              <a:rPr lang="en-CA" dirty="0"/>
-              <a:t> and </a:t>
-            </a:r>
-            <a:r>
-              <a:rPr lang="en-CA" dirty="0" err="1"/>
-              <a:t>Keras</a:t>
-            </a:r>
-            <a:r>
-              <a:rPr lang="en-CA" dirty="0"/>
-              <a:t> Optimizations</a:t>
-            </a:r>
-            <a:endParaRPr lang="LID4096" dirty="0"/>
-          </a:p>
-        </p:txBody>
-      </p:sp>
-      <p:sp>
-        <p:nvSpPr>
-          <p:cNvPr id="3" name="Subtitle 2">
+          <a:bodyPr/>
+          <a:lstStyle/>
+          <a:p>
+            <a:r>
+              <a:rPr lang="en-US" dirty="0"/>
+              <a:t>Conclusion</a:t>
+            </a:r>
+          </a:p>
+        </p:txBody>
+      </p:sp>
+      <p:sp>
+        <p:nvSpPr>
+          <p:cNvPr id="3" name="Content Placeholder 2">
             <a:extLst>
               <a:ext uri="{FF2B5EF4-FFF2-40B4-BE49-F238E27FC236}">
-                <a16:creationId xmlns:a16="http://schemas.microsoft.com/office/drawing/2014/main" id="{ABA17104-0772-4130-BC10-20A91C36DBC3}"/>
+                <a16:creationId xmlns:a16="http://schemas.microsoft.com/office/drawing/2014/main" id="{48CFE9E9-25F7-5040-BB55-69E72FC98883}"/>
               </a:ext>
             </a:extLst>
           </p:cNvPr>
@@ -9867,22 +9822,233 @@
             <a:spLocks noGrp="1"/>
           </p:cNvSpPr>
           <p:nvPr>
-            <p:ph type="subTitle" idx="1"/>
-          </p:nvPr>
-        </p:nvSpPr>
-        <p:spPr/>
+            <p:ph idx="1"/>
+          </p:nvPr>
+        </p:nvSpPr>
+        <p:spPr>
+          <a:xfrm>
+            <a:off x="1451579" y="1853754"/>
+            <a:ext cx="9603275" cy="4199727"/>
+          </a:xfrm>
+        </p:spPr>
         <p:txBody>
           <a:bodyPr/>
           <a:lstStyle/>
           <a:p>
-            <a:endParaRPr lang="LID4096"/>
+            <a:r>
+              <a:rPr lang="en-US" dirty="0"/>
+              <a:t>There are many variables in making a good neural network model. </a:t>
+            </a:r>
+          </a:p>
+          <a:p>
+            <a:pPr lvl="1"/>
+            <a:r>
+              <a:rPr lang="en-US" dirty="0"/>
+              <a:t>Size – we need to make the model big enough to learn the data. </a:t>
+            </a:r>
+          </a:p>
+          <a:p>
+            <a:pPr lvl="1"/>
+            <a:r>
+              <a:rPr lang="en-US" dirty="0"/>
+              <a:t>Structure – different model structures may perform better (we’ll see this next, more). </a:t>
+            </a:r>
+          </a:p>
+          <a:p>
+            <a:pPr lvl="1"/>
+            <a:r>
+              <a:rPr lang="en-US" dirty="0"/>
+              <a:t>Regularization – L1/L2, dropout, batch normalization. </a:t>
+            </a:r>
+          </a:p>
+          <a:p>
+            <a:pPr lvl="1"/>
+            <a:r>
+              <a:rPr lang="en-US" dirty="0"/>
+              <a:t>Training Parameters – learning rate, optimizer, </a:t>
+            </a:r>
+            <a:r>
+              <a:rPr lang="en-US" dirty="0" err="1"/>
+              <a:t>etc</a:t>
+            </a:r>
+            <a:r>
+              <a:rPr lang="en-US" dirty="0"/>
+              <a:t>…</a:t>
+            </a:r>
+          </a:p>
+          <a:p>
+            <a:r>
+              <a:rPr lang="en-US" dirty="0"/>
+              <a:t>For us, we can settle on getting close, then letting things train. </a:t>
+            </a:r>
+          </a:p>
+          <a:p>
+            <a:pPr lvl="1"/>
+            <a:r>
+              <a:rPr lang="en-US" dirty="0"/>
+              <a:t>Real model tuning like this becomes impractical at a larger scale, we don’t need to obsess. </a:t>
+            </a:r>
+          </a:p>
+          <a:p>
+            <a:pPr lvl="1"/>
+            <a:r>
+              <a:rPr lang="en-US" dirty="0"/>
+              <a:t>There’s not one solution for what model will work. </a:t>
+            </a:r>
+          </a:p>
+          <a:p>
+            <a:pPr lvl="1"/>
+            <a:r>
+              <a:rPr lang="en-US" dirty="0"/>
+              <a:t>We’ll later use some other tools to do grid-searches and monitor training with </a:t>
+            </a:r>
+            <a:r>
+              <a:rPr lang="en-US" dirty="0" err="1"/>
+              <a:t>Tensorboard</a:t>
+            </a:r>
+            <a:r>
+              <a:rPr lang="en-US" dirty="0"/>
+              <a:t>. </a:t>
+            </a:r>
           </a:p>
         </p:txBody>
       </p:sp>
     </p:spTree>
     <p:extLst>
       <p:ext uri="{BB962C8B-B14F-4D97-AF65-F5344CB8AC3E}">
-        <p14:creationId xmlns:p14="http://schemas.microsoft.com/office/powerpoint/2010/main" val="213059865"/>
+        <p14:creationId xmlns:p14="http://schemas.microsoft.com/office/powerpoint/2010/main" val="2123746333"/>
+      </p:ext>
+    </p:extLst>
+  </p:cSld>
+  <p:clrMapOvr>
+    <a:masterClrMapping/>
+  </p:clrMapOvr>
+</p:sld>
+</file>
+
+<file path=ppt/slides/slide5.xml><?xml version="1.0" encoding="utf-8"?>
+<p:sld xmlns:a="http://schemas.openxmlformats.org/drawingml/2006/main" xmlns:r="http://schemas.openxmlformats.org/officeDocument/2006/relationships" xmlns:p="http://schemas.openxmlformats.org/presentationml/2006/main" show="0">
+  <p:cSld>
+    <p:spTree>
+      <p:nvGrpSpPr>
+        <p:cNvPr id="1" name=""/>
+        <p:cNvGrpSpPr/>
+        <p:nvPr/>
+      </p:nvGrpSpPr>
+      <p:grpSpPr>
+        <a:xfrm>
+          <a:off x="0" y="0"/>
+          <a:ext cx="0" cy="0"/>
+          <a:chOff x="0" y="0"/>
+          <a:chExt cx="0" cy="0"/>
+        </a:xfrm>
+      </p:grpSpPr>
+      <p:sp>
+        <p:nvSpPr>
+          <p:cNvPr id="2" name="Title 1">
+            <a:extLst>
+              <a:ext uri="{FF2B5EF4-FFF2-40B4-BE49-F238E27FC236}">
+                <a16:creationId xmlns:a16="http://schemas.microsoft.com/office/drawing/2014/main" id="{C23B2C87-4BE3-F68C-4EE7-7009E745ACA7}"/>
+              </a:ext>
+            </a:extLst>
+          </p:cNvPr>
+          <p:cNvSpPr>
+            <a:spLocks noGrp="1"/>
+          </p:cNvSpPr>
+          <p:nvPr>
+            <p:ph type="title"/>
+          </p:nvPr>
+        </p:nvSpPr>
+        <p:spPr/>
+        <p:txBody>
+          <a:bodyPr/>
+          <a:lstStyle/>
+          <a:p>
+            <a:r>
+              <a:rPr lang="en-US" dirty="0"/>
+              <a:t>Cluster Assignment</a:t>
+            </a:r>
+          </a:p>
+        </p:txBody>
+      </p:sp>
+      <p:sp>
+        <p:nvSpPr>
+          <p:cNvPr id="3" name="Content Placeholder 2">
+            <a:extLst>
+              <a:ext uri="{FF2B5EF4-FFF2-40B4-BE49-F238E27FC236}">
+                <a16:creationId xmlns:a16="http://schemas.microsoft.com/office/drawing/2014/main" id="{C027D62E-779C-86FC-A8CB-FC13358BCB50}"/>
+              </a:ext>
+            </a:extLst>
+          </p:cNvPr>
+          <p:cNvSpPr>
+            <a:spLocks noGrp="1"/>
+          </p:cNvSpPr>
+          <p:nvPr>
+            <p:ph idx="1"/>
+          </p:nvPr>
+        </p:nvSpPr>
+        <p:spPr>
+          <a:xfrm>
+            <a:off x="1451579" y="1853754"/>
+            <a:ext cx="9603275" cy="4199727"/>
+          </a:xfrm>
+        </p:spPr>
+        <p:txBody>
+          <a:bodyPr/>
+          <a:lstStyle/>
+          <a:p>
+            <a:r>
+              <a:rPr lang="en-US" dirty="0"/>
+              <a:t>Common issues:</a:t>
+            </a:r>
+          </a:p>
+          <a:p>
+            <a:pPr lvl="1"/>
+            <a:r>
+              <a:rPr lang="en-US" dirty="0"/>
+              <a:t>Assorted mix-ups applying labels to clusters. </a:t>
+            </a:r>
+          </a:p>
+          <a:p>
+            <a:pPr lvl="1"/>
+            <a:r>
+              <a:rPr lang="en-US" dirty="0"/>
+              <a:t>Training GMM timing/location. </a:t>
+            </a:r>
+          </a:p>
+          <a:p>
+            <a:r>
+              <a:rPr lang="en-US" dirty="0"/>
+              <a:t>Adding labeling:</a:t>
+            </a:r>
+          </a:p>
+          <a:p>
+            <a:pPr lvl="1"/>
+            <a:r>
+              <a:rPr lang="en-US" dirty="0"/>
+              <a:t>This feels weird to lots of people, but it isn’t really all that rare. (LLMs and gen models). </a:t>
+            </a:r>
+          </a:p>
+          <a:p>
+            <a:pPr lvl="1"/>
+            <a:r>
+              <a:rPr lang="en-US" dirty="0"/>
+              <a:t>The clusters are able to be ‘pure’ on their own, but we need to add the label info ourselves. </a:t>
+            </a:r>
+          </a:p>
+          <a:p>
+            <a:pPr lvl="1"/>
+            <a:r>
+              <a:rPr lang="en-US" dirty="0"/>
+              <a:t>This could be supplemented by other models – e.g. manually label enough, then use classifier.</a:t>
+            </a:r>
+          </a:p>
+        </p:txBody>
+      </p:sp>
+    </p:spTree>
+    <p:extLst>
+      <p:ext uri="{BB962C8B-B14F-4D97-AF65-F5344CB8AC3E}">
+        <p14:creationId xmlns:p14="http://schemas.microsoft.com/office/powerpoint/2010/main" val="885412947"/>
       </p:ext>
     </p:extLst>
   </p:cSld>
@@ -9914,7 +10080,7 @@
           <p:cNvPr id="2" name="Title 1">
             <a:extLst>
               <a:ext uri="{FF2B5EF4-FFF2-40B4-BE49-F238E27FC236}">
-                <a16:creationId xmlns:a16="http://schemas.microsoft.com/office/drawing/2014/main" id="{2A2E4FFC-2F49-449F-85F4-087043D3C485}"/>
+                <a16:creationId xmlns:a16="http://schemas.microsoft.com/office/drawing/2014/main" id="{E68B6258-E5B7-46B2-B0C0-74D17CB32669}"/>
               </a:ext>
             </a:extLst>
           </p:cNvPr>
@@ -9922,113 +10088,65 @@
             <a:spLocks noGrp="1"/>
           </p:cNvSpPr>
           <p:nvPr>
-            <p:ph type="title"/>
+            <p:ph type="ctrTitle"/>
           </p:nvPr>
         </p:nvSpPr>
         <p:spPr/>
         <p:txBody>
+          <a:bodyPr>
+            <a:normAutofit fontScale="90000"/>
+          </a:bodyPr>
+          <a:lstStyle/>
+          <a:p>
+            <a:r>
+              <a:rPr lang="en-CA" dirty="0" err="1"/>
+              <a:t>Tensorflow</a:t>
+            </a:r>
+            <a:r>
+              <a:rPr lang="en-CA" dirty="0"/>
+              <a:t> and </a:t>
+            </a:r>
+            <a:r>
+              <a:rPr lang="en-CA" dirty="0" err="1"/>
+              <a:t>Keras</a:t>
+            </a:r>
+            <a:r>
+              <a:rPr lang="en-CA" dirty="0"/>
+              <a:t> Optimizations</a:t>
+            </a:r>
+            <a:endParaRPr lang="LID4096" dirty="0"/>
+          </a:p>
+        </p:txBody>
+      </p:sp>
+      <p:sp>
+        <p:nvSpPr>
+          <p:cNvPr id="3" name="Subtitle 2">
+            <a:extLst>
+              <a:ext uri="{FF2B5EF4-FFF2-40B4-BE49-F238E27FC236}">
+                <a16:creationId xmlns:a16="http://schemas.microsoft.com/office/drawing/2014/main" id="{ABA17104-0772-4130-BC10-20A91C36DBC3}"/>
+              </a:ext>
+            </a:extLst>
+          </p:cNvPr>
+          <p:cNvSpPr>
+            <a:spLocks noGrp="1"/>
+          </p:cNvSpPr>
+          <p:nvPr>
+            <p:ph type="subTitle" idx="1"/>
+          </p:nvPr>
+        </p:nvSpPr>
+        <p:spPr/>
+        <p:txBody>
           <a:bodyPr/>
           <a:lstStyle/>
           <a:p>
-            <a:r>
-              <a:rPr lang="en-CA" dirty="0"/>
-              <a:t>Neural Network Configuration</a:t>
-            </a:r>
-            <a:endParaRPr lang="LID4096" dirty="0"/>
-          </a:p>
-        </p:txBody>
-      </p:sp>
-      <p:sp>
-        <p:nvSpPr>
-          <p:cNvPr id="3" name="Content Placeholder 2">
-            <a:extLst>
-              <a:ext uri="{FF2B5EF4-FFF2-40B4-BE49-F238E27FC236}">
-                <a16:creationId xmlns:a16="http://schemas.microsoft.com/office/drawing/2014/main" id="{68DB43FE-383C-4ADB-B9D1-04FC825061A2}"/>
-              </a:ext>
-            </a:extLst>
-          </p:cNvPr>
-          <p:cNvSpPr>
-            <a:spLocks noGrp="1"/>
-          </p:cNvSpPr>
-          <p:nvPr>
-            <p:ph idx="1"/>
-          </p:nvPr>
-        </p:nvSpPr>
-        <p:spPr>
-          <a:xfrm>
-            <a:off x="1451579" y="1853754"/>
-            <a:ext cx="9603275" cy="4199727"/>
-          </a:xfrm>
-        </p:spPr>
-        <p:txBody>
-          <a:bodyPr/>
-          <a:lstStyle/>
-          <a:p>
-            <a:r>
-              <a:rPr lang="en-CA" dirty="0"/>
-              <a:t>We’ve seen that neural networks offer a large amount of flexibility in their configuration.</a:t>
-            </a:r>
-          </a:p>
-          <a:p>
-            <a:r>
-              <a:rPr lang="en-CA" dirty="0"/>
-              <a:t>How do we determine the optimal structure?</a:t>
-            </a:r>
-          </a:p>
-          <a:p>
-            <a:r>
-              <a:rPr lang="en-CA" dirty="0"/>
-              <a:t>Generally, the true answer is to grid search it. </a:t>
-            </a:r>
-          </a:p>
-          <a:p>
-            <a:r>
-              <a:rPr lang="en-CA" dirty="0"/>
-              <a:t>We can use some guidelines to get started in a reasonable and smart way. </a:t>
-            </a:r>
-          </a:p>
-          <a:p>
-            <a:pPr lvl="1"/>
-            <a:r>
-              <a:rPr lang="en-CA" dirty="0"/>
-              <a:t>Problem types (image class, NLP, </a:t>
-            </a:r>
-            <a:r>
-              <a:rPr lang="en-CA" dirty="0" err="1"/>
-              <a:t>etc</a:t>
-            </a:r>
-            <a:r>
-              <a:rPr lang="en-CA" dirty="0"/>
-              <a:t>…) have architectures that work well, and most things (except innovations) are based on what worked before. </a:t>
-            </a:r>
-          </a:p>
-          <a:p>
-            <a:r>
-              <a:rPr lang="en-CA" dirty="0"/>
-              <a:t>This is largely getting used to </a:t>
-            </a:r>
-            <a:r>
-              <a:rPr lang="en-CA" dirty="0" err="1"/>
-              <a:t>keras</a:t>
-            </a:r>
-            <a:r>
-              <a:rPr lang="en-CA" dirty="0"/>
-              <a:t> and making adjustments there. </a:t>
-            </a:r>
-          </a:p>
-          <a:p>
-            <a:pPr lvl="1"/>
-            <a:r>
-              <a:rPr lang="en-CA" dirty="0"/>
-              <a:t>Play around with some models, get used to syntax, try some different models. </a:t>
-            </a:r>
+            <a:endParaRPr lang="LID4096"/>
           </a:p>
         </p:txBody>
       </p:sp>
     </p:spTree>
     <p:extLst>
       <p:ext uri="{BB962C8B-B14F-4D97-AF65-F5344CB8AC3E}">
-        <p14:creationId xmlns:p14="http://schemas.microsoft.com/office/powerpoint/2010/main" val="2495634073"/>
+        <p14:creationId xmlns:p14="http://schemas.microsoft.com/office/powerpoint/2010/main" val="213059865"/>
       </p:ext>
     </p:extLst>
   </p:cSld>
@@ -10060,7 +10178,7 @@
           <p:cNvPr id="2" name="Title 1">
             <a:extLst>
               <a:ext uri="{FF2B5EF4-FFF2-40B4-BE49-F238E27FC236}">
-                <a16:creationId xmlns:a16="http://schemas.microsoft.com/office/drawing/2014/main" id="{17C9DA24-AFDB-91EC-071C-BF0F9957F9D3}"/>
+                <a16:creationId xmlns:a16="http://schemas.microsoft.com/office/drawing/2014/main" id="{2A2E4FFC-2F49-449F-85F4-087043D3C485}"/>
               </a:ext>
             </a:extLst>
           </p:cNvPr>
@@ -10071,10 +10189,39 @@
             <p:ph type="title"/>
           </p:nvPr>
         </p:nvSpPr>
+        <p:spPr/>
+        <p:txBody>
+          <a:bodyPr/>
+          <a:lstStyle/>
+          <a:p>
+            <a:r>
+              <a:rPr lang="en-CA" dirty="0"/>
+              <a:t>Neural Network Configuration</a:t>
+            </a:r>
+            <a:endParaRPr lang="LID4096" dirty="0"/>
+          </a:p>
+        </p:txBody>
+      </p:sp>
+      <p:sp>
+        <p:nvSpPr>
+          <p:cNvPr id="3" name="Content Placeholder 2">
+            <a:extLst>
+              <a:ext uri="{FF2B5EF4-FFF2-40B4-BE49-F238E27FC236}">
+                <a16:creationId xmlns:a16="http://schemas.microsoft.com/office/drawing/2014/main" id="{68DB43FE-383C-4ADB-B9D1-04FC825061A2}"/>
+              </a:ext>
+            </a:extLst>
+          </p:cNvPr>
+          <p:cNvSpPr>
+            <a:spLocks noGrp="1"/>
+          </p:cNvSpPr>
+          <p:nvPr>
+            <p:ph idx="1"/>
+          </p:nvPr>
+        </p:nvSpPr>
         <p:spPr>
           <a:xfrm>
-            <a:off x="4498428" y="804519"/>
-            <a:ext cx="6556426" cy="1049235"/>
+            <a:off x="1451579" y="1853754"/>
+            <a:ext cx="9603275" cy="4199727"/>
           </a:xfrm>
         </p:spPr>
         <p:txBody>
@@ -10082,198 +10229,70 @@
           <a:lstStyle/>
           <a:p>
             <a:r>
-              <a:rPr lang="en-US" dirty="0"/>
-              <a:t>Converging Loss Plots</a:t>
-            </a:r>
-          </a:p>
-        </p:txBody>
-      </p:sp>
-      <p:sp>
-        <p:nvSpPr>
-          <p:cNvPr id="3" name="Content Placeholder 2">
-            <a:extLst>
-              <a:ext uri="{FF2B5EF4-FFF2-40B4-BE49-F238E27FC236}">
-                <a16:creationId xmlns:a16="http://schemas.microsoft.com/office/drawing/2014/main" id="{C623E00D-8DE0-1D03-19D1-D0D541C15FFF}"/>
-              </a:ext>
-            </a:extLst>
-          </p:cNvPr>
-          <p:cNvSpPr>
-            <a:spLocks noGrp="1"/>
-          </p:cNvSpPr>
-          <p:nvPr>
-            <p:ph idx="1"/>
-          </p:nvPr>
-        </p:nvSpPr>
-        <p:spPr>
-          <a:xfrm>
-            <a:off x="4313735" y="1853754"/>
-            <a:ext cx="7666061" cy="4199727"/>
-          </a:xfrm>
-        </p:spPr>
-        <p:txBody>
-          <a:bodyPr>
-            <a:normAutofit lnSpcReduction="10000"/>
-          </a:bodyPr>
-          <a:lstStyle/>
-          <a:p>
-            <a:r>
-              <a:rPr lang="en-US" dirty="0"/>
-              <a:t>Our main tool for monitoring training is the loss plot. </a:t>
-            </a:r>
-          </a:p>
-          <a:p>
-            <a:r>
-              <a:rPr lang="en-US" dirty="0"/>
-              <a:t>We are looking for, ideally, where the validation loss flattens, or minimizes and starts to increase again. </a:t>
-            </a:r>
-          </a:p>
-          <a:p>
-            <a:pPr lvl="1"/>
-            <a:r>
-              <a:rPr lang="en-US" dirty="0"/>
-              <a:t>The more stable, the more reliable, but it won’t always get this smooth. </a:t>
-            </a:r>
-          </a:p>
-          <a:p>
-            <a:r>
-              <a:rPr lang="en-US" dirty="0"/>
-              <a:t>These show an accurate small and large model – small is more jumpy. </a:t>
-            </a:r>
-          </a:p>
-          <a:p>
-            <a:pPr lvl="1"/>
-            <a:r>
-              <a:rPr lang="en-US" dirty="0"/>
-              <a:t>Error scale on Y are very small on both. </a:t>
-            </a:r>
-          </a:p>
-          <a:p>
-            <a:r>
-              <a:rPr lang="en-US" dirty="0"/>
-              <a:t>Training loss seems to be flattening as well – convergence. </a:t>
-            </a:r>
-          </a:p>
-          <a:p>
-            <a:pPr lvl="1"/>
-            <a:r>
-              <a:rPr lang="en-US" dirty="0"/>
-              <a:t>The ball has found the low point of the gradient curve. </a:t>
-            </a:r>
-          </a:p>
-          <a:p>
-            <a:pPr lvl="1"/>
-            <a:r>
-              <a:rPr lang="en-US" dirty="0"/>
-              <a:t>It may bump around a little, but we’ve found the bottom of loss. </a:t>
-            </a:r>
-          </a:p>
-          <a:p>
-            <a:r>
-              <a:rPr lang="en-US" dirty="0"/>
-              <a:t>The smaller the gap, the less overfitting – small and stable is ideal. </a:t>
-            </a:r>
-          </a:p>
-        </p:txBody>
-      </p:sp>
-      <p:pic>
-        <p:nvPicPr>
-          <p:cNvPr id="6146" name="Picture 2" descr="enter image description here">
-            <a:extLst>
-              <a:ext uri="{FF2B5EF4-FFF2-40B4-BE49-F238E27FC236}">
-                <a16:creationId xmlns:a16="http://schemas.microsoft.com/office/drawing/2014/main" id="{7A3E84A7-7C2E-A8AD-FF45-4094130373D0}"/>
-              </a:ext>
-            </a:extLst>
-          </p:cNvPr>
-          <p:cNvPicPr>
-            <a:picLocks noChangeAspect="1" noChangeArrowheads="1"/>
-          </p:cNvPicPr>
-          <p:nvPr/>
-        </p:nvPicPr>
-        <p:blipFill>
-          <a:blip r:embed="rId2">
-            <a:extLst>
-              <a:ext uri="{28A0092B-C50C-407E-A947-70E740481C1C}">
-                <a14:useLocalDpi xmlns:a14="http://schemas.microsoft.com/office/drawing/2010/main" val="0"/>
-              </a:ext>
-            </a:extLst>
-          </a:blip>
-          <a:srcRect/>
-          <a:stretch>
-            <a:fillRect/>
-          </a:stretch>
-        </p:blipFill>
-        <p:spPr bwMode="auto">
-          <a:xfrm>
-            <a:off x="0" y="2544264"/>
-            <a:ext cx="4313736" cy="4313736"/>
-          </a:xfrm>
-          <a:prstGeom prst="rect">
-            <a:avLst/>
-          </a:prstGeom>
-          <a:noFill/>
-          <a:extLst>
-            <a:ext uri="{909E8E84-426E-40DD-AFC4-6F175D3DCCD1}">
-              <a14:hiddenFill xmlns:a14="http://schemas.microsoft.com/office/drawing/2010/main">
-                <a:solidFill>
-                  <a:srgbClr val="FFFFFF"/>
-                </a:solidFill>
-              </a14:hiddenFill>
-            </a:ext>
-          </a:extLst>
-        </p:spPr>
-      </p:pic>
-      <p:pic>
-        <p:nvPicPr>
-          <p:cNvPr id="6151" name="Picture 7" descr="shows the convergence of loss function over training and validation data |  Download Scientific Diagram">
-            <a:hlinkClick r:id="rId3"/>
-            <a:extLst>
-              <a:ext uri="{FF2B5EF4-FFF2-40B4-BE49-F238E27FC236}">
-                <a16:creationId xmlns:a16="http://schemas.microsoft.com/office/drawing/2014/main" id="{076B6416-0FE9-90B5-7369-107524A7E6AE}"/>
-              </a:ext>
-            </a:extLst>
-          </p:cNvPr>
-          <p:cNvPicPr>
-            <a:picLocks noChangeAspect="1" noChangeArrowheads="1"/>
-          </p:cNvPicPr>
-          <p:nvPr/>
-        </p:nvPicPr>
-        <p:blipFill>
-          <a:blip r:embed="rId4">
-            <a:extLst>
-              <a:ext uri="{28A0092B-C50C-407E-A947-70E740481C1C}">
-                <a14:useLocalDpi xmlns:a14="http://schemas.microsoft.com/office/drawing/2010/main" val="0"/>
-              </a:ext>
-            </a:extLst>
-          </a:blip>
-          <a:srcRect/>
-          <a:stretch>
-            <a:fillRect/>
-          </a:stretch>
-        </p:blipFill>
-        <p:spPr bwMode="auto">
-          <a:xfrm>
-            <a:off x="0" y="0"/>
-            <a:ext cx="4313737" cy="2872441"/>
-          </a:xfrm>
-          <a:prstGeom prst="rect">
-            <a:avLst/>
-          </a:prstGeom>
-          <a:noFill/>
-          <a:extLst>
-            <a:ext uri="{909E8E84-426E-40DD-AFC4-6F175D3DCCD1}">
-              <a14:hiddenFill xmlns:a14="http://schemas.microsoft.com/office/drawing/2010/main">
-                <a:solidFill>
-                  <a:srgbClr val="FFFFFF"/>
-                </a:solidFill>
-              </a14:hiddenFill>
-            </a:ext>
-          </a:extLst>
-        </p:spPr>
-      </p:pic>
+              <a:rPr lang="en-CA" dirty="0"/>
+              <a:t>We’ve seen that neural networks offer a large amount of flexibility in their configuration.</a:t>
+            </a:r>
+          </a:p>
+          <a:p>
+            <a:r>
+              <a:rPr lang="en-CA" dirty="0"/>
+              <a:t>How do we determine the optimal structure?</a:t>
+            </a:r>
+          </a:p>
+          <a:p>
+            <a:r>
+              <a:rPr lang="en-CA" dirty="0"/>
+              <a:t>Generally, the true answer is to grid search it. </a:t>
+            </a:r>
+          </a:p>
+          <a:p>
+            <a:r>
+              <a:rPr lang="en-CA" dirty="0"/>
+              <a:t>We can use some guidelines to get started in a reasonable and smart way. </a:t>
+            </a:r>
+          </a:p>
+          <a:p>
+            <a:pPr lvl="1"/>
+            <a:r>
+              <a:rPr lang="en-CA" dirty="0"/>
+              <a:t>Problem types (image class, NLP, </a:t>
+            </a:r>
+            <a:r>
+              <a:rPr lang="en-CA" dirty="0" err="1"/>
+              <a:t>etc</a:t>
+            </a:r>
+            <a:r>
+              <a:rPr lang="en-CA" dirty="0"/>
+              <a:t>…) have architectures that work well, and most things (except innovations) are based on what worked before. </a:t>
+            </a:r>
+          </a:p>
+          <a:p>
+            <a:r>
+              <a:rPr lang="en-CA" dirty="0"/>
+              <a:t>This is largely getting used to </a:t>
+            </a:r>
+            <a:r>
+              <a:rPr lang="en-CA" dirty="0" err="1"/>
+              <a:t>keras</a:t>
+            </a:r>
+            <a:r>
+              <a:rPr lang="en-CA" dirty="0"/>
+              <a:t> and making adjustments there. </a:t>
+            </a:r>
+          </a:p>
+          <a:p>
+            <a:pPr lvl="1"/>
+            <a:r>
+              <a:rPr lang="en-CA" dirty="0"/>
+              <a:t>Play around with some models, get used to syntax, try some different models. </a:t>
+            </a:r>
+          </a:p>
+        </p:txBody>
+      </p:sp>
     </p:spTree>
     <p:extLst>
       <p:ext uri="{BB962C8B-B14F-4D97-AF65-F5344CB8AC3E}">
-        <p14:creationId xmlns:p14="http://schemas.microsoft.com/office/powerpoint/2010/main" val="2096695825"/>
+        <p14:creationId xmlns:p14="http://schemas.microsoft.com/office/powerpoint/2010/main" val="2495634073"/>
       </p:ext>
     </p:extLst>
   </p:cSld>
@@ -10305,7 +10324,7 @@
           <p:cNvPr id="2" name="Title 1">
             <a:extLst>
               <a:ext uri="{FF2B5EF4-FFF2-40B4-BE49-F238E27FC236}">
-                <a16:creationId xmlns:a16="http://schemas.microsoft.com/office/drawing/2014/main" id="{E42CF152-59D1-43C2-9435-C78A5207614E}"/>
+                <a16:creationId xmlns:a16="http://schemas.microsoft.com/office/drawing/2014/main" id="{17C9DA24-AFDB-91EC-071C-BF0F9957F9D3}"/>
               </a:ext>
             </a:extLst>
           </p:cNvPr>
@@ -10316,16 +10335,20 @@
             <p:ph type="title"/>
           </p:nvPr>
         </p:nvSpPr>
-        <p:spPr/>
+        <p:spPr>
+          <a:xfrm>
+            <a:off x="4498428" y="804519"/>
+            <a:ext cx="6556426" cy="1049235"/>
+          </a:xfrm>
+        </p:spPr>
         <p:txBody>
           <a:bodyPr/>
           <a:lstStyle/>
           <a:p>
             <a:r>
-              <a:rPr lang="en-CA" dirty="0"/>
-              <a:t>Network Size</a:t>
-            </a:r>
-            <a:endParaRPr lang="LID4096" dirty="0"/>
+              <a:rPr lang="en-US" dirty="0"/>
+              <a:t>Converging Loss Plots</a:t>
+            </a:r>
           </a:p>
         </p:txBody>
       </p:sp>
@@ -10334,7 +10357,7 @@
           <p:cNvPr id="3" name="Content Placeholder 2">
             <a:extLst>
               <a:ext uri="{FF2B5EF4-FFF2-40B4-BE49-F238E27FC236}">
-                <a16:creationId xmlns:a16="http://schemas.microsoft.com/office/drawing/2014/main" id="{22A90C32-B7B4-4D00-AA34-E379414D8F75}"/>
+                <a16:creationId xmlns:a16="http://schemas.microsoft.com/office/drawing/2014/main" id="{C623E00D-8DE0-1D03-19D1-D0D541C15FFF}"/>
               </a:ext>
             </a:extLst>
           </p:cNvPr>
@@ -10345,55 +10368,176 @@
             <p:ph idx="1"/>
           </p:nvPr>
         </p:nvSpPr>
-        <p:spPr/>
-        <p:txBody>
-          <a:bodyPr/>
-          <a:lstStyle/>
-          <a:p>
-            <a:r>
-              <a:rPr lang="en-CA" dirty="0"/>
-              <a:t>The first thing to look at is the network size, or capacity.</a:t>
-            </a:r>
-          </a:p>
-          <a:p>
-            <a:r>
-              <a:rPr lang="en-CA" dirty="0"/>
-              <a:t>The more neurons a network had, the higher the capacity. </a:t>
-            </a:r>
-          </a:p>
-          <a:p>
-            <a:r>
-              <a:rPr lang="en-CA" dirty="0"/>
-              <a:t>In general, larger networks need larger amounts of data, to find more complex relationships.  </a:t>
-            </a:r>
-          </a:p>
-          <a:p>
-            <a:r>
-              <a:rPr lang="en-CA" dirty="0"/>
-              <a:t>We can examine the two metrics of size:</a:t>
-            </a:r>
-          </a:p>
-          <a:p>
-            <a:pPr lvl="1"/>
-            <a:r>
-              <a:rPr lang="en-CA" dirty="0"/>
-              <a:t>Neurons per layer (width)</a:t>
-            </a:r>
-          </a:p>
-          <a:p>
-            <a:pPr lvl="1"/>
-            <a:r>
-              <a:rPr lang="en-CA" dirty="0"/>
-              <a:t>Number of layers (depth)</a:t>
-            </a:r>
-            <a:endParaRPr lang="LID4096" dirty="0"/>
-          </a:p>
-        </p:txBody>
-      </p:sp>
+        <p:spPr>
+          <a:xfrm>
+            <a:off x="4313735" y="1853754"/>
+            <a:ext cx="7666061" cy="4199727"/>
+          </a:xfrm>
+        </p:spPr>
+        <p:txBody>
+          <a:bodyPr>
+            <a:normAutofit lnSpcReduction="10000"/>
+          </a:bodyPr>
+          <a:lstStyle/>
+          <a:p>
+            <a:r>
+              <a:rPr lang="en-US" dirty="0"/>
+              <a:t>Our main tool for monitoring training is the loss plot. </a:t>
+            </a:r>
+          </a:p>
+          <a:p>
+            <a:r>
+              <a:rPr lang="en-US" dirty="0"/>
+              <a:t>We are looking for, ideally, where the validation loss flattens, or minimizes and starts to increase again. </a:t>
+            </a:r>
+          </a:p>
+          <a:p>
+            <a:pPr lvl="1"/>
+            <a:r>
+              <a:rPr lang="en-US" dirty="0"/>
+              <a:t>The more stable, the more reliable, but it won’t always get this smooth. </a:t>
+            </a:r>
+          </a:p>
+          <a:p>
+            <a:r>
+              <a:rPr lang="en-US" dirty="0"/>
+              <a:t>These show an accurate small and large model – small is more jumpy. </a:t>
+            </a:r>
+          </a:p>
+          <a:p>
+            <a:pPr lvl="1"/>
+            <a:r>
+              <a:rPr lang="en-US" dirty="0"/>
+              <a:t>Error scale on Y are very small on both. </a:t>
+            </a:r>
+          </a:p>
+          <a:p>
+            <a:r>
+              <a:rPr lang="en-US" dirty="0"/>
+              <a:t>Training loss seems to be flattening as well – convergence. </a:t>
+            </a:r>
+          </a:p>
+          <a:p>
+            <a:pPr lvl="1"/>
+            <a:r>
+              <a:rPr lang="en-US" dirty="0"/>
+              <a:t>The ball has found the low point of the gradient curve. </a:t>
+            </a:r>
+          </a:p>
+          <a:p>
+            <a:pPr lvl="1"/>
+            <a:r>
+              <a:rPr lang="en-US" dirty="0"/>
+              <a:t>It may bump around a little, but we’ve found the bottom of loss. </a:t>
+            </a:r>
+          </a:p>
+          <a:p>
+            <a:r>
+              <a:rPr lang="en-US" dirty="0"/>
+              <a:t>The smaller the gap, the less overfitting – small and stable is ideal. </a:t>
+            </a:r>
+          </a:p>
+        </p:txBody>
+      </p:sp>
+      <p:pic>
+        <p:nvPicPr>
+          <p:cNvPr id="6146" name="Picture 2" descr="enter image description here">
+            <a:extLst>
+              <a:ext uri="{FF2B5EF4-FFF2-40B4-BE49-F238E27FC236}">
+                <a16:creationId xmlns:a16="http://schemas.microsoft.com/office/drawing/2014/main" id="{7A3E84A7-7C2E-A8AD-FF45-4094130373D0}"/>
+              </a:ext>
+            </a:extLst>
+          </p:cNvPr>
+          <p:cNvPicPr>
+            <a:picLocks noChangeAspect="1" noChangeArrowheads="1"/>
+          </p:cNvPicPr>
+          <p:nvPr/>
+        </p:nvPicPr>
+        <p:blipFill>
+          <a:blip r:embed="rId2">
+            <a:extLst>
+              <a:ext uri="{28A0092B-C50C-407E-A947-70E740481C1C}">
+                <a14:useLocalDpi xmlns:a14="http://schemas.microsoft.com/office/drawing/2010/main" val="0"/>
+              </a:ext>
+            </a:extLst>
+          </a:blip>
+          <a:srcRect/>
+          <a:stretch>
+            <a:fillRect/>
+          </a:stretch>
+        </p:blipFill>
+        <p:spPr bwMode="auto">
+          <a:xfrm>
+            <a:off x="0" y="2544264"/>
+            <a:ext cx="4313736" cy="4313736"/>
+          </a:xfrm>
+          <a:prstGeom prst="rect">
+            <a:avLst/>
+          </a:prstGeom>
+          <a:noFill/>
+          <a:extLst>
+            <a:ext uri="{909E8E84-426E-40DD-AFC4-6F175D3DCCD1}">
+              <a14:hiddenFill xmlns:a14="http://schemas.microsoft.com/office/drawing/2010/main">
+                <a:solidFill>
+                  <a:srgbClr val="FFFFFF"/>
+                </a:solidFill>
+              </a14:hiddenFill>
+            </a:ext>
+          </a:extLst>
+        </p:spPr>
+      </p:pic>
+      <p:pic>
+        <p:nvPicPr>
+          <p:cNvPr id="6151" name="Picture 7" descr="shows the convergence of loss function over training and validation data |  Download Scientific Diagram">
+            <a:hlinkClick r:id="rId3"/>
+            <a:extLst>
+              <a:ext uri="{FF2B5EF4-FFF2-40B4-BE49-F238E27FC236}">
+                <a16:creationId xmlns:a16="http://schemas.microsoft.com/office/drawing/2014/main" id="{076B6416-0FE9-90B5-7369-107524A7E6AE}"/>
+              </a:ext>
+            </a:extLst>
+          </p:cNvPr>
+          <p:cNvPicPr>
+            <a:picLocks noChangeAspect="1" noChangeArrowheads="1"/>
+          </p:cNvPicPr>
+          <p:nvPr/>
+        </p:nvPicPr>
+        <p:blipFill>
+          <a:blip r:embed="rId4">
+            <a:extLst>
+              <a:ext uri="{28A0092B-C50C-407E-A947-70E740481C1C}">
+                <a14:useLocalDpi xmlns:a14="http://schemas.microsoft.com/office/drawing/2010/main" val="0"/>
+              </a:ext>
+            </a:extLst>
+          </a:blip>
+          <a:srcRect/>
+          <a:stretch>
+            <a:fillRect/>
+          </a:stretch>
+        </p:blipFill>
+        <p:spPr bwMode="auto">
+          <a:xfrm>
+            <a:off x="0" y="0"/>
+            <a:ext cx="4313737" cy="2872441"/>
+          </a:xfrm>
+          <a:prstGeom prst="rect">
+            <a:avLst/>
+          </a:prstGeom>
+          <a:noFill/>
+          <a:extLst>
+            <a:ext uri="{909E8E84-426E-40DD-AFC4-6F175D3DCCD1}">
+              <a14:hiddenFill xmlns:a14="http://schemas.microsoft.com/office/drawing/2010/main">
+                <a:solidFill>
+                  <a:srgbClr val="FFFFFF"/>
+                </a:solidFill>
+              </a14:hiddenFill>
+            </a:ext>
+          </a:extLst>
+        </p:spPr>
+      </p:pic>
     </p:spTree>
     <p:extLst>
       <p:ext uri="{BB962C8B-B14F-4D97-AF65-F5344CB8AC3E}">
-        <p14:creationId xmlns:p14="http://schemas.microsoft.com/office/powerpoint/2010/main" val="2949275183"/>
+        <p14:creationId xmlns:p14="http://schemas.microsoft.com/office/powerpoint/2010/main" val="2096695825"/>
       </p:ext>
     </p:extLst>
   </p:cSld>
@@ -10425,7 +10569,7 @@
           <p:cNvPr id="2" name="Title 1">
             <a:extLst>
               <a:ext uri="{FF2B5EF4-FFF2-40B4-BE49-F238E27FC236}">
-                <a16:creationId xmlns:a16="http://schemas.microsoft.com/office/drawing/2014/main" id="{B89B01E8-D08A-4763-AF4C-320DC895D201}"/>
+                <a16:creationId xmlns:a16="http://schemas.microsoft.com/office/drawing/2014/main" id="{E42CF152-59D1-43C2-9435-C78A5207614E}"/>
               </a:ext>
             </a:extLst>
           </p:cNvPr>
@@ -10443,7 +10587,7 @@
           <a:p>
             <a:r>
               <a:rPr lang="en-CA" dirty="0"/>
-              <a:t>Width vs Depth</a:t>
+              <a:t>Network Size</a:t>
             </a:r>
             <a:endParaRPr lang="LID4096" dirty="0"/>
           </a:p>
@@ -10454,7 +10598,7 @@
           <p:cNvPr id="3" name="Content Placeholder 2">
             <a:extLst>
               <a:ext uri="{FF2B5EF4-FFF2-40B4-BE49-F238E27FC236}">
-                <a16:creationId xmlns:a16="http://schemas.microsoft.com/office/drawing/2014/main" id="{9BCF86B8-C25D-452D-84CF-B6190DEDA681}"/>
+                <a16:creationId xmlns:a16="http://schemas.microsoft.com/office/drawing/2014/main" id="{22A90C32-B7B4-4D00-AA34-E379414D8F75}"/>
               </a:ext>
             </a:extLst>
           </p:cNvPr>
@@ -10465,82 +10609,46 @@
             <p:ph idx="1"/>
           </p:nvPr>
         </p:nvSpPr>
-        <p:spPr>
-          <a:xfrm>
-            <a:off x="1451579" y="1853754"/>
-            <a:ext cx="9603275" cy="4288629"/>
-          </a:xfrm>
-        </p:spPr>
-        <p:txBody>
-          <a:bodyPr>
-            <a:normAutofit/>
-          </a:bodyPr>
+        <p:spPr/>
+        <p:txBody>
+          <a:bodyPr/>
           <a:lstStyle/>
           <a:p>
             <a:r>
               <a:rPr lang="en-CA" dirty="0"/>
-              <a:t>When we make a neural network, should we favor width or depth?</a:t>
+              <a:t>The first thing to look at is the network size, or capacity.</a:t>
             </a:r>
           </a:p>
           <a:p>
             <a:r>
               <a:rPr lang="en-CA" dirty="0"/>
-              <a:t>In theory one hidden layer can approximate any function. </a:t>
-            </a:r>
-          </a:p>
-          <a:p>
-            <a:pPr lvl="1"/>
+              <a:t>The more neurons a network had, the higher the capacity. </a:t>
+            </a:r>
+          </a:p>
+          <a:p>
             <a:r>
               <a:rPr lang="en-CA" dirty="0"/>
-              <a:t>Universal approximation theorem – one layer can in principle learn anything. </a:t>
+              <a:t>In general, larger networks need larger amounts of data, to find more complex relationships.  </a:t>
             </a:r>
           </a:p>
           <a:p>
             <a:r>
               <a:rPr lang="en-CA" dirty="0"/>
-              <a:t>In general, depth is preferred more often. Why?</a:t>
+              <a:t>We can examine the two metrics of size:</a:t>
             </a:r>
           </a:p>
           <a:p>
             <a:pPr lvl="1"/>
             <a:r>
               <a:rPr lang="en-CA" dirty="0"/>
-              <a:t>Wider networks are more prone to overfitting. </a:t>
+              <a:t>Neurons per layer (width)</a:t>
             </a:r>
           </a:p>
           <a:p>
             <a:pPr lvl="1"/>
             <a:r>
               <a:rPr lang="en-CA" dirty="0"/>
-              <a:t>Deep networks can find representations of data with each transformation (see in CNNs next)</a:t>
-            </a:r>
-          </a:p>
-          <a:p>
-            <a:pPr lvl="1"/>
-            <a:r>
-              <a:rPr lang="en-CA" dirty="0"/>
-              <a:t>We can apply regularization or normalization between layers to counter overfitting. </a:t>
-            </a:r>
-          </a:p>
-          <a:p>
-            <a:pPr lvl="1"/>
-            <a:r>
-              <a:rPr lang="en-CA" dirty="0"/>
-              <a:t>We can make models with more complex structure – layer types and connections. </a:t>
-            </a:r>
-          </a:p>
-          <a:p>
-            <a:pPr lvl="1"/>
-            <a:r>
-              <a:rPr lang="en-CA" dirty="0"/>
-              <a:t>Deep networks can kind of feature select as less significant features are minimized. </a:t>
-            </a:r>
-          </a:p>
-          <a:p>
-            <a:pPr lvl="1"/>
-            <a:r>
-              <a:rPr lang="en-CA" dirty="0"/>
-              <a:t>Data with complex relationships (’natural’ stuff) tends to do well with deep models. </a:t>
+              <a:t>Number of layers (depth)</a:t>
             </a:r>
             <a:endParaRPr lang="LID4096" dirty="0"/>
           </a:p>
@@ -10549,7 +10657,7 @@
     </p:spTree>
     <p:extLst>
       <p:ext uri="{BB962C8B-B14F-4D97-AF65-F5344CB8AC3E}">
-        <p14:creationId xmlns:p14="http://schemas.microsoft.com/office/powerpoint/2010/main" val="1095230113"/>
+        <p14:creationId xmlns:p14="http://schemas.microsoft.com/office/powerpoint/2010/main" val="2949275183"/>
       </p:ext>
     </p:extLst>
   </p:cSld>
